--- a/Telemetry Gateway Monitoring.pptx
+++ b/Telemetry Gateway Monitoring.pptx
@@ -7529,7 +7529,7 @@
           <a:p>
             <a:fld id="{63CA2310-8BCF-4A82-9E14-004A80B6FD7C}" type="datetimeFigureOut">
               <a:rPr lang="de-AT" smtClean="0"/>
-              <a:t>05.03.2019</a:t>
+              <a:t>06.03.2019</a:t>
             </a:fld>
             <a:endParaRPr lang="de-AT"/>
           </a:p>
@@ -7946,7 +7946,7 @@
           <a:p>
             <a:fld id="{04B7B1CB-EE3B-4A3E-A31C-A53455453B89}" type="datetime1">
               <a:rPr lang="de-AT" smtClean="0"/>
-              <a:t>05.03.2019</a:t>
+              <a:t>06.03.2019</a:t>
             </a:fld>
             <a:endParaRPr lang="de-AT"/>
           </a:p>
@@ -8019,13 +8019,13 @@
   <p:clrMapOvr>
     <a:masterClrMapping/>
   </p:clrMapOvr>
-  <mc:AlternateContent xmlns:mc="http://schemas.openxmlformats.org/markup-compatibility/2006">
-    <mc:Choice xmlns:p14="http://schemas.microsoft.com/office/powerpoint/2010/main" Requires="p14">
+  <mc:AlternateContent xmlns:mc="http://schemas.openxmlformats.org/markup-compatibility/2006" xmlns:p14="http://schemas.microsoft.com/office/powerpoint/2010/main">
+    <mc:Choice Requires="p14">
       <p:transition spd="slow">
         <p14:pan/>
       </p:transition>
     </mc:Choice>
-    <mc:Fallback>
+    <mc:Fallback xmlns="">
       <p:transition spd="slow">
         <p:fade/>
       </p:transition>
@@ -8161,7 +8161,7 @@
           <a:p>
             <a:fld id="{903E7589-FFE5-4C1C-A17A-661FFD6F84A5}" type="datetime1">
               <a:rPr lang="de-AT" smtClean="0"/>
-              <a:t>05.03.2019</a:t>
+              <a:t>06.03.2019</a:t>
             </a:fld>
             <a:endParaRPr lang="de-AT"/>
           </a:p>
@@ -8234,13 +8234,13 @@
   <p:clrMapOvr>
     <a:masterClrMapping/>
   </p:clrMapOvr>
-  <mc:AlternateContent xmlns:mc="http://schemas.openxmlformats.org/markup-compatibility/2006">
-    <mc:Choice xmlns:p14="http://schemas.microsoft.com/office/powerpoint/2010/main" Requires="p14">
+  <mc:AlternateContent xmlns:mc="http://schemas.openxmlformats.org/markup-compatibility/2006" xmlns:p14="http://schemas.microsoft.com/office/powerpoint/2010/main">
+    <mc:Choice Requires="p14">
       <p:transition spd="slow">
         <p14:pan/>
       </p:transition>
     </mc:Choice>
-    <mc:Fallback>
+    <mc:Fallback xmlns="">
       <p:transition spd="slow">
         <p:fade/>
       </p:transition>
@@ -8386,7 +8386,7 @@
           <a:p>
             <a:fld id="{67363B0C-4E91-4AEE-9453-15AD6684103F}" type="datetime1">
               <a:rPr lang="de-AT" smtClean="0"/>
-              <a:t>05.03.2019</a:t>
+              <a:t>06.03.2019</a:t>
             </a:fld>
             <a:endParaRPr lang="de-AT"/>
           </a:p>
@@ -8459,13 +8459,13 @@
   <p:clrMapOvr>
     <a:masterClrMapping/>
   </p:clrMapOvr>
-  <mc:AlternateContent xmlns:mc="http://schemas.openxmlformats.org/markup-compatibility/2006">
-    <mc:Choice xmlns:p14="http://schemas.microsoft.com/office/powerpoint/2010/main" Requires="p14">
+  <mc:AlternateContent xmlns:mc="http://schemas.openxmlformats.org/markup-compatibility/2006" xmlns:p14="http://schemas.microsoft.com/office/powerpoint/2010/main">
+    <mc:Choice Requires="p14">
       <p:transition spd="slow">
         <p14:pan/>
       </p:transition>
     </mc:Choice>
-    <mc:Fallback>
+    <mc:Fallback xmlns="">
       <p:transition spd="slow">
         <p:fade/>
       </p:transition>
@@ -8601,7 +8601,7 @@
           <a:p>
             <a:fld id="{FD6292B7-70A6-4C50-B923-B35761BCED52}" type="datetime1">
               <a:rPr lang="de-AT" smtClean="0"/>
-              <a:t>05.03.2019</a:t>
+              <a:t>06.03.2019</a:t>
             </a:fld>
             <a:endParaRPr lang="de-AT"/>
           </a:p>
@@ -8674,13 +8674,13 @@
   <p:clrMapOvr>
     <a:masterClrMapping/>
   </p:clrMapOvr>
-  <mc:AlternateContent xmlns:mc="http://schemas.openxmlformats.org/markup-compatibility/2006">
-    <mc:Choice xmlns:p14="http://schemas.microsoft.com/office/powerpoint/2010/main" Requires="p14">
+  <mc:AlternateContent xmlns:mc="http://schemas.openxmlformats.org/markup-compatibility/2006" xmlns:p14="http://schemas.microsoft.com/office/powerpoint/2010/main">
+    <mc:Choice Requires="p14">
       <p:transition spd="slow">
         <p14:pan/>
       </p:transition>
     </mc:Choice>
-    <mc:Fallback>
+    <mc:Fallback xmlns="">
       <p:transition spd="slow">
         <p:fade/>
       </p:transition>
@@ -8892,7 +8892,7 @@
           <a:p>
             <a:fld id="{375F7439-D609-4E1B-818A-B2C3580B9669}" type="datetime1">
               <a:rPr lang="de-AT" smtClean="0"/>
-              <a:t>05.03.2019</a:t>
+              <a:t>06.03.2019</a:t>
             </a:fld>
             <a:endParaRPr lang="de-AT"/>
           </a:p>
@@ -8965,13 +8965,13 @@
   <p:clrMapOvr>
     <a:masterClrMapping/>
   </p:clrMapOvr>
-  <mc:AlternateContent xmlns:mc="http://schemas.openxmlformats.org/markup-compatibility/2006">
-    <mc:Choice xmlns:p14="http://schemas.microsoft.com/office/powerpoint/2010/main" Requires="p14">
+  <mc:AlternateContent xmlns:mc="http://schemas.openxmlformats.org/markup-compatibility/2006" xmlns:p14="http://schemas.microsoft.com/office/powerpoint/2010/main">
+    <mc:Choice Requires="p14">
       <p:transition spd="slow">
         <p14:pan/>
       </p:transition>
     </mc:Choice>
-    <mc:Fallback>
+    <mc:Fallback xmlns="">
       <p:transition spd="slow">
         <p:fade/>
       </p:transition>
@@ -9175,7 +9175,7 @@
           <a:p>
             <a:fld id="{56C603BB-499A-400B-9575-F941A4FF7CB0}" type="datetime1">
               <a:rPr lang="de-AT" smtClean="0"/>
-              <a:t>05.03.2019</a:t>
+              <a:t>06.03.2019</a:t>
             </a:fld>
             <a:endParaRPr lang="de-AT"/>
           </a:p>
@@ -9248,13 +9248,13 @@
   <p:clrMapOvr>
     <a:masterClrMapping/>
   </p:clrMapOvr>
-  <mc:AlternateContent xmlns:mc="http://schemas.openxmlformats.org/markup-compatibility/2006">
-    <mc:Choice xmlns:p14="http://schemas.microsoft.com/office/powerpoint/2010/main" Requires="p14">
+  <mc:AlternateContent xmlns:mc="http://schemas.openxmlformats.org/markup-compatibility/2006" xmlns:p14="http://schemas.microsoft.com/office/powerpoint/2010/main">
+    <mc:Choice Requires="p14">
       <p:transition spd="slow">
         <p14:pan/>
       </p:transition>
     </mc:Choice>
-    <mc:Fallback>
+    <mc:Fallback xmlns="">
       <p:transition spd="slow">
         <p:fade/>
       </p:transition>
@@ -9605,7 +9605,7 @@
           <a:p>
             <a:fld id="{248E0D6C-5F53-4BF6-B217-0202DDFB8ECF}" type="datetime1">
               <a:rPr lang="de-AT" smtClean="0"/>
-              <a:t>05.03.2019</a:t>
+              <a:t>06.03.2019</a:t>
             </a:fld>
             <a:endParaRPr lang="de-AT"/>
           </a:p>
@@ -9678,13 +9678,13 @@
   <p:clrMapOvr>
     <a:masterClrMapping/>
   </p:clrMapOvr>
-  <mc:AlternateContent xmlns:mc="http://schemas.openxmlformats.org/markup-compatibility/2006">
-    <mc:Choice xmlns:p14="http://schemas.microsoft.com/office/powerpoint/2010/main" Requires="p14">
+  <mc:AlternateContent xmlns:mc="http://schemas.openxmlformats.org/markup-compatibility/2006" xmlns:p14="http://schemas.microsoft.com/office/powerpoint/2010/main">
+    <mc:Choice Requires="p14">
       <p:transition spd="slow">
         <p14:pan/>
       </p:transition>
     </mc:Choice>
-    <mc:Fallback>
+    <mc:Fallback xmlns="">
       <p:transition spd="slow">
         <p:fade/>
       </p:transition>
@@ -9762,7 +9762,7 @@
           <a:p>
             <a:fld id="{87B8DEF8-B6CD-4ABF-B782-D220D65E7EB0}" type="datetime1">
               <a:rPr lang="de-AT" smtClean="0"/>
-              <a:t>05.03.2019</a:t>
+              <a:t>06.03.2019</a:t>
             </a:fld>
             <a:endParaRPr lang="de-AT"/>
           </a:p>
@@ -9835,13 +9835,13 @@
   <p:clrMapOvr>
     <a:masterClrMapping/>
   </p:clrMapOvr>
-  <mc:AlternateContent xmlns:mc="http://schemas.openxmlformats.org/markup-compatibility/2006">
-    <mc:Choice xmlns:p14="http://schemas.microsoft.com/office/powerpoint/2010/main" Requires="p14">
+  <mc:AlternateContent xmlns:mc="http://schemas.openxmlformats.org/markup-compatibility/2006" xmlns:p14="http://schemas.microsoft.com/office/powerpoint/2010/main">
+    <mc:Choice Requires="p14">
       <p:transition spd="slow">
         <p14:pan/>
       </p:transition>
     </mc:Choice>
-    <mc:Fallback>
+    <mc:Fallback xmlns="">
       <p:transition spd="slow">
         <p:fade/>
       </p:transition>
@@ -9890,7 +9890,7 @@
           <a:p>
             <a:fld id="{02BFEA8B-0EEA-49BE-BC19-2474A17A97DD}" type="datetime1">
               <a:rPr lang="de-AT" smtClean="0"/>
-              <a:t>05.03.2019</a:t>
+              <a:t>06.03.2019</a:t>
             </a:fld>
             <a:endParaRPr lang="de-AT"/>
           </a:p>
@@ -9963,13 +9963,13 @@
   <p:clrMapOvr>
     <a:masterClrMapping/>
   </p:clrMapOvr>
-  <mc:AlternateContent xmlns:mc="http://schemas.openxmlformats.org/markup-compatibility/2006">
-    <mc:Choice xmlns:p14="http://schemas.microsoft.com/office/powerpoint/2010/main" Requires="p14">
+  <mc:AlternateContent xmlns:mc="http://schemas.openxmlformats.org/markup-compatibility/2006" xmlns:p14="http://schemas.microsoft.com/office/powerpoint/2010/main">
+    <mc:Choice Requires="p14">
       <p:transition spd="slow">
         <p14:pan/>
       </p:transition>
     </mc:Choice>
-    <mc:Fallback>
+    <mc:Fallback xmlns="">
       <p:transition spd="slow">
         <p:fade/>
       </p:transition>
@@ -10218,7 +10218,7 @@
           <a:p>
             <a:fld id="{9DE49396-A74B-4A7F-9FEA-5C0D177F4AF6}" type="datetime1">
               <a:rPr lang="de-AT" smtClean="0"/>
-              <a:t>05.03.2019</a:t>
+              <a:t>06.03.2019</a:t>
             </a:fld>
             <a:endParaRPr lang="de-AT"/>
           </a:p>
@@ -10291,13 +10291,13 @@
   <p:clrMapOvr>
     <a:masterClrMapping/>
   </p:clrMapOvr>
-  <mc:AlternateContent xmlns:mc="http://schemas.openxmlformats.org/markup-compatibility/2006">
-    <mc:Choice xmlns:p14="http://schemas.microsoft.com/office/powerpoint/2010/main" Requires="p14">
+  <mc:AlternateContent xmlns:mc="http://schemas.openxmlformats.org/markup-compatibility/2006" xmlns:p14="http://schemas.microsoft.com/office/powerpoint/2010/main">
+    <mc:Choice Requires="p14">
       <p:transition spd="slow">
         <p14:pan/>
       </p:transition>
     </mc:Choice>
-    <mc:Fallback>
+    <mc:Fallback xmlns="">
       <p:transition spd="slow">
         <p:fade/>
       </p:transition>
@@ -10522,7 +10522,7 @@
           <a:p>
             <a:fld id="{5C8883B4-AE7B-4968-9F85-1D972A8B114A}" type="datetime1">
               <a:rPr lang="de-AT" smtClean="0"/>
-              <a:t>05.03.2019</a:t>
+              <a:t>06.03.2019</a:t>
             </a:fld>
             <a:endParaRPr lang="de-AT"/>
           </a:p>
@@ -10595,13 +10595,13 @@
   <p:clrMapOvr>
     <a:masterClrMapping/>
   </p:clrMapOvr>
-  <mc:AlternateContent xmlns:mc="http://schemas.openxmlformats.org/markup-compatibility/2006">
-    <mc:Choice xmlns:p14="http://schemas.microsoft.com/office/powerpoint/2010/main" Requires="p14">
+  <mc:AlternateContent xmlns:mc="http://schemas.openxmlformats.org/markup-compatibility/2006" xmlns:p14="http://schemas.microsoft.com/office/powerpoint/2010/main">
+    <mc:Choice Requires="p14">
       <p:transition spd="slow">
         <p14:pan/>
       </p:transition>
     </mc:Choice>
-    <mc:Fallback>
+    <mc:Fallback xmlns="">
       <p:transition spd="slow">
         <p:fade/>
       </p:transition>
@@ -10783,7 +10783,7 @@
           <a:p>
             <a:fld id="{67614832-DF44-4D59-A3C8-8BBE1533FF73}" type="datetime1">
               <a:rPr lang="de-AT" smtClean="0"/>
-              <a:t>05.03.2019</a:t>
+              <a:t>06.03.2019</a:t>
             </a:fld>
             <a:endParaRPr lang="de-AT"/>
           </a:p>
@@ -10903,13 +10903,13 @@
     <p:sldLayoutId id="2147483658" r:id="rId10"/>
     <p:sldLayoutId id="2147483659" r:id="rId11"/>
   </p:sldLayoutIdLst>
-  <mc:AlternateContent xmlns:mc="http://schemas.openxmlformats.org/markup-compatibility/2006">
-    <mc:Choice xmlns:p14="http://schemas.microsoft.com/office/powerpoint/2010/main" Requires="p14">
+  <mc:AlternateContent xmlns:mc="http://schemas.openxmlformats.org/markup-compatibility/2006" xmlns:p14="http://schemas.microsoft.com/office/powerpoint/2010/main">
+    <mc:Choice Requires="p14">
       <p:transition spd="slow">
         <p14:pan/>
       </p:transition>
     </mc:Choice>
-    <mc:Fallback>
+    <mc:Fallback xmlns="">
       <p:transition spd="slow">
         <p:fade/>
       </p:transition>
@@ -11514,13 +11514,13 @@
   <p:clrMapOvr>
     <a:masterClrMapping/>
   </p:clrMapOvr>
-  <mc:AlternateContent xmlns:mc="http://schemas.openxmlformats.org/markup-compatibility/2006">
-    <mc:Choice xmlns:p14="http://schemas.microsoft.com/office/powerpoint/2010/main" Requires="p14">
+  <mc:AlternateContent xmlns:mc="http://schemas.openxmlformats.org/markup-compatibility/2006" xmlns:p14="http://schemas.microsoft.com/office/powerpoint/2010/main">
+    <mc:Choice Requires="p14">
       <p:transition spd="slow" p14:dur="1500">
         <p14:window dir="vert"/>
       </p:transition>
     </mc:Choice>
-    <mc:Fallback>
+    <mc:Fallback xmlns="">
       <p:transition spd="slow">
         <p:fade/>
       </p:transition>
@@ -11659,8 +11659,23 @@
               </a:lnSpc>
             </a:pPr>
             <a:r>
+              <a:rPr lang="de-DE" dirty="0" err="1"/>
+              <a:t>Wireframes</a:t>
+            </a:r>
+            <a:r>
               <a:rPr lang="de-DE" dirty="0"/>
-              <a:t>IBM Cloud einrichten</a:t>
+              <a:t> erstellen						20.03.2019</a:t>
+            </a:r>
+          </a:p>
+          <a:p>
+            <a:pPr>
+              <a:lnSpc>
+                <a:spcPct val="150000"/>
+              </a:lnSpc>
+            </a:pPr>
+            <a:r>
+              <a:rPr lang="de-DE" dirty="0"/>
+              <a:t>IBM Cloud einrichten						27.03.2019</a:t>
             </a:r>
           </a:p>
           <a:p>
@@ -11675,11 +11690,11 @@
             </a:r>
             <a:r>
               <a:rPr lang="de-DE" dirty="0" err="1"/>
-              <a:t>IoT-Platform</a:t>
+              <a:t>IoT</a:t>
             </a:r>
             <a:r>
               <a:rPr lang="de-DE" dirty="0"/>
-              <a:t> registrieren</a:t>
+              <a:t>-Plattform registrieren		03.04.2019</a:t>
             </a:r>
           </a:p>
           <a:p>
@@ -11690,7 +11705,7 @@
             </a:pPr>
             <a:r>
               <a:rPr lang="de-DE" dirty="0"/>
-              <a:t>Message Handler einrichten</a:t>
+              <a:t>Frontend Prototyp erstellen					27.04.2019</a:t>
             </a:r>
           </a:p>
           <a:p>
@@ -11701,22 +11716,7 @@
             </a:pPr>
             <a:r>
               <a:rPr lang="de-DE" dirty="0"/>
-              <a:t>Datenbank aufsetzen &amp; DB Handler einrichten</a:t>
-            </a:r>
-          </a:p>
-          <a:p>
-            <a:pPr>
-              <a:lnSpc>
-                <a:spcPct val="150000"/>
-              </a:lnSpc>
-            </a:pPr>
-            <a:r>
-              <a:rPr lang="de-DE" dirty="0" err="1"/>
-              <a:t>Wireframes</a:t>
-            </a:r>
-            <a:r>
-              <a:rPr lang="de-DE" dirty="0"/>
-              <a:t> erstellen</a:t>
+              <a:t>Message Handler einrichten					27.04.2019</a:t>
             </a:r>
           </a:p>
           <a:p>
@@ -11727,7 +11727,7 @@
             </a:pPr>
             <a:r>
               <a:rPr lang="de-DE" dirty="0"/>
-              <a:t>Frontend Prototyp erstellen</a:t>
+              <a:t>Datenbank aufsetzen &amp; DB Handler einrichten		08.05.2019</a:t>
             </a:r>
           </a:p>
           <a:p>
@@ -11836,13 +11836,13 @@
   <p:clrMapOvr>
     <a:masterClrMapping/>
   </p:clrMapOvr>
-  <mc:AlternateContent xmlns:mc="http://schemas.openxmlformats.org/markup-compatibility/2006">
-    <mc:Choice xmlns:p14="http://schemas.microsoft.com/office/powerpoint/2010/main" Requires="p14">
+  <mc:AlternateContent xmlns:mc="http://schemas.openxmlformats.org/markup-compatibility/2006" xmlns:p14="http://schemas.microsoft.com/office/powerpoint/2010/main">
+    <mc:Choice Requires="p14">
       <p:transition spd="slow">
         <p14:pan/>
       </p:transition>
     </mc:Choice>
-    <mc:Fallback>
+    <mc:Fallback xmlns="">
       <p:transition spd="slow">
         <p:fade/>
       </p:transition>
@@ -12097,7 +12097,7 @@
           <a:p>
             <a:r>
               <a:rPr lang="de-AT" sz="2800" dirty="0"/>
-              <a:t>Eingeplante Stunden: 200</a:t>
+              <a:t>Eingeplante Stunden: 250</a:t>
             </a:r>
           </a:p>
         </p:txBody>
@@ -12148,13 +12148,13 @@
   <p:clrMapOvr>
     <a:masterClrMapping/>
   </p:clrMapOvr>
-  <mc:AlternateContent xmlns:mc="http://schemas.openxmlformats.org/markup-compatibility/2006">
-    <mc:Choice xmlns:p14="http://schemas.microsoft.com/office/powerpoint/2010/main" Requires="p14">
+  <mc:AlternateContent xmlns:mc="http://schemas.openxmlformats.org/markup-compatibility/2006" xmlns:p14="http://schemas.microsoft.com/office/powerpoint/2010/main">
+    <mc:Choice Requires="p14">
       <p:transition spd="slow">
         <p14:pan/>
       </p:transition>
     </mc:Choice>
-    <mc:Fallback>
+    <mc:Fallback xmlns="">
       <p:transition spd="slow">
         <p:fade/>
       </p:transition>
@@ -12408,13 +12408,13 @@
   <p:clrMapOvr>
     <a:masterClrMapping/>
   </p:clrMapOvr>
-  <mc:AlternateContent xmlns:mc="http://schemas.openxmlformats.org/markup-compatibility/2006">
-    <mc:Choice xmlns:p14="http://schemas.microsoft.com/office/powerpoint/2010/main" Requires="p14">
+  <mc:AlternateContent xmlns:mc="http://schemas.openxmlformats.org/markup-compatibility/2006" xmlns:p14="http://schemas.microsoft.com/office/powerpoint/2010/main">
+    <mc:Choice Requires="p14">
       <p:transition spd="slow">
         <p14:pan/>
       </p:transition>
     </mc:Choice>
-    <mc:Fallback>
+    <mc:Fallback xmlns="">
       <p:transition spd="slow">
         <p:fade/>
       </p:transition>
@@ -12738,13 +12738,13 @@
   <p:clrMapOvr>
     <a:masterClrMapping/>
   </p:clrMapOvr>
-  <mc:AlternateContent xmlns:mc="http://schemas.openxmlformats.org/markup-compatibility/2006">
-    <mc:Choice xmlns:p14="http://schemas.microsoft.com/office/powerpoint/2010/main" Requires="p14">
+  <mc:AlternateContent xmlns:mc="http://schemas.openxmlformats.org/markup-compatibility/2006" xmlns:p14="http://schemas.microsoft.com/office/powerpoint/2010/main">
+    <mc:Choice Requires="p14">
       <p:transition spd="slow">
         <p14:pan/>
       </p:transition>
     </mc:Choice>
-    <mc:Fallback>
+    <mc:Fallback xmlns="">
       <p:transition spd="slow">
         <p:fade/>
       </p:transition>
@@ -12854,13 +12854,13 @@
   <p:clrMapOvr>
     <a:masterClrMapping/>
   </p:clrMapOvr>
-  <mc:AlternateContent xmlns:mc="http://schemas.openxmlformats.org/markup-compatibility/2006">
-    <mc:Choice xmlns:p14="http://schemas.microsoft.com/office/powerpoint/2010/main" Requires="p14">
+  <mc:AlternateContent xmlns:mc="http://schemas.openxmlformats.org/markup-compatibility/2006" xmlns:p14="http://schemas.microsoft.com/office/powerpoint/2010/main">
+    <mc:Choice Requires="p14">
       <p:transition spd="slow">
         <p14:pan/>
       </p:transition>
     </mc:Choice>
-    <mc:Fallback>
+    <mc:Fallback xmlns="">
       <p:transition spd="slow">
         <p:fade/>
       </p:transition>
@@ -13066,13 +13066,13 @@
   <p:clrMapOvr>
     <a:masterClrMapping/>
   </p:clrMapOvr>
-  <mc:AlternateContent xmlns:mc="http://schemas.openxmlformats.org/markup-compatibility/2006">
-    <mc:Choice xmlns:p14="http://schemas.microsoft.com/office/powerpoint/2010/main" Requires="p14">
+  <mc:AlternateContent xmlns:mc="http://schemas.openxmlformats.org/markup-compatibility/2006" xmlns:p14="http://schemas.microsoft.com/office/powerpoint/2010/main">
+    <mc:Choice Requires="p14">
       <p:transition spd="slow" p14:dur="1300">
         <p14:pan/>
       </p:transition>
     </mc:Choice>
-    <mc:Fallback>
+    <mc:Fallback xmlns="">
       <p:transition spd="slow">
         <p:fade/>
       </p:transition>
@@ -13278,11 +13278,11 @@
   <p:clrMapOvr>
     <a:masterClrMapping/>
   </p:clrMapOvr>
-  <mc:AlternateContent xmlns:mc="http://schemas.openxmlformats.org/markup-compatibility/2006">
-    <mc:Choice xmlns:p14="http://schemas.microsoft.com/office/powerpoint/2010/main" Requires="p14">
+  <mc:AlternateContent xmlns:mc="http://schemas.openxmlformats.org/markup-compatibility/2006" xmlns:p14="http://schemas.microsoft.com/office/powerpoint/2010/main">
+    <mc:Choice Requires="p14">
       <p:transition p14:dur="0"/>
     </mc:Choice>
-    <mc:Fallback>
+    <mc:Fallback xmlns="">
       <p:transition/>
     </mc:Fallback>
   </mc:AlternateContent>
@@ -13486,11 +13486,11 @@
   <p:clrMapOvr>
     <a:masterClrMapping/>
   </p:clrMapOvr>
-  <mc:AlternateContent xmlns:mc="http://schemas.openxmlformats.org/markup-compatibility/2006">
-    <mc:Choice xmlns:p14="http://schemas.microsoft.com/office/powerpoint/2010/main" Requires="p14">
+  <mc:AlternateContent xmlns:mc="http://schemas.openxmlformats.org/markup-compatibility/2006" xmlns:p14="http://schemas.microsoft.com/office/powerpoint/2010/main">
+    <mc:Choice Requires="p14">
       <p:transition p14:dur="0"/>
     </mc:Choice>
-    <mc:Fallback>
+    <mc:Fallback xmlns="">
       <p:transition/>
     </mc:Fallback>
   </mc:AlternateContent>
@@ -14809,13 +14809,13 @@
   <p:clrMapOvr>
     <a:masterClrMapping/>
   </p:clrMapOvr>
-  <mc:AlternateContent xmlns:mc="http://schemas.openxmlformats.org/markup-compatibility/2006">
-    <mc:Choice xmlns:p14="http://schemas.microsoft.com/office/powerpoint/2010/main" Requires="p14">
+  <mc:AlternateContent xmlns:mc="http://schemas.openxmlformats.org/markup-compatibility/2006" xmlns:p14="http://schemas.microsoft.com/office/powerpoint/2010/main">
+    <mc:Choice Requires="p14">
       <p:transition spd="slow">
         <p14:pan/>
       </p:transition>
     </mc:Choice>
-    <mc:Fallback>
+    <mc:Fallback xmlns="">
       <p:transition spd="slow">
         <p:fade/>
       </p:transition>
@@ -15089,13 +15089,13 @@
   <p:clrMapOvr>
     <a:masterClrMapping/>
   </p:clrMapOvr>
-  <mc:AlternateContent xmlns:mc="http://schemas.openxmlformats.org/markup-compatibility/2006">
-    <mc:Choice xmlns:p14="http://schemas.microsoft.com/office/powerpoint/2010/main" Requires="p14">
+  <mc:AlternateContent xmlns:mc="http://schemas.openxmlformats.org/markup-compatibility/2006" xmlns:p14="http://schemas.microsoft.com/office/powerpoint/2010/main">
+    <mc:Choice Requires="p14">
       <p:transition spd="slow">
         <p14:pan/>
       </p:transition>
     </mc:Choice>
-    <mc:Fallback>
+    <mc:Fallback xmlns="">
       <p:transition spd="slow">
         <p:fade/>
       </p:transition>
@@ -15457,13 +15457,13 @@
   <p:clrMapOvr>
     <a:masterClrMapping/>
   </p:clrMapOvr>
-  <mc:AlternateContent xmlns:mc="http://schemas.openxmlformats.org/markup-compatibility/2006">
-    <mc:Choice xmlns:p14="http://schemas.microsoft.com/office/powerpoint/2010/main" Requires="p14">
+  <mc:AlternateContent xmlns:mc="http://schemas.openxmlformats.org/markup-compatibility/2006" xmlns:p14="http://schemas.microsoft.com/office/powerpoint/2010/main">
+    <mc:Choice Requires="p14">
       <p:transition spd="slow">
         <p14:pan/>
       </p:transition>
     </mc:Choice>
-    <mc:Fallback>
+    <mc:Fallback xmlns="">
       <p:transition spd="slow">
         <p:fade/>
       </p:transition>
@@ -15694,13 +15694,13 @@
   <p:clrMapOvr>
     <a:masterClrMapping/>
   </p:clrMapOvr>
-  <mc:AlternateContent xmlns:mc="http://schemas.openxmlformats.org/markup-compatibility/2006">
-    <mc:Choice xmlns:p14="http://schemas.microsoft.com/office/powerpoint/2010/main" Requires="p14">
+  <mc:AlternateContent xmlns:mc="http://schemas.openxmlformats.org/markup-compatibility/2006" xmlns:p14="http://schemas.microsoft.com/office/powerpoint/2010/main">
+    <mc:Choice Requires="p14">
       <p:transition spd="slow">
         <p14:pan/>
       </p:transition>
     </mc:Choice>
-    <mc:Fallback>
+    <mc:Fallback xmlns="">
       <p:transition spd="slow">
         <p:fade/>
       </p:transition>

--- a/Telemetry Gateway Monitoring.pptx
+++ b/Telemetry Gateway Monitoring.pptx
@@ -5,7 +5,7 @@
     <p:sldMasterId id="2147483648" r:id="rId1"/>
   </p:sldMasterIdLst>
   <p:notesMasterIdLst>
-    <p:notesMasterId r:id="rId15"/>
+    <p:notesMasterId r:id="rId16"/>
   </p:notesMasterIdLst>
   <p:sldIdLst>
     <p:sldId id="256" r:id="rId2"/>
@@ -19,8 +19,9 @@
     <p:sldId id="261" r:id="rId10"/>
     <p:sldId id="262" r:id="rId11"/>
     <p:sldId id="263" r:id="rId12"/>
-    <p:sldId id="265" r:id="rId13"/>
-    <p:sldId id="264" r:id="rId14"/>
+    <p:sldId id="271" r:id="rId13"/>
+    <p:sldId id="265" r:id="rId14"/>
+    <p:sldId id="264" r:id="rId15"/>
   </p:sldIdLst>
   <p:sldSz cx="12192000" cy="6858000"/>
   <p:notesSz cx="6858000" cy="9144000"/>
@@ -285,7 +286,7 @@
                     <a:cs typeface="+mn-cs"/>
                   </a:defRPr>
                 </a:pPr>
-                <a:endParaRPr lang="de-DE"/>
+                <a:endParaRPr lang="en-US"/>
               </a:p>
             </c:txPr>
             <c:showLegendKey val="0"/>
@@ -416,7 +417,7 @@
               <a:cs typeface="+mn-cs"/>
             </a:defRPr>
           </a:pPr>
-          <a:endParaRPr lang="de-DE"/>
+          <a:endParaRPr lang="en-US"/>
         </a:p>
       </c:txPr>
     </c:legend>
@@ -445,7 +446,434 @@
       <a:pPr>
         <a:defRPr/>
       </a:pPr>
-      <a:endParaRPr lang="de-DE"/>
+      <a:endParaRPr lang="en-US"/>
+    </a:p>
+  </c:txPr>
+  <c:externalData r:id="rId3">
+    <c:autoUpdate val="0"/>
+  </c:externalData>
+  <c:userShapes r:id="rId4"/>
+</c:chartSpace>
+</file>
+
+<file path=ppt/charts/chart2.xml><?xml version="1.0" encoding="utf-8"?>
+<c:chartSpace xmlns:c="http://schemas.openxmlformats.org/drawingml/2006/chart" xmlns:a="http://schemas.openxmlformats.org/drawingml/2006/main" xmlns:r="http://schemas.openxmlformats.org/officeDocument/2006/relationships" xmlns:c16r2="http://schemas.microsoft.com/office/drawing/2015/06/chart">
+  <c:date1904 val="0"/>
+  <c:lang val="de-DE"/>
+  <c:roundedCorners val="1"/>
+  <mc:AlternateContent xmlns:mc="http://schemas.openxmlformats.org/markup-compatibility/2006">
+    <mc:Choice xmlns:c14="http://schemas.microsoft.com/office/drawing/2007/8/2/chart" Requires="c14">
+      <c14:style val="102"/>
+    </mc:Choice>
+    <mc:Fallback>
+      <c:style val="2"/>
+    </mc:Fallback>
+  </mc:AlternateContent>
+  <c:chart>
+    <c:title>
+      <c:tx>
+        <c:rich>
+          <a:bodyPr rot="0" spcFirstLastPara="1" vertOverflow="ellipsis" vert="horz" wrap="square" anchor="ctr" anchorCtr="1"/>
+          <a:lstStyle/>
+          <a:p>
+            <a:pPr>
+              <a:defRPr sz="1862" b="1" i="0" u="none" strike="noStrike" kern="1200" spc="0" baseline="0">
+                <a:solidFill>
+                  <a:schemeClr val="tx1">
+                    <a:lumMod val="65000"/>
+                    <a:lumOff val="35000"/>
+                  </a:schemeClr>
+                </a:solidFill>
+                <a:latin typeface="+mn-lt"/>
+                <a:ea typeface="+mn-ea"/>
+                <a:cs typeface="+mn-cs"/>
+              </a:defRPr>
+            </a:pPr>
+            <a:r>
+              <a:rPr lang="en-GB" b="1"/>
+              <a:t>Stunden pro Teammitglied</a:t>
+            </a:r>
+          </a:p>
+        </c:rich>
+      </c:tx>
+      <c:overlay val="0"/>
+      <c:spPr>
+        <a:noFill/>
+        <a:ln>
+          <a:noFill/>
+        </a:ln>
+        <a:effectLst/>
+      </c:spPr>
+      <c:txPr>
+        <a:bodyPr rot="0" spcFirstLastPara="1" vertOverflow="ellipsis" vert="horz" wrap="square" anchor="ctr" anchorCtr="1"/>
+        <a:lstStyle/>
+        <a:p>
+          <a:pPr>
+            <a:defRPr sz="1862" b="1" i="0" u="none" strike="noStrike" kern="1200" spc="0" baseline="0">
+              <a:solidFill>
+                <a:schemeClr val="tx1">
+                  <a:lumMod val="65000"/>
+                  <a:lumOff val="35000"/>
+                </a:schemeClr>
+              </a:solidFill>
+              <a:latin typeface="+mn-lt"/>
+              <a:ea typeface="+mn-ea"/>
+              <a:cs typeface="+mn-cs"/>
+            </a:defRPr>
+          </a:pPr>
+          <a:endParaRPr lang="en-US"/>
+        </a:p>
+      </c:txPr>
+    </c:title>
+    <c:autoTitleDeleted val="0"/>
+    <c:plotArea>
+      <c:layout/>
+      <c:pieChart>
+        <c:varyColors val="1"/>
+        <c:ser>
+          <c:idx val="0"/>
+          <c:order val="0"/>
+          <c:dPt>
+            <c:idx val="0"/>
+            <c:bubble3D val="0"/>
+            <c:spPr>
+              <a:solidFill>
+                <a:schemeClr val="accent1"/>
+              </a:solidFill>
+              <a:ln w="19050">
+                <a:solidFill>
+                  <a:schemeClr val="lt1"/>
+                </a:solidFill>
+              </a:ln>
+              <a:effectLst/>
+            </c:spPr>
+            <c:extLst>
+              <c:ext xmlns:c16="http://schemas.microsoft.com/office/drawing/2014/chart" uri="{C3380CC4-5D6E-409C-BE32-E72D297353CC}">
+                <c16:uniqueId val="{00000001-18CB-4E8F-B7BA-64DDAA88FF4D}"/>
+              </c:ext>
+            </c:extLst>
+          </c:dPt>
+          <c:dPt>
+            <c:idx val="1"/>
+            <c:bubble3D val="0"/>
+            <c:spPr>
+              <a:solidFill>
+                <a:schemeClr val="accent2"/>
+              </a:solidFill>
+              <a:ln w="19050">
+                <a:solidFill>
+                  <a:schemeClr val="lt1"/>
+                </a:solidFill>
+              </a:ln>
+              <a:effectLst/>
+            </c:spPr>
+            <c:extLst>
+              <c:ext xmlns:c16="http://schemas.microsoft.com/office/drawing/2014/chart" uri="{C3380CC4-5D6E-409C-BE32-E72D297353CC}">
+                <c16:uniqueId val="{00000005-18CB-4E8F-B7BA-64DDAA88FF4D}"/>
+              </c:ext>
+            </c:extLst>
+          </c:dPt>
+          <c:dPt>
+            <c:idx val="2"/>
+            <c:bubble3D val="0"/>
+            <c:spPr>
+              <a:solidFill>
+                <a:schemeClr val="accent3"/>
+              </a:solidFill>
+              <a:ln w="19050">
+                <a:solidFill>
+                  <a:schemeClr val="lt1"/>
+                </a:solidFill>
+              </a:ln>
+              <a:effectLst/>
+            </c:spPr>
+            <c:extLst>
+              <c:ext xmlns:c16="http://schemas.microsoft.com/office/drawing/2014/chart" uri="{C3380CC4-5D6E-409C-BE32-E72D297353CC}">
+                <c16:uniqueId val="{00000006-18CB-4E8F-B7BA-64DDAA88FF4D}"/>
+              </c:ext>
+            </c:extLst>
+          </c:dPt>
+          <c:dPt>
+            <c:idx val="3"/>
+            <c:bubble3D val="0"/>
+            <c:spPr>
+              <a:solidFill>
+                <a:schemeClr val="accent4"/>
+              </a:solidFill>
+              <a:ln w="19050">
+                <a:solidFill>
+                  <a:schemeClr val="lt1"/>
+                </a:solidFill>
+              </a:ln>
+              <a:effectLst/>
+            </c:spPr>
+            <c:extLst>
+              <c:ext xmlns:c16="http://schemas.microsoft.com/office/drawing/2014/chart" uri="{C3380CC4-5D6E-409C-BE32-E72D297353CC}">
+                <c16:uniqueId val="{00000004-18CB-4E8F-B7BA-64DDAA88FF4D}"/>
+              </c:ext>
+            </c:extLst>
+          </c:dPt>
+          <c:dLbls>
+            <c:dLbl>
+              <c:idx val="0"/>
+              <c:layout>
+                <c:manualLayout>
+                  <c:x val="-0.1047527299814275"/>
+                  <c:y val="0.13370412887300792"/>
+                </c:manualLayout>
+              </c:layout>
+              <c:dLblPos val="bestFit"/>
+              <c:showLegendKey val="0"/>
+              <c:showVal val="1"/>
+              <c:showCatName val="0"/>
+              <c:showSerName val="0"/>
+              <c:showPercent val="0"/>
+              <c:showBubbleSize val="0"/>
+              <c:extLst>
+                <c:ext xmlns:c15="http://schemas.microsoft.com/office/drawing/2012/chart" uri="{CE6537A1-D6FC-4f65-9D91-7224C49458BB}"/>
+                <c:ext xmlns:c16="http://schemas.microsoft.com/office/drawing/2014/chart" uri="{C3380CC4-5D6E-409C-BE32-E72D297353CC}">
+                  <c16:uniqueId val="{00000001-18CB-4E8F-B7BA-64DDAA88FF4D}"/>
+                </c:ext>
+              </c:extLst>
+            </c:dLbl>
+            <c:dLbl>
+              <c:idx val="1"/>
+              <c:layout>
+                <c:manualLayout>
+                  <c:x val="-0.10475674221847371"/>
+                  <c:y val="-0.17906859178536974"/>
+                </c:manualLayout>
+              </c:layout>
+              <c:dLblPos val="bestFit"/>
+              <c:showLegendKey val="0"/>
+              <c:showVal val="1"/>
+              <c:showCatName val="0"/>
+              <c:showSerName val="0"/>
+              <c:showPercent val="0"/>
+              <c:showBubbleSize val="0"/>
+              <c:extLst>
+                <c:ext xmlns:c15="http://schemas.microsoft.com/office/drawing/2012/chart" uri="{CE6537A1-D6FC-4f65-9D91-7224C49458BB}"/>
+                <c:ext xmlns:c16="http://schemas.microsoft.com/office/drawing/2014/chart" uri="{C3380CC4-5D6E-409C-BE32-E72D297353CC}">
+                  <c16:uniqueId val="{00000005-18CB-4E8F-B7BA-64DDAA88FF4D}"/>
+                </c:ext>
+              </c:extLst>
+            </c:dLbl>
+            <c:dLbl>
+              <c:idx val="2"/>
+              <c:layout>
+                <c:manualLayout>
+                  <c:x val="0.11350978321744885"/>
+                  <c:y val="-0.1308453383778774"/>
+                </c:manualLayout>
+              </c:layout>
+              <c:dLblPos val="bestFit"/>
+              <c:showLegendKey val="0"/>
+              <c:showVal val="1"/>
+              <c:showCatName val="0"/>
+              <c:showSerName val="0"/>
+              <c:showPercent val="0"/>
+              <c:showBubbleSize val="0"/>
+              <c:extLst>
+                <c:ext xmlns:c15="http://schemas.microsoft.com/office/drawing/2012/chart" uri="{CE6537A1-D6FC-4f65-9D91-7224C49458BB}"/>
+                <c:ext xmlns:c16="http://schemas.microsoft.com/office/drawing/2014/chart" uri="{C3380CC4-5D6E-409C-BE32-E72D297353CC}">
+                  <c16:uniqueId val="{00000006-18CB-4E8F-B7BA-64DDAA88FF4D}"/>
+                </c:ext>
+              </c:extLst>
+            </c:dLbl>
+            <c:dLbl>
+              <c:idx val="3"/>
+              <c:layout>
+                <c:manualLayout>
+                  <c:x val="8.274989872560283E-2"/>
+                  <c:y val="0.13185144464744783"/>
+                </c:manualLayout>
+              </c:layout>
+              <c:dLblPos val="bestFit"/>
+              <c:showLegendKey val="0"/>
+              <c:showVal val="1"/>
+              <c:showCatName val="0"/>
+              <c:showSerName val="0"/>
+              <c:showPercent val="0"/>
+              <c:showBubbleSize val="0"/>
+              <c:extLst>
+                <c:ext xmlns:c15="http://schemas.microsoft.com/office/drawing/2012/chart" uri="{CE6537A1-D6FC-4f65-9D91-7224C49458BB}"/>
+                <c:ext xmlns:c16="http://schemas.microsoft.com/office/drawing/2014/chart" uri="{C3380CC4-5D6E-409C-BE32-E72D297353CC}">
+                  <c16:uniqueId val="{00000004-18CB-4E8F-B7BA-64DDAA88FF4D}"/>
+                </c:ext>
+              </c:extLst>
+            </c:dLbl>
+            <c:spPr>
+              <a:noFill/>
+              <a:ln>
+                <a:noFill/>
+              </a:ln>
+              <a:effectLst/>
+            </c:spPr>
+            <c:txPr>
+              <a:bodyPr rot="0" spcFirstLastPara="1" vertOverflow="ellipsis" vert="horz" wrap="square" lIns="38100" tIns="19050" rIns="38100" bIns="19050" anchor="ctr" anchorCtr="1">
+                <a:spAutoFit/>
+              </a:bodyPr>
+              <a:lstStyle/>
+              <a:p>
+                <a:pPr>
+                  <a:defRPr sz="2000" b="0" i="0" u="none" strike="noStrike" kern="1200" baseline="0">
+                    <a:solidFill>
+                      <a:schemeClr val="tx1">
+                        <a:lumMod val="75000"/>
+                        <a:lumOff val="25000"/>
+                      </a:schemeClr>
+                    </a:solidFill>
+                    <a:latin typeface="+mn-lt"/>
+                    <a:ea typeface="+mn-ea"/>
+                    <a:cs typeface="+mn-cs"/>
+                  </a:defRPr>
+                </a:pPr>
+                <a:endParaRPr lang="en-US"/>
+              </a:p>
+            </c:txPr>
+            <c:dLblPos val="inEnd"/>
+            <c:showLegendKey val="0"/>
+            <c:showVal val="1"/>
+            <c:showCatName val="0"/>
+            <c:showSerName val="0"/>
+            <c:showPercent val="0"/>
+            <c:showBubbleSize val="0"/>
+            <c:showLeaderLines val="1"/>
+            <c:leaderLines>
+              <c:spPr>
+                <a:ln w="9525" cap="flat" cmpd="sng" algn="ctr">
+                  <a:solidFill>
+                    <a:schemeClr val="tx1">
+                      <a:lumMod val="35000"/>
+                      <a:lumOff val="65000"/>
+                    </a:schemeClr>
+                  </a:solidFill>
+                  <a:round/>
+                </a:ln>
+                <a:effectLst/>
+              </c:spPr>
+            </c:leaderLines>
+            <c:extLst>
+              <c:ext xmlns:c15="http://schemas.microsoft.com/office/drawing/2012/chart" uri="{CE6537A1-D6FC-4f65-9D91-7224C49458BB}"/>
+            </c:extLst>
+          </c:dLbls>
+          <c:cat>
+            <c:strRef>
+              <c:f>Übersicht!$K$12:$N$12</c:f>
+              <c:strCache>
+                <c:ptCount val="4"/>
+                <c:pt idx="0">
+                  <c:v>Dzialoszynski</c:v>
+                </c:pt>
+                <c:pt idx="1">
+                  <c:v>Jovanovic</c:v>
+                </c:pt>
+                <c:pt idx="2">
+                  <c:v>Grünewald</c:v>
+                </c:pt>
+                <c:pt idx="3">
+                  <c:v>Rieder</c:v>
+                </c:pt>
+              </c:strCache>
+            </c:strRef>
+          </c:cat>
+          <c:val>
+            <c:numRef>
+              <c:f>Übersicht!$K$13:$N$13</c:f>
+              <c:numCache>
+                <c:formatCode>0.0</c:formatCode>
+                <c:ptCount val="4"/>
+                <c:pt idx="0">
+                  <c:v>29.5</c:v>
+                </c:pt>
+                <c:pt idx="1">
+                  <c:v>42</c:v>
+                </c:pt>
+                <c:pt idx="2">
+                  <c:v>34</c:v>
+                </c:pt>
+                <c:pt idx="3">
+                  <c:v>27.5</c:v>
+                </c:pt>
+              </c:numCache>
+            </c:numRef>
+          </c:val>
+          <c:extLst>
+            <c:ext xmlns:c16="http://schemas.microsoft.com/office/drawing/2014/chart" uri="{C3380CC4-5D6E-409C-BE32-E72D297353CC}">
+              <c16:uniqueId val="{00000002-18CB-4E8F-B7BA-64DDAA88FF4D}"/>
+            </c:ext>
+          </c:extLst>
+        </c:ser>
+        <c:dLbls>
+          <c:dLblPos val="inEnd"/>
+          <c:showLegendKey val="0"/>
+          <c:showVal val="1"/>
+          <c:showCatName val="0"/>
+          <c:showSerName val="0"/>
+          <c:showPercent val="0"/>
+          <c:showBubbleSize val="0"/>
+          <c:showLeaderLines val="1"/>
+        </c:dLbls>
+        <c:firstSliceAng val="0"/>
+      </c:pieChart>
+      <c:spPr>
+        <a:noFill/>
+        <a:ln>
+          <a:noFill/>
+        </a:ln>
+        <a:effectLst/>
+      </c:spPr>
+    </c:plotArea>
+    <c:legend>
+      <c:legendPos val="b"/>
+      <c:overlay val="0"/>
+      <c:spPr>
+        <a:noFill/>
+        <a:ln>
+          <a:noFill/>
+        </a:ln>
+        <a:effectLst/>
+      </c:spPr>
+      <c:txPr>
+        <a:bodyPr rot="0" spcFirstLastPara="1" vertOverflow="ellipsis" vert="horz" wrap="square" anchor="ctr" anchorCtr="1"/>
+        <a:lstStyle/>
+        <a:p>
+          <a:pPr>
+            <a:defRPr sz="1600" b="0" i="0" u="none" strike="noStrike" kern="1200" baseline="0">
+              <a:solidFill>
+                <a:schemeClr val="tx1">
+                  <a:lumMod val="65000"/>
+                  <a:lumOff val="35000"/>
+                </a:schemeClr>
+              </a:solidFill>
+              <a:latin typeface="+mn-lt"/>
+              <a:ea typeface="+mn-ea"/>
+              <a:cs typeface="+mn-cs"/>
+            </a:defRPr>
+          </a:pPr>
+          <a:endParaRPr lang="en-US"/>
+        </a:p>
+      </c:txPr>
+    </c:legend>
+    <c:plotVisOnly val="1"/>
+    <c:dispBlanksAs val="zero"/>
+    <c:showDLblsOverMax val="1"/>
+  </c:chart>
+  <c:spPr>
+    <a:noFill/>
+    <a:ln>
+      <a:noFill/>
+    </a:ln>
+    <a:effectLst/>
+  </c:spPr>
+  <c:txPr>
+    <a:bodyPr/>
+    <a:lstStyle/>
+    <a:p>
+      <a:pPr>
+        <a:defRPr/>
+      </a:pPr>
+      <a:endParaRPr lang="en-US"/>
     </a:p>
   </c:txPr>
   <c:externalData r:id="rId3">
@@ -454,7 +882,7 @@
 </c:chartSpace>
 </file>
 
-<file path=ppt/charts/chart2.xml><?xml version="1.0" encoding="utf-8"?>
+<file path=ppt/charts/chart3.xml><?xml version="1.0" encoding="utf-8"?>
 <c:chartSpace xmlns:c="http://schemas.openxmlformats.org/drawingml/2006/chart" xmlns:a="http://schemas.openxmlformats.org/drawingml/2006/main" xmlns:r="http://schemas.openxmlformats.org/officeDocument/2006/relationships" xmlns:c16r2="http://schemas.microsoft.com/office/drawing/2015/06/chart">
   <c:date1904 val="0"/>
   <c:lang val="de-DE"/>
@@ -539,7 +967,7 @@
               <a:cs typeface="+mn-cs"/>
             </a:defRPr>
           </a:pPr>
-          <a:endParaRPr lang="de-DE"/>
+          <a:endParaRPr lang="en-US"/>
         </a:p>
       </c:txPr>
     </c:legend>
@@ -568,7 +996,7 @@
       <a:pPr>
         <a:defRPr/>
       </a:pPr>
-      <a:endParaRPr lang="de-DE"/>
+      <a:endParaRPr lang="en-US"/>
     </a:p>
   </c:txPr>
   <c:externalData r:id="rId3">
@@ -584,6 +1012,46 @@
 </file>
 
 <file path=ppt/charts/colors2.xml><?xml version="1.0" encoding="utf-8"?>
+<cs:colorStyle xmlns:cs="http://schemas.microsoft.com/office/drawing/2012/chartStyle" xmlns:a="http://schemas.openxmlformats.org/drawingml/2006/main" meth="cycle" id="10">
+  <a:schemeClr val="accent1"/>
+  <a:schemeClr val="accent2"/>
+  <a:schemeClr val="accent3"/>
+  <a:schemeClr val="accent4"/>
+  <a:schemeClr val="accent5"/>
+  <a:schemeClr val="accent6"/>
+  <cs:variation/>
+  <cs:variation>
+    <a:lumMod val="60000"/>
+  </cs:variation>
+  <cs:variation>
+    <a:lumMod val="80000"/>
+    <a:lumOff val="20000"/>
+  </cs:variation>
+  <cs:variation>
+    <a:lumMod val="80000"/>
+  </cs:variation>
+  <cs:variation>
+    <a:lumMod val="60000"/>
+    <a:lumOff val="40000"/>
+  </cs:variation>
+  <cs:variation>
+    <a:lumMod val="50000"/>
+  </cs:variation>
+  <cs:variation>
+    <a:lumMod val="70000"/>
+    <a:lumOff val="30000"/>
+  </cs:variation>
+  <cs:variation>
+    <a:lumMod val="70000"/>
+  </cs:variation>
+  <cs:variation>
+    <a:lumMod val="50000"/>
+    <a:lumOff val="50000"/>
+  </cs:variation>
+</cs:colorStyle>
+</file>
+
+<file path=ppt/charts/colors3.xml><?xml version="1.0" encoding="utf-8"?>
 <cs:colorStyle xmlns:cs="http://schemas.microsoft.com/office/drawing/2012/chartStyle" xmlns:a="http://schemas.openxmlformats.org/drawingml/2006/main" meth="cycle" id="10">
   <a:schemeClr val="accent1"/>
   <a:schemeClr val="accent2"/>
@@ -1154,6 +1622,525 @@
         <a:lumOff val="35000"/>
       </a:schemeClr>
     </cs:fontRef>
+    <cs:defRPr sz="1330" kern="1200"/>
+  </cs:axisTitle>
+  <cs:categoryAxis>
+    <cs:lnRef idx="0"/>
+    <cs:fillRef idx="0"/>
+    <cs:effectRef idx="0"/>
+    <cs:fontRef idx="minor">
+      <a:schemeClr val="tx1">
+        <a:lumMod val="65000"/>
+        <a:lumOff val="35000"/>
+      </a:schemeClr>
+    </cs:fontRef>
+    <cs:spPr>
+      <a:ln w="9525" cap="flat" cmpd="sng" algn="ctr">
+        <a:solidFill>
+          <a:schemeClr val="tx1">
+            <a:lumMod val="15000"/>
+            <a:lumOff val="85000"/>
+          </a:schemeClr>
+        </a:solidFill>
+        <a:round/>
+      </a:ln>
+    </cs:spPr>
+    <cs:defRPr sz="1197" kern="1200"/>
+  </cs:categoryAxis>
+  <cs:chartArea mods="allowNoFillOverride allowNoLineOverride">
+    <cs:lnRef idx="0"/>
+    <cs:fillRef idx="0"/>
+    <cs:effectRef idx="0"/>
+    <cs:fontRef idx="minor">
+      <a:schemeClr val="tx1"/>
+    </cs:fontRef>
+    <cs:spPr>
+      <a:solidFill>
+        <a:schemeClr val="bg1"/>
+      </a:solidFill>
+      <a:ln w="9525" cap="flat" cmpd="sng" algn="ctr">
+        <a:solidFill>
+          <a:schemeClr val="tx1">
+            <a:lumMod val="15000"/>
+            <a:lumOff val="85000"/>
+          </a:schemeClr>
+        </a:solidFill>
+        <a:round/>
+      </a:ln>
+    </cs:spPr>
+    <cs:defRPr sz="1197" kern="1200"/>
+  </cs:chartArea>
+  <cs:dataLabel>
+    <cs:lnRef idx="0"/>
+    <cs:fillRef idx="0"/>
+    <cs:effectRef idx="0"/>
+    <cs:fontRef idx="minor">
+      <a:schemeClr val="tx1">
+        <a:lumMod val="75000"/>
+        <a:lumOff val="25000"/>
+      </a:schemeClr>
+    </cs:fontRef>
+    <cs:defRPr sz="1197" kern="1200"/>
+  </cs:dataLabel>
+  <cs:dataLabelCallout>
+    <cs:lnRef idx="0"/>
+    <cs:fillRef idx="0"/>
+    <cs:effectRef idx="0"/>
+    <cs:fontRef idx="minor">
+      <a:schemeClr val="dk1">
+        <a:lumMod val="65000"/>
+        <a:lumOff val="35000"/>
+      </a:schemeClr>
+    </cs:fontRef>
+    <cs:spPr>
+      <a:solidFill>
+        <a:schemeClr val="lt1"/>
+      </a:solidFill>
+      <a:ln>
+        <a:solidFill>
+          <a:schemeClr val="dk1">
+            <a:lumMod val="25000"/>
+            <a:lumOff val="75000"/>
+          </a:schemeClr>
+        </a:solidFill>
+      </a:ln>
+    </cs:spPr>
+    <cs:defRPr sz="1197" kern="1200"/>
+    <cs:bodyPr rot="0" spcFirstLastPara="1" vertOverflow="clip" horzOverflow="clip" vert="horz" wrap="square" lIns="36576" tIns="18288" rIns="36576" bIns="18288" anchor="ctr" anchorCtr="1">
+      <a:spAutoFit/>
+    </cs:bodyPr>
+  </cs:dataLabelCallout>
+  <cs:dataPoint>
+    <cs:lnRef idx="0"/>
+    <cs:fillRef idx="1">
+      <cs:styleClr val="auto"/>
+    </cs:fillRef>
+    <cs:effectRef idx="0"/>
+    <cs:fontRef idx="minor">
+      <a:schemeClr val="tx1"/>
+    </cs:fontRef>
+    <cs:spPr>
+      <a:ln w="19050">
+        <a:solidFill>
+          <a:schemeClr val="lt1"/>
+        </a:solidFill>
+      </a:ln>
+    </cs:spPr>
+  </cs:dataPoint>
+  <cs:dataPoint3D>
+    <cs:lnRef idx="0"/>
+    <cs:fillRef idx="1">
+      <cs:styleClr val="auto"/>
+    </cs:fillRef>
+    <cs:effectRef idx="0"/>
+    <cs:fontRef idx="minor">
+      <a:schemeClr val="tx1"/>
+    </cs:fontRef>
+    <cs:spPr>
+      <a:ln w="25400">
+        <a:solidFill>
+          <a:schemeClr val="lt1"/>
+        </a:solidFill>
+      </a:ln>
+    </cs:spPr>
+  </cs:dataPoint3D>
+  <cs:dataPointLine>
+    <cs:lnRef idx="0">
+      <cs:styleClr val="auto"/>
+    </cs:lnRef>
+    <cs:fillRef idx="0"/>
+    <cs:effectRef idx="0"/>
+    <cs:fontRef idx="minor">
+      <a:schemeClr val="tx1"/>
+    </cs:fontRef>
+    <cs:spPr>
+      <a:ln w="28575" cap="rnd">
+        <a:solidFill>
+          <a:schemeClr val="phClr"/>
+        </a:solidFill>
+        <a:round/>
+      </a:ln>
+    </cs:spPr>
+  </cs:dataPointLine>
+  <cs:dataPointMarker>
+    <cs:lnRef idx="0">
+      <cs:styleClr val="auto"/>
+    </cs:lnRef>
+    <cs:fillRef idx="1">
+      <cs:styleClr val="auto"/>
+    </cs:fillRef>
+    <cs:effectRef idx="0"/>
+    <cs:fontRef idx="minor">
+      <a:schemeClr val="tx1"/>
+    </cs:fontRef>
+    <cs:spPr>
+      <a:ln w="9525">
+        <a:solidFill>
+          <a:schemeClr val="phClr"/>
+        </a:solidFill>
+      </a:ln>
+    </cs:spPr>
+  </cs:dataPointMarker>
+  <cs:dataPointMarkerLayout symbol="circle" size="5"/>
+  <cs:dataPointWireframe>
+    <cs:lnRef idx="0">
+      <cs:styleClr val="auto"/>
+    </cs:lnRef>
+    <cs:fillRef idx="0"/>
+    <cs:effectRef idx="0"/>
+    <cs:fontRef idx="minor">
+      <a:schemeClr val="tx1"/>
+    </cs:fontRef>
+    <cs:spPr>
+      <a:ln w="9525" cap="rnd">
+        <a:solidFill>
+          <a:schemeClr val="phClr"/>
+        </a:solidFill>
+        <a:round/>
+      </a:ln>
+    </cs:spPr>
+  </cs:dataPointWireframe>
+  <cs:dataTable>
+    <cs:lnRef idx="0"/>
+    <cs:fillRef idx="0"/>
+    <cs:effectRef idx="0"/>
+    <cs:fontRef idx="minor">
+      <a:schemeClr val="tx1">
+        <a:lumMod val="65000"/>
+        <a:lumOff val="35000"/>
+      </a:schemeClr>
+    </cs:fontRef>
+    <cs:spPr>
+      <a:noFill/>
+      <a:ln w="9525" cap="flat" cmpd="sng" algn="ctr">
+        <a:solidFill>
+          <a:schemeClr val="tx1">
+            <a:lumMod val="15000"/>
+            <a:lumOff val="85000"/>
+          </a:schemeClr>
+        </a:solidFill>
+        <a:round/>
+      </a:ln>
+    </cs:spPr>
+    <cs:defRPr sz="1197" kern="1200"/>
+  </cs:dataTable>
+  <cs:downBar>
+    <cs:lnRef idx="0"/>
+    <cs:fillRef idx="0"/>
+    <cs:effectRef idx="0"/>
+    <cs:fontRef idx="minor">
+      <a:schemeClr val="tx1"/>
+    </cs:fontRef>
+    <cs:spPr>
+      <a:solidFill>
+        <a:schemeClr val="dk1">
+          <a:lumMod val="75000"/>
+          <a:lumOff val="25000"/>
+        </a:schemeClr>
+      </a:solidFill>
+      <a:ln w="9525" cap="flat" cmpd="sng" algn="ctr">
+        <a:solidFill>
+          <a:schemeClr val="tx1">
+            <a:lumMod val="65000"/>
+            <a:lumOff val="35000"/>
+          </a:schemeClr>
+        </a:solidFill>
+        <a:round/>
+      </a:ln>
+    </cs:spPr>
+  </cs:downBar>
+  <cs:dropLine>
+    <cs:lnRef idx="0"/>
+    <cs:fillRef idx="0"/>
+    <cs:effectRef idx="0"/>
+    <cs:fontRef idx="minor">
+      <a:schemeClr val="tx1"/>
+    </cs:fontRef>
+    <cs:spPr>
+      <a:ln w="9525" cap="flat" cmpd="sng" algn="ctr">
+        <a:solidFill>
+          <a:schemeClr val="tx1">
+            <a:lumMod val="35000"/>
+            <a:lumOff val="65000"/>
+          </a:schemeClr>
+        </a:solidFill>
+        <a:round/>
+      </a:ln>
+    </cs:spPr>
+  </cs:dropLine>
+  <cs:errorBar>
+    <cs:lnRef idx="0"/>
+    <cs:fillRef idx="0"/>
+    <cs:effectRef idx="0"/>
+    <cs:fontRef idx="minor">
+      <a:schemeClr val="tx1"/>
+    </cs:fontRef>
+    <cs:spPr>
+      <a:ln w="9525" cap="flat" cmpd="sng" algn="ctr">
+        <a:solidFill>
+          <a:schemeClr val="tx1">
+            <a:lumMod val="65000"/>
+            <a:lumOff val="35000"/>
+          </a:schemeClr>
+        </a:solidFill>
+        <a:round/>
+      </a:ln>
+    </cs:spPr>
+  </cs:errorBar>
+  <cs:floor>
+    <cs:lnRef idx="0"/>
+    <cs:fillRef idx="0"/>
+    <cs:effectRef idx="0"/>
+    <cs:fontRef idx="minor">
+      <a:schemeClr val="tx1"/>
+    </cs:fontRef>
+    <cs:spPr>
+      <a:noFill/>
+      <a:ln>
+        <a:noFill/>
+      </a:ln>
+    </cs:spPr>
+  </cs:floor>
+  <cs:gridlineMajor>
+    <cs:lnRef idx="0"/>
+    <cs:fillRef idx="0"/>
+    <cs:effectRef idx="0"/>
+    <cs:fontRef idx="minor">
+      <a:schemeClr val="tx1"/>
+    </cs:fontRef>
+    <cs:spPr>
+      <a:ln w="9525" cap="flat" cmpd="sng" algn="ctr">
+        <a:solidFill>
+          <a:schemeClr val="tx1">
+            <a:lumMod val="15000"/>
+            <a:lumOff val="85000"/>
+          </a:schemeClr>
+        </a:solidFill>
+        <a:round/>
+      </a:ln>
+    </cs:spPr>
+  </cs:gridlineMajor>
+  <cs:gridlineMinor>
+    <cs:lnRef idx="0"/>
+    <cs:fillRef idx="0"/>
+    <cs:effectRef idx="0"/>
+    <cs:fontRef idx="minor">
+      <a:schemeClr val="tx1"/>
+    </cs:fontRef>
+    <cs:spPr>
+      <a:ln w="9525" cap="flat" cmpd="sng" algn="ctr">
+        <a:solidFill>
+          <a:schemeClr val="tx1">
+            <a:lumMod val="5000"/>
+            <a:lumOff val="95000"/>
+          </a:schemeClr>
+        </a:solidFill>
+        <a:round/>
+      </a:ln>
+    </cs:spPr>
+  </cs:gridlineMinor>
+  <cs:hiLoLine>
+    <cs:lnRef idx="0"/>
+    <cs:fillRef idx="0"/>
+    <cs:effectRef idx="0"/>
+    <cs:fontRef idx="minor">
+      <a:schemeClr val="tx1"/>
+    </cs:fontRef>
+    <cs:spPr>
+      <a:ln w="9525" cap="flat" cmpd="sng" algn="ctr">
+        <a:solidFill>
+          <a:schemeClr val="tx1">
+            <a:lumMod val="50000"/>
+            <a:lumOff val="50000"/>
+          </a:schemeClr>
+        </a:solidFill>
+        <a:round/>
+      </a:ln>
+    </cs:spPr>
+  </cs:hiLoLine>
+  <cs:leaderLine>
+    <cs:lnRef idx="0"/>
+    <cs:fillRef idx="0"/>
+    <cs:effectRef idx="0"/>
+    <cs:fontRef idx="minor">
+      <a:schemeClr val="tx1"/>
+    </cs:fontRef>
+    <cs:spPr>
+      <a:ln w="9525" cap="flat" cmpd="sng" algn="ctr">
+        <a:solidFill>
+          <a:schemeClr val="tx1">
+            <a:lumMod val="35000"/>
+            <a:lumOff val="65000"/>
+          </a:schemeClr>
+        </a:solidFill>
+        <a:round/>
+      </a:ln>
+    </cs:spPr>
+  </cs:leaderLine>
+  <cs:legend>
+    <cs:lnRef idx="0"/>
+    <cs:fillRef idx="0"/>
+    <cs:effectRef idx="0"/>
+    <cs:fontRef idx="minor">
+      <a:schemeClr val="tx1">
+        <a:lumMod val="65000"/>
+        <a:lumOff val="35000"/>
+      </a:schemeClr>
+    </cs:fontRef>
+    <cs:defRPr sz="1197" kern="1200"/>
+  </cs:legend>
+  <cs:plotArea mods="allowNoFillOverride allowNoLineOverride">
+    <cs:lnRef idx="0"/>
+    <cs:fillRef idx="0"/>
+    <cs:effectRef idx="0"/>
+    <cs:fontRef idx="minor">
+      <a:schemeClr val="tx1"/>
+    </cs:fontRef>
+  </cs:plotArea>
+  <cs:plotArea3D mods="allowNoFillOverride allowNoLineOverride">
+    <cs:lnRef idx="0"/>
+    <cs:fillRef idx="0"/>
+    <cs:effectRef idx="0"/>
+    <cs:fontRef idx="minor">
+      <a:schemeClr val="tx1"/>
+    </cs:fontRef>
+  </cs:plotArea3D>
+  <cs:seriesAxis>
+    <cs:lnRef idx="0"/>
+    <cs:fillRef idx="0"/>
+    <cs:effectRef idx="0"/>
+    <cs:fontRef idx="minor">
+      <a:schemeClr val="tx1">
+        <a:lumMod val="65000"/>
+        <a:lumOff val="35000"/>
+      </a:schemeClr>
+    </cs:fontRef>
+    <cs:defRPr sz="1197" kern="1200"/>
+  </cs:seriesAxis>
+  <cs:seriesLine>
+    <cs:lnRef idx="0"/>
+    <cs:fillRef idx="0"/>
+    <cs:effectRef idx="0"/>
+    <cs:fontRef idx="minor">
+      <a:schemeClr val="tx1"/>
+    </cs:fontRef>
+    <cs:spPr>
+      <a:ln w="9525" cap="flat" cmpd="sng" algn="ctr">
+        <a:solidFill>
+          <a:schemeClr val="tx1">
+            <a:lumMod val="35000"/>
+            <a:lumOff val="65000"/>
+          </a:schemeClr>
+        </a:solidFill>
+        <a:round/>
+      </a:ln>
+    </cs:spPr>
+  </cs:seriesLine>
+  <cs:title>
+    <cs:lnRef idx="0"/>
+    <cs:fillRef idx="0"/>
+    <cs:effectRef idx="0"/>
+    <cs:fontRef idx="minor">
+      <a:schemeClr val="tx1">
+        <a:lumMod val="65000"/>
+        <a:lumOff val="35000"/>
+      </a:schemeClr>
+    </cs:fontRef>
+    <cs:defRPr sz="1862" b="0" kern="1200" spc="0" baseline="0"/>
+  </cs:title>
+  <cs:trendline>
+    <cs:lnRef idx="0">
+      <cs:styleClr val="auto"/>
+    </cs:lnRef>
+    <cs:fillRef idx="0"/>
+    <cs:effectRef idx="0"/>
+    <cs:fontRef idx="minor">
+      <a:schemeClr val="tx1"/>
+    </cs:fontRef>
+    <cs:spPr>
+      <a:ln w="19050" cap="rnd">
+        <a:solidFill>
+          <a:schemeClr val="phClr"/>
+        </a:solidFill>
+        <a:prstDash val="sysDot"/>
+      </a:ln>
+    </cs:spPr>
+  </cs:trendline>
+  <cs:trendlineLabel>
+    <cs:lnRef idx="0"/>
+    <cs:fillRef idx="0"/>
+    <cs:effectRef idx="0"/>
+    <cs:fontRef idx="minor">
+      <a:schemeClr val="tx1">
+        <a:lumMod val="65000"/>
+        <a:lumOff val="35000"/>
+      </a:schemeClr>
+    </cs:fontRef>
+    <cs:defRPr sz="1197" kern="1200"/>
+  </cs:trendlineLabel>
+  <cs:upBar>
+    <cs:lnRef idx="0"/>
+    <cs:fillRef idx="0"/>
+    <cs:effectRef idx="0"/>
+    <cs:fontRef idx="minor">
+      <a:schemeClr val="tx1"/>
+    </cs:fontRef>
+    <cs:spPr>
+      <a:solidFill>
+        <a:schemeClr val="lt1"/>
+      </a:solidFill>
+      <a:ln w="9525" cap="flat" cmpd="sng" algn="ctr">
+        <a:solidFill>
+          <a:schemeClr val="tx1">
+            <a:lumMod val="65000"/>
+            <a:lumOff val="35000"/>
+          </a:schemeClr>
+        </a:solidFill>
+        <a:round/>
+      </a:ln>
+    </cs:spPr>
+  </cs:upBar>
+  <cs:valueAxis>
+    <cs:lnRef idx="0"/>
+    <cs:fillRef idx="0"/>
+    <cs:effectRef idx="0"/>
+    <cs:fontRef idx="minor">
+      <a:schemeClr val="tx1">
+        <a:lumMod val="65000"/>
+        <a:lumOff val="35000"/>
+      </a:schemeClr>
+    </cs:fontRef>
+    <cs:defRPr sz="1197" kern="1200"/>
+  </cs:valueAxis>
+  <cs:wall>
+    <cs:lnRef idx="0"/>
+    <cs:fillRef idx="0"/>
+    <cs:effectRef idx="0"/>
+    <cs:fontRef idx="minor">
+      <a:schemeClr val="tx1"/>
+    </cs:fontRef>
+    <cs:spPr>
+      <a:noFill/>
+      <a:ln>
+        <a:noFill/>
+      </a:ln>
+    </cs:spPr>
+  </cs:wall>
+</cs:chartStyle>
+</file>
+
+<file path=ppt/charts/style3.xml><?xml version="1.0" encoding="utf-8"?>
+<cs:chartStyle xmlns:cs="http://schemas.microsoft.com/office/drawing/2012/chartStyle" xmlns:a="http://schemas.openxmlformats.org/drawingml/2006/main" id="251">
+  <cs:axisTitle>
+    <cs:lnRef idx="0"/>
+    <cs:fillRef idx="0"/>
+    <cs:effectRef idx="0"/>
+    <cs:fontRef idx="minor">
+      <a:schemeClr val="tx1">
+        <a:lumMod val="65000"/>
+        <a:lumOff val="35000"/>
+      </a:schemeClr>
+    </cs:fontRef>
     <cs:defRPr sz="1000" kern="1200"/>
   </cs:axisTitle>
   <cs:categoryAxis>
@@ -4243,8 +5230,8 @@
       </dsp:nvSpPr>
       <dsp:spPr>
         <a:xfrm rot="10800000">
-          <a:off x="1872356" y="1730"/>
-          <a:ext cx="6900340" cy="537201"/>
+          <a:off x="1776197" y="946"/>
+          <a:ext cx="6900340" cy="152565"/>
         </a:xfrm>
         <a:prstGeom prst="homePlate">
           <a:avLst/>
@@ -4286,12 +5273,12 @@
         </a:fontRef>
       </dsp:style>
       <dsp:txBody>
-        <a:bodyPr spcFirstLastPara="0" vert="horz" wrap="square" lIns="236891" tIns="91440" rIns="170688" bIns="91440" numCol="1" spcCol="1270" anchor="ctr" anchorCtr="0">
+        <a:bodyPr spcFirstLastPara="0" vert="horz" wrap="square" lIns="67277" tIns="26670" rIns="49784" bIns="26670" numCol="1" spcCol="1270" anchor="ctr" anchorCtr="0">
           <a:noAutofit/>
         </a:bodyPr>
         <a:lstStyle/>
         <a:p>
-          <a:pPr marL="0" lvl="0" indent="0" algn="ctr" defTabSz="1066800">
+          <a:pPr marL="0" lvl="0" indent="0" algn="ctr" defTabSz="311150">
             <a:lnSpc>
               <a:spcPct val="90000"/>
             </a:lnSpc>
@@ -4304,15 +5291,15 @@
             <a:buNone/>
           </a:pPr>
           <a:r>
-            <a:rPr lang="de-AT" sz="2400" kern="1200"/>
+            <a:rPr lang="de-AT" sz="700" kern="1200"/>
             <a:t>Projektantrag</a:t>
           </a:r>
-          <a:endParaRPr lang="de-AT" sz="2400" kern="1200" dirty="0"/>
+          <a:endParaRPr lang="de-AT" sz="700" kern="1200" dirty="0"/>
         </a:p>
       </dsp:txBody>
       <dsp:txXfrm rot="10800000">
-        <a:off x="2006656" y="1730"/>
-        <a:ext cx="6766040" cy="537201"/>
+        <a:off x="1814338" y="946"/>
+        <a:ext cx="6862199" cy="152565"/>
       </dsp:txXfrm>
     </dsp:sp>
     <dsp:sp modelId="{6535FA68-29A1-48DB-817C-67B71D2360F6}">
@@ -4322,8 +5309,8 @@
       </dsp:nvSpPr>
       <dsp:spPr>
         <a:xfrm>
-          <a:off x="1268235" y="988"/>
-          <a:ext cx="537201" cy="537201"/>
+          <a:off x="1604626" y="736"/>
+          <a:ext cx="152565" cy="152565"/>
         </a:xfrm>
         <a:prstGeom prst="ellipse">
           <a:avLst/>
@@ -4378,8 +5365,8 @@
       </dsp:nvSpPr>
       <dsp:spPr>
         <a:xfrm rot="10800000">
-          <a:off x="1872356" y="693443"/>
-          <a:ext cx="6900340" cy="537201"/>
+          <a:off x="1776197" y="191654"/>
+          <a:ext cx="6900340" cy="152565"/>
         </a:xfrm>
         <a:prstGeom prst="homePlate">
           <a:avLst/>
@@ -4421,12 +5408,12 @@
         </a:fontRef>
       </dsp:style>
       <dsp:txBody>
-        <a:bodyPr spcFirstLastPara="0" vert="horz" wrap="square" lIns="236891" tIns="91440" rIns="170688" bIns="91440" numCol="1" spcCol="1270" anchor="ctr" anchorCtr="0">
+        <a:bodyPr spcFirstLastPara="0" vert="horz" wrap="square" lIns="67277" tIns="26670" rIns="49784" bIns="26670" numCol="1" spcCol="1270" anchor="ctr" anchorCtr="0">
           <a:noAutofit/>
         </a:bodyPr>
         <a:lstStyle/>
         <a:p>
-          <a:pPr marL="0" lvl="0" indent="0" algn="ctr" defTabSz="1066800">
+          <a:pPr marL="0" lvl="0" indent="0" algn="ctr" defTabSz="311150">
             <a:lnSpc>
               <a:spcPct val="90000"/>
             </a:lnSpc>
@@ -4439,15 +5426,15 @@
             <a:buNone/>
           </a:pPr>
           <a:r>
-            <a:rPr lang="de-AT" sz="2400" kern="1200"/>
+            <a:rPr lang="de-AT" sz="700" kern="1200"/>
             <a:t>Lastenheft</a:t>
           </a:r>
-          <a:endParaRPr lang="de-AT" sz="2400" kern="1200" dirty="0"/>
+          <a:endParaRPr lang="de-AT" sz="700" kern="1200" dirty="0"/>
         </a:p>
       </dsp:txBody>
       <dsp:txXfrm rot="10800000">
-        <a:off x="2006656" y="693443"/>
-        <a:ext cx="6766040" cy="537201"/>
+        <a:off x="1814338" y="191654"/>
+        <a:ext cx="6862199" cy="152565"/>
       </dsp:txXfrm>
     </dsp:sp>
     <dsp:sp modelId="{B1E19C33-93FF-4FB1-83AF-538AE5721C83}">
@@ -4457,8 +5444,8 @@
       </dsp:nvSpPr>
       <dsp:spPr>
         <a:xfrm>
-          <a:off x="1249594" y="684122"/>
-          <a:ext cx="537201" cy="537201"/>
+          <a:off x="1599332" y="189007"/>
+          <a:ext cx="152565" cy="152565"/>
         </a:xfrm>
         <a:prstGeom prst="ellipse">
           <a:avLst/>
@@ -4513,8 +5500,8 @@
       </dsp:nvSpPr>
       <dsp:spPr>
         <a:xfrm rot="10800000">
-          <a:off x="1872356" y="1385156"/>
-          <a:ext cx="6900340" cy="537201"/>
+          <a:off x="1776197" y="382361"/>
+          <a:ext cx="6900340" cy="152565"/>
         </a:xfrm>
         <a:prstGeom prst="homePlate">
           <a:avLst/>
@@ -4556,12 +5543,12 @@
         </a:fontRef>
       </dsp:style>
       <dsp:txBody>
-        <a:bodyPr spcFirstLastPara="0" vert="horz" wrap="square" lIns="236891" tIns="91440" rIns="170688" bIns="91440" numCol="1" spcCol="1270" anchor="ctr" anchorCtr="0">
+        <a:bodyPr spcFirstLastPara="0" vert="horz" wrap="square" lIns="67277" tIns="26670" rIns="49784" bIns="26670" numCol="1" spcCol="1270" anchor="ctr" anchorCtr="0">
           <a:noAutofit/>
         </a:bodyPr>
         <a:lstStyle/>
         <a:p>
-          <a:pPr marL="0" lvl="0" indent="0" algn="ctr" defTabSz="1066800">
+          <a:pPr marL="0" lvl="0" indent="0" algn="ctr" defTabSz="311150">
             <a:lnSpc>
               <a:spcPct val="90000"/>
             </a:lnSpc>
@@ -4574,15 +5561,15 @@
             <a:buNone/>
           </a:pPr>
           <a:r>
-            <a:rPr lang="de-AT" sz="2400" kern="1200"/>
+            <a:rPr lang="de-AT" sz="700" kern="1200"/>
             <a:t>4x Meeting</a:t>
           </a:r>
-          <a:endParaRPr lang="de-AT" sz="2400" kern="1200" dirty="0"/>
+          <a:endParaRPr lang="de-AT" sz="700" kern="1200" dirty="0"/>
         </a:p>
       </dsp:txBody>
       <dsp:txXfrm rot="10800000">
-        <a:off x="2006656" y="1385156"/>
-        <a:ext cx="6766040" cy="537201"/>
+        <a:off x="1814338" y="382361"/>
+        <a:ext cx="6862199" cy="152565"/>
       </dsp:txXfrm>
     </dsp:sp>
     <dsp:sp modelId="{F33739F9-DEE8-444B-A567-2F587BE632F5}">
@@ -4592,8 +5579,8 @@
       </dsp:nvSpPr>
       <dsp:spPr>
         <a:xfrm>
-          <a:off x="1240268" y="1385156"/>
-          <a:ext cx="537201" cy="537201"/>
+          <a:off x="1596683" y="382361"/>
+          <a:ext cx="152565" cy="152565"/>
         </a:xfrm>
         <a:prstGeom prst="ellipse">
           <a:avLst/>
@@ -4648,8 +5635,8 @@
       </dsp:nvSpPr>
       <dsp:spPr>
         <a:xfrm rot="10800000">
-          <a:off x="1872356" y="2076869"/>
-          <a:ext cx="6900340" cy="537201"/>
+          <a:off x="1776197" y="573068"/>
+          <a:ext cx="6900340" cy="152565"/>
         </a:xfrm>
         <a:prstGeom prst="homePlate">
           <a:avLst/>
@@ -4691,12 +5678,12 @@
         </a:fontRef>
       </dsp:style>
       <dsp:txBody>
-        <a:bodyPr spcFirstLastPara="0" vert="horz" wrap="square" lIns="236891" tIns="91440" rIns="170688" bIns="91440" numCol="1" spcCol="1270" anchor="ctr" anchorCtr="0">
+        <a:bodyPr spcFirstLastPara="0" vert="horz" wrap="square" lIns="67277" tIns="26670" rIns="49784" bIns="26670" numCol="1" spcCol="1270" anchor="ctr" anchorCtr="0">
           <a:noAutofit/>
         </a:bodyPr>
         <a:lstStyle/>
         <a:p>
-          <a:pPr marL="0" lvl="0" indent="0" algn="ctr" defTabSz="1066800">
+          <a:pPr marL="0" lvl="0" indent="0" algn="ctr" defTabSz="311150">
             <a:lnSpc>
               <a:spcPct val="90000"/>
             </a:lnSpc>
@@ -4709,15 +5696,15 @@
             <a:buNone/>
           </a:pPr>
           <a:r>
-            <a:rPr lang="de-AT" sz="2400" kern="1200"/>
+            <a:rPr lang="de-AT" sz="700" kern="1200"/>
             <a:t>IBM-Cloudzugang</a:t>
           </a:r>
-          <a:endParaRPr lang="de-AT" sz="2400" kern="1200" dirty="0"/>
+          <a:endParaRPr lang="de-AT" sz="700" kern="1200" dirty="0"/>
         </a:p>
       </dsp:txBody>
       <dsp:txXfrm rot="10800000">
-        <a:off x="2006656" y="2076869"/>
-        <a:ext cx="6766040" cy="537201"/>
+        <a:off x="1814338" y="573068"/>
+        <a:ext cx="6862199" cy="152565"/>
       </dsp:txXfrm>
     </dsp:sp>
     <dsp:sp modelId="{E26F51D7-DC79-4A04-863B-0E96A3BC3EB8}">
@@ -4727,8 +5714,8 @@
       </dsp:nvSpPr>
       <dsp:spPr>
         <a:xfrm>
-          <a:off x="1202970" y="2076869"/>
-          <a:ext cx="537201" cy="537201"/>
+          <a:off x="1586090" y="573068"/>
+          <a:ext cx="152565" cy="152565"/>
         </a:xfrm>
         <a:prstGeom prst="ellipse">
           <a:avLst/>
@@ -4783,8 +5770,8 @@
       </dsp:nvSpPr>
       <dsp:spPr>
         <a:xfrm rot="10800000">
-          <a:off x="1872356" y="2768582"/>
-          <a:ext cx="6900340" cy="537201"/>
+          <a:off x="1776197" y="763776"/>
+          <a:ext cx="6900340" cy="152565"/>
         </a:xfrm>
         <a:prstGeom prst="homePlate">
           <a:avLst/>
@@ -4826,12 +5813,12 @@
         </a:fontRef>
       </dsp:style>
       <dsp:txBody>
-        <a:bodyPr spcFirstLastPara="0" vert="horz" wrap="square" lIns="236891" tIns="91440" rIns="170688" bIns="91440" numCol="1" spcCol="1270" anchor="ctr" anchorCtr="0">
+        <a:bodyPr spcFirstLastPara="0" vert="horz" wrap="square" lIns="67277" tIns="26670" rIns="49784" bIns="26670" numCol="1" spcCol="1270" anchor="ctr" anchorCtr="0">
           <a:noAutofit/>
         </a:bodyPr>
         <a:lstStyle/>
         <a:p>
-          <a:pPr marL="0" lvl="0" indent="0" algn="ctr" defTabSz="1066800">
+          <a:pPr marL="0" lvl="0" indent="0" algn="ctr" defTabSz="311150">
             <a:lnSpc>
               <a:spcPct val="90000"/>
             </a:lnSpc>
@@ -4844,14 +5831,14 @@
             <a:buNone/>
           </a:pPr>
           <a:r>
-            <a:rPr lang="de-AT" sz="2400" kern="1200" dirty="0"/>
+            <a:rPr lang="de-AT" sz="700" kern="1200" dirty="0"/>
             <a:t>Testgateway bekommen</a:t>
           </a:r>
         </a:p>
       </dsp:txBody>
       <dsp:txXfrm rot="10800000">
-        <a:off x="2006656" y="2768582"/>
-        <a:ext cx="6766040" cy="537201"/>
+        <a:off x="1814338" y="763776"/>
+        <a:ext cx="6862199" cy="152565"/>
       </dsp:txXfrm>
     </dsp:sp>
     <dsp:sp modelId="{4F52923F-0649-45F9-8351-34240CCFC66C}">
@@ -4861,8 +5848,8 @@
       </dsp:nvSpPr>
       <dsp:spPr>
         <a:xfrm>
-          <a:off x="1212312" y="2768582"/>
-          <a:ext cx="537201" cy="537201"/>
+          <a:off x="1588744" y="763776"/>
+          <a:ext cx="152565" cy="152565"/>
         </a:xfrm>
         <a:prstGeom prst="ellipse">
           <a:avLst/>
@@ -4917,8 +5904,8 @@
       </dsp:nvSpPr>
       <dsp:spPr>
         <a:xfrm rot="10800000">
-          <a:off x="1872356" y="3460294"/>
-          <a:ext cx="6900340" cy="537201"/>
+          <a:off x="1776197" y="954483"/>
+          <a:ext cx="6900340" cy="152565"/>
         </a:xfrm>
         <a:prstGeom prst="homePlate">
           <a:avLst/>
@@ -4960,12 +5947,12 @@
         </a:fontRef>
       </dsp:style>
       <dsp:txBody>
-        <a:bodyPr spcFirstLastPara="0" vert="horz" wrap="square" lIns="236891" tIns="91440" rIns="170688" bIns="91440" numCol="1" spcCol="1270" anchor="ctr" anchorCtr="0">
+        <a:bodyPr spcFirstLastPara="0" vert="horz" wrap="square" lIns="67277" tIns="26670" rIns="49784" bIns="26670" numCol="1" spcCol="1270" anchor="ctr" anchorCtr="0">
           <a:noAutofit/>
         </a:bodyPr>
         <a:lstStyle/>
         <a:p>
-          <a:pPr marL="0" lvl="0" indent="0" algn="ctr" defTabSz="1066800">
+          <a:pPr marL="0" lvl="0" indent="0" algn="ctr" defTabSz="311150">
             <a:lnSpc>
               <a:spcPct val="90000"/>
             </a:lnSpc>
@@ -4978,15 +5965,15 @@
             <a:buNone/>
           </a:pPr>
           <a:r>
-            <a:rPr lang="de-AT" sz="2400" kern="1200"/>
+            <a:rPr lang="de-AT" sz="700" kern="1200"/>
             <a:t>IOT-Plattformverbindung</a:t>
           </a:r>
-          <a:endParaRPr lang="de-AT" sz="2400" kern="1200" dirty="0"/>
+          <a:endParaRPr lang="de-AT" sz="700" kern="1200" dirty="0"/>
         </a:p>
       </dsp:txBody>
       <dsp:txXfrm rot="10800000">
-        <a:off x="2006656" y="3460294"/>
-        <a:ext cx="6766040" cy="537201"/>
+        <a:off x="1814338" y="954483"/>
+        <a:ext cx="6862199" cy="152565"/>
       </dsp:txXfrm>
     </dsp:sp>
     <dsp:sp modelId="{468AE6DD-9D8D-4829-A64F-A4FEF049D980}">
@@ -4996,8 +5983,8 @@
       </dsp:nvSpPr>
       <dsp:spPr>
         <a:xfrm>
-          <a:off x="1187520" y="3423013"/>
-          <a:ext cx="537201" cy="537201"/>
+          <a:off x="1581703" y="943895"/>
+          <a:ext cx="152565" cy="152565"/>
         </a:xfrm>
         <a:prstGeom prst="ellipse">
           <a:avLst/>
@@ -7447,6 +8434,157 @@
 </dgm:styleDef>
 </file>
 
+<file path=ppt/drawings/drawing1.xml><?xml version="1.0" encoding="utf-8"?>
+<c:userShapes xmlns:c="http://schemas.openxmlformats.org/drawingml/2006/chart">
+  <cdr:relSizeAnchor xmlns:cdr="http://schemas.openxmlformats.org/drawingml/2006/chartDrawing">
+    <cdr:from>
+      <cdr:x>0.52726</cdr:x>
+      <cdr:y>0.50307</cdr:y>
+    </cdr:from>
+    <cdr:to>
+      <cdr:x>0.7091</cdr:x>
+      <cdr:y>0.59516</cdr:y>
+    </cdr:to>
+    <cdr:sp macro="" textlink="">
+      <cdr:nvSpPr>
+        <cdr:cNvPr id="2" name="Textfeld 1">
+          <a:extLst xmlns:a="http://schemas.openxmlformats.org/drawingml/2006/main">
+            <a:ext uri="{FF2B5EF4-FFF2-40B4-BE49-F238E27FC236}">
+              <a16:creationId xmlns:a16="http://schemas.microsoft.com/office/drawing/2014/main" id="{764D010E-707D-462E-B5A2-6C32A8586D3A}"/>
+            </a:ext>
+          </a:extLst>
+        </cdr:cNvPr>
+        <cdr:cNvSpPr txBox="1"/>
+      </cdr:nvSpPr>
+      <cdr:spPr>
+        <a:xfrm xmlns:a="http://schemas.openxmlformats.org/drawingml/2006/main">
+          <a:off x="3397930" y="2446828"/>
+          <a:ext cx="1171852" cy="447899"/>
+        </a:xfrm>
+        <a:prstGeom xmlns:a="http://schemas.openxmlformats.org/drawingml/2006/main" prst="rect">
+          <a:avLst/>
+        </a:prstGeom>
+      </cdr:spPr>
+      <cdr:txBody>
+        <a:bodyPr xmlns:a="http://schemas.openxmlformats.org/drawingml/2006/main" vertOverflow="clip" wrap="square" rtlCol="0"/>
+        <a:lstStyle xmlns:a="http://schemas.openxmlformats.org/drawingml/2006/main"/>
+        <a:p xmlns:a="http://schemas.openxmlformats.org/drawingml/2006/main">
+          <a:r>
+            <a:rPr lang="de-AT" sz="2000" b="1" dirty="0"/>
+            <a:t>= 105 h</a:t>
+          </a:r>
+        </a:p>
+      </cdr:txBody>
+    </cdr:sp>
+  </cdr:relSizeAnchor>
+  <cdr:relSizeAnchor xmlns:cdr="http://schemas.openxmlformats.org/drawingml/2006/chartDrawing">
+    <cdr:from>
+      <cdr:x>0.21282</cdr:x>
+      <cdr:y>0.69787</cdr:y>
+    </cdr:from>
+    <cdr:to>
+      <cdr:x>0.39466</cdr:x>
+      <cdr:y>0.78996</cdr:y>
+    </cdr:to>
+    <cdr:sp macro="" textlink="">
+      <cdr:nvSpPr>
+        <cdr:cNvPr id="3" name="Textfeld 1">
+          <a:extLst xmlns:a="http://schemas.openxmlformats.org/drawingml/2006/main">
+            <a:ext uri="{FF2B5EF4-FFF2-40B4-BE49-F238E27FC236}">
+              <a16:creationId xmlns:a16="http://schemas.microsoft.com/office/drawing/2014/main" id="{7C4B6A2A-2F87-4367-B1A9-51832C97B80E}"/>
+            </a:ext>
+          </a:extLst>
+        </cdr:cNvPr>
+        <cdr:cNvSpPr txBox="1"/>
+      </cdr:nvSpPr>
+      <cdr:spPr>
+        <a:xfrm xmlns:a="http://schemas.openxmlformats.org/drawingml/2006/main">
+          <a:off x="1371513" y="3394273"/>
+          <a:ext cx="1171852" cy="447899"/>
+        </a:xfrm>
+        <a:prstGeom xmlns:a="http://schemas.openxmlformats.org/drawingml/2006/main" prst="rect">
+          <a:avLst/>
+        </a:prstGeom>
+      </cdr:spPr>
+      <cdr:txBody>
+        <a:bodyPr xmlns:a="http://schemas.openxmlformats.org/drawingml/2006/main" wrap="square" rtlCol="0"/>
+        <a:lstStyle xmlns:a="http://schemas.openxmlformats.org/drawingml/2006/main">
+          <a:lvl1pPr marL="0" indent="0">
+            <a:defRPr sz="1100">
+              <a:latin typeface="+mn-lt"/>
+              <a:ea typeface="+mn-ea"/>
+              <a:cs typeface="+mn-cs"/>
+            </a:defRPr>
+          </a:lvl1pPr>
+          <a:lvl2pPr marL="457200" indent="0">
+            <a:defRPr sz="1100">
+              <a:latin typeface="+mn-lt"/>
+              <a:ea typeface="+mn-ea"/>
+              <a:cs typeface="+mn-cs"/>
+            </a:defRPr>
+          </a:lvl2pPr>
+          <a:lvl3pPr marL="914400" indent="0">
+            <a:defRPr sz="1100">
+              <a:latin typeface="+mn-lt"/>
+              <a:ea typeface="+mn-ea"/>
+              <a:cs typeface="+mn-cs"/>
+            </a:defRPr>
+          </a:lvl3pPr>
+          <a:lvl4pPr marL="1371600" indent="0">
+            <a:defRPr sz="1100">
+              <a:latin typeface="+mn-lt"/>
+              <a:ea typeface="+mn-ea"/>
+              <a:cs typeface="+mn-cs"/>
+            </a:defRPr>
+          </a:lvl4pPr>
+          <a:lvl5pPr marL="1828800" indent="0">
+            <a:defRPr sz="1100">
+              <a:latin typeface="+mn-lt"/>
+              <a:ea typeface="+mn-ea"/>
+              <a:cs typeface="+mn-cs"/>
+            </a:defRPr>
+          </a:lvl5pPr>
+          <a:lvl6pPr marL="2286000" indent="0">
+            <a:defRPr sz="1100">
+              <a:latin typeface="+mn-lt"/>
+              <a:ea typeface="+mn-ea"/>
+              <a:cs typeface="+mn-cs"/>
+            </a:defRPr>
+          </a:lvl6pPr>
+          <a:lvl7pPr marL="2743200" indent="0">
+            <a:defRPr sz="1100">
+              <a:latin typeface="+mn-lt"/>
+              <a:ea typeface="+mn-ea"/>
+              <a:cs typeface="+mn-cs"/>
+            </a:defRPr>
+          </a:lvl7pPr>
+          <a:lvl8pPr marL="3200400" indent="0">
+            <a:defRPr sz="1100">
+              <a:latin typeface="+mn-lt"/>
+              <a:ea typeface="+mn-ea"/>
+              <a:cs typeface="+mn-cs"/>
+            </a:defRPr>
+          </a:lvl8pPr>
+          <a:lvl9pPr marL="3657600" indent="0">
+            <a:defRPr sz="1100">
+              <a:latin typeface="+mn-lt"/>
+              <a:ea typeface="+mn-ea"/>
+              <a:cs typeface="+mn-cs"/>
+            </a:defRPr>
+          </a:lvl9pPr>
+        </a:lstStyle>
+        <a:p xmlns:a="http://schemas.openxmlformats.org/drawingml/2006/main">
+          <a:r>
+            <a:rPr lang="de-AT" sz="2000" b="1" dirty="0"/>
+            <a:t>= 98 h</a:t>
+          </a:r>
+        </a:p>
+      </cdr:txBody>
+    </cdr:sp>
+  </cdr:relSizeAnchor>
+</c:userShapes>
+</file>
+
 <file path=ppt/notesMasters/notesMaster1.xml><?xml version="1.0" encoding="utf-8"?>
 <p:notesMaster xmlns:a="http://schemas.openxmlformats.org/drawingml/2006/main" xmlns:r="http://schemas.openxmlformats.org/officeDocument/2006/relationships" xmlns:p="http://schemas.openxmlformats.org/presentationml/2006/main">
   <p:cSld>
@@ -7529,7 +8667,7 @@
           <a:p>
             <a:fld id="{63CA2310-8BCF-4A82-9E14-004A80B6FD7C}" type="datetimeFigureOut">
               <a:rPr lang="de-AT" smtClean="0"/>
-              <a:t>06.03.2019</a:t>
+              <a:t>02.04.2019</a:t>
             </a:fld>
             <a:endParaRPr lang="de-AT"/>
           </a:p>
@@ -7946,7 +9084,7 @@
           <a:p>
             <a:fld id="{04B7B1CB-EE3B-4A3E-A31C-A53455453B89}" type="datetime1">
               <a:rPr lang="de-AT" smtClean="0"/>
-              <a:t>06.03.2019</a:t>
+              <a:t>02.04.2019</a:t>
             </a:fld>
             <a:endParaRPr lang="de-AT"/>
           </a:p>
@@ -8161,7 +9299,7 @@
           <a:p>
             <a:fld id="{903E7589-FFE5-4C1C-A17A-661FFD6F84A5}" type="datetime1">
               <a:rPr lang="de-AT" smtClean="0"/>
-              <a:t>06.03.2019</a:t>
+              <a:t>02.04.2019</a:t>
             </a:fld>
             <a:endParaRPr lang="de-AT"/>
           </a:p>
@@ -8386,7 +9524,7 @@
           <a:p>
             <a:fld id="{67363B0C-4E91-4AEE-9453-15AD6684103F}" type="datetime1">
               <a:rPr lang="de-AT" smtClean="0"/>
-              <a:t>06.03.2019</a:t>
+              <a:t>02.04.2019</a:t>
             </a:fld>
             <a:endParaRPr lang="de-AT"/>
           </a:p>
@@ -8601,7 +9739,7 @@
           <a:p>
             <a:fld id="{FD6292B7-70A6-4C50-B923-B35761BCED52}" type="datetime1">
               <a:rPr lang="de-AT" smtClean="0"/>
-              <a:t>06.03.2019</a:t>
+              <a:t>02.04.2019</a:t>
             </a:fld>
             <a:endParaRPr lang="de-AT"/>
           </a:p>
@@ -8892,7 +10030,7 @@
           <a:p>
             <a:fld id="{375F7439-D609-4E1B-818A-B2C3580B9669}" type="datetime1">
               <a:rPr lang="de-AT" smtClean="0"/>
-              <a:t>06.03.2019</a:t>
+              <a:t>02.04.2019</a:t>
             </a:fld>
             <a:endParaRPr lang="de-AT"/>
           </a:p>
@@ -9175,7 +10313,7 @@
           <a:p>
             <a:fld id="{56C603BB-499A-400B-9575-F941A4FF7CB0}" type="datetime1">
               <a:rPr lang="de-AT" smtClean="0"/>
-              <a:t>06.03.2019</a:t>
+              <a:t>02.04.2019</a:t>
             </a:fld>
             <a:endParaRPr lang="de-AT"/>
           </a:p>
@@ -9605,7 +10743,7 @@
           <a:p>
             <a:fld id="{248E0D6C-5F53-4BF6-B217-0202DDFB8ECF}" type="datetime1">
               <a:rPr lang="de-AT" smtClean="0"/>
-              <a:t>06.03.2019</a:t>
+              <a:t>02.04.2019</a:t>
             </a:fld>
             <a:endParaRPr lang="de-AT"/>
           </a:p>
@@ -9762,7 +10900,7 @@
           <a:p>
             <a:fld id="{87B8DEF8-B6CD-4ABF-B782-D220D65E7EB0}" type="datetime1">
               <a:rPr lang="de-AT" smtClean="0"/>
-              <a:t>06.03.2019</a:t>
+              <a:t>02.04.2019</a:t>
             </a:fld>
             <a:endParaRPr lang="de-AT"/>
           </a:p>
@@ -9890,7 +11028,7 @@
           <a:p>
             <a:fld id="{02BFEA8B-0EEA-49BE-BC19-2474A17A97DD}" type="datetime1">
               <a:rPr lang="de-AT" smtClean="0"/>
-              <a:t>06.03.2019</a:t>
+              <a:t>02.04.2019</a:t>
             </a:fld>
             <a:endParaRPr lang="de-AT"/>
           </a:p>
@@ -10218,7 +11356,7 @@
           <a:p>
             <a:fld id="{9DE49396-A74B-4A7F-9FEA-5C0D177F4AF6}" type="datetime1">
               <a:rPr lang="de-AT" smtClean="0"/>
-              <a:t>06.03.2019</a:t>
+              <a:t>02.04.2019</a:t>
             </a:fld>
             <a:endParaRPr lang="de-AT"/>
           </a:p>
@@ -10522,7 +11660,7 @@
           <a:p>
             <a:fld id="{5C8883B4-AE7B-4968-9F85-1D972A8B114A}" type="datetime1">
               <a:rPr lang="de-AT" smtClean="0"/>
-              <a:t>06.03.2019</a:t>
+              <a:t>02.04.2019</a:t>
             </a:fld>
             <a:endParaRPr lang="de-AT"/>
           </a:p>
@@ -10783,7 +11921,7 @@
           <a:p>
             <a:fld id="{67614832-DF44-4D59-A3C8-8BBE1533FF73}" type="datetime1">
               <a:rPr lang="de-AT" smtClean="0"/>
-              <a:t>06.03.2019</a:t>
+              <a:t>02.04.2019</a:t>
             </a:fld>
             <a:endParaRPr lang="de-AT"/>
           </a:p>
@@ -11659,12 +12797,20 @@
               </a:lnSpc>
             </a:pPr>
             <a:r>
-              <a:rPr lang="de-DE" dirty="0" err="1"/>
+              <a:rPr lang="de-DE" b="1" dirty="0" err="1"/>
               <a:t>Wireframes</a:t>
             </a:r>
             <a:r>
+              <a:rPr lang="de-DE" b="1" dirty="0"/>
+              <a:t> erstellen</a:t>
+            </a:r>
+            <a:r>
               <a:rPr lang="de-DE" dirty="0"/>
-              <a:t> erstellen						20.03.2019</a:t>
+              <a:t>						</a:t>
+            </a:r>
+            <a:r>
+              <a:rPr lang="de-DE" b="1" dirty="0"/>
+              <a:t>20.03.2019</a:t>
             </a:r>
           </a:p>
           <a:p>
@@ -11674,8 +12820,16 @@
               </a:lnSpc>
             </a:pPr>
             <a:r>
+              <a:rPr lang="de-DE" b="1" dirty="0"/>
+              <a:t>IBM Cloud einrichten	</a:t>
+            </a:r>
+            <a:r>
               <a:rPr lang="de-DE" dirty="0"/>
-              <a:t>IBM Cloud einrichten						27.03.2019</a:t>
+              <a:t>					</a:t>
+            </a:r>
+            <a:r>
+              <a:rPr lang="de-DE" b="1" dirty="0"/>
+              <a:t>27.03.2019</a:t>
             </a:r>
           </a:p>
           <a:p>
@@ -11685,16 +12839,24 @@
               </a:lnSpc>
             </a:pPr>
             <a:r>
-              <a:rPr lang="de-DE" dirty="0"/>
+              <a:rPr lang="de-DE" b="1" dirty="0"/>
               <a:t>Ein Gateway auf der </a:t>
             </a:r>
             <a:r>
-              <a:rPr lang="de-DE" dirty="0" err="1"/>
+              <a:rPr lang="de-DE" b="1" dirty="0" err="1"/>
               <a:t>IoT</a:t>
             </a:r>
             <a:r>
+              <a:rPr lang="de-DE" b="1" dirty="0"/>
+              <a:t>-Plattform registrieren</a:t>
+            </a:r>
+            <a:r>
               <a:rPr lang="de-DE" dirty="0"/>
-              <a:t>-Plattform registrieren		03.04.2019</a:t>
+              <a:t>		</a:t>
+            </a:r>
+            <a:r>
+              <a:rPr lang="de-DE" b="1" dirty="0"/>
+              <a:t>03.04.2019</a:t>
             </a:r>
           </a:p>
           <a:p>
@@ -11826,6 +12988,147 @@
           </a:prstGeom>
         </p:spPr>
       </p:pic>
+      <p:pic>
+        <p:nvPicPr>
+          <p:cNvPr id="1028" name="Picture 4" descr="Bildergebnis fÃ¼r hakerl png">
+            <a:extLst>
+              <a:ext uri="{FF2B5EF4-FFF2-40B4-BE49-F238E27FC236}">
+                <a16:creationId xmlns:a16="http://schemas.microsoft.com/office/drawing/2014/main" id="{08E87668-A2C9-4F74-B16A-4A4BD7FC35C8}"/>
+              </a:ext>
+            </a:extLst>
+          </p:cNvPr>
+          <p:cNvPicPr>
+            <a:picLocks noChangeAspect="1" noChangeArrowheads="1"/>
+          </p:cNvPicPr>
+          <p:nvPr/>
+        </p:nvPicPr>
+        <p:blipFill>
+          <a:blip r:embed="rId4">
+            <a:extLst>
+              <a:ext uri="{28A0092B-C50C-407E-A947-70E740481C1C}">
+                <a14:useLocalDpi xmlns:a14="http://schemas.microsoft.com/office/drawing/2010/main" val="0"/>
+              </a:ext>
+            </a:extLst>
+          </a:blip>
+          <a:srcRect/>
+          <a:stretch>
+            <a:fillRect/>
+          </a:stretch>
+        </p:blipFill>
+        <p:spPr bwMode="auto">
+          <a:xfrm>
+            <a:off x="10985377" y="1517342"/>
+            <a:ext cx="502328" cy="502328"/>
+          </a:xfrm>
+          <a:prstGeom prst="rect">
+            <a:avLst/>
+          </a:prstGeom>
+          <a:noFill/>
+          <a:extLst>
+            <a:ext uri="{909E8E84-426E-40DD-AFC4-6F175D3DCCD1}">
+              <a14:hiddenFill xmlns:a14="http://schemas.microsoft.com/office/drawing/2010/main">
+                <a:solidFill>
+                  <a:srgbClr val="FFFFFF"/>
+                </a:solidFill>
+              </a14:hiddenFill>
+            </a:ext>
+          </a:extLst>
+        </p:spPr>
+      </p:pic>
+      <p:pic>
+        <p:nvPicPr>
+          <p:cNvPr id="9" name="Picture 4" descr="Bildergebnis fÃ¼r hakerl png">
+            <a:extLst>
+              <a:ext uri="{FF2B5EF4-FFF2-40B4-BE49-F238E27FC236}">
+                <a16:creationId xmlns:a16="http://schemas.microsoft.com/office/drawing/2014/main" id="{D5BB5964-3D4A-454C-B0C7-CD5AA9D934D0}"/>
+              </a:ext>
+            </a:extLst>
+          </p:cNvPr>
+          <p:cNvPicPr>
+            <a:picLocks noChangeAspect="1" noChangeArrowheads="1"/>
+          </p:cNvPicPr>
+          <p:nvPr/>
+        </p:nvPicPr>
+        <p:blipFill>
+          <a:blip r:embed="rId4">
+            <a:extLst>
+              <a:ext uri="{28A0092B-C50C-407E-A947-70E740481C1C}">
+                <a14:useLocalDpi xmlns:a14="http://schemas.microsoft.com/office/drawing/2010/main" val="0"/>
+              </a:ext>
+            </a:extLst>
+          </a:blip>
+          <a:srcRect/>
+          <a:stretch>
+            <a:fillRect/>
+          </a:stretch>
+        </p:blipFill>
+        <p:spPr bwMode="auto">
+          <a:xfrm>
+            <a:off x="10985377" y="2299614"/>
+            <a:ext cx="502328" cy="502328"/>
+          </a:xfrm>
+          <a:prstGeom prst="rect">
+            <a:avLst/>
+          </a:prstGeom>
+          <a:noFill/>
+          <a:extLst>
+            <a:ext uri="{909E8E84-426E-40DD-AFC4-6F175D3DCCD1}">
+              <a14:hiddenFill xmlns:a14="http://schemas.microsoft.com/office/drawing/2010/main">
+                <a:solidFill>
+                  <a:srgbClr val="FFFFFF"/>
+                </a:solidFill>
+              </a14:hiddenFill>
+            </a:ext>
+          </a:extLst>
+        </p:spPr>
+      </p:pic>
+      <p:pic>
+        <p:nvPicPr>
+          <p:cNvPr id="10" name="Picture 4" descr="Bildergebnis fÃ¼r hakerl png">
+            <a:extLst>
+              <a:ext uri="{FF2B5EF4-FFF2-40B4-BE49-F238E27FC236}">
+                <a16:creationId xmlns:a16="http://schemas.microsoft.com/office/drawing/2014/main" id="{25B0E1E5-86E8-4798-AEA9-0E882478DA52}"/>
+              </a:ext>
+            </a:extLst>
+          </p:cNvPr>
+          <p:cNvPicPr>
+            <a:picLocks noChangeAspect="1" noChangeArrowheads="1"/>
+          </p:cNvPicPr>
+          <p:nvPr/>
+        </p:nvPicPr>
+        <p:blipFill>
+          <a:blip r:embed="rId4">
+            <a:extLst>
+              <a:ext uri="{28A0092B-C50C-407E-A947-70E740481C1C}">
+                <a14:useLocalDpi xmlns:a14="http://schemas.microsoft.com/office/drawing/2010/main" val="0"/>
+              </a:ext>
+            </a:extLst>
+          </a:blip>
+          <a:srcRect/>
+          <a:stretch>
+            <a:fillRect/>
+          </a:stretch>
+        </p:blipFill>
+        <p:spPr bwMode="auto">
+          <a:xfrm>
+            <a:off x="10985377" y="3081886"/>
+            <a:ext cx="502328" cy="502328"/>
+          </a:xfrm>
+          <a:prstGeom prst="rect">
+            <a:avLst/>
+          </a:prstGeom>
+          <a:noFill/>
+          <a:extLst>
+            <a:ext uri="{909E8E84-426E-40DD-AFC4-6F175D3DCCD1}">
+              <a14:hiddenFill xmlns:a14="http://schemas.microsoft.com/office/drawing/2010/main">
+                <a:solidFill>
+                  <a:srgbClr val="FFFFFF"/>
+                </a:solidFill>
+              </a14:hiddenFill>
+            </a:ext>
+          </a:extLst>
+        </p:spPr>
+      </p:pic>
     </p:spTree>
     <p:extLst>
       <p:ext uri="{BB962C8B-B14F-4D97-AF65-F5344CB8AC3E}">
@@ -12047,7 +13350,7 @@
           <p:nvPr>
             <p:extLst>
               <p:ext uri="{D42A27DB-BD31-4B8C-83A1-F6EECF244321}">
-                <p14:modId xmlns:p14="http://schemas.microsoft.com/office/powerpoint/2010/main" val="10842266"/>
+                <p14:modId xmlns:p14="http://schemas.microsoft.com/office/powerpoint/2010/main" val="157766081"/>
               </p:ext>
             </p:extLst>
           </p:nvPr>
@@ -12130,7 +13433,7 @@
         </p:blipFill>
         <p:spPr>
           <a:xfrm>
-            <a:off x="1363361" y="3736773"/>
+            <a:off x="1114786" y="3819841"/>
             <a:ext cx="2489709" cy="1737817"/>
           </a:xfrm>
           <a:prstGeom prst="rect">
@@ -12138,6 +13441,625 @@
           </a:prstGeom>
         </p:spPr>
       </p:pic>
+      <p:sp>
+        <p:nvSpPr>
+          <p:cNvPr id="5" name="Textfeld 4">
+            <a:extLst>
+              <a:ext uri="{FF2B5EF4-FFF2-40B4-BE49-F238E27FC236}">
+                <a16:creationId xmlns:a16="http://schemas.microsoft.com/office/drawing/2014/main" id="{419D1629-5227-4CA7-A251-55D274FD3C63}"/>
+              </a:ext>
+            </a:extLst>
+          </p:cNvPr>
+          <p:cNvSpPr txBox="1"/>
+          <p:nvPr/>
+        </p:nvSpPr>
+        <p:spPr>
+          <a:xfrm>
+            <a:off x="1272745" y="3287705"/>
+            <a:ext cx="480159" cy="369332"/>
+          </a:xfrm>
+          <a:prstGeom prst="rect">
+            <a:avLst/>
+          </a:prstGeom>
+          <a:noFill/>
+        </p:spPr>
+        <p:txBody>
+          <a:bodyPr wrap="square" rtlCol="0">
+            <a:spAutoFit/>
+          </a:bodyPr>
+          <a:lstStyle/>
+          <a:p>
+            <a:pPr algn="ctr"/>
+            <a:r>
+              <a:rPr lang="de-AT" dirty="0"/>
+              <a:t>1h</a:t>
+            </a:r>
+          </a:p>
+        </p:txBody>
+      </p:sp>
+      <p:sp>
+        <p:nvSpPr>
+          <p:cNvPr id="12" name="Textfeld 11">
+            <a:extLst>
+              <a:ext uri="{FF2B5EF4-FFF2-40B4-BE49-F238E27FC236}">
+                <a16:creationId xmlns:a16="http://schemas.microsoft.com/office/drawing/2014/main" id="{FEF1BF38-4278-460B-BCF4-5442DB9392EF}"/>
+              </a:ext>
+            </a:extLst>
+          </p:cNvPr>
+          <p:cNvSpPr txBox="1"/>
+          <p:nvPr/>
+        </p:nvSpPr>
+        <p:spPr>
+          <a:xfrm>
+            <a:off x="2099993" y="3287705"/>
+            <a:ext cx="480159" cy="369332"/>
+          </a:xfrm>
+          <a:prstGeom prst="rect">
+            <a:avLst/>
+          </a:prstGeom>
+          <a:noFill/>
+        </p:spPr>
+        <p:txBody>
+          <a:bodyPr wrap="square" rtlCol="0">
+            <a:spAutoFit/>
+          </a:bodyPr>
+          <a:lstStyle/>
+          <a:p>
+            <a:pPr algn="ctr"/>
+            <a:r>
+              <a:rPr lang="de-AT" dirty="0"/>
+              <a:t>3h</a:t>
+            </a:r>
+          </a:p>
+        </p:txBody>
+      </p:sp>
+      <p:sp>
+        <p:nvSpPr>
+          <p:cNvPr id="13" name="Textfeld 12">
+            <a:extLst>
+              <a:ext uri="{FF2B5EF4-FFF2-40B4-BE49-F238E27FC236}">
+                <a16:creationId xmlns:a16="http://schemas.microsoft.com/office/drawing/2014/main" id="{BC673B92-5538-41CC-9ECE-03A8DC0F78A4}"/>
+              </a:ext>
+            </a:extLst>
+          </p:cNvPr>
+          <p:cNvSpPr txBox="1"/>
+          <p:nvPr/>
+        </p:nvSpPr>
+        <p:spPr>
+          <a:xfrm>
+            <a:off x="2788824" y="3290672"/>
+            <a:ext cx="756992" cy="369332"/>
+          </a:xfrm>
+          <a:prstGeom prst="rect">
+            <a:avLst/>
+          </a:prstGeom>
+          <a:noFill/>
+        </p:spPr>
+        <p:txBody>
+          <a:bodyPr wrap="square" rtlCol="0">
+            <a:spAutoFit/>
+          </a:bodyPr>
+          <a:lstStyle/>
+          <a:p>
+            <a:pPr algn="ctr"/>
+            <a:r>
+              <a:rPr lang="de-AT" dirty="0"/>
+              <a:t>10h</a:t>
+            </a:r>
+          </a:p>
+        </p:txBody>
+      </p:sp>
+      <p:cxnSp>
+        <p:nvCxnSpPr>
+          <p:cNvPr id="10" name="Gerader Verbinder 9">
+            <a:extLst>
+              <a:ext uri="{FF2B5EF4-FFF2-40B4-BE49-F238E27FC236}">
+                <a16:creationId xmlns:a16="http://schemas.microsoft.com/office/drawing/2014/main" id="{B86D16E4-8651-4FA5-A5DC-A70D01BC584F}"/>
+              </a:ext>
+            </a:extLst>
+          </p:cNvPr>
+          <p:cNvCxnSpPr>
+            <a:cxnSpLocks/>
+            <a:stCxn id="5" idx="2"/>
+          </p:cNvCxnSpPr>
+          <p:nvPr/>
+        </p:nvCxnSpPr>
+        <p:spPr>
+          <a:xfrm>
+            <a:off x="1512825" y="3657037"/>
+            <a:ext cx="0" cy="162804"/>
+          </a:xfrm>
+          <a:prstGeom prst="line">
+            <a:avLst/>
+          </a:prstGeom>
+          <a:ln w="38100"/>
+        </p:spPr>
+        <p:style>
+          <a:lnRef idx="1">
+            <a:schemeClr val="dk1"/>
+          </a:lnRef>
+          <a:fillRef idx="0">
+            <a:schemeClr val="dk1"/>
+          </a:fillRef>
+          <a:effectRef idx="0">
+            <a:schemeClr val="dk1"/>
+          </a:effectRef>
+          <a:fontRef idx="minor">
+            <a:schemeClr val="tx1"/>
+          </a:fontRef>
+        </p:style>
+      </p:cxnSp>
+      <p:cxnSp>
+        <p:nvCxnSpPr>
+          <p:cNvPr id="17" name="Gerader Verbinder 16">
+            <a:extLst>
+              <a:ext uri="{FF2B5EF4-FFF2-40B4-BE49-F238E27FC236}">
+                <a16:creationId xmlns:a16="http://schemas.microsoft.com/office/drawing/2014/main" id="{D6233721-CF55-451D-9696-4C8A59830156}"/>
+              </a:ext>
+            </a:extLst>
+          </p:cNvPr>
+          <p:cNvCxnSpPr>
+            <a:cxnSpLocks/>
+          </p:cNvCxnSpPr>
+          <p:nvPr/>
+        </p:nvCxnSpPr>
+        <p:spPr>
+          <a:xfrm>
+            <a:off x="2336295" y="3650579"/>
+            <a:ext cx="0" cy="162804"/>
+          </a:xfrm>
+          <a:prstGeom prst="line">
+            <a:avLst/>
+          </a:prstGeom>
+          <a:ln w="38100"/>
+        </p:spPr>
+        <p:style>
+          <a:lnRef idx="1">
+            <a:schemeClr val="dk1"/>
+          </a:lnRef>
+          <a:fillRef idx="0">
+            <a:schemeClr val="dk1"/>
+          </a:fillRef>
+          <a:effectRef idx="0">
+            <a:schemeClr val="dk1"/>
+          </a:effectRef>
+          <a:fontRef idx="minor">
+            <a:schemeClr val="tx1"/>
+          </a:fontRef>
+        </p:style>
+      </p:cxnSp>
+      <p:cxnSp>
+        <p:nvCxnSpPr>
+          <p:cNvPr id="18" name="Gerader Verbinder 17">
+            <a:extLst>
+              <a:ext uri="{FF2B5EF4-FFF2-40B4-BE49-F238E27FC236}">
+                <a16:creationId xmlns:a16="http://schemas.microsoft.com/office/drawing/2014/main" id="{9D776932-FC33-4C8D-B244-78AAA13A788F}"/>
+              </a:ext>
+            </a:extLst>
+          </p:cNvPr>
+          <p:cNvCxnSpPr>
+            <a:cxnSpLocks/>
+          </p:cNvCxnSpPr>
+          <p:nvPr/>
+        </p:nvCxnSpPr>
+        <p:spPr>
+          <a:xfrm>
+            <a:off x="3167320" y="3650579"/>
+            <a:ext cx="0" cy="162804"/>
+          </a:xfrm>
+          <a:prstGeom prst="line">
+            <a:avLst/>
+          </a:prstGeom>
+          <a:ln w="38100"/>
+        </p:spPr>
+        <p:style>
+          <a:lnRef idx="1">
+            <a:schemeClr val="dk1"/>
+          </a:lnRef>
+          <a:fillRef idx="0">
+            <a:schemeClr val="dk1"/>
+          </a:fillRef>
+          <a:effectRef idx="0">
+            <a:schemeClr val="dk1"/>
+          </a:effectRef>
+          <a:fontRef idx="minor">
+            <a:schemeClr val="tx1"/>
+          </a:fontRef>
+        </p:style>
+      </p:cxnSp>
+      <p:sp>
+        <p:nvSpPr>
+          <p:cNvPr id="20" name="Textfeld 19">
+            <a:extLst>
+              <a:ext uri="{FF2B5EF4-FFF2-40B4-BE49-F238E27FC236}">
+                <a16:creationId xmlns:a16="http://schemas.microsoft.com/office/drawing/2014/main" id="{FD700EC0-508C-4943-861F-4AC9AF28101D}"/>
+              </a:ext>
+            </a:extLst>
+          </p:cNvPr>
+          <p:cNvSpPr txBox="1"/>
+          <p:nvPr/>
+        </p:nvSpPr>
+        <p:spPr>
+          <a:xfrm>
+            <a:off x="1203257" y="5717495"/>
+            <a:ext cx="619133" cy="369332"/>
+          </a:xfrm>
+          <a:prstGeom prst="rect">
+            <a:avLst/>
+          </a:prstGeom>
+          <a:noFill/>
+        </p:spPr>
+        <p:txBody>
+          <a:bodyPr wrap="square" rtlCol="0">
+            <a:spAutoFit/>
+          </a:bodyPr>
+          <a:lstStyle/>
+          <a:p>
+            <a:pPr algn="ctr"/>
+            <a:r>
+              <a:rPr lang="de-AT" dirty="0"/>
+              <a:t>20h</a:t>
+            </a:r>
+          </a:p>
+        </p:txBody>
+      </p:sp>
+      <p:sp>
+        <p:nvSpPr>
+          <p:cNvPr id="22" name="Textfeld 21">
+            <a:extLst>
+              <a:ext uri="{FF2B5EF4-FFF2-40B4-BE49-F238E27FC236}">
+                <a16:creationId xmlns:a16="http://schemas.microsoft.com/office/drawing/2014/main" id="{FB2D02EA-CC75-4799-953B-1903BA896357}"/>
+              </a:ext>
+            </a:extLst>
+          </p:cNvPr>
+          <p:cNvSpPr txBox="1"/>
+          <p:nvPr/>
+        </p:nvSpPr>
+        <p:spPr>
+          <a:xfrm>
+            <a:off x="1975248" y="5717495"/>
+            <a:ext cx="619133" cy="369332"/>
+          </a:xfrm>
+          <a:prstGeom prst="rect">
+            <a:avLst/>
+          </a:prstGeom>
+          <a:noFill/>
+        </p:spPr>
+        <p:txBody>
+          <a:bodyPr wrap="square" rtlCol="0">
+            <a:spAutoFit/>
+          </a:bodyPr>
+          <a:lstStyle/>
+          <a:p>
+            <a:pPr algn="ctr"/>
+            <a:r>
+              <a:rPr lang="de-AT" dirty="0"/>
+              <a:t>40h</a:t>
+            </a:r>
+          </a:p>
+        </p:txBody>
+      </p:sp>
+      <p:cxnSp>
+        <p:nvCxnSpPr>
+          <p:cNvPr id="23" name="Gerader Verbinder 22">
+            <a:extLst>
+              <a:ext uri="{FF2B5EF4-FFF2-40B4-BE49-F238E27FC236}">
+                <a16:creationId xmlns:a16="http://schemas.microsoft.com/office/drawing/2014/main" id="{89488EB5-4830-4EC2-AF45-409FBA87D1D0}"/>
+              </a:ext>
+            </a:extLst>
+          </p:cNvPr>
+          <p:cNvCxnSpPr>
+            <a:cxnSpLocks/>
+            <a:endCxn id="20" idx="0"/>
+          </p:cNvCxnSpPr>
+          <p:nvPr/>
+        </p:nvCxnSpPr>
+        <p:spPr>
+          <a:xfrm>
+            <a:off x="1512823" y="5476256"/>
+            <a:ext cx="1" cy="241239"/>
+          </a:xfrm>
+          <a:prstGeom prst="line">
+            <a:avLst/>
+          </a:prstGeom>
+          <a:ln w="38100"/>
+        </p:spPr>
+        <p:style>
+          <a:lnRef idx="1">
+            <a:schemeClr val="dk1"/>
+          </a:lnRef>
+          <a:fillRef idx="0">
+            <a:schemeClr val="dk1"/>
+          </a:fillRef>
+          <a:effectRef idx="0">
+            <a:schemeClr val="dk1"/>
+          </a:effectRef>
+          <a:fontRef idx="minor">
+            <a:schemeClr val="tx1"/>
+          </a:fontRef>
+        </p:style>
+      </p:cxnSp>
+      <p:cxnSp>
+        <p:nvCxnSpPr>
+          <p:cNvPr id="25" name="Gerader Verbinder 24">
+            <a:extLst>
+              <a:ext uri="{FF2B5EF4-FFF2-40B4-BE49-F238E27FC236}">
+                <a16:creationId xmlns:a16="http://schemas.microsoft.com/office/drawing/2014/main" id="{2235F30F-092F-42F4-9A4E-D76AE8B77CBB}"/>
+              </a:ext>
+            </a:extLst>
+          </p:cNvPr>
+          <p:cNvCxnSpPr>
+            <a:cxnSpLocks/>
+          </p:cNvCxnSpPr>
+          <p:nvPr/>
+        </p:nvCxnSpPr>
+        <p:spPr>
+          <a:xfrm>
+            <a:off x="2315963" y="5502890"/>
+            <a:ext cx="1" cy="241239"/>
+          </a:xfrm>
+          <a:prstGeom prst="line">
+            <a:avLst/>
+          </a:prstGeom>
+          <a:ln w="38100"/>
+        </p:spPr>
+        <p:style>
+          <a:lnRef idx="1">
+            <a:schemeClr val="dk1"/>
+          </a:lnRef>
+          <a:fillRef idx="0">
+            <a:schemeClr val="dk1"/>
+          </a:fillRef>
+          <a:effectRef idx="0">
+            <a:schemeClr val="dk1"/>
+          </a:effectRef>
+          <a:fontRef idx="minor">
+            <a:schemeClr val="tx1"/>
+          </a:fontRef>
+        </p:style>
+      </p:cxnSp>
+      <p:sp>
+        <p:nvSpPr>
+          <p:cNvPr id="27" name="Rechteck 26">
+            <a:extLst>
+              <a:ext uri="{FF2B5EF4-FFF2-40B4-BE49-F238E27FC236}">
+                <a16:creationId xmlns:a16="http://schemas.microsoft.com/office/drawing/2014/main" id="{B2933B99-3210-4538-9C76-F04E450571CE}"/>
+              </a:ext>
+            </a:extLst>
+          </p:cNvPr>
+          <p:cNvSpPr/>
+          <p:nvPr/>
+        </p:nvSpPr>
+        <p:spPr>
+          <a:xfrm>
+            <a:off x="2705843" y="4636433"/>
+            <a:ext cx="981634" cy="1055380"/>
+          </a:xfrm>
+          <a:prstGeom prst="rect">
+            <a:avLst/>
+          </a:prstGeom>
+          <a:solidFill>
+            <a:schemeClr val="bg1"/>
+          </a:solidFill>
+          <a:ln>
+            <a:noFill/>
+          </a:ln>
+        </p:spPr>
+        <p:style>
+          <a:lnRef idx="0">
+            <a:scrgbClr r="0" g="0" b="0"/>
+          </a:lnRef>
+          <a:fillRef idx="0">
+            <a:scrgbClr r="0" g="0" b="0"/>
+          </a:fillRef>
+          <a:effectRef idx="0">
+            <a:scrgbClr r="0" g="0" b="0"/>
+          </a:effectRef>
+          <a:fontRef idx="minor">
+            <a:schemeClr val="lt1"/>
+          </a:fontRef>
+        </p:style>
+        <p:txBody>
+          <a:bodyPr rtlCol="0" anchor="ctr"/>
+          <a:lstStyle/>
+          <a:p>
+            <a:pPr algn="ctr"/>
+            <a:endParaRPr lang="de-AT"/>
+          </a:p>
+        </p:txBody>
+      </p:sp>
+      <p:sp>
+        <p:nvSpPr>
+          <p:cNvPr id="28" name="Textfeld 1">
+            <a:extLst>
+              <a:ext uri="{FF2B5EF4-FFF2-40B4-BE49-F238E27FC236}">
+                <a16:creationId xmlns:a16="http://schemas.microsoft.com/office/drawing/2014/main" id="{7C4B6A2A-2F87-4367-B1A9-51832C97B80E}"/>
+              </a:ext>
+            </a:extLst>
+          </p:cNvPr>
+          <p:cNvSpPr txBox="1"/>
+          <p:nvPr/>
+        </p:nvSpPr>
+        <p:spPr>
+          <a:xfrm>
+            <a:off x="6225155" y="2839806"/>
+            <a:ext cx="1171852" cy="447899"/>
+          </a:xfrm>
+          <a:prstGeom prst="rect">
+            <a:avLst/>
+          </a:prstGeom>
+        </p:spPr>
+        <p:txBody>
+          <a:bodyPr wrap="square" rtlCol="0"/>
+          <a:lstStyle>
+            <a:lvl1pPr marL="0" indent="0">
+              <a:defRPr sz="1100">
+                <a:latin typeface="+mn-lt"/>
+                <a:ea typeface="+mn-ea"/>
+                <a:cs typeface="+mn-cs"/>
+              </a:defRPr>
+            </a:lvl1pPr>
+            <a:lvl2pPr marL="457200" indent="0">
+              <a:defRPr sz="1100">
+                <a:latin typeface="+mn-lt"/>
+                <a:ea typeface="+mn-ea"/>
+                <a:cs typeface="+mn-cs"/>
+              </a:defRPr>
+            </a:lvl2pPr>
+            <a:lvl3pPr marL="914400" indent="0">
+              <a:defRPr sz="1100">
+                <a:latin typeface="+mn-lt"/>
+                <a:ea typeface="+mn-ea"/>
+                <a:cs typeface="+mn-cs"/>
+              </a:defRPr>
+            </a:lvl3pPr>
+            <a:lvl4pPr marL="1371600" indent="0">
+              <a:defRPr sz="1100">
+                <a:latin typeface="+mn-lt"/>
+                <a:ea typeface="+mn-ea"/>
+                <a:cs typeface="+mn-cs"/>
+              </a:defRPr>
+            </a:lvl4pPr>
+            <a:lvl5pPr marL="1828800" indent="0">
+              <a:defRPr sz="1100">
+                <a:latin typeface="+mn-lt"/>
+                <a:ea typeface="+mn-ea"/>
+                <a:cs typeface="+mn-cs"/>
+              </a:defRPr>
+            </a:lvl5pPr>
+            <a:lvl6pPr marL="2286000" indent="0">
+              <a:defRPr sz="1100">
+                <a:latin typeface="+mn-lt"/>
+                <a:ea typeface="+mn-ea"/>
+                <a:cs typeface="+mn-cs"/>
+              </a:defRPr>
+            </a:lvl6pPr>
+            <a:lvl7pPr marL="2743200" indent="0">
+              <a:defRPr sz="1100">
+                <a:latin typeface="+mn-lt"/>
+                <a:ea typeface="+mn-ea"/>
+                <a:cs typeface="+mn-cs"/>
+              </a:defRPr>
+            </a:lvl7pPr>
+            <a:lvl8pPr marL="3200400" indent="0">
+              <a:defRPr sz="1100">
+                <a:latin typeface="+mn-lt"/>
+                <a:ea typeface="+mn-ea"/>
+                <a:cs typeface="+mn-cs"/>
+              </a:defRPr>
+            </a:lvl8pPr>
+            <a:lvl9pPr marL="3657600" indent="0">
+              <a:defRPr sz="1100">
+                <a:latin typeface="+mn-lt"/>
+                <a:ea typeface="+mn-ea"/>
+                <a:cs typeface="+mn-cs"/>
+              </a:defRPr>
+            </a:lvl9pPr>
+          </a:lstStyle>
+          <a:p>
+            <a:r>
+              <a:rPr lang="de-AT" sz="2000" b="1" dirty="0"/>
+              <a:t>= 30 h</a:t>
+            </a:r>
+          </a:p>
+        </p:txBody>
+      </p:sp>
+      <p:sp>
+        <p:nvSpPr>
+          <p:cNvPr id="29" name="Textfeld 1">
+            <a:extLst>
+              <a:ext uri="{FF2B5EF4-FFF2-40B4-BE49-F238E27FC236}">
+                <a16:creationId xmlns:a16="http://schemas.microsoft.com/office/drawing/2014/main" id="{7C4B6A2A-2F87-4367-B1A9-51832C97B80E}"/>
+              </a:ext>
+            </a:extLst>
+          </p:cNvPr>
+          <p:cNvSpPr txBox="1"/>
+          <p:nvPr/>
+        </p:nvSpPr>
+        <p:spPr>
+          <a:xfrm>
+            <a:off x="7152442" y="5717495"/>
+            <a:ext cx="1171852" cy="447899"/>
+          </a:xfrm>
+          <a:prstGeom prst="rect">
+            <a:avLst/>
+          </a:prstGeom>
+        </p:spPr>
+        <p:txBody>
+          <a:bodyPr wrap="square" rtlCol="0"/>
+          <a:lstStyle>
+            <a:lvl1pPr marL="0" indent="0">
+              <a:defRPr sz="1100">
+                <a:latin typeface="+mn-lt"/>
+                <a:ea typeface="+mn-ea"/>
+                <a:cs typeface="+mn-cs"/>
+              </a:defRPr>
+            </a:lvl1pPr>
+            <a:lvl2pPr marL="457200" indent="0">
+              <a:defRPr sz="1100">
+                <a:latin typeface="+mn-lt"/>
+                <a:ea typeface="+mn-ea"/>
+                <a:cs typeface="+mn-cs"/>
+              </a:defRPr>
+            </a:lvl2pPr>
+            <a:lvl3pPr marL="914400" indent="0">
+              <a:defRPr sz="1100">
+                <a:latin typeface="+mn-lt"/>
+                <a:ea typeface="+mn-ea"/>
+                <a:cs typeface="+mn-cs"/>
+              </a:defRPr>
+            </a:lvl3pPr>
+            <a:lvl4pPr marL="1371600" indent="0">
+              <a:defRPr sz="1100">
+                <a:latin typeface="+mn-lt"/>
+                <a:ea typeface="+mn-ea"/>
+                <a:cs typeface="+mn-cs"/>
+              </a:defRPr>
+            </a:lvl4pPr>
+            <a:lvl5pPr marL="1828800" indent="0">
+              <a:defRPr sz="1100">
+                <a:latin typeface="+mn-lt"/>
+                <a:ea typeface="+mn-ea"/>
+                <a:cs typeface="+mn-cs"/>
+              </a:defRPr>
+            </a:lvl5pPr>
+            <a:lvl6pPr marL="2286000" indent="0">
+              <a:defRPr sz="1100">
+                <a:latin typeface="+mn-lt"/>
+                <a:ea typeface="+mn-ea"/>
+                <a:cs typeface="+mn-cs"/>
+              </a:defRPr>
+            </a:lvl6pPr>
+            <a:lvl7pPr marL="2743200" indent="0">
+              <a:defRPr sz="1100">
+                <a:latin typeface="+mn-lt"/>
+                <a:ea typeface="+mn-ea"/>
+                <a:cs typeface="+mn-cs"/>
+              </a:defRPr>
+            </a:lvl7pPr>
+            <a:lvl8pPr marL="3200400" indent="0">
+              <a:defRPr sz="1100">
+                <a:latin typeface="+mn-lt"/>
+                <a:ea typeface="+mn-ea"/>
+                <a:cs typeface="+mn-cs"/>
+              </a:defRPr>
+            </a:lvl8pPr>
+            <a:lvl9pPr marL="3657600" indent="0">
+              <a:defRPr sz="1100">
+                <a:latin typeface="+mn-lt"/>
+                <a:ea typeface="+mn-ea"/>
+                <a:cs typeface="+mn-cs"/>
+              </a:defRPr>
+            </a:lvl9pPr>
+          </a:lstStyle>
+          <a:p>
+            <a:r>
+              <a:rPr lang="de-AT" sz="2000" b="1" dirty="0"/>
+              <a:t>= 17 h</a:t>
+            </a:r>
+          </a:p>
+        </p:txBody>
+      </p:sp>
     </p:spTree>
     <p:extLst>
       <p:ext uri="{BB962C8B-B14F-4D97-AF65-F5344CB8AC3E}">
@@ -12182,10 +14104,43 @@
       </p:grpSpPr>
       <p:sp>
         <p:nvSpPr>
-          <p:cNvPr id="4" name="Rechteck 3">
+          <p:cNvPr id="2" name="Fußzeilenplatzhalter 1">
             <a:extLst>
               <a:ext uri="{FF2B5EF4-FFF2-40B4-BE49-F238E27FC236}">
-                <a16:creationId xmlns:a16="http://schemas.microsoft.com/office/drawing/2014/main" id="{D4342373-8177-4E08-AFE8-80C43FCA915B}"/>
+                <a16:creationId xmlns:a16="http://schemas.microsoft.com/office/drawing/2014/main" id="{8750D37B-4B77-45E4-904F-B4957E1D8CDC}"/>
+              </a:ext>
+            </a:extLst>
+          </p:cNvPr>
+          <p:cNvSpPr>
+            <a:spLocks noGrp="1"/>
+          </p:cNvSpPr>
+          <p:nvPr>
+            <p:ph type="ftr" sz="quarter" idx="11"/>
+          </p:nvPr>
+        </p:nvSpPr>
+        <p:spPr>
+          <a:xfrm>
+            <a:off x="4038600" y="6356350"/>
+            <a:ext cx="4114800" cy="365125"/>
+          </a:xfrm>
+        </p:spPr>
+        <p:txBody>
+          <a:bodyPr/>
+          <a:lstStyle/>
+          <a:p>
+            <a:r>
+              <a:rPr lang="de-AT"/>
+              <a:t>Telemetry Gateway Monitoring | IBM Client Innovation Center</a:t>
+            </a:r>
+          </a:p>
+        </p:txBody>
+      </p:sp>
+      <p:sp>
+        <p:nvSpPr>
+          <p:cNvPr id="10" name="Rechteck 9">
+            <a:extLst>
+              <a:ext uri="{FF2B5EF4-FFF2-40B4-BE49-F238E27FC236}">
+                <a16:creationId xmlns:a16="http://schemas.microsoft.com/office/drawing/2014/main" id="{7EAF863E-4578-4A24-BDD6-BC7A435A8660}"/>
               </a:ext>
             </a:extLst>
           </p:cNvPr>
@@ -12207,6 +14162,225 @@
           </a:bodyPr>
           <a:lstStyle/>
           <a:p>
+            <a:pPr algn="ctr"/>
+            <a:r>
+              <a:rPr lang="de-DE" sz="6600" b="1" dirty="0">
+                <a:solidFill>
+                  <a:srgbClr val="72B8A4"/>
+                </a:solidFill>
+              </a:rPr>
+              <a:t>Zeitaufzeichnung</a:t>
+            </a:r>
+            <a:endParaRPr lang="de-AT" sz="4400" b="1" dirty="0">
+              <a:solidFill>
+                <a:srgbClr val="72B8A4"/>
+              </a:solidFill>
+            </a:endParaRPr>
+          </a:p>
+        </p:txBody>
+      </p:sp>
+      <p:pic>
+        <p:nvPicPr>
+          <p:cNvPr id="11" name="Grafik 10">
+            <a:extLst>
+              <a:ext uri="{FF2B5EF4-FFF2-40B4-BE49-F238E27FC236}">
+                <a16:creationId xmlns:a16="http://schemas.microsoft.com/office/drawing/2014/main" id="{C1CF5466-83C3-44FD-B53A-A494AADF08D4}"/>
+              </a:ext>
+            </a:extLst>
+          </p:cNvPr>
+          <p:cNvPicPr>
+            <a:picLocks noChangeAspect="1"/>
+          </p:cNvPicPr>
+          <p:nvPr/>
+        </p:nvPicPr>
+        <p:blipFill>
+          <a:blip r:embed="rId3">
+            <a:extLst>
+              <a:ext uri="{28A0092B-C50C-407E-A947-70E740481C1C}">
+                <a14:useLocalDpi xmlns:a14="http://schemas.microsoft.com/office/drawing/2010/main" val="0"/>
+              </a:ext>
+            </a:extLst>
+          </a:blip>
+          <a:stretch>
+            <a:fillRect/>
+          </a:stretch>
+        </p:blipFill>
+        <p:spPr>
+          <a:xfrm>
+            <a:off x="10743852" y="-39059"/>
+            <a:ext cx="1324151" cy="887389"/>
+          </a:xfrm>
+          <a:prstGeom prst="rect">
+            <a:avLst/>
+          </a:prstGeom>
+        </p:spPr>
+      </p:pic>
+      <p:pic>
+        <p:nvPicPr>
+          <p:cNvPr id="12" name="Grafik 11">
+            <a:extLst>
+              <a:ext uri="{FF2B5EF4-FFF2-40B4-BE49-F238E27FC236}">
+                <a16:creationId xmlns:a16="http://schemas.microsoft.com/office/drawing/2014/main" id="{DA2D76F4-C248-46B6-A790-8718461CC838}"/>
+              </a:ext>
+            </a:extLst>
+          </p:cNvPr>
+          <p:cNvPicPr>
+            <a:picLocks noChangeAspect="1"/>
+          </p:cNvPicPr>
+          <p:nvPr/>
+        </p:nvPicPr>
+        <p:blipFill>
+          <a:blip r:embed="rId4">
+            <a:extLst>
+              <a:ext uri="{28A0092B-C50C-407E-A947-70E740481C1C}">
+                <a14:useLocalDpi xmlns:a14="http://schemas.microsoft.com/office/drawing/2010/main" val="0"/>
+              </a:ext>
+            </a:extLst>
+          </a:blip>
+          <a:stretch>
+            <a:fillRect/>
+          </a:stretch>
+        </p:blipFill>
+        <p:spPr>
+          <a:xfrm>
+            <a:off x="10619857" y="866481"/>
+            <a:ext cx="1572143" cy="370917"/>
+          </a:xfrm>
+          <a:prstGeom prst="rect">
+            <a:avLst/>
+          </a:prstGeom>
+        </p:spPr>
+      </p:pic>
+      <p:graphicFrame>
+        <p:nvGraphicFramePr>
+          <p:cNvPr id="13" name="Chart 1">
+            <a:extLst>
+              <a:ext uri="{FF2B5EF4-FFF2-40B4-BE49-F238E27FC236}">
+                <a16:creationId xmlns:a16="http://schemas.microsoft.com/office/drawing/2014/main" id="{243E74BC-8F3E-4593-A15D-5DCB6E0075DC}"/>
+              </a:ext>
+            </a:extLst>
+          </p:cNvPr>
+          <p:cNvGraphicFramePr>
+            <a:graphicFrameLocks/>
+          </p:cNvGraphicFramePr>
+          <p:nvPr>
+            <p:extLst>
+              <p:ext uri="{D42A27DB-BD31-4B8C-83A1-F6EECF244321}">
+                <p14:modId xmlns:p14="http://schemas.microsoft.com/office/powerpoint/2010/main" val="870130840"/>
+              </p:ext>
+            </p:extLst>
+          </p:nvPr>
+        </p:nvGraphicFramePr>
+        <p:xfrm>
+          <a:off x="-938848" y="1452631"/>
+          <a:ext cx="7227888" cy="4638675"/>
+        </p:xfrm>
+        <a:graphic>
+          <a:graphicData uri="http://schemas.openxmlformats.org/drawingml/2006/chart">
+            <c:chart xmlns:c="http://schemas.openxmlformats.org/drawingml/2006/chart" xmlns:r="http://schemas.openxmlformats.org/officeDocument/2006/relationships" r:id="rId5"/>
+          </a:graphicData>
+        </a:graphic>
+      </p:graphicFrame>
+      <p:pic>
+        <p:nvPicPr>
+          <p:cNvPr id="15" name="Grafik 14">
+            <a:extLst>
+              <a:ext uri="{FF2B5EF4-FFF2-40B4-BE49-F238E27FC236}">
+                <a16:creationId xmlns:a16="http://schemas.microsoft.com/office/drawing/2014/main" id="{384EAB8A-5987-4500-B989-8BAE5D21B39F}"/>
+              </a:ext>
+            </a:extLst>
+          </p:cNvPr>
+          <p:cNvPicPr>
+            <a:picLocks noChangeAspect="1"/>
+          </p:cNvPicPr>
+          <p:nvPr/>
+        </p:nvPicPr>
+        <p:blipFill>
+          <a:blip r:embed="rId6"/>
+          <a:stretch>
+            <a:fillRect/>
+          </a:stretch>
+        </p:blipFill>
+        <p:spPr>
+          <a:xfrm>
+            <a:off x="5332538" y="2111810"/>
+            <a:ext cx="6290502" cy="3124959"/>
+          </a:xfrm>
+          <a:prstGeom prst="rect">
+            <a:avLst/>
+          </a:prstGeom>
+        </p:spPr>
+      </p:pic>
+    </p:spTree>
+    <p:extLst>
+      <p:ext uri="{BB962C8B-B14F-4D97-AF65-F5344CB8AC3E}">
+        <p14:creationId xmlns:p14="http://schemas.microsoft.com/office/powerpoint/2010/main" val="333274849"/>
+      </p:ext>
+    </p:extLst>
+  </p:cSld>
+  <p:clrMapOvr>
+    <a:masterClrMapping/>
+  </p:clrMapOvr>
+  <mc:AlternateContent xmlns:mc="http://schemas.openxmlformats.org/markup-compatibility/2006" xmlns:p14="http://schemas.microsoft.com/office/powerpoint/2010/main">
+    <mc:Choice Requires="p14">
+      <p:transition spd="slow">
+        <p14:pan/>
+      </p:transition>
+    </mc:Choice>
+    <mc:Fallback xmlns="">
+      <p:transition spd="slow">
+        <p:fade/>
+      </p:transition>
+    </mc:Fallback>
+  </mc:AlternateContent>
+</p:sld>
+</file>
+
+<file path=ppt/slides/slide13.xml><?xml version="1.0" encoding="utf-8"?>
+<p:sld xmlns:a="http://schemas.openxmlformats.org/drawingml/2006/main" xmlns:r="http://schemas.openxmlformats.org/officeDocument/2006/relationships" xmlns:p="http://schemas.openxmlformats.org/presentationml/2006/main">
+  <p:cSld>
+    <p:spTree>
+      <p:nvGrpSpPr>
+        <p:cNvPr id="1" name=""/>
+        <p:cNvGrpSpPr/>
+        <p:nvPr/>
+      </p:nvGrpSpPr>
+      <p:grpSpPr>
+        <a:xfrm>
+          <a:off x="0" y="0"/>
+          <a:ext cx="0" cy="0"/>
+          <a:chOff x="0" y="0"/>
+          <a:chExt cx="0" cy="0"/>
+        </a:xfrm>
+      </p:grpSpPr>
+      <p:sp>
+        <p:nvSpPr>
+          <p:cNvPr id="4" name="Rechteck 3">
+            <a:extLst>
+              <a:ext uri="{FF2B5EF4-FFF2-40B4-BE49-F238E27FC236}">
+                <a16:creationId xmlns:a16="http://schemas.microsoft.com/office/drawing/2014/main" id="{D4342373-8177-4E08-AFE8-80C43FCA915B}"/>
+              </a:ext>
+            </a:extLst>
+          </p:cNvPr>
+          <p:cNvSpPr/>
+          <p:nvPr/>
+        </p:nvSpPr>
+        <p:spPr>
+          <a:xfrm>
+            <a:off x="2581946" y="261822"/>
+            <a:ext cx="7028107" cy="1107996"/>
+          </a:xfrm>
+          <a:prstGeom prst="rect">
+            <a:avLst/>
+          </a:prstGeom>
+        </p:spPr>
+        <p:txBody>
+          <a:bodyPr wrap="square">
+            <a:spAutoFit/>
+          </a:bodyPr>
+          <a:lstStyle/>
+          <a:p>
+            <a:pPr algn="ctr"/>
             <a:r>
               <a:rPr lang="de-DE" sz="6600" b="1" dirty="0">
                 <a:solidFill>
@@ -12383,14 +14557,14 @@
           <p:nvPr>
             <p:extLst>
               <p:ext uri="{D42A27DB-BD31-4B8C-83A1-F6EECF244321}">
-                <p14:modId xmlns:p14="http://schemas.microsoft.com/office/powerpoint/2010/main" val="4132159290"/>
+                <p14:modId xmlns:p14="http://schemas.microsoft.com/office/powerpoint/2010/main" val="1046928628"/>
               </p:ext>
             </p:extLst>
           </p:nvPr>
         </p:nvGraphicFramePr>
         <p:xfrm>
-          <a:off x="675861" y="1649895"/>
-          <a:ext cx="10376452" cy="3999227"/>
+          <a:off x="907773" y="1468271"/>
+          <a:ext cx="10376452" cy="1107996"/>
         </p:xfrm>
         <a:graphic>
           <a:graphicData uri="http://schemas.openxmlformats.org/drawingml/2006/diagram">
@@ -12398,6 +14572,453 @@
           </a:graphicData>
         </a:graphic>
       </p:graphicFrame>
+      <p:sp>
+        <p:nvSpPr>
+          <p:cNvPr id="2" name="Geschweifte Klammer links 1">
+            <a:extLst>
+              <a:ext uri="{FF2B5EF4-FFF2-40B4-BE49-F238E27FC236}">
+                <a16:creationId xmlns:a16="http://schemas.microsoft.com/office/drawing/2014/main" id="{A769774E-3E94-4BDF-B6B5-44141959D78B}"/>
+              </a:ext>
+            </a:extLst>
+          </p:cNvPr>
+          <p:cNvSpPr/>
+          <p:nvPr/>
+        </p:nvSpPr>
+        <p:spPr>
+          <a:xfrm>
+            <a:off x="2230773" y="1387969"/>
+            <a:ext cx="177147" cy="1284111"/>
+          </a:xfrm>
+          <a:prstGeom prst="leftBrace">
+            <a:avLst/>
+          </a:prstGeom>
+        </p:spPr>
+        <p:style>
+          <a:lnRef idx="1">
+            <a:schemeClr val="dk1"/>
+          </a:lnRef>
+          <a:fillRef idx="0">
+            <a:schemeClr val="dk1"/>
+          </a:fillRef>
+          <a:effectRef idx="0">
+            <a:schemeClr val="dk1"/>
+          </a:effectRef>
+          <a:fontRef idx="minor">
+            <a:schemeClr val="tx1"/>
+          </a:fontRef>
+        </p:style>
+        <p:txBody>
+          <a:bodyPr rtlCol="0" anchor="ctr"/>
+          <a:lstStyle/>
+          <a:p>
+            <a:pPr algn="ctr"/>
+            <a:endParaRPr lang="de-AT"/>
+          </a:p>
+        </p:txBody>
+      </p:sp>
+      <p:sp>
+        <p:nvSpPr>
+          <p:cNvPr id="3" name="Textfeld 2">
+            <a:extLst>
+              <a:ext uri="{FF2B5EF4-FFF2-40B4-BE49-F238E27FC236}">
+                <a16:creationId xmlns:a16="http://schemas.microsoft.com/office/drawing/2014/main" id="{2103F9C4-E846-4235-8E79-148535612ADE}"/>
+              </a:ext>
+            </a:extLst>
+          </p:cNvPr>
+          <p:cNvSpPr txBox="1"/>
+          <p:nvPr/>
+        </p:nvSpPr>
+        <p:spPr>
+          <a:xfrm>
+            <a:off x="400220" y="1837603"/>
+            <a:ext cx="1906100" cy="369332"/>
+          </a:xfrm>
+          <a:prstGeom prst="rect">
+            <a:avLst/>
+          </a:prstGeom>
+          <a:noFill/>
+        </p:spPr>
+        <p:txBody>
+          <a:bodyPr wrap="square" rtlCol="0">
+            <a:spAutoFit/>
+          </a:bodyPr>
+          <a:lstStyle/>
+          <a:p>
+            <a:r>
+              <a:rPr lang="de-AT" b="1" dirty="0"/>
+              <a:t>Vorprojektphase</a:t>
+            </a:r>
+          </a:p>
+        </p:txBody>
+      </p:sp>
+      <p:graphicFrame>
+        <p:nvGraphicFramePr>
+          <p:cNvPr id="6" name="Tabelle 5">
+            <a:extLst>
+              <a:ext uri="{FF2B5EF4-FFF2-40B4-BE49-F238E27FC236}">
+                <a16:creationId xmlns:a16="http://schemas.microsoft.com/office/drawing/2014/main" id="{302A5C70-B26E-4DFD-AED4-DB5CCC8EC14C}"/>
+              </a:ext>
+            </a:extLst>
+          </p:cNvPr>
+          <p:cNvGraphicFramePr>
+            <a:graphicFrameLocks noGrp="1"/>
+          </p:cNvGraphicFramePr>
+          <p:nvPr>
+            <p:extLst>
+              <p:ext uri="{D42A27DB-BD31-4B8C-83A1-F6EECF244321}">
+                <p14:modId xmlns:p14="http://schemas.microsoft.com/office/powerpoint/2010/main" val="3269676728"/>
+              </p:ext>
+            </p:extLst>
+          </p:nvPr>
+        </p:nvGraphicFramePr>
+        <p:xfrm>
+          <a:off x="2031999" y="2874151"/>
+          <a:ext cx="8128000" cy="1483360"/>
+        </p:xfrm>
+        <a:graphic>
+          <a:graphicData uri="http://schemas.openxmlformats.org/drawingml/2006/table">
+            <a:tbl>
+              <a:tblPr firstRow="1" bandRow="1">
+                <a:tableStyleId>{10A1B5D5-9B99-4C35-A422-299274C87663}</a:tableStyleId>
+              </a:tblPr>
+              <a:tblGrid>
+                <a:gridCol w="4064000">
+                  <a:extLst>
+                    <a:ext uri="{9D8B030D-6E8A-4147-A177-3AD203B41FA5}">
+                      <a16:colId xmlns:a16="http://schemas.microsoft.com/office/drawing/2014/main" val="3561724899"/>
+                    </a:ext>
+                  </a:extLst>
+                </a:gridCol>
+                <a:gridCol w="4064000">
+                  <a:extLst>
+                    <a:ext uri="{9D8B030D-6E8A-4147-A177-3AD203B41FA5}">
+                      <a16:colId xmlns:a16="http://schemas.microsoft.com/office/drawing/2014/main" val="2722707418"/>
+                    </a:ext>
+                  </a:extLst>
+                </a:gridCol>
+              </a:tblGrid>
+              <a:tr h="370840">
+                <a:tc>
+                  <a:txBody>
+                    <a:bodyPr/>
+                    <a:lstStyle/>
+                    <a:p>
+                      <a:pPr algn="ctr"/>
+                      <a:r>
+                        <a:rPr lang="de-AT" dirty="0"/>
+                        <a:t>Frontend</a:t>
+                      </a:r>
+                    </a:p>
+                  </a:txBody>
+                  <a:tcPr/>
+                </a:tc>
+                <a:tc>
+                  <a:txBody>
+                    <a:bodyPr/>
+                    <a:lstStyle/>
+                    <a:p>
+                      <a:pPr algn="ctr"/>
+                      <a:r>
+                        <a:rPr lang="de-AT" dirty="0"/>
+                        <a:t>Backend</a:t>
+                      </a:r>
+                    </a:p>
+                  </a:txBody>
+                  <a:tcPr/>
+                </a:tc>
+                <a:extLst>
+                  <a:ext uri="{0D108BD9-81ED-4DB2-BD59-A6C34878D82A}">
+                    <a16:rowId xmlns:a16="http://schemas.microsoft.com/office/drawing/2014/main" val="3599915368"/>
+                  </a:ext>
+                </a:extLst>
+              </a:tr>
+              <a:tr h="370840">
+                <a:tc>
+                  <a:txBody>
+                    <a:bodyPr/>
+                    <a:lstStyle/>
+                    <a:p>
+                      <a:pPr algn="ctr"/>
+                      <a:r>
+                        <a:rPr lang="de-AT" dirty="0"/>
+                        <a:t>Setup</a:t>
+                      </a:r>
+                    </a:p>
+                  </a:txBody>
+                  <a:tcPr/>
+                </a:tc>
+                <a:tc>
+                  <a:txBody>
+                    <a:bodyPr/>
+                    <a:lstStyle/>
+                    <a:p>
+                      <a:pPr algn="ctr"/>
+                      <a:r>
+                        <a:rPr lang="de-AT" dirty="0"/>
+                        <a:t>Setup</a:t>
+                      </a:r>
+                    </a:p>
+                  </a:txBody>
+                  <a:tcPr/>
+                </a:tc>
+                <a:extLst>
+                  <a:ext uri="{0D108BD9-81ED-4DB2-BD59-A6C34878D82A}">
+                    <a16:rowId xmlns:a16="http://schemas.microsoft.com/office/drawing/2014/main" val="1181252766"/>
+                  </a:ext>
+                </a:extLst>
+              </a:tr>
+              <a:tr h="370840">
+                <a:tc>
+                  <a:txBody>
+                    <a:bodyPr/>
+                    <a:lstStyle/>
+                    <a:p>
+                      <a:pPr algn="ctr"/>
+                      <a:r>
+                        <a:rPr lang="de-AT" dirty="0" err="1"/>
+                        <a:t>Wireframes</a:t>
+                      </a:r>
+                      <a:r>
+                        <a:rPr lang="de-AT" dirty="0"/>
+                        <a:t> erstellt</a:t>
+                      </a:r>
+                    </a:p>
+                  </a:txBody>
+                  <a:tcPr/>
+                </a:tc>
+                <a:tc>
+                  <a:txBody>
+                    <a:bodyPr/>
+                    <a:lstStyle/>
+                    <a:p>
+                      <a:pPr algn="ctr"/>
+                      <a:r>
+                        <a:rPr lang="de-AT" dirty="0"/>
+                        <a:t>Gateway registriert</a:t>
+                      </a:r>
+                    </a:p>
+                  </a:txBody>
+                  <a:tcPr/>
+                </a:tc>
+                <a:extLst>
+                  <a:ext uri="{0D108BD9-81ED-4DB2-BD59-A6C34878D82A}">
+                    <a16:rowId xmlns:a16="http://schemas.microsoft.com/office/drawing/2014/main" val="2424194474"/>
+                  </a:ext>
+                </a:extLst>
+              </a:tr>
+              <a:tr h="370840">
+                <a:tc gridSpan="2">
+                  <a:txBody>
+                    <a:bodyPr/>
+                    <a:lstStyle/>
+                    <a:p>
+                      <a:pPr algn="ctr"/>
+                      <a:r>
+                        <a:rPr lang="de-AT" dirty="0"/>
+                        <a:t>IBM-Cloud eingerichtet</a:t>
+                      </a:r>
+                    </a:p>
+                  </a:txBody>
+                  <a:tcPr/>
+                </a:tc>
+                <a:tc hMerge="1">
+                  <a:txBody>
+                    <a:bodyPr/>
+                    <a:lstStyle/>
+                    <a:p>
+                      <a:pPr algn="ctr"/>
+                      <a:endParaRPr lang="de-AT" dirty="0"/>
+                    </a:p>
+                  </a:txBody>
+                  <a:tcPr/>
+                </a:tc>
+                <a:extLst>
+                  <a:ext uri="{0D108BD9-81ED-4DB2-BD59-A6C34878D82A}">
+                    <a16:rowId xmlns:a16="http://schemas.microsoft.com/office/drawing/2014/main" val="2376803202"/>
+                  </a:ext>
+                </a:extLst>
+              </a:tr>
+            </a:tbl>
+          </a:graphicData>
+        </a:graphic>
+      </p:graphicFrame>
+      <p:sp>
+        <p:nvSpPr>
+          <p:cNvPr id="11" name="Geschweifte Klammer links 10">
+            <a:extLst>
+              <a:ext uri="{FF2B5EF4-FFF2-40B4-BE49-F238E27FC236}">
+                <a16:creationId xmlns:a16="http://schemas.microsoft.com/office/drawing/2014/main" id="{EBA68778-0E15-4877-9113-03F971191C82}"/>
+              </a:ext>
+            </a:extLst>
+          </p:cNvPr>
+          <p:cNvSpPr/>
+          <p:nvPr/>
+        </p:nvSpPr>
+        <p:spPr>
+          <a:xfrm>
+            <a:off x="1785277" y="2757428"/>
+            <a:ext cx="246722" cy="1692651"/>
+          </a:xfrm>
+          <a:prstGeom prst="leftBrace">
+            <a:avLst/>
+          </a:prstGeom>
+        </p:spPr>
+        <p:style>
+          <a:lnRef idx="1">
+            <a:schemeClr val="dk1"/>
+          </a:lnRef>
+          <a:fillRef idx="0">
+            <a:schemeClr val="dk1"/>
+          </a:fillRef>
+          <a:effectRef idx="0">
+            <a:schemeClr val="dk1"/>
+          </a:effectRef>
+          <a:fontRef idx="minor">
+            <a:schemeClr val="tx1"/>
+          </a:fontRef>
+        </p:style>
+        <p:txBody>
+          <a:bodyPr rtlCol="0" anchor="ctr"/>
+          <a:lstStyle/>
+          <a:p>
+            <a:pPr algn="ctr"/>
+            <a:endParaRPr lang="de-AT"/>
+          </a:p>
+        </p:txBody>
+      </p:sp>
+      <p:sp>
+        <p:nvSpPr>
+          <p:cNvPr id="12" name="Textfeld 11">
+            <a:extLst>
+              <a:ext uri="{FF2B5EF4-FFF2-40B4-BE49-F238E27FC236}">
+                <a16:creationId xmlns:a16="http://schemas.microsoft.com/office/drawing/2014/main" id="{A95A835A-4B39-45D4-9194-444F0BA2BD92}"/>
+              </a:ext>
+            </a:extLst>
+          </p:cNvPr>
+          <p:cNvSpPr txBox="1"/>
+          <p:nvPr/>
+        </p:nvSpPr>
+        <p:spPr>
+          <a:xfrm>
+            <a:off x="125899" y="3292665"/>
+            <a:ext cx="1906100" cy="646331"/>
+          </a:xfrm>
+          <a:prstGeom prst="rect">
+            <a:avLst/>
+          </a:prstGeom>
+          <a:noFill/>
+        </p:spPr>
+        <p:txBody>
+          <a:bodyPr wrap="square" rtlCol="0">
+            <a:spAutoFit/>
+          </a:bodyPr>
+          <a:lstStyle/>
+          <a:p>
+            <a:pPr algn="ctr"/>
+            <a:r>
+              <a:rPr lang="de-AT" b="1" dirty="0"/>
+              <a:t>Sprint 1</a:t>
+            </a:r>
+          </a:p>
+          <a:p>
+            <a:pPr algn="ctr"/>
+            <a:r>
+              <a:rPr lang="de-AT" b="1" dirty="0"/>
+              <a:t>13.03-03.04</a:t>
+            </a:r>
+          </a:p>
+        </p:txBody>
+      </p:sp>
+      <p:sp>
+        <p:nvSpPr>
+          <p:cNvPr id="16" name="Textfeld 15">
+            <a:extLst>
+              <a:ext uri="{FF2B5EF4-FFF2-40B4-BE49-F238E27FC236}">
+                <a16:creationId xmlns:a16="http://schemas.microsoft.com/office/drawing/2014/main" id="{07A4D95D-50A1-43F5-86A7-2E654606A3F7}"/>
+              </a:ext>
+            </a:extLst>
+          </p:cNvPr>
+          <p:cNvSpPr txBox="1"/>
+          <p:nvPr/>
+        </p:nvSpPr>
+        <p:spPr>
+          <a:xfrm>
+            <a:off x="5657572" y="4852469"/>
+            <a:ext cx="2911942" cy="954107"/>
+          </a:xfrm>
+          <a:prstGeom prst="rect">
+            <a:avLst/>
+          </a:prstGeom>
+          <a:noFill/>
+        </p:spPr>
+        <p:txBody>
+          <a:bodyPr wrap="square" rtlCol="0">
+            <a:spAutoFit/>
+          </a:bodyPr>
+          <a:lstStyle/>
+          <a:p>
+            <a:pPr algn="ctr"/>
+            <a:r>
+              <a:rPr lang="de-AT" sz="2800" b="1" dirty="0"/>
+              <a:t>Sprint 2</a:t>
+            </a:r>
+          </a:p>
+          <a:p>
+            <a:pPr algn="ctr"/>
+            <a:r>
+              <a:rPr lang="de-AT" sz="2800" b="1" dirty="0"/>
+              <a:t>03.04-08.05</a:t>
+            </a:r>
+          </a:p>
+        </p:txBody>
+      </p:sp>
+      <p:pic>
+        <p:nvPicPr>
+          <p:cNvPr id="4099" name="Picture 3" descr="Bildergebnis fÃ¼r loading">
+            <a:extLst>
+              <a:ext uri="{FF2B5EF4-FFF2-40B4-BE49-F238E27FC236}">
+                <a16:creationId xmlns:a16="http://schemas.microsoft.com/office/drawing/2014/main" id="{56881D68-E3F7-49B7-943B-92F9DE5E9DD4}"/>
+              </a:ext>
+            </a:extLst>
+          </p:cNvPr>
+          <p:cNvPicPr>
+            <a:picLocks noChangeAspect="1" noChangeArrowheads="1"/>
+          </p:cNvPicPr>
+          <p:nvPr/>
+        </p:nvPicPr>
+        <p:blipFill>
+          <a:blip r:embed="rId10">
+            <a:extLst>
+              <a:ext uri="{28A0092B-C50C-407E-A947-70E740481C1C}">
+                <a14:useLocalDpi xmlns:a14="http://schemas.microsoft.com/office/drawing/2010/main" val="0"/>
+              </a:ext>
+            </a:extLst>
+          </a:blip>
+          <a:srcRect/>
+          <a:stretch>
+            <a:fillRect/>
+          </a:stretch>
+        </p:blipFill>
+        <p:spPr bwMode="auto">
+          <a:xfrm>
+            <a:off x="3684269" y="4650163"/>
+            <a:ext cx="2411730" cy="1358721"/>
+          </a:xfrm>
+          <a:prstGeom prst="rect">
+            <a:avLst/>
+          </a:prstGeom>
+          <a:noFill/>
+          <a:extLst>
+            <a:ext uri="{909E8E84-426E-40DD-AFC4-6F175D3DCCD1}">
+              <a14:hiddenFill xmlns:a14="http://schemas.microsoft.com/office/drawing/2010/main">
+                <a:solidFill>
+                  <a:srgbClr val="FFFFFF"/>
+                </a:solidFill>
+              </a14:hiddenFill>
+            </a:ext>
+          </a:extLst>
+        </p:spPr>
+      </p:pic>
     </p:spTree>
     <p:extLst>
       <p:ext uri="{BB962C8B-B14F-4D97-AF65-F5344CB8AC3E}">
@@ -12423,7 +15044,7 @@
 </p:sld>
 </file>
 
-<file path=ppt/slides/slide13.xml><?xml version="1.0" encoding="utf-8"?>
+<file path=ppt/slides/slide14.xml><?xml version="1.0" encoding="utf-8"?>
 <p:sld xmlns:a="http://schemas.openxmlformats.org/drawingml/2006/main" xmlns:r="http://schemas.openxmlformats.org/officeDocument/2006/relationships" xmlns:p="http://schemas.openxmlformats.org/presentationml/2006/main">
   <p:cSld>
     <p:spTree>

--- a/Telemetry Gateway Monitoring.pptx
+++ b/Telemetry Gateway Monitoring.pptx
@@ -5,7 +5,7 @@
     <p:sldMasterId id="2147483648" r:id="rId1"/>
   </p:sldMasterIdLst>
   <p:notesMasterIdLst>
-    <p:notesMasterId r:id="rId16"/>
+    <p:notesMasterId r:id="rId17"/>
   </p:notesMasterIdLst>
   <p:sldIdLst>
     <p:sldId id="256" r:id="rId2"/>
@@ -20,8 +20,9 @@
     <p:sldId id="262" r:id="rId11"/>
     <p:sldId id="263" r:id="rId12"/>
     <p:sldId id="271" r:id="rId13"/>
-    <p:sldId id="265" r:id="rId14"/>
-    <p:sldId id="264" r:id="rId15"/>
+    <p:sldId id="272" r:id="rId14"/>
+    <p:sldId id="265" r:id="rId15"/>
+    <p:sldId id="264" r:id="rId16"/>
   </p:sldIdLst>
   <p:sldSz cx="12192000" cy="6858000"/>
   <p:notesSz cx="6858000" cy="9144000"/>
@@ -135,49 +136,29 @@
   <c:roundedCorners val="0"/>
   <mc:AlternateContent xmlns:mc="http://schemas.openxmlformats.org/markup-compatibility/2006">
     <mc:Choice xmlns:c14="http://schemas.microsoft.com/office/drawing/2007/8/2/chart" Requires="c14">
-      <c14:style val="108"/>
+      <c14:style val="102"/>
     </mc:Choice>
     <mc:Fallback>
-      <c:style val="8"/>
+      <c:style val="2"/>
     </mc:Fallback>
   </mc:AlternateContent>
   <c:chart>
     <c:autoTitleDeleted val="1"/>
     <c:plotArea>
-      <c:layout>
-        <c:manualLayout>
-          <c:layoutTarget val="inner"/>
-          <c:xMode val="edge"/>
-          <c:yMode val="edge"/>
-          <c:x val="0.14373855521126691"/>
-          <c:y val="0.1764650853334386"/>
-          <c:w val="0.55881106557548754"/>
-          <c:h val="0.74043226781672722"/>
-        </c:manualLayout>
-      </c:layout>
+      <c:layout/>
       <c:pieChart>
         <c:varyColors val="1"/>
         <c:ser>
           <c:idx val="0"/>
           <c:order val="0"/>
-          <c:tx>
-            <c:strRef>
-              <c:f>Tabelle1!$B$6</c:f>
-              <c:strCache>
-                <c:ptCount val="1"/>
-                <c:pt idx="0">
-                  <c:v>Anteil</c:v>
-                </c:pt>
-              </c:strCache>
-            </c:strRef>
-          </c:tx>
           <c:dPt>
             <c:idx val="0"/>
             <c:bubble3D val="0"/>
             <c:spPr>
               <a:solidFill>
                 <a:schemeClr val="accent6">
-                  <a:tint val="58000"/>
+                  <a:lumMod val="60000"/>
+                  <a:lumOff val="40000"/>
                 </a:schemeClr>
               </a:solidFill>
               <a:ln w="19050">
@@ -189,7 +170,7 @@
             </c:spPr>
             <c:extLst>
               <c:ext xmlns:c16="http://schemas.microsoft.com/office/drawing/2014/chart" uri="{C3380CC4-5D6E-409C-BE32-E72D297353CC}">
-                <c16:uniqueId val="{00000001-B501-4692-8D1B-56F3E5F1FDBA}"/>
+                <c16:uniqueId val="{00000001-FF26-4B0F-9662-7902C2BF97F2}"/>
               </c:ext>
             </c:extLst>
           </c:dPt>
@@ -198,8 +179,28 @@
             <c:bubble3D val="0"/>
             <c:spPr>
               <a:solidFill>
+                <a:srgbClr val="72B8A4"/>
+              </a:solidFill>
+              <a:ln w="19050">
+                <a:solidFill>
+                  <a:schemeClr val="lt1"/>
+                </a:solidFill>
+              </a:ln>
+              <a:effectLst/>
+            </c:spPr>
+            <c:extLst>
+              <c:ext xmlns:c16="http://schemas.microsoft.com/office/drawing/2014/chart" uri="{C3380CC4-5D6E-409C-BE32-E72D297353CC}">
+                <c16:uniqueId val="{00000003-FF26-4B0F-9662-7902C2BF97F2}"/>
+              </c:ext>
+            </c:extLst>
+          </c:dPt>
+          <c:dPt>
+            <c:idx val="2"/>
+            <c:bubble3D val="0"/>
+            <c:spPr>
+              <a:solidFill>
                 <a:schemeClr val="accent6">
-                  <a:tint val="86000"/>
+                  <a:lumMod val="50000"/>
                 </a:schemeClr>
               </a:solidFill>
               <a:ln w="19050">
@@ -211,17 +212,17 @@
             </c:spPr>
             <c:extLst>
               <c:ext xmlns:c16="http://schemas.microsoft.com/office/drawing/2014/chart" uri="{C3380CC4-5D6E-409C-BE32-E72D297353CC}">
-                <c16:uniqueId val="{00000003-B501-4692-8D1B-56F3E5F1FDBA}"/>
+                <c16:uniqueId val="{00000005-FF26-4B0F-9662-7902C2BF97F2}"/>
               </c:ext>
             </c:extLst>
           </c:dPt>
           <c:dPt>
-            <c:idx val="2"/>
+            <c:idx val="3"/>
             <c:bubble3D val="0"/>
             <c:spPr>
               <a:solidFill>
                 <a:schemeClr val="accent6">
-                  <a:shade val="86000"/>
+                  <a:lumMod val="75000"/>
                 </a:schemeClr>
               </a:solidFill>
               <a:ln w="19050">
@@ -233,17 +234,18 @@
             </c:spPr>
             <c:extLst>
               <c:ext xmlns:c16="http://schemas.microsoft.com/office/drawing/2014/chart" uri="{C3380CC4-5D6E-409C-BE32-E72D297353CC}">
-                <c16:uniqueId val="{00000005-B501-4692-8D1B-56F3E5F1FDBA}"/>
+                <c16:uniqueId val="{00000007-FF26-4B0F-9662-7902C2BF97F2}"/>
               </c:ext>
             </c:extLst>
           </c:dPt>
           <c:dPt>
-            <c:idx val="3"/>
+            <c:idx val="4"/>
             <c:bubble3D val="0"/>
             <c:spPr>
               <a:solidFill>
                 <a:schemeClr val="accent6">
-                  <a:shade val="58000"/>
+                  <a:lumMod val="40000"/>
+                  <a:lumOff val="60000"/>
                 </a:schemeClr>
               </a:solidFill>
               <a:ln w="19050">
@@ -255,11 +257,51 @@
             </c:spPr>
             <c:extLst>
               <c:ext xmlns:c16="http://schemas.microsoft.com/office/drawing/2014/chart" uri="{C3380CC4-5D6E-409C-BE32-E72D297353CC}">
-                <c16:uniqueId val="{00000007-B501-4692-8D1B-56F3E5F1FDBA}"/>
+                <c16:uniqueId val="{00000009-FF26-4B0F-9662-7902C2BF97F2}"/>
               </c:ext>
             </c:extLst>
           </c:dPt>
           <c:dLbls>
+            <c:dLbl>
+              <c:idx val="2"/>
+              <c:spPr>
+                <a:noFill/>
+                <a:ln>
+                  <a:noFill/>
+                </a:ln>
+                <a:effectLst/>
+              </c:spPr>
+              <c:txPr>
+                <a:bodyPr rot="0" spcFirstLastPara="1" vertOverflow="ellipsis" vert="horz" wrap="square" lIns="38100" tIns="19050" rIns="38100" bIns="19050" anchor="ctr" anchorCtr="1">
+                  <a:spAutoFit/>
+                </a:bodyPr>
+                <a:lstStyle/>
+                <a:p>
+                  <a:pPr>
+                    <a:defRPr sz="1600" b="1" i="0" u="none" strike="noStrike" kern="1200" baseline="0">
+                      <a:solidFill>
+                        <a:schemeClr val="bg1"/>
+                      </a:solidFill>
+                      <a:latin typeface="+mn-lt"/>
+                      <a:ea typeface="+mn-ea"/>
+                      <a:cs typeface="+mn-cs"/>
+                    </a:defRPr>
+                  </a:pPr>
+                  <a:endParaRPr lang="en-US"/>
+                </a:p>
+              </c:txPr>
+              <c:showLegendKey val="0"/>
+              <c:showVal val="1"/>
+              <c:showCatName val="0"/>
+              <c:showSerName val="0"/>
+              <c:showPercent val="1"/>
+              <c:showBubbleSize val="0"/>
+              <c:extLst>
+                <c:ext xmlns:c16="http://schemas.microsoft.com/office/drawing/2014/chart" uri="{C3380CC4-5D6E-409C-BE32-E72D297353CC}">
+                  <c16:uniqueId val="{00000005-FF26-4B0F-9662-7902C2BF97F2}"/>
+                </c:ext>
+              </c:extLst>
+            </c:dLbl>
             <c:spPr>
               <a:noFill/>
               <a:ln>
@@ -274,7 +316,7 @@
               <a:lstStyle/>
               <a:p>
                 <a:pPr>
-                  <a:defRPr sz="2800" b="0" i="0" u="none" strike="noStrike" kern="1200" baseline="0">
+                  <a:defRPr sz="1600" b="1" i="0" u="none" strike="noStrike" kern="1200" baseline="0">
                     <a:solidFill>
                       <a:schemeClr val="tx1">
                         <a:lumMod val="75000"/>
@@ -290,7 +332,7 @@
               </a:p>
             </c:txPr>
             <c:showLegendKey val="0"/>
-            <c:showVal val="0"/>
+            <c:showVal val="1"/>
             <c:showCatName val="0"/>
             <c:showSerName val="0"/>
             <c:showPercent val="1"/>
@@ -316,48 +358,54 @@
           </c:dLbls>
           <c:cat>
             <c:strRef>
-              <c:f>Tabelle1!$A$7:$A$10</c:f>
+              <c:f>Tabelle1!$F$5:$F$9</c:f>
               <c:strCache>
-                <c:ptCount val="4"/>
+                <c:ptCount val="5"/>
                 <c:pt idx="0">
-                  <c:v>Backend</c:v>
+                  <c:v>Dokumente &amp; Planung</c:v>
                 </c:pt>
                 <c:pt idx="1">
-                  <c:v>Template erstellen</c:v>
+                  <c:v>Backend</c:v>
                 </c:pt>
                 <c:pt idx="2">
                   <c:v>Frontend</c:v>
                 </c:pt>
                 <c:pt idx="3">
-                  <c:v>Allgemein</c:v>
+                  <c:v>Projektmanagement</c:v>
+                </c:pt>
+                <c:pt idx="4">
+                  <c:v>Allgemeines</c:v>
                 </c:pt>
               </c:strCache>
             </c:strRef>
           </c:cat>
           <c:val>
             <c:numRef>
-              <c:f>Tabelle1!$B$7:$B$10</c:f>
+              <c:f>Tabelle1!$G$5:$G$9</c:f>
               <c:numCache>
                 <c:formatCode>General</c:formatCode>
-                <c:ptCount val="4"/>
+                <c:ptCount val="5"/>
                 <c:pt idx="0">
-                  <c:v>123</c:v>
+                  <c:v>13</c:v>
                 </c:pt>
                 <c:pt idx="1">
-                  <c:v>20</c:v>
+                  <c:v>79</c:v>
                 </c:pt>
                 <c:pt idx="2">
-                  <c:v>113</c:v>
+                  <c:v>64</c:v>
                 </c:pt>
                 <c:pt idx="3">
-                  <c:v>34</c:v>
+                  <c:v>80</c:v>
+                </c:pt>
+                <c:pt idx="4">
+                  <c:v>18</c:v>
                 </c:pt>
               </c:numCache>
             </c:numRef>
           </c:val>
           <c:extLst>
             <c:ext xmlns:c16="http://schemas.microsoft.com/office/drawing/2014/chart" uri="{C3380CC4-5D6E-409C-BE32-E72D297353CC}">
-              <c16:uniqueId val="{00000008-B501-4692-8D1B-56F3E5F1FDBA}"/>
+              <c16:uniqueId val="{0000000A-FF26-4B0F-9662-7902C2BF97F2}"/>
             </c:ext>
           </c:extLst>
         </c:ser>
@@ -366,7 +414,7 @@
           <c:showVal val="0"/>
           <c:showCatName val="0"/>
           <c:showSerName val="0"/>
-          <c:showPercent val="1"/>
+          <c:showPercent val="0"/>
           <c:showBubbleSize val="0"/>
           <c:showLeaderLines val="1"/>
         </c:dLbls>
@@ -381,17 +429,7 @@
       </c:spPr>
     </c:plotArea>
     <c:legend>
-      <c:legendPos val="t"/>
-      <c:layout>
-        <c:manualLayout>
-          <c:xMode val="edge"/>
-          <c:yMode val="edge"/>
-          <c:x val="0.73033878203939562"/>
-          <c:y val="0.14722222222222223"/>
-          <c:w val="0.26966121796060438"/>
-          <c:h val="0.76043110236220468"/>
-        </c:manualLayout>
-      </c:layout>
+      <c:legendPos val="r"/>
       <c:overlay val="0"/>
       <c:spPr>
         <a:noFill/>
@@ -405,7 +443,7 @@
         <a:lstStyle/>
         <a:p>
           <a:pPr>
-            <a:defRPr sz="2400" b="0" i="0" u="none" strike="noStrike" kern="1200" baseline="0">
+            <a:defRPr sz="1600" b="0" i="0" u="none" strike="noStrike" kern="1200" baseline="0">
               <a:solidFill>
                 <a:schemeClr val="tx1">
                   <a:lumMod val="65000"/>
@@ -452,7 +490,6 @@
   <c:externalData r:id="rId3">
     <c:autoUpdate val="0"/>
   </c:externalData>
-  <c:userShapes r:id="rId4"/>
 </c:chartSpace>
 </file>
 
@@ -460,7 +497,7 @@
 <c:chartSpace xmlns:c="http://schemas.openxmlformats.org/drawingml/2006/chart" xmlns:a="http://schemas.openxmlformats.org/drawingml/2006/main" xmlns:r="http://schemas.openxmlformats.org/officeDocument/2006/relationships" xmlns:c16r2="http://schemas.microsoft.com/office/drawing/2015/06/chart">
   <c:date1904 val="0"/>
   <c:lang val="de-DE"/>
-  <c:roundedCorners val="1"/>
+  <c:roundedCorners val="0"/>
   <mc:AlternateContent xmlns:mc="http://schemas.openxmlformats.org/markup-compatibility/2006">
     <mc:Choice xmlns:c14="http://schemas.microsoft.com/office/drawing/2007/8/2/chart" Requires="c14">
       <c14:style val="102"/>
@@ -477,7 +514,7 @@
           <a:lstStyle/>
           <a:p>
             <a:pPr>
-              <a:defRPr sz="1862" b="1" i="0" u="none" strike="noStrike" kern="1200" spc="0" baseline="0">
+              <a:defRPr sz="1800" b="0" i="0" u="none" strike="noStrike" kern="1200" spc="0" baseline="0">
                 <a:solidFill>
                   <a:schemeClr val="tx1">
                     <a:lumMod val="65000"/>
@@ -490,9 +527,14 @@
               </a:defRPr>
             </a:pPr>
             <a:r>
-              <a:rPr lang="en-GB" b="1"/>
-              <a:t>Stunden pro Teammitglied</a:t>
-            </a:r>
+              <a:rPr lang="en-GB" sz="1800"/>
+              <a:t>Stunden</a:t>
+            </a:r>
+            <a:r>
+              <a:rPr lang="en-GB" sz="1800" baseline="0"/>
+              <a:t> pro Teammitglied</a:t>
+            </a:r>
+            <a:endParaRPr lang="en-GB" sz="1800"/>
           </a:p>
         </c:rich>
       </c:tx>
@@ -509,7 +551,7 @@
         <a:lstStyle/>
         <a:p>
           <a:pPr>
-            <a:defRPr sz="1862" b="1" i="0" u="none" strike="noStrike" kern="1200" spc="0" baseline="0">
+            <a:defRPr sz="1800" b="0" i="0" u="none" strike="noStrike" kern="1200" spc="0" baseline="0">
               <a:solidFill>
                 <a:schemeClr val="tx1">
                   <a:lumMod val="65000"/>
@@ -549,7 +591,7 @@
             </c:spPr>
             <c:extLst>
               <c:ext xmlns:c16="http://schemas.microsoft.com/office/drawing/2014/chart" uri="{C3380CC4-5D6E-409C-BE32-E72D297353CC}">
-                <c16:uniqueId val="{00000001-18CB-4E8F-B7BA-64DDAA88FF4D}"/>
+                <c16:uniqueId val="{00000001-5147-4F67-BB75-23B9FCCD5974}"/>
               </c:ext>
             </c:extLst>
           </c:dPt>
@@ -569,7 +611,7 @@
             </c:spPr>
             <c:extLst>
               <c:ext xmlns:c16="http://schemas.microsoft.com/office/drawing/2014/chart" uri="{C3380CC4-5D6E-409C-BE32-E72D297353CC}">
-                <c16:uniqueId val="{00000005-18CB-4E8F-B7BA-64DDAA88FF4D}"/>
+                <c16:uniqueId val="{00000003-5147-4F67-BB75-23B9FCCD5974}"/>
               </c:ext>
             </c:extLst>
           </c:dPt>
@@ -589,7 +631,7 @@
             </c:spPr>
             <c:extLst>
               <c:ext xmlns:c16="http://schemas.microsoft.com/office/drawing/2014/chart" uri="{C3380CC4-5D6E-409C-BE32-E72D297353CC}">
-                <c16:uniqueId val="{00000006-18CB-4E8F-B7BA-64DDAA88FF4D}"/>
+                <c16:uniqueId val="{00000005-5147-4F67-BB75-23B9FCCD5974}"/>
               </c:ext>
             </c:extLst>
           </c:dPt>
@@ -609,99 +651,11 @@
             </c:spPr>
             <c:extLst>
               <c:ext xmlns:c16="http://schemas.microsoft.com/office/drawing/2014/chart" uri="{C3380CC4-5D6E-409C-BE32-E72D297353CC}">
-                <c16:uniqueId val="{00000004-18CB-4E8F-B7BA-64DDAA88FF4D}"/>
+                <c16:uniqueId val="{00000007-5147-4F67-BB75-23B9FCCD5974}"/>
               </c:ext>
             </c:extLst>
           </c:dPt>
           <c:dLbls>
-            <c:dLbl>
-              <c:idx val="0"/>
-              <c:layout>
-                <c:manualLayout>
-                  <c:x val="-0.1047527299814275"/>
-                  <c:y val="0.13370412887300792"/>
-                </c:manualLayout>
-              </c:layout>
-              <c:dLblPos val="bestFit"/>
-              <c:showLegendKey val="0"/>
-              <c:showVal val="1"/>
-              <c:showCatName val="0"/>
-              <c:showSerName val="0"/>
-              <c:showPercent val="0"/>
-              <c:showBubbleSize val="0"/>
-              <c:extLst>
-                <c:ext xmlns:c15="http://schemas.microsoft.com/office/drawing/2012/chart" uri="{CE6537A1-D6FC-4f65-9D91-7224C49458BB}"/>
-                <c:ext xmlns:c16="http://schemas.microsoft.com/office/drawing/2014/chart" uri="{C3380CC4-5D6E-409C-BE32-E72D297353CC}">
-                  <c16:uniqueId val="{00000001-18CB-4E8F-B7BA-64DDAA88FF4D}"/>
-                </c:ext>
-              </c:extLst>
-            </c:dLbl>
-            <c:dLbl>
-              <c:idx val="1"/>
-              <c:layout>
-                <c:manualLayout>
-                  <c:x val="-0.10475674221847371"/>
-                  <c:y val="-0.17906859178536974"/>
-                </c:manualLayout>
-              </c:layout>
-              <c:dLblPos val="bestFit"/>
-              <c:showLegendKey val="0"/>
-              <c:showVal val="1"/>
-              <c:showCatName val="0"/>
-              <c:showSerName val="0"/>
-              <c:showPercent val="0"/>
-              <c:showBubbleSize val="0"/>
-              <c:extLst>
-                <c:ext xmlns:c15="http://schemas.microsoft.com/office/drawing/2012/chart" uri="{CE6537A1-D6FC-4f65-9D91-7224C49458BB}"/>
-                <c:ext xmlns:c16="http://schemas.microsoft.com/office/drawing/2014/chart" uri="{C3380CC4-5D6E-409C-BE32-E72D297353CC}">
-                  <c16:uniqueId val="{00000005-18CB-4E8F-B7BA-64DDAA88FF4D}"/>
-                </c:ext>
-              </c:extLst>
-            </c:dLbl>
-            <c:dLbl>
-              <c:idx val="2"/>
-              <c:layout>
-                <c:manualLayout>
-                  <c:x val="0.11350978321744885"/>
-                  <c:y val="-0.1308453383778774"/>
-                </c:manualLayout>
-              </c:layout>
-              <c:dLblPos val="bestFit"/>
-              <c:showLegendKey val="0"/>
-              <c:showVal val="1"/>
-              <c:showCatName val="0"/>
-              <c:showSerName val="0"/>
-              <c:showPercent val="0"/>
-              <c:showBubbleSize val="0"/>
-              <c:extLst>
-                <c:ext xmlns:c15="http://schemas.microsoft.com/office/drawing/2012/chart" uri="{CE6537A1-D6FC-4f65-9D91-7224C49458BB}"/>
-                <c:ext xmlns:c16="http://schemas.microsoft.com/office/drawing/2014/chart" uri="{C3380CC4-5D6E-409C-BE32-E72D297353CC}">
-                  <c16:uniqueId val="{00000006-18CB-4E8F-B7BA-64DDAA88FF4D}"/>
-                </c:ext>
-              </c:extLst>
-            </c:dLbl>
-            <c:dLbl>
-              <c:idx val="3"/>
-              <c:layout>
-                <c:manualLayout>
-                  <c:x val="8.274989872560283E-2"/>
-                  <c:y val="0.13185144464744783"/>
-                </c:manualLayout>
-              </c:layout>
-              <c:dLblPos val="bestFit"/>
-              <c:showLegendKey val="0"/>
-              <c:showVal val="1"/>
-              <c:showCatName val="0"/>
-              <c:showSerName val="0"/>
-              <c:showPercent val="0"/>
-              <c:showBubbleSize val="0"/>
-              <c:extLst>
-                <c:ext xmlns:c15="http://schemas.microsoft.com/office/drawing/2012/chart" uri="{CE6537A1-D6FC-4f65-9D91-7224C49458BB}"/>
-                <c:ext xmlns:c16="http://schemas.microsoft.com/office/drawing/2014/chart" uri="{C3380CC4-5D6E-409C-BE32-E72D297353CC}">
-                  <c16:uniqueId val="{00000004-18CB-4E8F-B7BA-64DDAA88FF4D}"/>
-                </c:ext>
-              </c:extLst>
-            </c:dLbl>
             <c:spPr>
               <a:noFill/>
               <a:ln>
@@ -716,7 +670,7 @@
               <a:lstStyle/>
               <a:p>
                 <a:pPr>
-                  <a:defRPr sz="2000" b="0" i="0" u="none" strike="noStrike" kern="1200" baseline="0">
+                  <a:defRPr sz="1400" b="1" i="0" u="none" strike="noStrike" kern="1200" baseline="0">
                     <a:solidFill>
                       <a:schemeClr val="tx1">
                         <a:lumMod val="75000"/>
@@ -731,7 +685,6 @@
                 <a:endParaRPr lang="en-US"/>
               </a:p>
             </c:txPr>
-            <c:dLblPos val="inEnd"/>
             <c:showLegendKey val="0"/>
             <c:showVal val="1"/>
             <c:showCatName val="0"/>
@@ -759,7 +712,7 @@
           </c:dLbls>
           <c:cat>
             <c:strRef>
-              <c:f>Übersicht!$K$12:$N$12</c:f>
+              <c:f>Tabelle1!$B$17:$E$17</c:f>
               <c:strCache>
                 <c:ptCount val="4"/>
                 <c:pt idx="0">
@@ -779,35 +732,34 @@
           </c:cat>
           <c:val>
             <c:numRef>
-              <c:f>Übersicht!$K$13:$N$13</c:f>
+              <c:f>Tabelle1!$B$18:$E$18</c:f>
               <c:numCache>
                 <c:formatCode>0.0</c:formatCode>
                 <c:ptCount val="4"/>
                 <c:pt idx="0">
-                  <c:v>29.5</c:v>
+                  <c:v>62.5</c:v>
                 </c:pt>
                 <c:pt idx="1">
-                  <c:v>42</c:v>
+                  <c:v>69</c:v>
                 </c:pt>
                 <c:pt idx="2">
-                  <c:v>34</c:v>
+                  <c:v>63.5</c:v>
                 </c:pt>
                 <c:pt idx="3">
-                  <c:v>27.5</c:v>
+                  <c:v>52</c:v>
                 </c:pt>
               </c:numCache>
             </c:numRef>
           </c:val>
           <c:extLst>
             <c:ext xmlns:c16="http://schemas.microsoft.com/office/drawing/2014/chart" uri="{C3380CC4-5D6E-409C-BE32-E72D297353CC}">
-              <c16:uniqueId val="{00000002-18CB-4E8F-B7BA-64DDAA88FF4D}"/>
+              <c16:uniqueId val="{00000008-5147-4F67-BB75-23B9FCCD5974}"/>
             </c:ext>
           </c:extLst>
         </c:ser>
         <c:dLbls>
-          <c:dLblPos val="inEnd"/>
           <c:showLegendKey val="0"/>
-          <c:showVal val="1"/>
+          <c:showVal val="0"/>
           <c:showCatName val="0"/>
           <c:showSerName val="0"/>
           <c:showPercent val="0"/>
@@ -839,7 +791,7 @@
         <a:lstStyle/>
         <a:p>
           <a:pPr>
-            <a:defRPr sz="1600" b="0" i="0" u="none" strike="noStrike" kern="1200" baseline="0">
+            <a:defRPr sz="1400" b="0" i="0" u="none" strike="noStrike" kern="1200" baseline="0">
               <a:solidFill>
                 <a:schemeClr val="tx1">
                   <a:lumMod val="65000"/>
@@ -856,8 +808,15 @@
       </c:txPr>
     </c:legend>
     <c:plotVisOnly val="1"/>
-    <c:dispBlanksAs val="zero"/>
-    <c:showDLblsOverMax val="1"/>
+    <c:dispBlanksAs val="gap"/>
+    <c:extLst>
+      <c:ext xmlns:c16r3="http://schemas.microsoft.com/office/drawing/2017/03/chart" uri="{56B9EC1D-385E-4148-901F-78D8002777C0}">
+        <c16r3:dataDisplayOptions16>
+          <c16r3:dispNaAsBlank val="1"/>
+        </c16r3:dataDisplayOptions16>
+      </c:ext>
+    </c:extLst>
+    <c:showDLblsOverMax val="0"/>
   </c:chart>
   <c:spPr>
     <a:noFill/>
@@ -1006,8 +965,42 @@
 </file>
 
 <file path=ppt/charts/colors1.xml><?xml version="1.0" encoding="utf-8"?>
-<cs:colorStyle xmlns:cs="http://schemas.microsoft.com/office/drawing/2012/chartStyle" xmlns:a="http://schemas.openxmlformats.org/drawingml/2006/main" meth="withinLinearReversed" id="26">
+<cs:colorStyle xmlns:cs="http://schemas.microsoft.com/office/drawing/2012/chartStyle" xmlns:a="http://schemas.openxmlformats.org/drawingml/2006/main" meth="cycle" id="10">
+  <a:schemeClr val="accent1"/>
+  <a:schemeClr val="accent2"/>
+  <a:schemeClr val="accent3"/>
+  <a:schemeClr val="accent4"/>
+  <a:schemeClr val="accent5"/>
   <a:schemeClr val="accent6"/>
+  <cs:variation/>
+  <cs:variation>
+    <a:lumMod val="60000"/>
+  </cs:variation>
+  <cs:variation>
+    <a:lumMod val="80000"/>
+    <a:lumOff val="20000"/>
+  </cs:variation>
+  <cs:variation>
+    <a:lumMod val="80000"/>
+  </cs:variation>
+  <cs:variation>
+    <a:lumMod val="60000"/>
+    <a:lumOff val="40000"/>
+  </cs:variation>
+  <cs:variation>
+    <a:lumMod val="50000"/>
+  </cs:variation>
+  <cs:variation>
+    <a:lumMod val="70000"/>
+    <a:lumOff val="30000"/>
+  </cs:variation>
+  <cs:variation>
+    <a:lumMod val="70000"/>
+  </cs:variation>
+  <cs:variation>
+    <a:lumMod val="50000"/>
+    <a:lumOff val="50000"/>
+  </cs:variation>
 </cs:colorStyle>
 </file>
 
@@ -1622,7 +1615,7 @@
         <a:lumOff val="35000"/>
       </a:schemeClr>
     </cs:fontRef>
-    <cs:defRPr sz="1330" kern="1200"/>
+    <cs:defRPr sz="1000" kern="1200"/>
   </cs:axisTitle>
   <cs:categoryAxis>
     <cs:lnRef idx="0"/>
@@ -1645,7 +1638,7 @@
         <a:round/>
       </a:ln>
     </cs:spPr>
-    <cs:defRPr sz="1197" kern="1200"/>
+    <cs:defRPr sz="900" kern="1200"/>
   </cs:categoryAxis>
   <cs:chartArea mods="allowNoFillOverride allowNoLineOverride">
     <cs:lnRef idx="0"/>
@@ -1668,7 +1661,7 @@
         <a:round/>
       </a:ln>
     </cs:spPr>
-    <cs:defRPr sz="1197" kern="1200"/>
+    <cs:defRPr sz="900" kern="1200"/>
   </cs:chartArea>
   <cs:dataLabel>
     <cs:lnRef idx="0"/>
@@ -1680,7 +1673,7 @@
         <a:lumOff val="25000"/>
       </a:schemeClr>
     </cs:fontRef>
-    <cs:defRPr sz="1197" kern="1200"/>
+    <cs:defRPr sz="900" kern="1200"/>
   </cs:dataLabel>
   <cs:dataLabelCallout>
     <cs:lnRef idx="0"/>
@@ -1705,7 +1698,7 @@
         </a:solidFill>
       </a:ln>
     </cs:spPr>
-    <cs:defRPr sz="1197" kern="1200"/>
+    <cs:defRPr sz="900" kern="1200"/>
     <cs:bodyPr rot="0" spcFirstLastPara="1" vertOverflow="clip" horzOverflow="clip" vert="horz" wrap="square" lIns="36576" tIns="18288" rIns="36576" bIns="18288" anchor="ctr" anchorCtr="1">
       <a:spAutoFit/>
     </cs:bodyPr>
@@ -1822,7 +1815,7 @@
         <a:round/>
       </a:ln>
     </cs:spPr>
-    <cs:defRPr sz="1197" kern="1200"/>
+    <cs:defRPr sz="900" kern="1200"/>
   </cs:dataTable>
   <cs:downBar>
     <cs:lnRef idx="0"/>
@@ -1987,7 +1980,7 @@
         <a:lumOff val="35000"/>
       </a:schemeClr>
     </cs:fontRef>
-    <cs:defRPr sz="1197" kern="1200"/>
+    <cs:defRPr sz="900" kern="1200"/>
   </cs:legend>
   <cs:plotArea mods="allowNoFillOverride allowNoLineOverride">
     <cs:lnRef idx="0"/>
@@ -2015,7 +2008,7 @@
         <a:lumOff val="35000"/>
       </a:schemeClr>
     </cs:fontRef>
-    <cs:defRPr sz="1197" kern="1200"/>
+    <cs:defRPr sz="900" kern="1200"/>
   </cs:seriesAxis>
   <cs:seriesLine>
     <cs:lnRef idx="0"/>
@@ -2046,7 +2039,7 @@
         <a:lumOff val="35000"/>
       </a:schemeClr>
     </cs:fontRef>
-    <cs:defRPr sz="1862" b="0" kern="1200" spc="0" baseline="0"/>
+    <cs:defRPr sz="1400" b="0" kern="1200" spc="0" baseline="0"/>
   </cs:title>
   <cs:trendline>
     <cs:lnRef idx="0">
@@ -2076,7 +2069,7 @@
         <a:lumOff val="35000"/>
       </a:schemeClr>
     </cs:fontRef>
-    <cs:defRPr sz="1197" kern="1200"/>
+    <cs:defRPr sz="900" kern="1200"/>
   </cs:trendlineLabel>
   <cs:upBar>
     <cs:lnRef idx="0"/>
@@ -2110,7 +2103,7 @@
         <a:lumOff val="35000"/>
       </a:schemeClr>
     </cs:fontRef>
-    <cs:defRPr sz="1197" kern="1200"/>
+    <cs:defRPr sz="900" kern="1200"/>
   </cs:valueAxis>
   <cs:wall>
     <cs:lnRef idx="0"/>
@@ -3455,788 +3448,6 @@
 </dgm:colorsDef>
 </file>
 
-<file path=ppt/diagrams/colors2.xml><?xml version="1.0" encoding="utf-8"?>
-<dgm:colorsDef xmlns:dgm="http://schemas.openxmlformats.org/drawingml/2006/diagram" xmlns:a="http://schemas.openxmlformats.org/drawingml/2006/main" uniqueId="urn:microsoft.com/office/officeart/2005/8/colors/colorful5">
-  <dgm:title val=""/>
-  <dgm:desc val=""/>
-  <dgm:catLst>
-    <dgm:cat type="colorful" pri="10500"/>
-  </dgm:catLst>
-  <dgm:styleLbl name="node0">
-    <dgm:fillClrLst meth="repeat">
-      <a:schemeClr val="accent4"/>
-    </dgm:fillClrLst>
-    <dgm:linClrLst meth="repeat">
-      <a:schemeClr val="lt1"/>
-    </dgm:linClrLst>
-    <dgm:effectClrLst/>
-    <dgm:txLinClrLst/>
-    <dgm:txFillClrLst/>
-    <dgm:txEffectClrLst/>
-  </dgm:styleLbl>
-  <dgm:styleLbl name="node1">
-    <dgm:fillClrLst>
-      <a:schemeClr val="accent5"/>
-      <a:schemeClr val="accent6"/>
-    </dgm:fillClrLst>
-    <dgm:linClrLst meth="repeat">
-      <a:schemeClr val="lt1"/>
-    </dgm:linClrLst>
-    <dgm:effectClrLst/>
-    <dgm:txLinClrLst/>
-    <dgm:txFillClrLst/>
-    <dgm:txEffectClrLst/>
-  </dgm:styleLbl>
-  <dgm:styleLbl name="alignNode1">
-    <dgm:fillClrLst>
-      <a:schemeClr val="accent5"/>
-      <a:schemeClr val="accent6"/>
-    </dgm:fillClrLst>
-    <dgm:linClrLst>
-      <a:schemeClr val="accent5"/>
-      <a:schemeClr val="accent6"/>
-    </dgm:linClrLst>
-    <dgm:effectClrLst/>
-    <dgm:txLinClrLst/>
-    <dgm:txFillClrLst/>
-    <dgm:txEffectClrLst/>
-  </dgm:styleLbl>
-  <dgm:styleLbl name="lnNode1">
-    <dgm:fillClrLst>
-      <a:schemeClr val="accent5"/>
-      <a:schemeClr val="accent6"/>
-    </dgm:fillClrLst>
-    <dgm:linClrLst meth="repeat">
-      <a:schemeClr val="lt1"/>
-    </dgm:linClrLst>
-    <dgm:effectClrLst/>
-    <dgm:txLinClrLst/>
-    <dgm:txFillClrLst/>
-    <dgm:txEffectClrLst/>
-  </dgm:styleLbl>
-  <dgm:styleLbl name="vennNode1">
-    <dgm:fillClrLst>
-      <a:schemeClr val="accent5">
-        <a:alpha val="50000"/>
-      </a:schemeClr>
-      <a:schemeClr val="accent6">
-        <a:alpha val="50000"/>
-      </a:schemeClr>
-    </dgm:fillClrLst>
-    <dgm:linClrLst meth="repeat">
-      <a:schemeClr val="lt1"/>
-    </dgm:linClrLst>
-    <dgm:effectClrLst/>
-    <dgm:txLinClrLst/>
-    <dgm:txFillClrLst/>
-    <dgm:txEffectClrLst/>
-  </dgm:styleLbl>
-  <dgm:styleLbl name="node2">
-    <dgm:fillClrLst>
-      <a:schemeClr val="accent6"/>
-    </dgm:fillClrLst>
-    <dgm:linClrLst meth="repeat">
-      <a:schemeClr val="lt1"/>
-    </dgm:linClrLst>
-    <dgm:effectClrLst/>
-    <dgm:txLinClrLst/>
-    <dgm:txFillClrLst/>
-    <dgm:txEffectClrLst/>
-  </dgm:styleLbl>
-  <dgm:styleLbl name="node3">
-    <dgm:fillClrLst>
-      <a:schemeClr val="accent1"/>
-    </dgm:fillClrLst>
-    <dgm:linClrLst meth="repeat">
-      <a:schemeClr val="lt1"/>
-    </dgm:linClrLst>
-    <dgm:effectClrLst/>
-    <dgm:txLinClrLst/>
-    <dgm:txFillClrLst/>
-    <dgm:txEffectClrLst/>
-  </dgm:styleLbl>
-  <dgm:styleLbl name="node4">
-    <dgm:fillClrLst>
-      <a:schemeClr val="accent2"/>
-    </dgm:fillClrLst>
-    <dgm:linClrLst meth="repeat">
-      <a:schemeClr val="lt1"/>
-    </dgm:linClrLst>
-    <dgm:effectClrLst/>
-    <dgm:txLinClrLst/>
-    <dgm:txFillClrLst/>
-    <dgm:txEffectClrLst/>
-  </dgm:styleLbl>
-  <dgm:styleLbl name="fgImgPlace1">
-    <dgm:fillClrLst>
-      <a:schemeClr val="accent5">
-        <a:tint val="50000"/>
-      </a:schemeClr>
-      <a:schemeClr val="accent6">
-        <a:tint val="50000"/>
-      </a:schemeClr>
-    </dgm:fillClrLst>
-    <dgm:linClrLst meth="repeat">
-      <a:schemeClr val="lt1"/>
-    </dgm:linClrLst>
-    <dgm:effectClrLst/>
-    <dgm:txLinClrLst/>
-    <dgm:txFillClrLst meth="repeat">
-      <a:schemeClr val="lt1"/>
-    </dgm:txFillClrLst>
-    <dgm:txEffectClrLst/>
-  </dgm:styleLbl>
-  <dgm:styleLbl name="alignImgPlace1">
-    <dgm:fillClrLst>
-      <a:schemeClr val="accent5">
-        <a:tint val="50000"/>
-      </a:schemeClr>
-      <a:schemeClr val="accent6">
-        <a:tint val="20000"/>
-      </a:schemeClr>
-    </dgm:fillClrLst>
-    <dgm:linClrLst meth="repeat">
-      <a:schemeClr val="lt1"/>
-    </dgm:linClrLst>
-    <dgm:effectClrLst/>
-    <dgm:txLinClrLst/>
-    <dgm:txFillClrLst meth="repeat">
-      <a:schemeClr val="lt1"/>
-    </dgm:txFillClrLst>
-    <dgm:txEffectClrLst/>
-  </dgm:styleLbl>
-  <dgm:styleLbl name="bgImgPlace1">
-    <dgm:fillClrLst>
-      <a:schemeClr val="accent5">
-        <a:tint val="50000"/>
-      </a:schemeClr>
-      <a:schemeClr val="accent6">
-        <a:tint val="20000"/>
-      </a:schemeClr>
-    </dgm:fillClrLst>
-    <dgm:linClrLst meth="repeat">
-      <a:schemeClr val="lt1"/>
-    </dgm:linClrLst>
-    <dgm:effectClrLst/>
-    <dgm:txLinClrLst/>
-    <dgm:txFillClrLst meth="repeat">
-      <a:schemeClr val="lt1"/>
-    </dgm:txFillClrLst>
-    <dgm:txEffectClrLst/>
-  </dgm:styleLbl>
-  <dgm:styleLbl name="sibTrans2D1">
-    <dgm:fillClrLst>
-      <a:schemeClr val="accent5"/>
-      <a:schemeClr val="accent6"/>
-    </dgm:fillClrLst>
-    <dgm:linClrLst meth="repeat">
-      <a:schemeClr val="lt1"/>
-    </dgm:linClrLst>
-    <dgm:effectClrLst/>
-    <dgm:txLinClrLst/>
-    <dgm:txFillClrLst/>
-    <dgm:txEffectClrLst/>
-  </dgm:styleLbl>
-  <dgm:styleLbl name="fgSibTrans2D1">
-    <dgm:fillClrLst>
-      <a:schemeClr val="accent5"/>
-      <a:schemeClr val="accent6"/>
-    </dgm:fillClrLst>
-    <dgm:linClrLst meth="repeat">
-      <a:schemeClr val="lt1"/>
-    </dgm:linClrLst>
-    <dgm:effectClrLst/>
-    <dgm:txLinClrLst/>
-    <dgm:txFillClrLst meth="repeat">
-      <a:schemeClr val="lt1"/>
-    </dgm:txFillClrLst>
-    <dgm:txEffectClrLst/>
-  </dgm:styleLbl>
-  <dgm:styleLbl name="bgSibTrans2D1">
-    <dgm:fillClrLst>
-      <a:schemeClr val="accent5"/>
-      <a:schemeClr val="accent6"/>
-    </dgm:fillClrLst>
-    <dgm:linClrLst meth="repeat">
-      <a:schemeClr val="lt1"/>
-    </dgm:linClrLst>
-    <dgm:effectClrLst/>
-    <dgm:txLinClrLst/>
-    <dgm:txFillClrLst meth="repeat">
-      <a:schemeClr val="lt1"/>
-    </dgm:txFillClrLst>
-    <dgm:txEffectClrLst/>
-  </dgm:styleLbl>
-  <dgm:styleLbl name="sibTrans1D1">
-    <dgm:fillClrLst/>
-    <dgm:linClrLst>
-      <a:schemeClr val="accent5"/>
-      <a:schemeClr val="accent6"/>
-    </dgm:linClrLst>
-    <dgm:effectClrLst/>
-    <dgm:txLinClrLst/>
-    <dgm:txFillClrLst meth="repeat">
-      <a:schemeClr val="tx1"/>
-    </dgm:txFillClrLst>
-    <dgm:txEffectClrLst/>
-  </dgm:styleLbl>
-  <dgm:styleLbl name="callout">
-    <dgm:fillClrLst meth="repeat">
-      <a:schemeClr val="accent5"/>
-    </dgm:fillClrLst>
-    <dgm:linClrLst meth="repeat">
-      <a:schemeClr val="accent5">
-        <a:tint val="50000"/>
-      </a:schemeClr>
-    </dgm:linClrLst>
-    <dgm:effectClrLst/>
-    <dgm:txLinClrLst/>
-    <dgm:txFillClrLst meth="repeat">
-      <a:schemeClr val="tx1"/>
-    </dgm:txFillClrLst>
-    <dgm:txEffectClrLst/>
-  </dgm:styleLbl>
-  <dgm:styleLbl name="asst0">
-    <dgm:fillClrLst meth="repeat">
-      <a:schemeClr val="accent5"/>
-    </dgm:fillClrLst>
-    <dgm:linClrLst meth="repeat">
-      <a:schemeClr val="lt1">
-        <a:shade val="80000"/>
-      </a:schemeClr>
-    </dgm:linClrLst>
-    <dgm:effectClrLst/>
-    <dgm:txLinClrLst/>
-    <dgm:txFillClrLst/>
-    <dgm:txEffectClrLst/>
-  </dgm:styleLbl>
-  <dgm:styleLbl name="asst1">
-    <dgm:fillClrLst meth="repeat">
-      <a:schemeClr val="accent6"/>
-    </dgm:fillClrLst>
-    <dgm:linClrLst meth="repeat">
-      <a:schemeClr val="lt1">
-        <a:shade val="80000"/>
-      </a:schemeClr>
-    </dgm:linClrLst>
-    <dgm:effectClrLst/>
-    <dgm:txLinClrLst/>
-    <dgm:txFillClrLst/>
-    <dgm:txEffectClrLst/>
-  </dgm:styleLbl>
-  <dgm:styleLbl name="asst2">
-    <dgm:fillClrLst>
-      <a:schemeClr val="accent1"/>
-    </dgm:fillClrLst>
-    <dgm:linClrLst meth="repeat">
-      <a:schemeClr val="lt1"/>
-    </dgm:linClrLst>
-    <dgm:effectClrLst/>
-    <dgm:txLinClrLst/>
-    <dgm:txFillClrLst/>
-    <dgm:txEffectClrLst/>
-  </dgm:styleLbl>
-  <dgm:styleLbl name="asst3">
-    <dgm:fillClrLst>
-      <a:schemeClr val="accent2"/>
-    </dgm:fillClrLst>
-    <dgm:linClrLst meth="repeat">
-      <a:schemeClr val="lt1"/>
-    </dgm:linClrLst>
-    <dgm:effectClrLst/>
-    <dgm:txLinClrLst/>
-    <dgm:txFillClrLst/>
-    <dgm:txEffectClrLst/>
-  </dgm:styleLbl>
-  <dgm:styleLbl name="asst4">
-    <dgm:fillClrLst>
-      <a:schemeClr val="accent3"/>
-    </dgm:fillClrLst>
-    <dgm:linClrLst meth="repeat">
-      <a:schemeClr val="lt1"/>
-    </dgm:linClrLst>
-    <dgm:effectClrLst/>
-    <dgm:txLinClrLst/>
-    <dgm:txFillClrLst/>
-    <dgm:txEffectClrLst/>
-  </dgm:styleLbl>
-  <dgm:styleLbl name="parChTrans2D1">
-    <dgm:fillClrLst meth="repeat">
-      <a:schemeClr val="accent5"/>
-    </dgm:fillClrLst>
-    <dgm:linClrLst meth="repeat">
-      <a:schemeClr val="lt1"/>
-    </dgm:linClrLst>
-    <dgm:effectClrLst/>
-    <dgm:txLinClrLst/>
-    <dgm:txFillClrLst meth="repeat">
-      <a:schemeClr val="lt1"/>
-    </dgm:txFillClrLst>
-    <dgm:txEffectClrLst/>
-  </dgm:styleLbl>
-  <dgm:styleLbl name="parChTrans2D2">
-    <dgm:fillClrLst meth="repeat">
-      <a:schemeClr val="accent6"/>
-    </dgm:fillClrLst>
-    <dgm:linClrLst meth="repeat">
-      <a:schemeClr val="lt1"/>
-    </dgm:linClrLst>
-    <dgm:effectClrLst/>
-    <dgm:txLinClrLst/>
-    <dgm:txFillClrLst/>
-    <dgm:txEffectClrLst/>
-  </dgm:styleLbl>
-  <dgm:styleLbl name="parChTrans2D3">
-    <dgm:fillClrLst meth="repeat">
-      <a:schemeClr val="accent6"/>
-    </dgm:fillClrLst>
-    <dgm:linClrLst meth="repeat">
-      <a:schemeClr val="lt1"/>
-    </dgm:linClrLst>
-    <dgm:effectClrLst/>
-    <dgm:txLinClrLst/>
-    <dgm:txFillClrLst/>
-    <dgm:txEffectClrLst/>
-  </dgm:styleLbl>
-  <dgm:styleLbl name="parChTrans2D4">
-    <dgm:fillClrLst meth="repeat">
-      <a:schemeClr val="accent1"/>
-    </dgm:fillClrLst>
-    <dgm:linClrLst meth="repeat">
-      <a:schemeClr val="lt1"/>
-    </dgm:linClrLst>
-    <dgm:effectClrLst/>
-    <dgm:txLinClrLst/>
-    <dgm:txFillClrLst meth="repeat">
-      <a:schemeClr val="lt1"/>
-    </dgm:txFillClrLst>
-    <dgm:txEffectClrLst/>
-  </dgm:styleLbl>
-  <dgm:styleLbl name="parChTrans1D1">
-    <dgm:fillClrLst meth="repeat">
-      <a:schemeClr val="accent5"/>
-    </dgm:fillClrLst>
-    <dgm:linClrLst meth="repeat">
-      <a:schemeClr val="accent5"/>
-    </dgm:linClrLst>
-    <dgm:effectClrLst/>
-    <dgm:txLinClrLst/>
-    <dgm:txFillClrLst meth="repeat">
-      <a:schemeClr val="tx1"/>
-    </dgm:txFillClrLst>
-    <dgm:txEffectClrLst/>
-  </dgm:styleLbl>
-  <dgm:styleLbl name="parChTrans1D2">
-    <dgm:fillClrLst meth="repeat">
-      <a:schemeClr val="accent6">
-        <a:tint val="90000"/>
-      </a:schemeClr>
-    </dgm:fillClrLst>
-    <dgm:linClrLst meth="repeat">
-      <a:schemeClr val="accent6"/>
-    </dgm:linClrLst>
-    <dgm:effectClrLst/>
-    <dgm:txLinClrLst/>
-    <dgm:txFillClrLst meth="repeat">
-      <a:schemeClr val="tx1"/>
-    </dgm:txFillClrLst>
-    <dgm:txEffectClrLst/>
-  </dgm:styleLbl>
-  <dgm:styleLbl name="parChTrans1D3">
-    <dgm:fillClrLst meth="repeat">
-      <a:schemeClr val="accent6">
-        <a:tint val="70000"/>
-      </a:schemeClr>
-    </dgm:fillClrLst>
-    <dgm:linClrLst meth="repeat">
-      <a:schemeClr val="accent1"/>
-    </dgm:linClrLst>
-    <dgm:effectClrLst/>
-    <dgm:txLinClrLst/>
-    <dgm:txFillClrLst meth="repeat">
-      <a:schemeClr val="tx1"/>
-    </dgm:txFillClrLst>
-    <dgm:txEffectClrLst/>
-  </dgm:styleLbl>
-  <dgm:styleLbl name="parChTrans1D4">
-    <dgm:fillClrLst meth="repeat">
-      <a:schemeClr val="accent6">
-        <a:tint val="50000"/>
-      </a:schemeClr>
-    </dgm:fillClrLst>
-    <dgm:linClrLst meth="repeat">
-      <a:schemeClr val="accent2"/>
-    </dgm:linClrLst>
-    <dgm:effectClrLst/>
-    <dgm:txLinClrLst/>
-    <dgm:txFillClrLst meth="repeat">
-      <a:schemeClr val="tx1"/>
-    </dgm:txFillClrLst>
-    <dgm:txEffectClrLst/>
-  </dgm:styleLbl>
-  <dgm:styleLbl name="fgAcc1">
-    <dgm:fillClrLst meth="repeat">
-      <a:schemeClr val="lt1">
-        <a:alpha val="90000"/>
-      </a:schemeClr>
-    </dgm:fillClrLst>
-    <dgm:linClrLst>
-      <a:schemeClr val="accent5"/>
-      <a:schemeClr val="accent6"/>
-    </dgm:linClrLst>
-    <dgm:effectClrLst/>
-    <dgm:txLinClrLst/>
-    <dgm:txFillClrLst meth="repeat">
-      <a:schemeClr val="dk1"/>
-    </dgm:txFillClrLst>
-    <dgm:txEffectClrLst/>
-  </dgm:styleLbl>
-  <dgm:styleLbl name="conFgAcc1">
-    <dgm:fillClrLst meth="repeat">
-      <a:schemeClr val="lt1">
-        <a:alpha val="90000"/>
-      </a:schemeClr>
-    </dgm:fillClrLst>
-    <dgm:linClrLst>
-      <a:schemeClr val="accent5"/>
-      <a:schemeClr val="accent6"/>
-    </dgm:linClrLst>
-    <dgm:effectClrLst/>
-    <dgm:txLinClrLst/>
-    <dgm:txFillClrLst meth="repeat">
-      <a:schemeClr val="dk1"/>
-    </dgm:txFillClrLst>
-    <dgm:txEffectClrLst/>
-  </dgm:styleLbl>
-  <dgm:styleLbl name="alignAcc1">
-    <dgm:fillClrLst meth="repeat">
-      <a:schemeClr val="lt1">
-        <a:alpha val="90000"/>
-      </a:schemeClr>
-    </dgm:fillClrLst>
-    <dgm:linClrLst>
-      <a:schemeClr val="accent5"/>
-      <a:schemeClr val="accent6"/>
-    </dgm:linClrLst>
-    <dgm:effectClrLst/>
-    <dgm:txLinClrLst/>
-    <dgm:txFillClrLst meth="repeat">
-      <a:schemeClr val="dk1"/>
-    </dgm:txFillClrLst>
-    <dgm:txEffectClrLst/>
-  </dgm:styleLbl>
-  <dgm:styleLbl name="trAlignAcc1">
-    <dgm:fillClrLst meth="repeat">
-      <a:schemeClr val="lt1">
-        <a:alpha val="40000"/>
-      </a:schemeClr>
-    </dgm:fillClrLst>
-    <dgm:linClrLst meth="repeat">
-      <a:schemeClr val="accent5"/>
-    </dgm:linClrLst>
-    <dgm:effectClrLst/>
-    <dgm:txLinClrLst/>
-    <dgm:txFillClrLst meth="repeat">
-      <a:schemeClr val="dk1"/>
-    </dgm:txFillClrLst>
-    <dgm:txEffectClrLst/>
-  </dgm:styleLbl>
-  <dgm:styleLbl name="bgAcc1">
-    <dgm:fillClrLst meth="repeat">
-      <a:schemeClr val="lt1">
-        <a:alpha val="90000"/>
-      </a:schemeClr>
-    </dgm:fillClrLst>
-    <dgm:linClrLst>
-      <a:schemeClr val="accent5"/>
-      <a:schemeClr val="accent6"/>
-    </dgm:linClrLst>
-    <dgm:effectClrLst/>
-    <dgm:txLinClrLst/>
-    <dgm:txFillClrLst meth="repeat">
-      <a:schemeClr val="dk1"/>
-    </dgm:txFillClrLst>
-    <dgm:txEffectClrLst/>
-  </dgm:styleLbl>
-  <dgm:styleLbl name="solidFgAcc1">
-    <dgm:fillClrLst meth="repeat">
-      <a:schemeClr val="lt1"/>
-    </dgm:fillClrLst>
-    <dgm:linClrLst>
-      <a:schemeClr val="accent5"/>
-      <a:schemeClr val="accent6"/>
-    </dgm:linClrLst>
-    <dgm:effectClrLst/>
-    <dgm:txLinClrLst/>
-    <dgm:txFillClrLst meth="repeat">
-      <a:schemeClr val="dk1"/>
-    </dgm:txFillClrLst>
-    <dgm:txEffectClrLst/>
-  </dgm:styleLbl>
-  <dgm:styleLbl name="solidAlignAcc1">
-    <dgm:fillClrLst meth="repeat">
-      <a:schemeClr val="lt1"/>
-    </dgm:fillClrLst>
-    <dgm:linClrLst>
-      <a:schemeClr val="accent5"/>
-      <a:schemeClr val="accent6"/>
-    </dgm:linClrLst>
-    <dgm:effectClrLst/>
-    <dgm:txLinClrLst/>
-    <dgm:txFillClrLst meth="repeat">
-      <a:schemeClr val="dk1"/>
-    </dgm:txFillClrLst>
-    <dgm:txEffectClrLst/>
-  </dgm:styleLbl>
-  <dgm:styleLbl name="solidBgAcc1">
-    <dgm:fillClrLst meth="repeat">
-      <a:schemeClr val="lt1"/>
-    </dgm:fillClrLst>
-    <dgm:linClrLst>
-      <a:schemeClr val="accent5"/>
-      <a:schemeClr val="accent6"/>
-    </dgm:linClrLst>
-    <dgm:effectClrLst/>
-    <dgm:txLinClrLst/>
-    <dgm:txFillClrLst meth="repeat">
-      <a:schemeClr val="dk1"/>
-    </dgm:txFillClrLst>
-    <dgm:txEffectClrLst/>
-  </dgm:styleLbl>
-  <dgm:styleLbl name="fgAccFollowNode1">
-    <dgm:fillClrLst>
-      <a:schemeClr val="accent5">
-        <a:tint val="40000"/>
-        <a:alpha val="90000"/>
-      </a:schemeClr>
-      <a:schemeClr val="accent6">
-        <a:tint val="40000"/>
-        <a:alpha val="90000"/>
-      </a:schemeClr>
-    </dgm:fillClrLst>
-    <dgm:linClrLst>
-      <a:schemeClr val="accent5">
-        <a:tint val="40000"/>
-        <a:alpha val="90000"/>
-      </a:schemeClr>
-      <a:schemeClr val="accent5">
-        <a:tint val="40000"/>
-        <a:alpha val="90000"/>
-      </a:schemeClr>
-    </dgm:linClrLst>
-    <dgm:effectClrLst/>
-    <dgm:txLinClrLst/>
-    <dgm:txFillClrLst meth="repeat">
-      <a:schemeClr val="dk1"/>
-    </dgm:txFillClrLst>
-    <dgm:txEffectClrLst/>
-  </dgm:styleLbl>
-  <dgm:styleLbl name="alignAccFollowNode1">
-    <dgm:fillClrLst>
-      <a:schemeClr val="accent5">
-        <a:tint val="40000"/>
-        <a:alpha val="90000"/>
-      </a:schemeClr>
-      <a:schemeClr val="accent6">
-        <a:tint val="40000"/>
-        <a:alpha val="90000"/>
-      </a:schemeClr>
-    </dgm:fillClrLst>
-    <dgm:linClrLst>
-      <a:schemeClr val="accent5">
-        <a:tint val="40000"/>
-        <a:alpha val="90000"/>
-      </a:schemeClr>
-      <a:schemeClr val="accent6">
-        <a:tint val="40000"/>
-        <a:alpha val="90000"/>
-      </a:schemeClr>
-    </dgm:linClrLst>
-    <dgm:effectClrLst/>
-    <dgm:txLinClrLst/>
-    <dgm:txFillClrLst meth="repeat">
-      <a:schemeClr val="dk1"/>
-    </dgm:txFillClrLst>
-    <dgm:txEffectClrLst/>
-  </dgm:styleLbl>
-  <dgm:styleLbl name="bgAccFollowNode1">
-    <dgm:fillClrLst>
-      <a:schemeClr val="accent5">
-        <a:tint val="40000"/>
-        <a:alpha val="90000"/>
-      </a:schemeClr>
-      <a:schemeClr val="accent6">
-        <a:tint val="40000"/>
-        <a:alpha val="90000"/>
-      </a:schemeClr>
-    </dgm:fillClrLst>
-    <dgm:linClrLst>
-      <a:schemeClr val="accent5">
-        <a:tint val="40000"/>
-        <a:alpha val="90000"/>
-      </a:schemeClr>
-      <a:schemeClr val="accent6">
-        <a:tint val="40000"/>
-        <a:alpha val="90000"/>
-      </a:schemeClr>
-    </dgm:linClrLst>
-    <dgm:effectClrLst/>
-    <dgm:txLinClrLst/>
-    <dgm:txFillClrLst meth="repeat">
-      <a:schemeClr val="dk1"/>
-    </dgm:txFillClrLst>
-    <dgm:txEffectClrLst/>
-  </dgm:styleLbl>
-  <dgm:styleLbl name="fgAcc0">
-    <dgm:fillClrLst meth="repeat">
-      <a:schemeClr val="lt1">
-        <a:alpha val="90000"/>
-      </a:schemeClr>
-    </dgm:fillClrLst>
-    <dgm:linClrLst>
-      <a:schemeClr val="accent4"/>
-    </dgm:linClrLst>
-    <dgm:effectClrLst/>
-    <dgm:txLinClrLst/>
-    <dgm:txFillClrLst meth="repeat">
-      <a:schemeClr val="dk1"/>
-    </dgm:txFillClrLst>
-    <dgm:txEffectClrLst/>
-  </dgm:styleLbl>
-  <dgm:styleLbl name="fgAcc2">
-    <dgm:fillClrLst meth="repeat">
-      <a:schemeClr val="lt1">
-        <a:alpha val="90000"/>
-      </a:schemeClr>
-    </dgm:fillClrLst>
-    <dgm:linClrLst>
-      <a:schemeClr val="accent6"/>
-    </dgm:linClrLst>
-    <dgm:effectClrLst/>
-    <dgm:txLinClrLst/>
-    <dgm:txFillClrLst meth="repeat">
-      <a:schemeClr val="dk1"/>
-    </dgm:txFillClrLst>
-    <dgm:txEffectClrLst/>
-  </dgm:styleLbl>
-  <dgm:styleLbl name="fgAcc3">
-    <dgm:fillClrLst meth="repeat">
-      <a:schemeClr val="lt1">
-        <a:alpha val="90000"/>
-      </a:schemeClr>
-    </dgm:fillClrLst>
-    <dgm:linClrLst>
-      <a:schemeClr val="accent1"/>
-    </dgm:linClrLst>
-    <dgm:effectClrLst/>
-    <dgm:txLinClrLst/>
-    <dgm:txFillClrLst meth="repeat">
-      <a:schemeClr val="dk1"/>
-    </dgm:txFillClrLst>
-    <dgm:txEffectClrLst/>
-  </dgm:styleLbl>
-  <dgm:styleLbl name="fgAcc4">
-    <dgm:fillClrLst meth="repeat">
-      <a:schemeClr val="lt1">
-        <a:alpha val="90000"/>
-      </a:schemeClr>
-    </dgm:fillClrLst>
-    <dgm:linClrLst>
-      <a:schemeClr val="accent2"/>
-    </dgm:linClrLst>
-    <dgm:effectClrLst/>
-    <dgm:txLinClrLst/>
-    <dgm:txFillClrLst meth="repeat">
-      <a:schemeClr val="dk1"/>
-    </dgm:txFillClrLst>
-    <dgm:txEffectClrLst/>
-  </dgm:styleLbl>
-  <dgm:styleLbl name="bgShp">
-    <dgm:fillClrLst meth="repeat">
-      <a:schemeClr val="accent5">
-        <a:tint val="40000"/>
-      </a:schemeClr>
-    </dgm:fillClrLst>
-    <dgm:linClrLst meth="repeat">
-      <a:schemeClr val="dk1"/>
-    </dgm:linClrLst>
-    <dgm:effectClrLst/>
-    <dgm:txLinClrLst/>
-    <dgm:txFillClrLst meth="repeat">
-      <a:schemeClr val="dk1"/>
-    </dgm:txFillClrLst>
-    <dgm:txEffectClrLst/>
-  </dgm:styleLbl>
-  <dgm:styleLbl name="dkBgShp">
-    <dgm:fillClrLst meth="repeat">
-      <a:schemeClr val="accent5">
-        <a:shade val="90000"/>
-      </a:schemeClr>
-    </dgm:fillClrLst>
-    <dgm:linClrLst meth="repeat">
-      <a:schemeClr val="dk1"/>
-    </dgm:linClrLst>
-    <dgm:effectClrLst/>
-    <dgm:txLinClrLst/>
-    <dgm:txFillClrLst meth="repeat">
-      <a:schemeClr val="lt1"/>
-    </dgm:txFillClrLst>
-    <dgm:txEffectClrLst/>
-  </dgm:styleLbl>
-  <dgm:styleLbl name="trBgShp">
-    <dgm:fillClrLst meth="repeat">
-      <a:schemeClr val="accent5">
-        <a:tint val="50000"/>
-        <a:alpha val="40000"/>
-      </a:schemeClr>
-    </dgm:fillClrLst>
-    <dgm:linClrLst meth="repeat">
-      <a:schemeClr val="accent5"/>
-    </dgm:linClrLst>
-    <dgm:effectClrLst/>
-    <dgm:txLinClrLst/>
-    <dgm:txFillClrLst meth="repeat">
-      <a:schemeClr val="lt1"/>
-    </dgm:txFillClrLst>
-    <dgm:txEffectClrLst/>
-  </dgm:styleLbl>
-  <dgm:styleLbl name="fgShp">
-    <dgm:fillClrLst meth="repeat">
-      <a:schemeClr val="accent5">
-        <a:tint val="40000"/>
-      </a:schemeClr>
-    </dgm:fillClrLst>
-    <dgm:linClrLst meth="repeat">
-      <a:schemeClr val="lt1"/>
-    </dgm:linClrLst>
-    <dgm:effectClrLst/>
-    <dgm:txLinClrLst/>
-    <dgm:txFillClrLst meth="repeat">
-      <a:schemeClr val="dk1"/>
-    </dgm:txFillClrLst>
-    <dgm:txEffectClrLst/>
-  </dgm:styleLbl>
-  <dgm:styleLbl name="revTx">
-    <dgm:fillClrLst meth="repeat">
-      <a:schemeClr val="lt1">
-        <a:alpha val="0"/>
-      </a:schemeClr>
-    </dgm:fillClrLst>
-    <dgm:linClrLst meth="repeat">
-      <a:schemeClr val="dk1">
-        <a:alpha val="0"/>
-      </a:schemeClr>
-    </dgm:linClrLst>
-    <dgm:effectClrLst/>
-    <dgm:txLinClrLst/>
-    <dgm:txFillClrLst meth="repeat">
-      <a:schemeClr val="tx1"/>
-    </dgm:txFillClrLst>
-    <dgm:txEffectClrLst/>
-  </dgm:styleLbl>
-</dgm:colorsDef>
-</file>
-
 <file path=ppt/diagrams/data1.xml><?xml version="1.0" encoding="utf-8"?>
 <dgm:dataModel xmlns:dgm="http://schemas.openxmlformats.org/drawingml/2006/diagram" xmlns:a="http://schemas.openxmlformats.org/drawingml/2006/main">
   <dgm:ptLst>
@@ -4434,522 +3645,6 @@
   <dgm:extLst>
     <a:ext uri="http://schemas.microsoft.com/office/drawing/2008/diagram">
       <dsp:dataModelExt xmlns:dsp="http://schemas.microsoft.com/office/drawing/2008/diagram" relId="rId6" minVer="http://schemas.openxmlformats.org/drawingml/2006/diagram"/>
-    </a:ext>
-  </dgm:extLst>
-</dgm:dataModel>
-</file>
-
-<file path=ppt/diagrams/data2.xml><?xml version="1.0" encoding="utf-8"?>
-<dgm:dataModel xmlns:dgm="http://schemas.openxmlformats.org/drawingml/2006/diagram" xmlns:a="http://schemas.openxmlformats.org/drawingml/2006/main">
-  <dgm:ptLst>
-    <dgm:pt modelId="{2995E7B9-F228-4E23-8AB5-ED3D79865B2B}" type="doc">
-      <dgm:prSet loTypeId="urn:microsoft.com/office/officeart/2005/8/layout/vList3" loCatId="list" qsTypeId="urn:microsoft.com/office/officeart/2005/8/quickstyle/simple1" qsCatId="simple" csTypeId="urn:microsoft.com/office/officeart/2005/8/colors/colorful5" csCatId="colorful" phldr="1"/>
-      <dgm:spPr/>
-      <dgm:t>
-        <a:bodyPr/>
-        <a:lstStyle/>
-        <a:p>
-          <a:endParaRPr lang="de-AT"/>
-        </a:p>
-      </dgm:t>
-    </dgm:pt>
-    <dgm:pt modelId="{7EA28BC1-777F-4623-B7BB-A8505C221BE8}">
-      <dgm:prSet/>
-      <dgm:spPr/>
-      <dgm:t>
-        <a:bodyPr/>
-        <a:lstStyle/>
-        <a:p>
-          <a:r>
-            <a:rPr lang="de-AT"/>
-            <a:t>Projektantrag</a:t>
-          </a:r>
-          <a:endParaRPr lang="de-AT" dirty="0"/>
-        </a:p>
-      </dgm:t>
-    </dgm:pt>
-    <dgm:pt modelId="{998A701A-3F2F-4C93-B47E-1EA06010BB19}" type="parTrans" cxnId="{6FF6F6DC-68E3-4BE5-8887-49391D55749F}">
-      <dgm:prSet/>
-      <dgm:spPr/>
-      <dgm:t>
-        <a:bodyPr/>
-        <a:lstStyle/>
-        <a:p>
-          <a:endParaRPr lang="de-AT"/>
-        </a:p>
-      </dgm:t>
-    </dgm:pt>
-    <dgm:pt modelId="{6ADEA764-3100-411D-A835-63292EC4949C}" type="sibTrans" cxnId="{6FF6F6DC-68E3-4BE5-8887-49391D55749F}">
-      <dgm:prSet/>
-      <dgm:spPr/>
-      <dgm:t>
-        <a:bodyPr/>
-        <a:lstStyle/>
-        <a:p>
-          <a:endParaRPr lang="de-AT"/>
-        </a:p>
-      </dgm:t>
-    </dgm:pt>
-    <dgm:pt modelId="{FDE440E9-D2D2-4D4C-BBA7-4D4945E7F72A}">
-      <dgm:prSet/>
-      <dgm:spPr/>
-      <dgm:t>
-        <a:bodyPr/>
-        <a:lstStyle/>
-        <a:p>
-          <a:r>
-            <a:rPr lang="de-AT"/>
-            <a:t>Lastenheft</a:t>
-          </a:r>
-          <a:endParaRPr lang="de-AT" dirty="0"/>
-        </a:p>
-      </dgm:t>
-    </dgm:pt>
-    <dgm:pt modelId="{A99AFE4C-F204-41EC-B556-01400AD34588}" type="parTrans" cxnId="{B25F1B5C-BAB0-4D3C-B251-2A0151B4EEE3}">
-      <dgm:prSet/>
-      <dgm:spPr/>
-      <dgm:t>
-        <a:bodyPr/>
-        <a:lstStyle/>
-        <a:p>
-          <a:endParaRPr lang="de-AT"/>
-        </a:p>
-      </dgm:t>
-    </dgm:pt>
-    <dgm:pt modelId="{854A8992-D8A8-4AAD-B807-C562488711A6}" type="sibTrans" cxnId="{B25F1B5C-BAB0-4D3C-B251-2A0151B4EEE3}">
-      <dgm:prSet/>
-      <dgm:spPr/>
-      <dgm:t>
-        <a:bodyPr/>
-        <a:lstStyle/>
-        <a:p>
-          <a:endParaRPr lang="de-AT"/>
-        </a:p>
-      </dgm:t>
-    </dgm:pt>
-    <dgm:pt modelId="{8DDEA9BF-8E7F-4049-B57B-F011C0C77ABF}">
-      <dgm:prSet/>
-      <dgm:spPr/>
-      <dgm:t>
-        <a:bodyPr/>
-        <a:lstStyle/>
-        <a:p>
-          <a:r>
-            <a:rPr lang="de-AT"/>
-            <a:t>4x Meeting</a:t>
-          </a:r>
-          <a:endParaRPr lang="de-AT" dirty="0"/>
-        </a:p>
-      </dgm:t>
-    </dgm:pt>
-    <dgm:pt modelId="{B591BEA1-5016-48BD-8CD3-30D70EB90E7C}" type="parTrans" cxnId="{CB5D2FE6-C6F5-4C1C-8785-10E0BD82EA83}">
-      <dgm:prSet/>
-      <dgm:spPr/>
-      <dgm:t>
-        <a:bodyPr/>
-        <a:lstStyle/>
-        <a:p>
-          <a:endParaRPr lang="de-AT"/>
-        </a:p>
-      </dgm:t>
-    </dgm:pt>
-    <dgm:pt modelId="{6A4CF2AE-FBA4-4756-ADBB-43B110EC654C}" type="sibTrans" cxnId="{CB5D2FE6-C6F5-4C1C-8785-10E0BD82EA83}">
-      <dgm:prSet/>
-      <dgm:spPr/>
-      <dgm:t>
-        <a:bodyPr/>
-        <a:lstStyle/>
-        <a:p>
-          <a:endParaRPr lang="de-AT"/>
-        </a:p>
-      </dgm:t>
-    </dgm:pt>
-    <dgm:pt modelId="{7C49DAE2-6FE4-4A87-81AB-1FCAC4DCD1AF}">
-      <dgm:prSet/>
-      <dgm:spPr/>
-      <dgm:t>
-        <a:bodyPr/>
-        <a:lstStyle/>
-        <a:p>
-          <a:r>
-            <a:rPr lang="de-AT"/>
-            <a:t>IBM-Cloudzugang</a:t>
-          </a:r>
-          <a:endParaRPr lang="de-AT" dirty="0"/>
-        </a:p>
-      </dgm:t>
-    </dgm:pt>
-    <dgm:pt modelId="{DB576EFD-BD44-4920-B0BF-FDFF6A3BCD66}" type="parTrans" cxnId="{4961EA19-0BE7-45CF-B8B0-BFCADDEDADC8}">
-      <dgm:prSet/>
-      <dgm:spPr/>
-      <dgm:t>
-        <a:bodyPr/>
-        <a:lstStyle/>
-        <a:p>
-          <a:endParaRPr lang="de-AT"/>
-        </a:p>
-      </dgm:t>
-    </dgm:pt>
-    <dgm:pt modelId="{483C55BC-680D-4A6A-991D-26F6C2845F2F}" type="sibTrans" cxnId="{4961EA19-0BE7-45CF-B8B0-BFCADDEDADC8}">
-      <dgm:prSet/>
-      <dgm:spPr/>
-      <dgm:t>
-        <a:bodyPr/>
-        <a:lstStyle/>
-        <a:p>
-          <a:endParaRPr lang="de-AT"/>
-        </a:p>
-      </dgm:t>
-    </dgm:pt>
-    <dgm:pt modelId="{7B53B62C-7E42-4B51-BB47-7EA69DBD7AF8}">
-      <dgm:prSet/>
-      <dgm:spPr/>
-      <dgm:t>
-        <a:bodyPr/>
-        <a:lstStyle/>
-        <a:p>
-          <a:r>
-            <a:rPr lang="de-AT" dirty="0"/>
-            <a:t>Testgateway bekommen</a:t>
-          </a:r>
-        </a:p>
-      </dgm:t>
-    </dgm:pt>
-    <dgm:pt modelId="{CE1A495C-5493-4245-B6A2-C08B02F96A33}" type="parTrans" cxnId="{C5D74568-3E79-4625-BEB1-F715BE283B3A}">
-      <dgm:prSet/>
-      <dgm:spPr/>
-      <dgm:t>
-        <a:bodyPr/>
-        <a:lstStyle/>
-        <a:p>
-          <a:endParaRPr lang="de-AT"/>
-        </a:p>
-      </dgm:t>
-    </dgm:pt>
-    <dgm:pt modelId="{03D57DFA-2240-464E-885B-2C050EA05E7A}" type="sibTrans" cxnId="{C5D74568-3E79-4625-BEB1-F715BE283B3A}">
-      <dgm:prSet/>
-      <dgm:spPr/>
-      <dgm:t>
-        <a:bodyPr/>
-        <a:lstStyle/>
-        <a:p>
-          <a:endParaRPr lang="de-AT"/>
-        </a:p>
-      </dgm:t>
-    </dgm:pt>
-    <dgm:pt modelId="{39B9BCCB-6ED8-4CB2-9ED2-ADC9D536371E}">
-      <dgm:prSet/>
-      <dgm:spPr/>
-      <dgm:t>
-        <a:bodyPr/>
-        <a:lstStyle/>
-        <a:p>
-          <a:r>
-            <a:rPr lang="de-AT"/>
-            <a:t>IOT-Plattformverbindung</a:t>
-          </a:r>
-          <a:endParaRPr lang="de-AT" dirty="0"/>
-        </a:p>
-      </dgm:t>
-    </dgm:pt>
-    <dgm:pt modelId="{570DF385-5CA0-4F52-A561-266092B84F61}" type="parTrans" cxnId="{15B6D4AF-3D0F-4A79-88FA-856D002C03F7}">
-      <dgm:prSet/>
-      <dgm:spPr/>
-      <dgm:t>
-        <a:bodyPr/>
-        <a:lstStyle/>
-        <a:p>
-          <a:endParaRPr lang="de-AT"/>
-        </a:p>
-      </dgm:t>
-    </dgm:pt>
-    <dgm:pt modelId="{DD559188-0471-4EB2-B6CA-87D76BAA2908}" type="sibTrans" cxnId="{15B6D4AF-3D0F-4A79-88FA-856D002C03F7}">
-      <dgm:prSet/>
-      <dgm:spPr/>
-      <dgm:t>
-        <a:bodyPr/>
-        <a:lstStyle/>
-        <a:p>
-          <a:endParaRPr lang="de-AT"/>
-        </a:p>
-      </dgm:t>
-    </dgm:pt>
-    <dgm:pt modelId="{D323A858-AC75-429F-9FC9-DD491A90D46C}" type="pres">
-      <dgm:prSet presAssocID="{2995E7B9-F228-4E23-8AB5-ED3D79865B2B}" presName="linearFlow" presStyleCnt="0">
-        <dgm:presLayoutVars>
-          <dgm:dir/>
-          <dgm:resizeHandles val="exact"/>
-        </dgm:presLayoutVars>
-      </dgm:prSet>
-      <dgm:spPr/>
-    </dgm:pt>
-    <dgm:pt modelId="{24F49D39-244E-48F2-800B-A8BB9B2ED364}" type="pres">
-      <dgm:prSet presAssocID="{7EA28BC1-777F-4623-B7BB-A8505C221BE8}" presName="composite" presStyleCnt="0"/>
-      <dgm:spPr/>
-    </dgm:pt>
-    <dgm:pt modelId="{6535FA68-29A1-48DB-817C-67B71D2360F6}" type="pres">
-      <dgm:prSet presAssocID="{7EA28BC1-777F-4623-B7BB-A8505C221BE8}" presName="imgShp" presStyleLbl="fgImgPlace1" presStyleIdx="0" presStyleCnt="6" custLinFactNeighborX="-62457" custLinFactNeighborY="-138"/>
-      <dgm:spPr>
-        <a:blipFill>
-          <a:blip xmlns:r="http://schemas.openxmlformats.org/officeDocument/2006/relationships" r:embed="rId1">
-            <a:extLst>
-              <a:ext uri="{28A0092B-C50C-407E-A947-70E740481C1C}">
-                <a14:useLocalDpi xmlns:a14="http://schemas.microsoft.com/office/drawing/2010/main" val="0"/>
-              </a:ext>
-              <a:ext uri="{96DAC541-7B7A-43D3-8B79-37D633B846F1}">
-                <asvg:svgBlip xmlns:asvg="http://schemas.microsoft.com/office/drawing/2016/SVG/main" r:embed="rId2"/>
-              </a:ext>
-            </a:extLst>
-          </a:blip>
-          <a:srcRect/>
-          <a:stretch>
-            <a:fillRect/>
-          </a:stretch>
-        </a:blipFill>
-      </dgm:spPr>
-      <dgm:extLst>
-        <a:ext uri="{E40237B7-FDA0-4F09-8148-C483321AD2D9}">
-          <dgm14:cNvPr xmlns:dgm14="http://schemas.microsoft.com/office/drawing/2010/diagram" id="0" name="" descr="Häkchen"/>
-        </a:ext>
-      </dgm:extLst>
-    </dgm:pt>
-    <dgm:pt modelId="{E0CE7F38-9CC7-48F8-8410-3EF8A47EB4F5}" type="pres">
-      <dgm:prSet presAssocID="{7EA28BC1-777F-4623-B7BB-A8505C221BE8}" presName="txShp" presStyleLbl="node1" presStyleIdx="0" presStyleCnt="6">
-        <dgm:presLayoutVars>
-          <dgm:bulletEnabled val="1"/>
-        </dgm:presLayoutVars>
-      </dgm:prSet>
-      <dgm:spPr/>
-    </dgm:pt>
-    <dgm:pt modelId="{C99FA002-280F-493E-8BF9-0DD10B53E224}" type="pres">
-      <dgm:prSet presAssocID="{6ADEA764-3100-411D-A835-63292EC4949C}" presName="spacing" presStyleCnt="0"/>
-      <dgm:spPr/>
-    </dgm:pt>
-    <dgm:pt modelId="{2589F9BF-0E4A-49DB-8B71-AB493C2ED8FF}" type="pres">
-      <dgm:prSet presAssocID="{FDE440E9-D2D2-4D4C-BBA7-4D4945E7F72A}" presName="composite" presStyleCnt="0"/>
-      <dgm:spPr/>
-    </dgm:pt>
-    <dgm:pt modelId="{B1E19C33-93FF-4FB1-83AF-538AE5721C83}" type="pres">
-      <dgm:prSet presAssocID="{FDE440E9-D2D2-4D4C-BBA7-4D4945E7F72A}" presName="imgShp" presStyleLbl="fgImgPlace1" presStyleIdx="1" presStyleCnt="6" custLinFactNeighborX="-65927" custLinFactNeighborY="-1735"/>
-      <dgm:spPr>
-        <a:blipFill rotWithShape="1">
-          <a:blip xmlns:r="http://schemas.openxmlformats.org/officeDocument/2006/relationships" r:embed="rId1">
-            <a:extLst>
-              <a:ext uri="{28A0092B-C50C-407E-A947-70E740481C1C}">
-                <a14:useLocalDpi xmlns:a14="http://schemas.microsoft.com/office/drawing/2010/main" val="0"/>
-              </a:ext>
-              <a:ext uri="{96DAC541-7B7A-43D3-8B79-37D633B846F1}">
-                <asvg:svgBlip xmlns:asvg="http://schemas.microsoft.com/office/drawing/2016/SVG/main" r:embed="rId2"/>
-              </a:ext>
-            </a:extLst>
-          </a:blip>
-          <a:srcRect/>
-          <a:stretch>
-            <a:fillRect/>
-          </a:stretch>
-        </a:blipFill>
-      </dgm:spPr>
-    </dgm:pt>
-    <dgm:pt modelId="{B1C78C55-D75F-4310-A9B1-118883F82119}" type="pres">
-      <dgm:prSet presAssocID="{FDE440E9-D2D2-4D4C-BBA7-4D4945E7F72A}" presName="txShp" presStyleLbl="node1" presStyleIdx="1" presStyleCnt="6">
-        <dgm:presLayoutVars>
-          <dgm:bulletEnabled val="1"/>
-        </dgm:presLayoutVars>
-      </dgm:prSet>
-      <dgm:spPr/>
-    </dgm:pt>
-    <dgm:pt modelId="{B24E3610-BD36-419B-94C1-A4B6D3208174}" type="pres">
-      <dgm:prSet presAssocID="{854A8992-D8A8-4AAD-B807-C562488711A6}" presName="spacing" presStyleCnt="0"/>
-      <dgm:spPr/>
-    </dgm:pt>
-    <dgm:pt modelId="{17B2BE39-5194-41E9-92EE-88279571E530}" type="pres">
-      <dgm:prSet presAssocID="{8DDEA9BF-8E7F-4049-B57B-F011C0C77ABF}" presName="composite" presStyleCnt="0"/>
-      <dgm:spPr/>
-    </dgm:pt>
-    <dgm:pt modelId="{F33739F9-DEE8-444B-A567-2F587BE632F5}" type="pres">
-      <dgm:prSet presAssocID="{8DDEA9BF-8E7F-4049-B57B-F011C0C77ABF}" presName="imgShp" presStyleLbl="fgImgPlace1" presStyleIdx="2" presStyleCnt="6" custLinFactNeighborX="-67663"/>
-      <dgm:spPr>
-        <a:blipFill rotWithShape="1">
-          <a:blip xmlns:r="http://schemas.openxmlformats.org/officeDocument/2006/relationships" r:embed="rId1">
-            <a:extLst>
-              <a:ext uri="{28A0092B-C50C-407E-A947-70E740481C1C}">
-                <a14:useLocalDpi xmlns:a14="http://schemas.microsoft.com/office/drawing/2010/main" val="0"/>
-              </a:ext>
-              <a:ext uri="{96DAC541-7B7A-43D3-8B79-37D633B846F1}">
-                <asvg:svgBlip xmlns:asvg="http://schemas.microsoft.com/office/drawing/2016/SVG/main" r:embed="rId2"/>
-              </a:ext>
-            </a:extLst>
-          </a:blip>
-          <a:srcRect/>
-          <a:stretch>
-            <a:fillRect/>
-          </a:stretch>
-        </a:blipFill>
-      </dgm:spPr>
-    </dgm:pt>
-    <dgm:pt modelId="{B6334D97-88D3-4E1F-92D1-F38ACE798867}" type="pres">
-      <dgm:prSet presAssocID="{8DDEA9BF-8E7F-4049-B57B-F011C0C77ABF}" presName="txShp" presStyleLbl="node1" presStyleIdx="2" presStyleCnt="6">
-        <dgm:presLayoutVars>
-          <dgm:bulletEnabled val="1"/>
-        </dgm:presLayoutVars>
-      </dgm:prSet>
-      <dgm:spPr/>
-    </dgm:pt>
-    <dgm:pt modelId="{51203A28-3A12-488A-98BC-941E55D5F92A}" type="pres">
-      <dgm:prSet presAssocID="{6A4CF2AE-FBA4-4756-ADBB-43B110EC654C}" presName="spacing" presStyleCnt="0"/>
-      <dgm:spPr/>
-    </dgm:pt>
-    <dgm:pt modelId="{A38E0B9C-1A1A-4FE8-9844-F0FB3FE1327E}" type="pres">
-      <dgm:prSet presAssocID="{7C49DAE2-6FE4-4A87-81AB-1FCAC4DCD1AF}" presName="composite" presStyleCnt="0"/>
-      <dgm:spPr/>
-    </dgm:pt>
-    <dgm:pt modelId="{E26F51D7-DC79-4A04-863B-0E96A3BC3EB8}" type="pres">
-      <dgm:prSet presAssocID="{7C49DAE2-6FE4-4A87-81AB-1FCAC4DCD1AF}" presName="imgShp" presStyleLbl="fgImgPlace1" presStyleIdx="3" presStyleCnt="6" custLinFactNeighborX="-74606"/>
-      <dgm:spPr>
-        <a:blipFill rotWithShape="1">
-          <a:blip xmlns:r="http://schemas.openxmlformats.org/officeDocument/2006/relationships" r:embed="rId1">
-            <a:extLst>
-              <a:ext uri="{28A0092B-C50C-407E-A947-70E740481C1C}">
-                <a14:useLocalDpi xmlns:a14="http://schemas.microsoft.com/office/drawing/2010/main" val="0"/>
-              </a:ext>
-              <a:ext uri="{96DAC541-7B7A-43D3-8B79-37D633B846F1}">
-                <asvg:svgBlip xmlns:asvg="http://schemas.microsoft.com/office/drawing/2016/SVG/main" r:embed="rId2"/>
-              </a:ext>
-            </a:extLst>
-          </a:blip>
-          <a:srcRect/>
-          <a:stretch>
-            <a:fillRect/>
-          </a:stretch>
-        </a:blipFill>
-      </dgm:spPr>
-    </dgm:pt>
-    <dgm:pt modelId="{7E5D5B56-AEB3-4165-8102-86E0BB13DA6F}" type="pres">
-      <dgm:prSet presAssocID="{7C49DAE2-6FE4-4A87-81AB-1FCAC4DCD1AF}" presName="txShp" presStyleLbl="node1" presStyleIdx="3" presStyleCnt="6">
-        <dgm:presLayoutVars>
-          <dgm:bulletEnabled val="1"/>
-        </dgm:presLayoutVars>
-      </dgm:prSet>
-      <dgm:spPr/>
-    </dgm:pt>
-    <dgm:pt modelId="{F85B38A1-28ED-4BE4-A172-B147A0070E1F}" type="pres">
-      <dgm:prSet presAssocID="{483C55BC-680D-4A6A-991D-26F6C2845F2F}" presName="spacing" presStyleCnt="0"/>
-      <dgm:spPr/>
-    </dgm:pt>
-    <dgm:pt modelId="{ED1539B4-E7B7-4EE7-90AD-68D6C98F548B}" type="pres">
-      <dgm:prSet presAssocID="{7B53B62C-7E42-4B51-BB47-7EA69DBD7AF8}" presName="composite" presStyleCnt="0"/>
-      <dgm:spPr/>
-    </dgm:pt>
-    <dgm:pt modelId="{4F52923F-0649-45F9-8351-34240CCFC66C}" type="pres">
-      <dgm:prSet presAssocID="{7B53B62C-7E42-4B51-BB47-7EA69DBD7AF8}" presName="imgShp" presStyleLbl="fgImgPlace1" presStyleIdx="4" presStyleCnt="6" custLinFactNeighborX="-72867"/>
-      <dgm:spPr>
-        <a:blipFill rotWithShape="1">
-          <a:blip xmlns:r="http://schemas.openxmlformats.org/officeDocument/2006/relationships" r:embed="rId1">
-            <a:extLst>
-              <a:ext uri="{28A0092B-C50C-407E-A947-70E740481C1C}">
-                <a14:useLocalDpi xmlns:a14="http://schemas.microsoft.com/office/drawing/2010/main" val="0"/>
-              </a:ext>
-              <a:ext uri="{96DAC541-7B7A-43D3-8B79-37D633B846F1}">
-                <asvg:svgBlip xmlns:asvg="http://schemas.microsoft.com/office/drawing/2016/SVG/main" r:embed="rId2"/>
-              </a:ext>
-            </a:extLst>
-          </a:blip>
-          <a:srcRect/>
-          <a:stretch>
-            <a:fillRect/>
-          </a:stretch>
-        </a:blipFill>
-      </dgm:spPr>
-    </dgm:pt>
-    <dgm:pt modelId="{00350B13-8EE7-4DD3-9836-25C761AA2976}" type="pres">
-      <dgm:prSet presAssocID="{7B53B62C-7E42-4B51-BB47-7EA69DBD7AF8}" presName="txShp" presStyleLbl="node1" presStyleIdx="4" presStyleCnt="6">
-        <dgm:presLayoutVars>
-          <dgm:bulletEnabled val="1"/>
-        </dgm:presLayoutVars>
-      </dgm:prSet>
-      <dgm:spPr/>
-    </dgm:pt>
-    <dgm:pt modelId="{5F7C0067-FFF1-4CBF-8E38-3D0EA799A13E}" type="pres">
-      <dgm:prSet presAssocID="{03D57DFA-2240-464E-885B-2C050EA05E7A}" presName="spacing" presStyleCnt="0"/>
-      <dgm:spPr/>
-    </dgm:pt>
-    <dgm:pt modelId="{7784E6E4-3FA7-488F-A403-219E359475FB}" type="pres">
-      <dgm:prSet presAssocID="{39B9BCCB-6ED8-4CB2-9ED2-ADC9D536371E}" presName="composite" presStyleCnt="0"/>
-      <dgm:spPr/>
-    </dgm:pt>
-    <dgm:pt modelId="{468AE6DD-9D8D-4829-A64F-A4FEF049D980}" type="pres">
-      <dgm:prSet presAssocID="{39B9BCCB-6ED8-4CB2-9ED2-ADC9D536371E}" presName="imgShp" presStyleLbl="fgImgPlace1" presStyleIdx="5" presStyleCnt="6" custLinFactNeighborX="-77482" custLinFactNeighborY="-6940"/>
-      <dgm:spPr>
-        <a:blipFill rotWithShape="1">
-          <a:blip xmlns:r="http://schemas.openxmlformats.org/officeDocument/2006/relationships" r:embed="rId1">
-            <a:extLst>
-              <a:ext uri="{28A0092B-C50C-407E-A947-70E740481C1C}">
-                <a14:useLocalDpi xmlns:a14="http://schemas.microsoft.com/office/drawing/2010/main" val="0"/>
-              </a:ext>
-              <a:ext uri="{96DAC541-7B7A-43D3-8B79-37D633B846F1}">
-                <asvg:svgBlip xmlns:asvg="http://schemas.microsoft.com/office/drawing/2016/SVG/main" r:embed="rId2"/>
-              </a:ext>
-            </a:extLst>
-          </a:blip>
-          <a:srcRect/>
-          <a:stretch>
-            <a:fillRect/>
-          </a:stretch>
-        </a:blipFill>
-      </dgm:spPr>
-    </dgm:pt>
-    <dgm:pt modelId="{17312D6C-31FB-42BB-8F19-7A2D2BA5153D}" type="pres">
-      <dgm:prSet presAssocID="{39B9BCCB-6ED8-4CB2-9ED2-ADC9D536371E}" presName="txShp" presStyleLbl="node1" presStyleIdx="5" presStyleCnt="6">
-        <dgm:presLayoutVars>
-          <dgm:bulletEnabled val="1"/>
-        </dgm:presLayoutVars>
-      </dgm:prSet>
-      <dgm:spPr/>
-    </dgm:pt>
-  </dgm:ptLst>
-  <dgm:cxnLst>
-    <dgm:cxn modelId="{6CE58D12-083A-42FD-BDAB-F2F0156706A4}" type="presOf" srcId="{7EA28BC1-777F-4623-B7BB-A8505C221BE8}" destId="{E0CE7F38-9CC7-48F8-8410-3EF8A47EB4F5}" srcOrd="0" destOrd="0" presId="urn:microsoft.com/office/officeart/2005/8/layout/vList3"/>
-    <dgm:cxn modelId="{4961EA19-0BE7-45CF-B8B0-BFCADDEDADC8}" srcId="{2995E7B9-F228-4E23-8AB5-ED3D79865B2B}" destId="{7C49DAE2-6FE4-4A87-81AB-1FCAC4DCD1AF}" srcOrd="3" destOrd="0" parTransId="{DB576EFD-BD44-4920-B0BF-FDFF6A3BCD66}" sibTransId="{483C55BC-680D-4A6A-991D-26F6C2845F2F}"/>
-    <dgm:cxn modelId="{10781424-917D-4C70-B30B-6C7DFC008AFF}" type="presOf" srcId="{FDE440E9-D2D2-4D4C-BBA7-4D4945E7F72A}" destId="{B1C78C55-D75F-4310-A9B1-118883F82119}" srcOrd="0" destOrd="0" presId="urn:microsoft.com/office/officeart/2005/8/layout/vList3"/>
-    <dgm:cxn modelId="{B25F1B5C-BAB0-4D3C-B251-2A0151B4EEE3}" srcId="{2995E7B9-F228-4E23-8AB5-ED3D79865B2B}" destId="{FDE440E9-D2D2-4D4C-BBA7-4D4945E7F72A}" srcOrd="1" destOrd="0" parTransId="{A99AFE4C-F204-41EC-B556-01400AD34588}" sibTransId="{854A8992-D8A8-4AAD-B807-C562488711A6}"/>
-    <dgm:cxn modelId="{C5D74568-3E79-4625-BEB1-F715BE283B3A}" srcId="{2995E7B9-F228-4E23-8AB5-ED3D79865B2B}" destId="{7B53B62C-7E42-4B51-BB47-7EA69DBD7AF8}" srcOrd="4" destOrd="0" parTransId="{CE1A495C-5493-4245-B6A2-C08B02F96A33}" sibTransId="{03D57DFA-2240-464E-885B-2C050EA05E7A}"/>
-    <dgm:cxn modelId="{F21A9A4A-E5E3-4DD5-AA55-9DF8D7257C12}" type="presOf" srcId="{7C49DAE2-6FE4-4A87-81AB-1FCAC4DCD1AF}" destId="{7E5D5B56-AEB3-4165-8102-86E0BB13DA6F}" srcOrd="0" destOrd="0" presId="urn:microsoft.com/office/officeart/2005/8/layout/vList3"/>
-    <dgm:cxn modelId="{0C8E2054-FEA8-46C7-840E-1484F340E50B}" type="presOf" srcId="{8DDEA9BF-8E7F-4049-B57B-F011C0C77ABF}" destId="{B6334D97-88D3-4E1F-92D1-F38ACE798867}" srcOrd="0" destOrd="0" presId="urn:microsoft.com/office/officeart/2005/8/layout/vList3"/>
-    <dgm:cxn modelId="{31107BAD-5D66-49AE-BB3B-8447197A0B0F}" type="presOf" srcId="{39B9BCCB-6ED8-4CB2-9ED2-ADC9D536371E}" destId="{17312D6C-31FB-42BB-8F19-7A2D2BA5153D}" srcOrd="0" destOrd="0" presId="urn:microsoft.com/office/officeart/2005/8/layout/vList3"/>
-    <dgm:cxn modelId="{15B6D4AF-3D0F-4A79-88FA-856D002C03F7}" srcId="{2995E7B9-F228-4E23-8AB5-ED3D79865B2B}" destId="{39B9BCCB-6ED8-4CB2-9ED2-ADC9D536371E}" srcOrd="5" destOrd="0" parTransId="{570DF385-5CA0-4F52-A561-266092B84F61}" sibTransId="{DD559188-0471-4EB2-B6CA-87D76BAA2908}"/>
-    <dgm:cxn modelId="{A030F0B8-7713-46E1-AEF8-EC7FD6F221A3}" type="presOf" srcId="{2995E7B9-F228-4E23-8AB5-ED3D79865B2B}" destId="{D323A858-AC75-429F-9FC9-DD491A90D46C}" srcOrd="0" destOrd="0" presId="urn:microsoft.com/office/officeart/2005/8/layout/vList3"/>
-    <dgm:cxn modelId="{13F413D7-F3B5-418C-AEB4-01EFEF7C77E3}" type="presOf" srcId="{7B53B62C-7E42-4B51-BB47-7EA69DBD7AF8}" destId="{00350B13-8EE7-4DD3-9836-25C761AA2976}" srcOrd="0" destOrd="0" presId="urn:microsoft.com/office/officeart/2005/8/layout/vList3"/>
-    <dgm:cxn modelId="{6FF6F6DC-68E3-4BE5-8887-49391D55749F}" srcId="{2995E7B9-F228-4E23-8AB5-ED3D79865B2B}" destId="{7EA28BC1-777F-4623-B7BB-A8505C221BE8}" srcOrd="0" destOrd="0" parTransId="{998A701A-3F2F-4C93-B47E-1EA06010BB19}" sibTransId="{6ADEA764-3100-411D-A835-63292EC4949C}"/>
-    <dgm:cxn modelId="{CB5D2FE6-C6F5-4C1C-8785-10E0BD82EA83}" srcId="{2995E7B9-F228-4E23-8AB5-ED3D79865B2B}" destId="{8DDEA9BF-8E7F-4049-B57B-F011C0C77ABF}" srcOrd="2" destOrd="0" parTransId="{B591BEA1-5016-48BD-8CD3-30D70EB90E7C}" sibTransId="{6A4CF2AE-FBA4-4756-ADBB-43B110EC654C}"/>
-    <dgm:cxn modelId="{610A4309-CD84-4D49-84FA-664796332D2E}" type="presParOf" srcId="{D323A858-AC75-429F-9FC9-DD491A90D46C}" destId="{24F49D39-244E-48F2-800B-A8BB9B2ED364}" srcOrd="0" destOrd="0" presId="urn:microsoft.com/office/officeart/2005/8/layout/vList3"/>
-    <dgm:cxn modelId="{0D2619BD-A3D5-46FE-85C9-8B85BE194A02}" type="presParOf" srcId="{24F49D39-244E-48F2-800B-A8BB9B2ED364}" destId="{6535FA68-29A1-48DB-817C-67B71D2360F6}" srcOrd="0" destOrd="0" presId="urn:microsoft.com/office/officeart/2005/8/layout/vList3"/>
-    <dgm:cxn modelId="{257638EA-21C9-45D5-A299-7B0388F0383C}" type="presParOf" srcId="{24F49D39-244E-48F2-800B-A8BB9B2ED364}" destId="{E0CE7F38-9CC7-48F8-8410-3EF8A47EB4F5}" srcOrd="1" destOrd="0" presId="urn:microsoft.com/office/officeart/2005/8/layout/vList3"/>
-    <dgm:cxn modelId="{F7B6E442-7F64-491A-8DDC-9B5AB045B541}" type="presParOf" srcId="{D323A858-AC75-429F-9FC9-DD491A90D46C}" destId="{C99FA002-280F-493E-8BF9-0DD10B53E224}" srcOrd="1" destOrd="0" presId="urn:microsoft.com/office/officeart/2005/8/layout/vList3"/>
-    <dgm:cxn modelId="{2D347FA5-1905-46BC-8896-D5D8B00A2547}" type="presParOf" srcId="{D323A858-AC75-429F-9FC9-DD491A90D46C}" destId="{2589F9BF-0E4A-49DB-8B71-AB493C2ED8FF}" srcOrd="2" destOrd="0" presId="urn:microsoft.com/office/officeart/2005/8/layout/vList3"/>
-    <dgm:cxn modelId="{6B9555C7-EEF8-4BDB-91FF-96811748049F}" type="presParOf" srcId="{2589F9BF-0E4A-49DB-8B71-AB493C2ED8FF}" destId="{B1E19C33-93FF-4FB1-83AF-538AE5721C83}" srcOrd="0" destOrd="0" presId="urn:microsoft.com/office/officeart/2005/8/layout/vList3"/>
-    <dgm:cxn modelId="{7786CA0D-892D-4915-9A82-514B0AC9D582}" type="presParOf" srcId="{2589F9BF-0E4A-49DB-8B71-AB493C2ED8FF}" destId="{B1C78C55-D75F-4310-A9B1-118883F82119}" srcOrd="1" destOrd="0" presId="urn:microsoft.com/office/officeart/2005/8/layout/vList3"/>
-    <dgm:cxn modelId="{86FECEB8-1502-4D74-9F6C-C242EF130316}" type="presParOf" srcId="{D323A858-AC75-429F-9FC9-DD491A90D46C}" destId="{B24E3610-BD36-419B-94C1-A4B6D3208174}" srcOrd="3" destOrd="0" presId="urn:microsoft.com/office/officeart/2005/8/layout/vList3"/>
-    <dgm:cxn modelId="{75EA40AC-1BE2-442B-B954-9C53CF7594F9}" type="presParOf" srcId="{D323A858-AC75-429F-9FC9-DD491A90D46C}" destId="{17B2BE39-5194-41E9-92EE-88279571E530}" srcOrd="4" destOrd="0" presId="urn:microsoft.com/office/officeart/2005/8/layout/vList3"/>
-    <dgm:cxn modelId="{9AC80FC9-A269-43B1-AB86-34F78E01DC41}" type="presParOf" srcId="{17B2BE39-5194-41E9-92EE-88279571E530}" destId="{F33739F9-DEE8-444B-A567-2F587BE632F5}" srcOrd="0" destOrd="0" presId="urn:microsoft.com/office/officeart/2005/8/layout/vList3"/>
-    <dgm:cxn modelId="{181AE9A5-2EE7-4ACB-B0F7-62B3C7E1E8E8}" type="presParOf" srcId="{17B2BE39-5194-41E9-92EE-88279571E530}" destId="{B6334D97-88D3-4E1F-92D1-F38ACE798867}" srcOrd="1" destOrd="0" presId="urn:microsoft.com/office/officeart/2005/8/layout/vList3"/>
-    <dgm:cxn modelId="{A1E84E83-0DBF-40FE-8FEE-E48884B0FB58}" type="presParOf" srcId="{D323A858-AC75-429F-9FC9-DD491A90D46C}" destId="{51203A28-3A12-488A-98BC-941E55D5F92A}" srcOrd="5" destOrd="0" presId="urn:microsoft.com/office/officeart/2005/8/layout/vList3"/>
-    <dgm:cxn modelId="{E37A1EEA-D5B3-4526-8D96-9796F608CF72}" type="presParOf" srcId="{D323A858-AC75-429F-9FC9-DD491A90D46C}" destId="{A38E0B9C-1A1A-4FE8-9844-F0FB3FE1327E}" srcOrd="6" destOrd="0" presId="urn:microsoft.com/office/officeart/2005/8/layout/vList3"/>
-    <dgm:cxn modelId="{11527A07-53E1-419B-B609-DD3A9DC3BF85}" type="presParOf" srcId="{A38E0B9C-1A1A-4FE8-9844-F0FB3FE1327E}" destId="{E26F51D7-DC79-4A04-863B-0E96A3BC3EB8}" srcOrd="0" destOrd="0" presId="urn:microsoft.com/office/officeart/2005/8/layout/vList3"/>
-    <dgm:cxn modelId="{479DA5A5-5521-4A40-AADC-63179FA75E21}" type="presParOf" srcId="{A38E0B9C-1A1A-4FE8-9844-F0FB3FE1327E}" destId="{7E5D5B56-AEB3-4165-8102-86E0BB13DA6F}" srcOrd="1" destOrd="0" presId="urn:microsoft.com/office/officeart/2005/8/layout/vList3"/>
-    <dgm:cxn modelId="{6F158AA4-A4D5-4C56-B25B-7E68ED13FCDF}" type="presParOf" srcId="{D323A858-AC75-429F-9FC9-DD491A90D46C}" destId="{F85B38A1-28ED-4BE4-A172-B147A0070E1F}" srcOrd="7" destOrd="0" presId="urn:microsoft.com/office/officeart/2005/8/layout/vList3"/>
-    <dgm:cxn modelId="{4665F5DD-A5A3-4930-8556-308D693D9FB9}" type="presParOf" srcId="{D323A858-AC75-429F-9FC9-DD491A90D46C}" destId="{ED1539B4-E7B7-4EE7-90AD-68D6C98F548B}" srcOrd="8" destOrd="0" presId="urn:microsoft.com/office/officeart/2005/8/layout/vList3"/>
-    <dgm:cxn modelId="{B4DF5A3F-9632-45B9-A36B-8A369B2CBEAC}" type="presParOf" srcId="{ED1539B4-E7B7-4EE7-90AD-68D6C98F548B}" destId="{4F52923F-0649-45F9-8351-34240CCFC66C}" srcOrd="0" destOrd="0" presId="urn:microsoft.com/office/officeart/2005/8/layout/vList3"/>
-    <dgm:cxn modelId="{D795D3E8-B752-4A6B-8EB5-D632613D2FAA}" type="presParOf" srcId="{ED1539B4-E7B7-4EE7-90AD-68D6C98F548B}" destId="{00350B13-8EE7-4DD3-9836-25C761AA2976}" srcOrd="1" destOrd="0" presId="urn:microsoft.com/office/officeart/2005/8/layout/vList3"/>
-    <dgm:cxn modelId="{BAF3995C-2A5A-492B-8464-12D8901921B4}" type="presParOf" srcId="{D323A858-AC75-429F-9FC9-DD491A90D46C}" destId="{5F7C0067-FFF1-4CBF-8E38-3D0EA799A13E}" srcOrd="9" destOrd="0" presId="urn:microsoft.com/office/officeart/2005/8/layout/vList3"/>
-    <dgm:cxn modelId="{20CEE6DE-8AD5-4E4B-B1B5-3E8FD9A207FD}" type="presParOf" srcId="{D323A858-AC75-429F-9FC9-DD491A90D46C}" destId="{7784E6E4-3FA7-488F-A403-219E359475FB}" srcOrd="10" destOrd="0" presId="urn:microsoft.com/office/officeart/2005/8/layout/vList3"/>
-    <dgm:cxn modelId="{DE5C62E7-15A0-4214-ACDD-A41133832B55}" type="presParOf" srcId="{7784E6E4-3FA7-488F-A403-219E359475FB}" destId="{468AE6DD-9D8D-4829-A64F-A4FEF049D980}" srcOrd="0" destOrd="0" presId="urn:microsoft.com/office/officeart/2005/8/layout/vList3"/>
-    <dgm:cxn modelId="{9CF0D0D5-EFAA-4A91-835A-B6616C47D8AE}" type="presParOf" srcId="{7784E6E4-3FA7-488F-A403-219E359475FB}" destId="{17312D6C-31FB-42BB-8F19-7A2D2BA5153D}" srcOrd="1" destOrd="0" presId="urn:microsoft.com/office/officeart/2005/8/layout/vList3"/>
-  </dgm:cxnLst>
-  <dgm:bg/>
-  <dgm:whole/>
-  <dgm:extLst>
-    <a:ext uri="http://schemas.microsoft.com/office/drawing/2008/diagram">
-      <dsp:dataModelExt xmlns:dsp="http://schemas.microsoft.com/office/drawing/2008/diagram" relId="rId9" minVer="http://schemas.openxmlformats.org/drawingml/2006/diagram"/>
     </a:ext>
   </dgm:extLst>
 </dgm:dataModel>
@@ -5215,827 +3910,6 @@
 </dsp:drawing>
 </file>
 
-<file path=ppt/diagrams/drawing2.xml><?xml version="1.0" encoding="utf-8"?>
-<dsp:drawing xmlns:dgm="http://schemas.openxmlformats.org/drawingml/2006/diagram" xmlns:dsp="http://schemas.microsoft.com/office/drawing/2008/diagram" xmlns:a="http://schemas.openxmlformats.org/drawingml/2006/main">
-  <dsp:spTree>
-    <dsp:nvGrpSpPr>
-      <dsp:cNvPr id="0" name=""/>
-      <dsp:cNvGrpSpPr/>
-    </dsp:nvGrpSpPr>
-    <dsp:grpSpPr/>
-    <dsp:sp modelId="{E0CE7F38-9CC7-48F8-8410-3EF8A47EB4F5}">
-      <dsp:nvSpPr>
-        <dsp:cNvPr id="0" name=""/>
-        <dsp:cNvSpPr/>
-      </dsp:nvSpPr>
-      <dsp:spPr>
-        <a:xfrm rot="10800000">
-          <a:off x="1776197" y="946"/>
-          <a:ext cx="6900340" cy="152565"/>
-        </a:xfrm>
-        <a:prstGeom prst="homePlate">
-          <a:avLst/>
-        </a:prstGeom>
-        <a:solidFill>
-          <a:schemeClr val="accent5">
-            <a:hueOff val="0"/>
-            <a:satOff val="0"/>
-            <a:lumOff val="0"/>
-            <a:alphaOff val="0"/>
-          </a:schemeClr>
-        </a:solidFill>
-        <a:ln w="12700" cap="flat" cmpd="sng" algn="ctr">
-          <a:solidFill>
-            <a:schemeClr val="lt1">
-              <a:hueOff val="0"/>
-              <a:satOff val="0"/>
-              <a:lumOff val="0"/>
-              <a:alphaOff val="0"/>
-            </a:schemeClr>
-          </a:solidFill>
-          <a:prstDash val="solid"/>
-          <a:miter lim="800000"/>
-        </a:ln>
-        <a:effectLst/>
-      </dsp:spPr>
-      <dsp:style>
-        <a:lnRef idx="2">
-          <a:scrgbClr r="0" g="0" b="0"/>
-        </a:lnRef>
-        <a:fillRef idx="1">
-          <a:scrgbClr r="0" g="0" b="0"/>
-        </a:fillRef>
-        <a:effectRef idx="0">
-          <a:scrgbClr r="0" g="0" b="0"/>
-        </a:effectRef>
-        <a:fontRef idx="minor">
-          <a:schemeClr val="lt1"/>
-        </a:fontRef>
-      </dsp:style>
-      <dsp:txBody>
-        <a:bodyPr spcFirstLastPara="0" vert="horz" wrap="square" lIns="67277" tIns="26670" rIns="49784" bIns="26670" numCol="1" spcCol="1270" anchor="ctr" anchorCtr="0">
-          <a:noAutofit/>
-        </a:bodyPr>
-        <a:lstStyle/>
-        <a:p>
-          <a:pPr marL="0" lvl="0" indent="0" algn="ctr" defTabSz="311150">
-            <a:lnSpc>
-              <a:spcPct val="90000"/>
-            </a:lnSpc>
-            <a:spcBef>
-              <a:spcPct val="0"/>
-            </a:spcBef>
-            <a:spcAft>
-              <a:spcPct val="35000"/>
-            </a:spcAft>
-            <a:buNone/>
-          </a:pPr>
-          <a:r>
-            <a:rPr lang="de-AT" sz="700" kern="1200"/>
-            <a:t>Projektantrag</a:t>
-          </a:r>
-          <a:endParaRPr lang="de-AT" sz="700" kern="1200" dirty="0"/>
-        </a:p>
-      </dsp:txBody>
-      <dsp:txXfrm rot="10800000">
-        <a:off x="1814338" y="946"/>
-        <a:ext cx="6862199" cy="152565"/>
-      </dsp:txXfrm>
-    </dsp:sp>
-    <dsp:sp modelId="{6535FA68-29A1-48DB-817C-67B71D2360F6}">
-      <dsp:nvSpPr>
-        <dsp:cNvPr id="0" name=""/>
-        <dsp:cNvSpPr/>
-      </dsp:nvSpPr>
-      <dsp:spPr>
-        <a:xfrm>
-          <a:off x="1604626" y="736"/>
-          <a:ext cx="152565" cy="152565"/>
-        </a:xfrm>
-        <a:prstGeom prst="ellipse">
-          <a:avLst/>
-        </a:prstGeom>
-        <a:blipFill>
-          <a:blip xmlns:r="http://schemas.openxmlformats.org/officeDocument/2006/relationships" r:embed="rId1">
-            <a:extLst>
-              <a:ext uri="{28A0092B-C50C-407E-A947-70E740481C1C}">
-                <a14:useLocalDpi xmlns:a14="http://schemas.microsoft.com/office/drawing/2010/main" val="0"/>
-              </a:ext>
-              <a:ext uri="{96DAC541-7B7A-43D3-8B79-37D633B846F1}">
-                <asvg:svgBlip xmlns:asvg="http://schemas.microsoft.com/office/drawing/2016/SVG/main" r:embed="rId2"/>
-              </a:ext>
-            </a:extLst>
-          </a:blip>
-          <a:srcRect/>
-          <a:stretch>
-            <a:fillRect/>
-          </a:stretch>
-        </a:blipFill>
-        <a:ln w="12700" cap="flat" cmpd="sng" algn="ctr">
-          <a:solidFill>
-            <a:schemeClr val="lt1">
-              <a:hueOff val="0"/>
-              <a:satOff val="0"/>
-              <a:lumOff val="0"/>
-              <a:alphaOff val="0"/>
-            </a:schemeClr>
-          </a:solidFill>
-          <a:prstDash val="solid"/>
-          <a:miter lim="800000"/>
-        </a:ln>
-        <a:effectLst/>
-      </dsp:spPr>
-      <dsp:style>
-        <a:lnRef idx="2">
-          <a:scrgbClr r="0" g="0" b="0"/>
-        </a:lnRef>
-        <a:fillRef idx="1">
-          <a:scrgbClr r="0" g="0" b="0"/>
-        </a:fillRef>
-        <a:effectRef idx="0">
-          <a:scrgbClr r="0" g="0" b="0"/>
-        </a:effectRef>
-        <a:fontRef idx="minor"/>
-      </dsp:style>
-    </dsp:sp>
-    <dsp:sp modelId="{B1C78C55-D75F-4310-A9B1-118883F82119}">
-      <dsp:nvSpPr>
-        <dsp:cNvPr id="0" name=""/>
-        <dsp:cNvSpPr/>
-      </dsp:nvSpPr>
-      <dsp:spPr>
-        <a:xfrm rot="10800000">
-          <a:off x="1776197" y="191654"/>
-          <a:ext cx="6900340" cy="152565"/>
-        </a:xfrm>
-        <a:prstGeom prst="homePlate">
-          <a:avLst/>
-        </a:prstGeom>
-        <a:solidFill>
-          <a:schemeClr val="accent5">
-            <a:hueOff val="-1351709"/>
-            <a:satOff val="-3484"/>
-            <a:lumOff val="-2353"/>
-            <a:alphaOff val="0"/>
-          </a:schemeClr>
-        </a:solidFill>
-        <a:ln w="12700" cap="flat" cmpd="sng" algn="ctr">
-          <a:solidFill>
-            <a:schemeClr val="lt1">
-              <a:hueOff val="0"/>
-              <a:satOff val="0"/>
-              <a:lumOff val="0"/>
-              <a:alphaOff val="0"/>
-            </a:schemeClr>
-          </a:solidFill>
-          <a:prstDash val="solid"/>
-          <a:miter lim="800000"/>
-        </a:ln>
-        <a:effectLst/>
-      </dsp:spPr>
-      <dsp:style>
-        <a:lnRef idx="2">
-          <a:scrgbClr r="0" g="0" b="0"/>
-        </a:lnRef>
-        <a:fillRef idx="1">
-          <a:scrgbClr r="0" g="0" b="0"/>
-        </a:fillRef>
-        <a:effectRef idx="0">
-          <a:scrgbClr r="0" g="0" b="0"/>
-        </a:effectRef>
-        <a:fontRef idx="minor">
-          <a:schemeClr val="lt1"/>
-        </a:fontRef>
-      </dsp:style>
-      <dsp:txBody>
-        <a:bodyPr spcFirstLastPara="0" vert="horz" wrap="square" lIns="67277" tIns="26670" rIns="49784" bIns="26670" numCol="1" spcCol="1270" anchor="ctr" anchorCtr="0">
-          <a:noAutofit/>
-        </a:bodyPr>
-        <a:lstStyle/>
-        <a:p>
-          <a:pPr marL="0" lvl="0" indent="0" algn="ctr" defTabSz="311150">
-            <a:lnSpc>
-              <a:spcPct val="90000"/>
-            </a:lnSpc>
-            <a:spcBef>
-              <a:spcPct val="0"/>
-            </a:spcBef>
-            <a:spcAft>
-              <a:spcPct val="35000"/>
-            </a:spcAft>
-            <a:buNone/>
-          </a:pPr>
-          <a:r>
-            <a:rPr lang="de-AT" sz="700" kern="1200"/>
-            <a:t>Lastenheft</a:t>
-          </a:r>
-          <a:endParaRPr lang="de-AT" sz="700" kern="1200" dirty="0"/>
-        </a:p>
-      </dsp:txBody>
-      <dsp:txXfrm rot="10800000">
-        <a:off x="1814338" y="191654"/>
-        <a:ext cx="6862199" cy="152565"/>
-      </dsp:txXfrm>
-    </dsp:sp>
-    <dsp:sp modelId="{B1E19C33-93FF-4FB1-83AF-538AE5721C83}">
-      <dsp:nvSpPr>
-        <dsp:cNvPr id="0" name=""/>
-        <dsp:cNvSpPr/>
-      </dsp:nvSpPr>
-      <dsp:spPr>
-        <a:xfrm>
-          <a:off x="1599332" y="189007"/>
-          <a:ext cx="152565" cy="152565"/>
-        </a:xfrm>
-        <a:prstGeom prst="ellipse">
-          <a:avLst/>
-        </a:prstGeom>
-        <a:blipFill rotWithShape="1">
-          <a:blip xmlns:r="http://schemas.openxmlformats.org/officeDocument/2006/relationships" r:embed="rId1">
-            <a:extLst>
-              <a:ext uri="{28A0092B-C50C-407E-A947-70E740481C1C}">
-                <a14:useLocalDpi xmlns:a14="http://schemas.microsoft.com/office/drawing/2010/main" val="0"/>
-              </a:ext>
-              <a:ext uri="{96DAC541-7B7A-43D3-8B79-37D633B846F1}">
-                <asvg:svgBlip xmlns:asvg="http://schemas.microsoft.com/office/drawing/2016/SVG/main" r:embed="rId2"/>
-              </a:ext>
-            </a:extLst>
-          </a:blip>
-          <a:srcRect/>
-          <a:stretch>
-            <a:fillRect/>
-          </a:stretch>
-        </a:blipFill>
-        <a:ln w="12700" cap="flat" cmpd="sng" algn="ctr">
-          <a:solidFill>
-            <a:schemeClr val="lt1">
-              <a:hueOff val="0"/>
-              <a:satOff val="0"/>
-              <a:lumOff val="0"/>
-              <a:alphaOff val="0"/>
-            </a:schemeClr>
-          </a:solidFill>
-          <a:prstDash val="solid"/>
-          <a:miter lim="800000"/>
-        </a:ln>
-        <a:effectLst/>
-      </dsp:spPr>
-      <dsp:style>
-        <a:lnRef idx="2">
-          <a:scrgbClr r="0" g="0" b="0"/>
-        </a:lnRef>
-        <a:fillRef idx="1">
-          <a:scrgbClr r="0" g="0" b="0"/>
-        </a:fillRef>
-        <a:effectRef idx="0">
-          <a:scrgbClr r="0" g="0" b="0"/>
-        </a:effectRef>
-        <a:fontRef idx="minor"/>
-      </dsp:style>
-    </dsp:sp>
-    <dsp:sp modelId="{B6334D97-88D3-4E1F-92D1-F38ACE798867}">
-      <dsp:nvSpPr>
-        <dsp:cNvPr id="0" name=""/>
-        <dsp:cNvSpPr/>
-      </dsp:nvSpPr>
-      <dsp:spPr>
-        <a:xfrm rot="10800000">
-          <a:off x="1776197" y="382361"/>
-          <a:ext cx="6900340" cy="152565"/>
-        </a:xfrm>
-        <a:prstGeom prst="homePlate">
-          <a:avLst/>
-        </a:prstGeom>
-        <a:solidFill>
-          <a:schemeClr val="accent5">
-            <a:hueOff val="-2703417"/>
-            <a:satOff val="-6968"/>
-            <a:lumOff val="-4706"/>
-            <a:alphaOff val="0"/>
-          </a:schemeClr>
-        </a:solidFill>
-        <a:ln w="12700" cap="flat" cmpd="sng" algn="ctr">
-          <a:solidFill>
-            <a:schemeClr val="lt1">
-              <a:hueOff val="0"/>
-              <a:satOff val="0"/>
-              <a:lumOff val="0"/>
-              <a:alphaOff val="0"/>
-            </a:schemeClr>
-          </a:solidFill>
-          <a:prstDash val="solid"/>
-          <a:miter lim="800000"/>
-        </a:ln>
-        <a:effectLst/>
-      </dsp:spPr>
-      <dsp:style>
-        <a:lnRef idx="2">
-          <a:scrgbClr r="0" g="0" b="0"/>
-        </a:lnRef>
-        <a:fillRef idx="1">
-          <a:scrgbClr r="0" g="0" b="0"/>
-        </a:fillRef>
-        <a:effectRef idx="0">
-          <a:scrgbClr r="0" g="0" b="0"/>
-        </a:effectRef>
-        <a:fontRef idx="minor">
-          <a:schemeClr val="lt1"/>
-        </a:fontRef>
-      </dsp:style>
-      <dsp:txBody>
-        <a:bodyPr spcFirstLastPara="0" vert="horz" wrap="square" lIns="67277" tIns="26670" rIns="49784" bIns="26670" numCol="1" spcCol="1270" anchor="ctr" anchorCtr="0">
-          <a:noAutofit/>
-        </a:bodyPr>
-        <a:lstStyle/>
-        <a:p>
-          <a:pPr marL="0" lvl="0" indent="0" algn="ctr" defTabSz="311150">
-            <a:lnSpc>
-              <a:spcPct val="90000"/>
-            </a:lnSpc>
-            <a:spcBef>
-              <a:spcPct val="0"/>
-            </a:spcBef>
-            <a:spcAft>
-              <a:spcPct val="35000"/>
-            </a:spcAft>
-            <a:buNone/>
-          </a:pPr>
-          <a:r>
-            <a:rPr lang="de-AT" sz="700" kern="1200"/>
-            <a:t>4x Meeting</a:t>
-          </a:r>
-          <a:endParaRPr lang="de-AT" sz="700" kern="1200" dirty="0"/>
-        </a:p>
-      </dsp:txBody>
-      <dsp:txXfrm rot="10800000">
-        <a:off x="1814338" y="382361"/>
-        <a:ext cx="6862199" cy="152565"/>
-      </dsp:txXfrm>
-    </dsp:sp>
-    <dsp:sp modelId="{F33739F9-DEE8-444B-A567-2F587BE632F5}">
-      <dsp:nvSpPr>
-        <dsp:cNvPr id="0" name=""/>
-        <dsp:cNvSpPr/>
-      </dsp:nvSpPr>
-      <dsp:spPr>
-        <a:xfrm>
-          <a:off x="1596683" y="382361"/>
-          <a:ext cx="152565" cy="152565"/>
-        </a:xfrm>
-        <a:prstGeom prst="ellipse">
-          <a:avLst/>
-        </a:prstGeom>
-        <a:blipFill rotWithShape="1">
-          <a:blip xmlns:r="http://schemas.openxmlformats.org/officeDocument/2006/relationships" r:embed="rId1">
-            <a:extLst>
-              <a:ext uri="{28A0092B-C50C-407E-A947-70E740481C1C}">
-                <a14:useLocalDpi xmlns:a14="http://schemas.microsoft.com/office/drawing/2010/main" val="0"/>
-              </a:ext>
-              <a:ext uri="{96DAC541-7B7A-43D3-8B79-37D633B846F1}">
-                <asvg:svgBlip xmlns:asvg="http://schemas.microsoft.com/office/drawing/2016/SVG/main" r:embed="rId2"/>
-              </a:ext>
-            </a:extLst>
-          </a:blip>
-          <a:srcRect/>
-          <a:stretch>
-            <a:fillRect/>
-          </a:stretch>
-        </a:blipFill>
-        <a:ln w="12700" cap="flat" cmpd="sng" algn="ctr">
-          <a:solidFill>
-            <a:schemeClr val="lt1">
-              <a:hueOff val="0"/>
-              <a:satOff val="0"/>
-              <a:lumOff val="0"/>
-              <a:alphaOff val="0"/>
-            </a:schemeClr>
-          </a:solidFill>
-          <a:prstDash val="solid"/>
-          <a:miter lim="800000"/>
-        </a:ln>
-        <a:effectLst/>
-      </dsp:spPr>
-      <dsp:style>
-        <a:lnRef idx="2">
-          <a:scrgbClr r="0" g="0" b="0"/>
-        </a:lnRef>
-        <a:fillRef idx="1">
-          <a:scrgbClr r="0" g="0" b="0"/>
-        </a:fillRef>
-        <a:effectRef idx="0">
-          <a:scrgbClr r="0" g="0" b="0"/>
-        </a:effectRef>
-        <a:fontRef idx="minor"/>
-      </dsp:style>
-    </dsp:sp>
-    <dsp:sp modelId="{7E5D5B56-AEB3-4165-8102-86E0BB13DA6F}">
-      <dsp:nvSpPr>
-        <dsp:cNvPr id="0" name=""/>
-        <dsp:cNvSpPr/>
-      </dsp:nvSpPr>
-      <dsp:spPr>
-        <a:xfrm rot="10800000">
-          <a:off x="1776197" y="573068"/>
-          <a:ext cx="6900340" cy="152565"/>
-        </a:xfrm>
-        <a:prstGeom prst="homePlate">
-          <a:avLst/>
-        </a:prstGeom>
-        <a:solidFill>
-          <a:schemeClr val="accent5">
-            <a:hueOff val="-4055126"/>
-            <a:satOff val="-10451"/>
-            <a:lumOff val="-7059"/>
-            <a:alphaOff val="0"/>
-          </a:schemeClr>
-        </a:solidFill>
-        <a:ln w="12700" cap="flat" cmpd="sng" algn="ctr">
-          <a:solidFill>
-            <a:schemeClr val="lt1">
-              <a:hueOff val="0"/>
-              <a:satOff val="0"/>
-              <a:lumOff val="0"/>
-              <a:alphaOff val="0"/>
-            </a:schemeClr>
-          </a:solidFill>
-          <a:prstDash val="solid"/>
-          <a:miter lim="800000"/>
-        </a:ln>
-        <a:effectLst/>
-      </dsp:spPr>
-      <dsp:style>
-        <a:lnRef idx="2">
-          <a:scrgbClr r="0" g="0" b="0"/>
-        </a:lnRef>
-        <a:fillRef idx="1">
-          <a:scrgbClr r="0" g="0" b="0"/>
-        </a:fillRef>
-        <a:effectRef idx="0">
-          <a:scrgbClr r="0" g="0" b="0"/>
-        </a:effectRef>
-        <a:fontRef idx="minor">
-          <a:schemeClr val="lt1"/>
-        </a:fontRef>
-      </dsp:style>
-      <dsp:txBody>
-        <a:bodyPr spcFirstLastPara="0" vert="horz" wrap="square" lIns="67277" tIns="26670" rIns="49784" bIns="26670" numCol="1" spcCol="1270" anchor="ctr" anchorCtr="0">
-          <a:noAutofit/>
-        </a:bodyPr>
-        <a:lstStyle/>
-        <a:p>
-          <a:pPr marL="0" lvl="0" indent="0" algn="ctr" defTabSz="311150">
-            <a:lnSpc>
-              <a:spcPct val="90000"/>
-            </a:lnSpc>
-            <a:spcBef>
-              <a:spcPct val="0"/>
-            </a:spcBef>
-            <a:spcAft>
-              <a:spcPct val="35000"/>
-            </a:spcAft>
-            <a:buNone/>
-          </a:pPr>
-          <a:r>
-            <a:rPr lang="de-AT" sz="700" kern="1200"/>
-            <a:t>IBM-Cloudzugang</a:t>
-          </a:r>
-          <a:endParaRPr lang="de-AT" sz="700" kern="1200" dirty="0"/>
-        </a:p>
-      </dsp:txBody>
-      <dsp:txXfrm rot="10800000">
-        <a:off x="1814338" y="573068"/>
-        <a:ext cx="6862199" cy="152565"/>
-      </dsp:txXfrm>
-    </dsp:sp>
-    <dsp:sp modelId="{E26F51D7-DC79-4A04-863B-0E96A3BC3EB8}">
-      <dsp:nvSpPr>
-        <dsp:cNvPr id="0" name=""/>
-        <dsp:cNvSpPr/>
-      </dsp:nvSpPr>
-      <dsp:spPr>
-        <a:xfrm>
-          <a:off x="1586090" y="573068"/>
-          <a:ext cx="152565" cy="152565"/>
-        </a:xfrm>
-        <a:prstGeom prst="ellipse">
-          <a:avLst/>
-        </a:prstGeom>
-        <a:blipFill rotWithShape="1">
-          <a:blip xmlns:r="http://schemas.openxmlformats.org/officeDocument/2006/relationships" r:embed="rId1">
-            <a:extLst>
-              <a:ext uri="{28A0092B-C50C-407E-A947-70E740481C1C}">
-                <a14:useLocalDpi xmlns:a14="http://schemas.microsoft.com/office/drawing/2010/main" val="0"/>
-              </a:ext>
-              <a:ext uri="{96DAC541-7B7A-43D3-8B79-37D633B846F1}">
-                <asvg:svgBlip xmlns:asvg="http://schemas.microsoft.com/office/drawing/2016/SVG/main" r:embed="rId2"/>
-              </a:ext>
-            </a:extLst>
-          </a:blip>
-          <a:srcRect/>
-          <a:stretch>
-            <a:fillRect/>
-          </a:stretch>
-        </a:blipFill>
-        <a:ln w="12700" cap="flat" cmpd="sng" algn="ctr">
-          <a:solidFill>
-            <a:schemeClr val="lt1">
-              <a:hueOff val="0"/>
-              <a:satOff val="0"/>
-              <a:lumOff val="0"/>
-              <a:alphaOff val="0"/>
-            </a:schemeClr>
-          </a:solidFill>
-          <a:prstDash val="solid"/>
-          <a:miter lim="800000"/>
-        </a:ln>
-        <a:effectLst/>
-      </dsp:spPr>
-      <dsp:style>
-        <a:lnRef idx="2">
-          <a:scrgbClr r="0" g="0" b="0"/>
-        </a:lnRef>
-        <a:fillRef idx="1">
-          <a:scrgbClr r="0" g="0" b="0"/>
-        </a:fillRef>
-        <a:effectRef idx="0">
-          <a:scrgbClr r="0" g="0" b="0"/>
-        </a:effectRef>
-        <a:fontRef idx="minor"/>
-      </dsp:style>
-    </dsp:sp>
-    <dsp:sp modelId="{00350B13-8EE7-4DD3-9836-25C761AA2976}">
-      <dsp:nvSpPr>
-        <dsp:cNvPr id="0" name=""/>
-        <dsp:cNvSpPr/>
-      </dsp:nvSpPr>
-      <dsp:spPr>
-        <a:xfrm rot="10800000">
-          <a:off x="1776197" y="763776"/>
-          <a:ext cx="6900340" cy="152565"/>
-        </a:xfrm>
-        <a:prstGeom prst="homePlate">
-          <a:avLst/>
-        </a:prstGeom>
-        <a:solidFill>
-          <a:schemeClr val="accent5">
-            <a:hueOff val="-5406834"/>
-            <a:satOff val="-13935"/>
-            <a:lumOff val="-9412"/>
-            <a:alphaOff val="0"/>
-          </a:schemeClr>
-        </a:solidFill>
-        <a:ln w="12700" cap="flat" cmpd="sng" algn="ctr">
-          <a:solidFill>
-            <a:schemeClr val="lt1">
-              <a:hueOff val="0"/>
-              <a:satOff val="0"/>
-              <a:lumOff val="0"/>
-              <a:alphaOff val="0"/>
-            </a:schemeClr>
-          </a:solidFill>
-          <a:prstDash val="solid"/>
-          <a:miter lim="800000"/>
-        </a:ln>
-        <a:effectLst/>
-      </dsp:spPr>
-      <dsp:style>
-        <a:lnRef idx="2">
-          <a:scrgbClr r="0" g="0" b="0"/>
-        </a:lnRef>
-        <a:fillRef idx="1">
-          <a:scrgbClr r="0" g="0" b="0"/>
-        </a:fillRef>
-        <a:effectRef idx="0">
-          <a:scrgbClr r="0" g="0" b="0"/>
-        </a:effectRef>
-        <a:fontRef idx="minor">
-          <a:schemeClr val="lt1"/>
-        </a:fontRef>
-      </dsp:style>
-      <dsp:txBody>
-        <a:bodyPr spcFirstLastPara="0" vert="horz" wrap="square" lIns="67277" tIns="26670" rIns="49784" bIns="26670" numCol="1" spcCol="1270" anchor="ctr" anchorCtr="0">
-          <a:noAutofit/>
-        </a:bodyPr>
-        <a:lstStyle/>
-        <a:p>
-          <a:pPr marL="0" lvl="0" indent="0" algn="ctr" defTabSz="311150">
-            <a:lnSpc>
-              <a:spcPct val="90000"/>
-            </a:lnSpc>
-            <a:spcBef>
-              <a:spcPct val="0"/>
-            </a:spcBef>
-            <a:spcAft>
-              <a:spcPct val="35000"/>
-            </a:spcAft>
-            <a:buNone/>
-          </a:pPr>
-          <a:r>
-            <a:rPr lang="de-AT" sz="700" kern="1200" dirty="0"/>
-            <a:t>Testgateway bekommen</a:t>
-          </a:r>
-        </a:p>
-      </dsp:txBody>
-      <dsp:txXfrm rot="10800000">
-        <a:off x="1814338" y="763776"/>
-        <a:ext cx="6862199" cy="152565"/>
-      </dsp:txXfrm>
-    </dsp:sp>
-    <dsp:sp modelId="{4F52923F-0649-45F9-8351-34240CCFC66C}">
-      <dsp:nvSpPr>
-        <dsp:cNvPr id="0" name=""/>
-        <dsp:cNvSpPr/>
-      </dsp:nvSpPr>
-      <dsp:spPr>
-        <a:xfrm>
-          <a:off x="1588744" y="763776"/>
-          <a:ext cx="152565" cy="152565"/>
-        </a:xfrm>
-        <a:prstGeom prst="ellipse">
-          <a:avLst/>
-        </a:prstGeom>
-        <a:blipFill rotWithShape="1">
-          <a:blip xmlns:r="http://schemas.openxmlformats.org/officeDocument/2006/relationships" r:embed="rId1">
-            <a:extLst>
-              <a:ext uri="{28A0092B-C50C-407E-A947-70E740481C1C}">
-                <a14:useLocalDpi xmlns:a14="http://schemas.microsoft.com/office/drawing/2010/main" val="0"/>
-              </a:ext>
-              <a:ext uri="{96DAC541-7B7A-43D3-8B79-37D633B846F1}">
-                <asvg:svgBlip xmlns:asvg="http://schemas.microsoft.com/office/drawing/2016/SVG/main" r:embed="rId2"/>
-              </a:ext>
-            </a:extLst>
-          </a:blip>
-          <a:srcRect/>
-          <a:stretch>
-            <a:fillRect/>
-          </a:stretch>
-        </a:blipFill>
-        <a:ln w="12700" cap="flat" cmpd="sng" algn="ctr">
-          <a:solidFill>
-            <a:schemeClr val="lt1">
-              <a:hueOff val="0"/>
-              <a:satOff val="0"/>
-              <a:lumOff val="0"/>
-              <a:alphaOff val="0"/>
-            </a:schemeClr>
-          </a:solidFill>
-          <a:prstDash val="solid"/>
-          <a:miter lim="800000"/>
-        </a:ln>
-        <a:effectLst/>
-      </dsp:spPr>
-      <dsp:style>
-        <a:lnRef idx="2">
-          <a:scrgbClr r="0" g="0" b="0"/>
-        </a:lnRef>
-        <a:fillRef idx="1">
-          <a:scrgbClr r="0" g="0" b="0"/>
-        </a:fillRef>
-        <a:effectRef idx="0">
-          <a:scrgbClr r="0" g="0" b="0"/>
-        </a:effectRef>
-        <a:fontRef idx="minor"/>
-      </dsp:style>
-    </dsp:sp>
-    <dsp:sp modelId="{17312D6C-31FB-42BB-8F19-7A2D2BA5153D}">
-      <dsp:nvSpPr>
-        <dsp:cNvPr id="0" name=""/>
-        <dsp:cNvSpPr/>
-      </dsp:nvSpPr>
-      <dsp:spPr>
-        <a:xfrm rot="10800000">
-          <a:off x="1776197" y="954483"/>
-          <a:ext cx="6900340" cy="152565"/>
-        </a:xfrm>
-        <a:prstGeom prst="homePlate">
-          <a:avLst/>
-        </a:prstGeom>
-        <a:solidFill>
-          <a:schemeClr val="accent5">
-            <a:hueOff val="-6758543"/>
-            <a:satOff val="-17419"/>
-            <a:lumOff val="-11765"/>
-            <a:alphaOff val="0"/>
-          </a:schemeClr>
-        </a:solidFill>
-        <a:ln w="12700" cap="flat" cmpd="sng" algn="ctr">
-          <a:solidFill>
-            <a:schemeClr val="lt1">
-              <a:hueOff val="0"/>
-              <a:satOff val="0"/>
-              <a:lumOff val="0"/>
-              <a:alphaOff val="0"/>
-            </a:schemeClr>
-          </a:solidFill>
-          <a:prstDash val="solid"/>
-          <a:miter lim="800000"/>
-        </a:ln>
-        <a:effectLst/>
-      </dsp:spPr>
-      <dsp:style>
-        <a:lnRef idx="2">
-          <a:scrgbClr r="0" g="0" b="0"/>
-        </a:lnRef>
-        <a:fillRef idx="1">
-          <a:scrgbClr r="0" g="0" b="0"/>
-        </a:fillRef>
-        <a:effectRef idx="0">
-          <a:scrgbClr r="0" g="0" b="0"/>
-        </a:effectRef>
-        <a:fontRef idx="minor">
-          <a:schemeClr val="lt1"/>
-        </a:fontRef>
-      </dsp:style>
-      <dsp:txBody>
-        <a:bodyPr spcFirstLastPara="0" vert="horz" wrap="square" lIns="67277" tIns="26670" rIns="49784" bIns="26670" numCol="1" spcCol="1270" anchor="ctr" anchorCtr="0">
-          <a:noAutofit/>
-        </a:bodyPr>
-        <a:lstStyle/>
-        <a:p>
-          <a:pPr marL="0" lvl="0" indent="0" algn="ctr" defTabSz="311150">
-            <a:lnSpc>
-              <a:spcPct val="90000"/>
-            </a:lnSpc>
-            <a:spcBef>
-              <a:spcPct val="0"/>
-            </a:spcBef>
-            <a:spcAft>
-              <a:spcPct val="35000"/>
-            </a:spcAft>
-            <a:buNone/>
-          </a:pPr>
-          <a:r>
-            <a:rPr lang="de-AT" sz="700" kern="1200"/>
-            <a:t>IOT-Plattformverbindung</a:t>
-          </a:r>
-          <a:endParaRPr lang="de-AT" sz="700" kern="1200" dirty="0"/>
-        </a:p>
-      </dsp:txBody>
-      <dsp:txXfrm rot="10800000">
-        <a:off x="1814338" y="954483"/>
-        <a:ext cx="6862199" cy="152565"/>
-      </dsp:txXfrm>
-    </dsp:sp>
-    <dsp:sp modelId="{468AE6DD-9D8D-4829-A64F-A4FEF049D980}">
-      <dsp:nvSpPr>
-        <dsp:cNvPr id="0" name=""/>
-        <dsp:cNvSpPr/>
-      </dsp:nvSpPr>
-      <dsp:spPr>
-        <a:xfrm>
-          <a:off x="1581703" y="943895"/>
-          <a:ext cx="152565" cy="152565"/>
-        </a:xfrm>
-        <a:prstGeom prst="ellipse">
-          <a:avLst/>
-        </a:prstGeom>
-        <a:blipFill rotWithShape="1">
-          <a:blip xmlns:r="http://schemas.openxmlformats.org/officeDocument/2006/relationships" r:embed="rId1">
-            <a:extLst>
-              <a:ext uri="{28A0092B-C50C-407E-A947-70E740481C1C}">
-                <a14:useLocalDpi xmlns:a14="http://schemas.microsoft.com/office/drawing/2010/main" val="0"/>
-              </a:ext>
-              <a:ext uri="{96DAC541-7B7A-43D3-8B79-37D633B846F1}">
-                <asvg:svgBlip xmlns:asvg="http://schemas.microsoft.com/office/drawing/2016/SVG/main" r:embed="rId2"/>
-              </a:ext>
-            </a:extLst>
-          </a:blip>
-          <a:srcRect/>
-          <a:stretch>
-            <a:fillRect/>
-          </a:stretch>
-        </a:blipFill>
-        <a:ln w="12700" cap="flat" cmpd="sng" algn="ctr">
-          <a:solidFill>
-            <a:schemeClr val="lt1">
-              <a:hueOff val="0"/>
-              <a:satOff val="0"/>
-              <a:lumOff val="0"/>
-              <a:alphaOff val="0"/>
-            </a:schemeClr>
-          </a:solidFill>
-          <a:prstDash val="solid"/>
-          <a:miter lim="800000"/>
-        </a:ln>
-        <a:effectLst/>
-      </dsp:spPr>
-      <dsp:style>
-        <a:lnRef idx="2">
-          <a:scrgbClr r="0" g="0" b="0"/>
-        </a:lnRef>
-        <a:fillRef idx="1">
-          <a:scrgbClr r="0" g="0" b="0"/>
-        </a:fillRef>
-        <a:effectRef idx="0">
-          <a:scrgbClr r="0" g="0" b="0"/>
-        </a:effectRef>
-        <a:fontRef idx="minor"/>
-      </dsp:style>
-    </dsp:sp>
-  </dsp:spTree>
-</dsp:drawing>
-</file>
-
 <file path=ppt/diagrams/layout1.xml><?xml version="1.0" encoding="utf-8"?>
 <dgm:layoutDef xmlns:dgm="http://schemas.openxmlformats.org/drawingml/2006/diagram" xmlns:a="http://schemas.openxmlformats.org/drawingml/2006/main" uniqueId="urn:microsoft.com/office/officeart/2005/8/layout/vList2">
   <dgm:title val=""/>
@@ -6198,169 +4072,6 @@
           </dgm:choose>
         </dgm:else>
       </dgm:choose>
-    </dgm:forEach>
-  </dgm:layoutNode>
-</dgm:layoutDef>
-</file>
-
-<file path=ppt/diagrams/layout2.xml><?xml version="1.0" encoding="utf-8"?>
-<dgm:layoutDef xmlns:dgm="http://schemas.openxmlformats.org/drawingml/2006/diagram" xmlns:a="http://schemas.openxmlformats.org/drawingml/2006/main" uniqueId="urn:microsoft.com/office/officeart/2005/8/layout/vList3">
-  <dgm:title val=""/>
-  <dgm:desc val=""/>
-  <dgm:catLst>
-    <dgm:cat type="list" pri="14000"/>
-    <dgm:cat type="convert" pri="3000"/>
-    <dgm:cat type="picture" pri="27000"/>
-    <dgm:cat type="pictureconvert" pri="27000"/>
-  </dgm:catLst>
-  <dgm:sampData useDef="1">
-    <dgm:dataModel>
-      <dgm:ptLst/>
-      <dgm:bg/>
-      <dgm:whole/>
-    </dgm:dataModel>
-  </dgm:sampData>
-  <dgm:styleData>
-    <dgm:dataModel>
-      <dgm:ptLst>
-        <dgm:pt modelId="0" type="doc"/>
-        <dgm:pt modelId="1"/>
-        <dgm:pt modelId="2"/>
-      </dgm:ptLst>
-      <dgm:cxnLst>
-        <dgm:cxn modelId="3" srcId="0" destId="1" srcOrd="0" destOrd="0"/>
-        <dgm:cxn modelId="4" srcId="0" destId="2" srcOrd="1" destOrd="0"/>
-      </dgm:cxnLst>
-      <dgm:bg/>
-      <dgm:whole/>
-    </dgm:dataModel>
-  </dgm:styleData>
-  <dgm:clrData>
-    <dgm:dataModel>
-      <dgm:ptLst>
-        <dgm:pt modelId="0" type="doc"/>
-        <dgm:pt modelId="1"/>
-        <dgm:pt modelId="2"/>
-        <dgm:pt modelId="3"/>
-        <dgm:pt modelId="4"/>
-      </dgm:ptLst>
-      <dgm:cxnLst>
-        <dgm:cxn modelId="5" srcId="0" destId="1" srcOrd="0" destOrd="0"/>
-        <dgm:cxn modelId="6" srcId="0" destId="2" srcOrd="1" destOrd="0"/>
-        <dgm:cxn modelId="7" srcId="0" destId="3" srcOrd="2" destOrd="0"/>
-        <dgm:cxn modelId="8" srcId="0" destId="4" srcOrd="3" destOrd="0"/>
-      </dgm:cxnLst>
-      <dgm:bg/>
-      <dgm:whole/>
-    </dgm:dataModel>
-  </dgm:clrData>
-  <dgm:layoutNode name="linearFlow">
-    <dgm:varLst>
-      <dgm:dir/>
-      <dgm:resizeHandles val="exact"/>
-    </dgm:varLst>
-    <dgm:alg type="lin">
-      <dgm:param type="linDir" val="fromT"/>
-      <dgm:param type="vertAlign" val="mid"/>
-      <dgm:param type="horzAlign" val="ctr"/>
-    </dgm:alg>
-    <dgm:shape xmlns:r="http://schemas.openxmlformats.org/officeDocument/2006/relationships" r:blip="">
-      <dgm:adjLst/>
-    </dgm:shape>
-    <dgm:presOf/>
-    <dgm:constrLst>
-      <dgm:constr type="w" for="ch" forName="composite" refType="w"/>
-      <dgm:constr type="h" for="ch" forName="composite" refType="h"/>
-      <dgm:constr type="h" for="ch" forName="spacing" refType="h" refFor="ch" refForName="composite" fact="0.25"/>
-      <dgm:constr type="h" for="ch" forName="spacing" refType="w" op="lte" fact="0.1"/>
-      <dgm:constr type="primFontSz" for="des" ptType="node" op="equ" val="65"/>
-    </dgm:constrLst>
-    <dgm:ruleLst/>
-    <dgm:forEach name="Name0" axis="ch" ptType="node">
-      <dgm:layoutNode name="composite">
-        <dgm:alg type="composite"/>
-        <dgm:shape xmlns:r="http://schemas.openxmlformats.org/officeDocument/2006/relationships" r:blip="">
-          <dgm:adjLst/>
-        </dgm:shape>
-        <dgm:presOf/>
-        <dgm:choose name="Name1">
-          <dgm:if name="Name2" func="var" arg="dir" op="equ" val="norm">
-            <dgm:constrLst>
-              <dgm:constr type="w" for="ch" forName="imgShp" refType="w" fact="0.335"/>
-              <dgm:constr type="h" for="ch" forName="imgShp" refType="w" refFor="ch" refForName="imgShp" op="equ"/>
-              <dgm:constr type="h" for="ch" forName="imgShp" refType="h" op="lte"/>
-              <dgm:constr type="ctrY" for="ch" forName="imgShp" refType="h" fact="0.5"/>
-              <dgm:constr type="l" for="ch" forName="imgShp"/>
-              <dgm:constr type="w" for="ch" forName="txShp" refType="w" op="equ" fact="0.665"/>
-              <dgm:constr type="h" for="ch" forName="txShp" refType="h" refFor="ch" refForName="imgShp" op="equ"/>
-              <dgm:constr type="ctrY" for="ch" forName="txShp" refType="h" fact="0.5"/>
-              <dgm:constr type="l" for="ch" forName="txShp" refType="w" refFor="ch" refForName="imgShp" fact="0.5"/>
-              <dgm:constr type="lMarg" for="ch" forName="txShp" refType="w" refFor="ch" refForName="imgShp" fact="1.25"/>
-            </dgm:constrLst>
-          </dgm:if>
-          <dgm:else name="Name3">
-            <dgm:constrLst>
-              <dgm:constr type="w" for="ch" forName="imgShp" refType="w" fact="0.335"/>
-              <dgm:constr type="h" for="ch" forName="imgShp" refType="w" refFor="ch" refForName="imgShp" op="equ"/>
-              <dgm:constr type="h" for="ch" forName="imgShp" refType="h" op="lte"/>
-              <dgm:constr type="ctrY" for="ch" forName="imgShp" refType="h" fact="0.5"/>
-              <dgm:constr type="r" for="ch" forName="imgShp" refType="w"/>
-              <dgm:constr type="w" for="ch" forName="txShp" refType="w" op="equ" fact="0.665"/>
-              <dgm:constr type="h" for="ch" forName="txShp" refType="h" refFor="ch" refForName="imgShp" op="equ"/>
-              <dgm:constr type="ctrY" for="ch" forName="txShp" refType="h" fact="0.5"/>
-              <dgm:constr type="r" for="ch" forName="txShp" refType="ctrX" refFor="ch" refForName="imgShp"/>
-              <dgm:constr type="rMarg" for="ch" forName="txShp" refType="w" refFor="ch" refForName="imgShp" fact="1.25"/>
-            </dgm:constrLst>
-          </dgm:else>
-        </dgm:choose>
-        <dgm:ruleLst/>
-        <dgm:layoutNode name="imgShp" styleLbl="fgImgPlace1">
-          <dgm:alg type="sp"/>
-          <dgm:shape xmlns:r="http://schemas.openxmlformats.org/officeDocument/2006/relationships" type="ellipse" r:blip="" blipPhldr="1">
-            <dgm:adjLst/>
-          </dgm:shape>
-          <dgm:presOf/>
-          <dgm:constrLst/>
-          <dgm:ruleLst/>
-        </dgm:layoutNode>
-        <dgm:layoutNode name="txShp">
-          <dgm:varLst>
-            <dgm:bulletEnabled val="1"/>
-          </dgm:varLst>
-          <dgm:alg type="tx"/>
-          <dgm:choose name="Name4">
-            <dgm:if name="Name5" func="var" arg="dir" op="equ" val="norm">
-              <dgm:shape xmlns:r="http://schemas.openxmlformats.org/officeDocument/2006/relationships" rot="180" type="homePlate" r:blip="" zOrderOff="-1">
-                <dgm:adjLst/>
-              </dgm:shape>
-            </dgm:if>
-            <dgm:else name="Name6">
-              <dgm:shape xmlns:r="http://schemas.openxmlformats.org/officeDocument/2006/relationships" type="homePlate" r:blip="" zOrderOff="-1">
-                <dgm:adjLst/>
-              </dgm:shape>
-            </dgm:else>
-          </dgm:choose>
-          <dgm:presOf axis="desOrSelf" ptType="node"/>
-          <dgm:constrLst>
-            <dgm:constr type="tMarg" refType="primFontSz" fact="0.3"/>
-            <dgm:constr type="bMarg" refType="primFontSz" fact="0.3"/>
-          </dgm:constrLst>
-          <dgm:ruleLst>
-            <dgm:rule type="primFontSz" val="5" fact="NaN" max="NaN"/>
-          </dgm:ruleLst>
-        </dgm:layoutNode>
-      </dgm:layoutNode>
-      <dgm:forEach name="Name7" axis="followSib" ptType="sibTrans" cnt="1">
-        <dgm:layoutNode name="spacing">
-          <dgm:alg type="sp"/>
-          <dgm:shape xmlns:r="http://schemas.openxmlformats.org/officeDocument/2006/relationships" r:blip="">
-            <dgm:adjLst/>
-          </dgm:shape>
-          <dgm:presOf axis="self"/>
-          <dgm:constrLst/>
-          <dgm:ruleLst/>
-        </dgm:layoutNode>
-      </dgm:forEach>
     </dgm:forEach>
   </dgm:layoutNode>
 </dgm:layoutDef>
@@ -7400,1191 +5111,6 @@
 </dgm:styleDef>
 </file>
 
-<file path=ppt/diagrams/quickStyle2.xml><?xml version="1.0" encoding="utf-8"?>
-<dgm:styleDef xmlns:dgm="http://schemas.openxmlformats.org/drawingml/2006/diagram" xmlns:a="http://schemas.openxmlformats.org/drawingml/2006/main" uniqueId="urn:microsoft.com/office/officeart/2005/8/quickstyle/simple1">
-  <dgm:title val=""/>
-  <dgm:desc val=""/>
-  <dgm:catLst>
-    <dgm:cat type="simple" pri="10100"/>
-  </dgm:catLst>
-  <dgm:scene3d>
-    <a:camera prst="orthographicFront"/>
-    <a:lightRig rig="threePt" dir="t"/>
-  </dgm:scene3d>
-  <dgm:styleLbl name="node0">
-    <dgm:scene3d>
-      <a:camera prst="orthographicFront"/>
-      <a:lightRig rig="threePt" dir="t"/>
-    </dgm:scene3d>
-    <dgm:sp3d/>
-    <dgm:txPr/>
-    <dgm:style>
-      <a:lnRef idx="2">
-        <a:scrgbClr r="0" g="0" b="0"/>
-      </a:lnRef>
-      <a:fillRef idx="1">
-        <a:scrgbClr r="0" g="0" b="0"/>
-      </a:fillRef>
-      <a:effectRef idx="0">
-        <a:scrgbClr r="0" g="0" b="0"/>
-      </a:effectRef>
-      <a:fontRef idx="minor">
-        <a:schemeClr val="lt1"/>
-      </a:fontRef>
-    </dgm:style>
-  </dgm:styleLbl>
-  <dgm:styleLbl name="lnNode1">
-    <dgm:scene3d>
-      <a:camera prst="orthographicFront"/>
-      <a:lightRig rig="threePt" dir="t"/>
-    </dgm:scene3d>
-    <dgm:sp3d/>
-    <dgm:txPr/>
-    <dgm:style>
-      <a:lnRef idx="2">
-        <a:scrgbClr r="0" g="0" b="0"/>
-      </a:lnRef>
-      <a:fillRef idx="1">
-        <a:scrgbClr r="0" g="0" b="0"/>
-      </a:fillRef>
-      <a:effectRef idx="0">
-        <a:scrgbClr r="0" g="0" b="0"/>
-      </a:effectRef>
-      <a:fontRef idx="minor">
-        <a:schemeClr val="lt1"/>
-      </a:fontRef>
-    </dgm:style>
-  </dgm:styleLbl>
-  <dgm:styleLbl name="vennNode1">
-    <dgm:scene3d>
-      <a:camera prst="orthographicFront"/>
-      <a:lightRig rig="threePt" dir="t"/>
-    </dgm:scene3d>
-    <dgm:sp3d/>
-    <dgm:txPr/>
-    <dgm:style>
-      <a:lnRef idx="2">
-        <a:scrgbClr r="0" g="0" b="0"/>
-      </a:lnRef>
-      <a:fillRef idx="1">
-        <a:scrgbClr r="0" g="0" b="0"/>
-      </a:fillRef>
-      <a:effectRef idx="0">
-        <a:scrgbClr r="0" g="0" b="0"/>
-      </a:effectRef>
-      <a:fontRef idx="minor">
-        <a:schemeClr val="tx1"/>
-      </a:fontRef>
-    </dgm:style>
-  </dgm:styleLbl>
-  <dgm:styleLbl name="alignNode1">
-    <dgm:scene3d>
-      <a:camera prst="orthographicFront"/>
-      <a:lightRig rig="threePt" dir="t"/>
-    </dgm:scene3d>
-    <dgm:sp3d/>
-    <dgm:txPr/>
-    <dgm:style>
-      <a:lnRef idx="2">
-        <a:scrgbClr r="0" g="0" b="0"/>
-      </a:lnRef>
-      <a:fillRef idx="1">
-        <a:scrgbClr r="0" g="0" b="0"/>
-      </a:fillRef>
-      <a:effectRef idx="0">
-        <a:scrgbClr r="0" g="0" b="0"/>
-      </a:effectRef>
-      <a:fontRef idx="minor">
-        <a:schemeClr val="lt1"/>
-      </a:fontRef>
-    </dgm:style>
-  </dgm:styleLbl>
-  <dgm:styleLbl name="node1">
-    <dgm:scene3d>
-      <a:camera prst="orthographicFront"/>
-      <a:lightRig rig="threePt" dir="t"/>
-    </dgm:scene3d>
-    <dgm:sp3d/>
-    <dgm:txPr/>
-    <dgm:style>
-      <a:lnRef idx="2">
-        <a:scrgbClr r="0" g="0" b="0"/>
-      </a:lnRef>
-      <a:fillRef idx="1">
-        <a:scrgbClr r="0" g="0" b="0"/>
-      </a:fillRef>
-      <a:effectRef idx="0">
-        <a:scrgbClr r="0" g="0" b="0"/>
-      </a:effectRef>
-      <a:fontRef idx="minor">
-        <a:schemeClr val="lt1"/>
-      </a:fontRef>
-    </dgm:style>
-  </dgm:styleLbl>
-  <dgm:styleLbl name="node2">
-    <dgm:scene3d>
-      <a:camera prst="orthographicFront"/>
-      <a:lightRig rig="threePt" dir="t"/>
-    </dgm:scene3d>
-    <dgm:sp3d/>
-    <dgm:txPr/>
-    <dgm:style>
-      <a:lnRef idx="2">
-        <a:scrgbClr r="0" g="0" b="0"/>
-      </a:lnRef>
-      <a:fillRef idx="1">
-        <a:scrgbClr r="0" g="0" b="0"/>
-      </a:fillRef>
-      <a:effectRef idx="0">
-        <a:scrgbClr r="0" g="0" b="0"/>
-      </a:effectRef>
-      <a:fontRef idx="minor">
-        <a:schemeClr val="lt1"/>
-      </a:fontRef>
-    </dgm:style>
-  </dgm:styleLbl>
-  <dgm:styleLbl name="node3">
-    <dgm:scene3d>
-      <a:camera prst="orthographicFront"/>
-      <a:lightRig rig="threePt" dir="t"/>
-    </dgm:scene3d>
-    <dgm:sp3d/>
-    <dgm:txPr/>
-    <dgm:style>
-      <a:lnRef idx="2">
-        <a:scrgbClr r="0" g="0" b="0"/>
-      </a:lnRef>
-      <a:fillRef idx="1">
-        <a:scrgbClr r="0" g="0" b="0"/>
-      </a:fillRef>
-      <a:effectRef idx="0">
-        <a:scrgbClr r="0" g="0" b="0"/>
-      </a:effectRef>
-      <a:fontRef idx="minor">
-        <a:schemeClr val="lt1"/>
-      </a:fontRef>
-    </dgm:style>
-  </dgm:styleLbl>
-  <dgm:styleLbl name="node4">
-    <dgm:scene3d>
-      <a:camera prst="orthographicFront"/>
-      <a:lightRig rig="threePt" dir="t"/>
-    </dgm:scene3d>
-    <dgm:sp3d/>
-    <dgm:txPr/>
-    <dgm:style>
-      <a:lnRef idx="2">
-        <a:scrgbClr r="0" g="0" b="0"/>
-      </a:lnRef>
-      <a:fillRef idx="1">
-        <a:scrgbClr r="0" g="0" b="0"/>
-      </a:fillRef>
-      <a:effectRef idx="0">
-        <a:scrgbClr r="0" g="0" b="0"/>
-      </a:effectRef>
-      <a:fontRef idx="minor">
-        <a:schemeClr val="lt1"/>
-      </a:fontRef>
-    </dgm:style>
-  </dgm:styleLbl>
-  <dgm:styleLbl name="fgImgPlace1">
-    <dgm:scene3d>
-      <a:camera prst="orthographicFront"/>
-      <a:lightRig rig="threePt" dir="t"/>
-    </dgm:scene3d>
-    <dgm:sp3d/>
-    <dgm:txPr/>
-    <dgm:style>
-      <a:lnRef idx="2">
-        <a:scrgbClr r="0" g="0" b="0"/>
-      </a:lnRef>
-      <a:fillRef idx="1">
-        <a:scrgbClr r="0" g="0" b="0"/>
-      </a:fillRef>
-      <a:effectRef idx="0">
-        <a:scrgbClr r="0" g="0" b="0"/>
-      </a:effectRef>
-      <a:fontRef idx="minor"/>
-    </dgm:style>
-  </dgm:styleLbl>
-  <dgm:styleLbl name="alignImgPlace1">
-    <dgm:scene3d>
-      <a:camera prst="orthographicFront"/>
-      <a:lightRig rig="threePt" dir="t"/>
-    </dgm:scene3d>
-    <dgm:sp3d/>
-    <dgm:txPr/>
-    <dgm:style>
-      <a:lnRef idx="2">
-        <a:scrgbClr r="0" g="0" b="0"/>
-      </a:lnRef>
-      <a:fillRef idx="1">
-        <a:scrgbClr r="0" g="0" b="0"/>
-      </a:fillRef>
-      <a:effectRef idx="0">
-        <a:scrgbClr r="0" g="0" b="0"/>
-      </a:effectRef>
-      <a:fontRef idx="minor"/>
-    </dgm:style>
-  </dgm:styleLbl>
-  <dgm:styleLbl name="bgImgPlace1">
-    <dgm:scene3d>
-      <a:camera prst="orthographicFront"/>
-      <a:lightRig rig="threePt" dir="t"/>
-    </dgm:scene3d>
-    <dgm:sp3d/>
-    <dgm:txPr/>
-    <dgm:style>
-      <a:lnRef idx="2">
-        <a:scrgbClr r="0" g="0" b="0"/>
-      </a:lnRef>
-      <a:fillRef idx="1">
-        <a:scrgbClr r="0" g="0" b="0"/>
-      </a:fillRef>
-      <a:effectRef idx="0">
-        <a:scrgbClr r="0" g="0" b="0"/>
-      </a:effectRef>
-      <a:fontRef idx="minor"/>
-    </dgm:style>
-  </dgm:styleLbl>
-  <dgm:styleLbl name="sibTrans2D1">
-    <dgm:scene3d>
-      <a:camera prst="orthographicFront"/>
-      <a:lightRig rig="threePt" dir="t"/>
-    </dgm:scene3d>
-    <dgm:sp3d/>
-    <dgm:txPr/>
-    <dgm:style>
-      <a:lnRef idx="0">
-        <a:scrgbClr r="0" g="0" b="0"/>
-      </a:lnRef>
-      <a:fillRef idx="1">
-        <a:scrgbClr r="0" g="0" b="0"/>
-      </a:fillRef>
-      <a:effectRef idx="0">
-        <a:scrgbClr r="0" g="0" b="0"/>
-      </a:effectRef>
-      <a:fontRef idx="minor">
-        <a:schemeClr val="lt1"/>
-      </a:fontRef>
-    </dgm:style>
-  </dgm:styleLbl>
-  <dgm:styleLbl name="fgSibTrans2D1">
-    <dgm:scene3d>
-      <a:camera prst="orthographicFront"/>
-      <a:lightRig rig="threePt" dir="t"/>
-    </dgm:scene3d>
-    <dgm:sp3d/>
-    <dgm:txPr/>
-    <dgm:style>
-      <a:lnRef idx="0">
-        <a:scrgbClr r="0" g="0" b="0"/>
-      </a:lnRef>
-      <a:fillRef idx="1">
-        <a:scrgbClr r="0" g="0" b="0"/>
-      </a:fillRef>
-      <a:effectRef idx="0">
-        <a:scrgbClr r="0" g="0" b="0"/>
-      </a:effectRef>
-      <a:fontRef idx="minor">
-        <a:schemeClr val="lt1"/>
-      </a:fontRef>
-    </dgm:style>
-  </dgm:styleLbl>
-  <dgm:styleLbl name="bgSibTrans2D1">
-    <dgm:scene3d>
-      <a:camera prst="orthographicFront"/>
-      <a:lightRig rig="threePt" dir="t"/>
-    </dgm:scene3d>
-    <dgm:sp3d/>
-    <dgm:txPr/>
-    <dgm:style>
-      <a:lnRef idx="0">
-        <a:scrgbClr r="0" g="0" b="0"/>
-      </a:lnRef>
-      <a:fillRef idx="1">
-        <a:scrgbClr r="0" g="0" b="0"/>
-      </a:fillRef>
-      <a:effectRef idx="0">
-        <a:scrgbClr r="0" g="0" b="0"/>
-      </a:effectRef>
-      <a:fontRef idx="minor">
-        <a:schemeClr val="lt1"/>
-      </a:fontRef>
-    </dgm:style>
-  </dgm:styleLbl>
-  <dgm:styleLbl name="sibTrans1D1">
-    <dgm:scene3d>
-      <a:camera prst="orthographicFront"/>
-      <a:lightRig rig="threePt" dir="t"/>
-    </dgm:scene3d>
-    <dgm:sp3d/>
-    <dgm:txPr/>
-    <dgm:style>
-      <a:lnRef idx="1">
-        <a:scrgbClr r="0" g="0" b="0"/>
-      </a:lnRef>
-      <a:fillRef idx="0">
-        <a:scrgbClr r="0" g="0" b="0"/>
-      </a:fillRef>
-      <a:effectRef idx="0">
-        <a:scrgbClr r="0" g="0" b="0"/>
-      </a:effectRef>
-      <a:fontRef idx="minor"/>
-    </dgm:style>
-  </dgm:styleLbl>
-  <dgm:styleLbl name="callout">
-    <dgm:scene3d>
-      <a:camera prst="orthographicFront"/>
-      <a:lightRig rig="threePt" dir="t"/>
-    </dgm:scene3d>
-    <dgm:sp3d/>
-    <dgm:txPr/>
-    <dgm:style>
-      <a:lnRef idx="2">
-        <a:scrgbClr r="0" g="0" b="0"/>
-      </a:lnRef>
-      <a:fillRef idx="1">
-        <a:scrgbClr r="0" g="0" b="0"/>
-      </a:fillRef>
-      <a:effectRef idx="0">
-        <a:scrgbClr r="0" g="0" b="0"/>
-      </a:effectRef>
-      <a:fontRef idx="minor"/>
-    </dgm:style>
-  </dgm:styleLbl>
-  <dgm:styleLbl name="asst0">
-    <dgm:scene3d>
-      <a:camera prst="orthographicFront"/>
-      <a:lightRig rig="threePt" dir="t"/>
-    </dgm:scene3d>
-    <dgm:sp3d/>
-    <dgm:txPr/>
-    <dgm:style>
-      <a:lnRef idx="2">
-        <a:scrgbClr r="0" g="0" b="0"/>
-      </a:lnRef>
-      <a:fillRef idx="1">
-        <a:scrgbClr r="0" g="0" b="0"/>
-      </a:fillRef>
-      <a:effectRef idx="0">
-        <a:scrgbClr r="0" g="0" b="0"/>
-      </a:effectRef>
-      <a:fontRef idx="minor">
-        <a:schemeClr val="lt1"/>
-      </a:fontRef>
-    </dgm:style>
-  </dgm:styleLbl>
-  <dgm:styleLbl name="asst1">
-    <dgm:scene3d>
-      <a:camera prst="orthographicFront"/>
-      <a:lightRig rig="threePt" dir="t"/>
-    </dgm:scene3d>
-    <dgm:sp3d/>
-    <dgm:txPr/>
-    <dgm:style>
-      <a:lnRef idx="2">
-        <a:scrgbClr r="0" g="0" b="0"/>
-      </a:lnRef>
-      <a:fillRef idx="1">
-        <a:scrgbClr r="0" g="0" b="0"/>
-      </a:fillRef>
-      <a:effectRef idx="0">
-        <a:scrgbClr r="0" g="0" b="0"/>
-      </a:effectRef>
-      <a:fontRef idx="minor">
-        <a:schemeClr val="lt1"/>
-      </a:fontRef>
-    </dgm:style>
-  </dgm:styleLbl>
-  <dgm:styleLbl name="asst2">
-    <dgm:scene3d>
-      <a:camera prst="orthographicFront"/>
-      <a:lightRig rig="threePt" dir="t"/>
-    </dgm:scene3d>
-    <dgm:sp3d/>
-    <dgm:txPr/>
-    <dgm:style>
-      <a:lnRef idx="2">
-        <a:scrgbClr r="0" g="0" b="0"/>
-      </a:lnRef>
-      <a:fillRef idx="1">
-        <a:scrgbClr r="0" g="0" b="0"/>
-      </a:fillRef>
-      <a:effectRef idx="0">
-        <a:scrgbClr r="0" g="0" b="0"/>
-      </a:effectRef>
-      <a:fontRef idx="minor">
-        <a:schemeClr val="lt1"/>
-      </a:fontRef>
-    </dgm:style>
-  </dgm:styleLbl>
-  <dgm:styleLbl name="asst3">
-    <dgm:scene3d>
-      <a:camera prst="orthographicFront"/>
-      <a:lightRig rig="threePt" dir="t"/>
-    </dgm:scene3d>
-    <dgm:sp3d/>
-    <dgm:txPr/>
-    <dgm:style>
-      <a:lnRef idx="2">
-        <a:scrgbClr r="0" g="0" b="0"/>
-      </a:lnRef>
-      <a:fillRef idx="1">
-        <a:scrgbClr r="0" g="0" b="0"/>
-      </a:fillRef>
-      <a:effectRef idx="0">
-        <a:scrgbClr r="0" g="0" b="0"/>
-      </a:effectRef>
-      <a:fontRef idx="minor">
-        <a:schemeClr val="lt1"/>
-      </a:fontRef>
-    </dgm:style>
-  </dgm:styleLbl>
-  <dgm:styleLbl name="asst4">
-    <dgm:scene3d>
-      <a:camera prst="orthographicFront"/>
-      <a:lightRig rig="threePt" dir="t"/>
-    </dgm:scene3d>
-    <dgm:sp3d/>
-    <dgm:txPr/>
-    <dgm:style>
-      <a:lnRef idx="2">
-        <a:scrgbClr r="0" g="0" b="0"/>
-      </a:lnRef>
-      <a:fillRef idx="1">
-        <a:scrgbClr r="0" g="0" b="0"/>
-      </a:fillRef>
-      <a:effectRef idx="0">
-        <a:scrgbClr r="0" g="0" b="0"/>
-      </a:effectRef>
-      <a:fontRef idx="minor">
-        <a:schemeClr val="lt1"/>
-      </a:fontRef>
-    </dgm:style>
-  </dgm:styleLbl>
-  <dgm:styleLbl name="parChTrans2D1">
-    <dgm:scene3d>
-      <a:camera prst="orthographicFront"/>
-      <a:lightRig rig="threePt" dir="t"/>
-    </dgm:scene3d>
-    <dgm:sp3d/>
-    <dgm:txPr/>
-    <dgm:style>
-      <a:lnRef idx="2">
-        <a:scrgbClr r="0" g="0" b="0"/>
-      </a:lnRef>
-      <a:fillRef idx="1">
-        <a:scrgbClr r="0" g="0" b="0"/>
-      </a:fillRef>
-      <a:effectRef idx="0">
-        <a:scrgbClr r="0" g="0" b="0"/>
-      </a:effectRef>
-      <a:fontRef idx="minor">
-        <a:schemeClr val="lt1"/>
-      </a:fontRef>
-    </dgm:style>
-  </dgm:styleLbl>
-  <dgm:styleLbl name="parChTrans2D2">
-    <dgm:scene3d>
-      <a:camera prst="orthographicFront"/>
-      <a:lightRig rig="threePt" dir="t"/>
-    </dgm:scene3d>
-    <dgm:sp3d/>
-    <dgm:txPr/>
-    <dgm:style>
-      <a:lnRef idx="2">
-        <a:scrgbClr r="0" g="0" b="0"/>
-      </a:lnRef>
-      <a:fillRef idx="1">
-        <a:scrgbClr r="0" g="0" b="0"/>
-      </a:fillRef>
-      <a:effectRef idx="0">
-        <a:scrgbClr r="0" g="0" b="0"/>
-      </a:effectRef>
-      <a:fontRef idx="minor">
-        <a:schemeClr val="lt1"/>
-      </a:fontRef>
-    </dgm:style>
-  </dgm:styleLbl>
-  <dgm:styleLbl name="parChTrans2D3">
-    <dgm:scene3d>
-      <a:camera prst="orthographicFront"/>
-      <a:lightRig rig="threePt" dir="t"/>
-    </dgm:scene3d>
-    <dgm:sp3d/>
-    <dgm:txPr/>
-    <dgm:style>
-      <a:lnRef idx="2">
-        <a:scrgbClr r="0" g="0" b="0"/>
-      </a:lnRef>
-      <a:fillRef idx="1">
-        <a:scrgbClr r="0" g="0" b="0"/>
-      </a:fillRef>
-      <a:effectRef idx="0">
-        <a:scrgbClr r="0" g="0" b="0"/>
-      </a:effectRef>
-      <a:fontRef idx="minor">
-        <a:schemeClr val="lt1"/>
-      </a:fontRef>
-    </dgm:style>
-  </dgm:styleLbl>
-  <dgm:styleLbl name="parChTrans2D4">
-    <dgm:scene3d>
-      <a:camera prst="orthographicFront"/>
-      <a:lightRig rig="threePt" dir="t"/>
-    </dgm:scene3d>
-    <dgm:sp3d/>
-    <dgm:txPr/>
-    <dgm:style>
-      <a:lnRef idx="2">
-        <a:scrgbClr r="0" g="0" b="0"/>
-      </a:lnRef>
-      <a:fillRef idx="1">
-        <a:scrgbClr r="0" g="0" b="0"/>
-      </a:fillRef>
-      <a:effectRef idx="0">
-        <a:scrgbClr r="0" g="0" b="0"/>
-      </a:effectRef>
-      <a:fontRef idx="minor">
-        <a:schemeClr val="lt1"/>
-      </a:fontRef>
-    </dgm:style>
-  </dgm:styleLbl>
-  <dgm:styleLbl name="parChTrans1D1">
-    <dgm:scene3d>
-      <a:camera prst="orthographicFront"/>
-      <a:lightRig rig="threePt" dir="t"/>
-    </dgm:scene3d>
-    <dgm:sp3d/>
-    <dgm:txPr/>
-    <dgm:style>
-      <a:lnRef idx="2">
-        <a:scrgbClr r="0" g="0" b="0"/>
-      </a:lnRef>
-      <a:fillRef idx="0">
-        <a:scrgbClr r="0" g="0" b="0"/>
-      </a:fillRef>
-      <a:effectRef idx="0">
-        <a:scrgbClr r="0" g="0" b="0"/>
-      </a:effectRef>
-      <a:fontRef idx="minor"/>
-    </dgm:style>
-  </dgm:styleLbl>
-  <dgm:styleLbl name="parChTrans1D2">
-    <dgm:scene3d>
-      <a:camera prst="orthographicFront"/>
-      <a:lightRig rig="threePt" dir="t"/>
-    </dgm:scene3d>
-    <dgm:sp3d/>
-    <dgm:txPr/>
-    <dgm:style>
-      <a:lnRef idx="2">
-        <a:scrgbClr r="0" g="0" b="0"/>
-      </a:lnRef>
-      <a:fillRef idx="0">
-        <a:scrgbClr r="0" g="0" b="0"/>
-      </a:fillRef>
-      <a:effectRef idx="0">
-        <a:scrgbClr r="0" g="0" b="0"/>
-      </a:effectRef>
-      <a:fontRef idx="minor"/>
-    </dgm:style>
-  </dgm:styleLbl>
-  <dgm:styleLbl name="parChTrans1D3">
-    <dgm:scene3d>
-      <a:camera prst="orthographicFront"/>
-      <a:lightRig rig="threePt" dir="t"/>
-    </dgm:scene3d>
-    <dgm:sp3d/>
-    <dgm:txPr/>
-    <dgm:style>
-      <a:lnRef idx="2">
-        <a:scrgbClr r="0" g="0" b="0"/>
-      </a:lnRef>
-      <a:fillRef idx="0">
-        <a:scrgbClr r="0" g="0" b="0"/>
-      </a:fillRef>
-      <a:effectRef idx="0">
-        <a:scrgbClr r="0" g="0" b="0"/>
-      </a:effectRef>
-      <a:fontRef idx="minor"/>
-    </dgm:style>
-  </dgm:styleLbl>
-  <dgm:styleLbl name="parChTrans1D4">
-    <dgm:scene3d>
-      <a:camera prst="orthographicFront"/>
-      <a:lightRig rig="threePt" dir="t"/>
-    </dgm:scene3d>
-    <dgm:sp3d/>
-    <dgm:txPr/>
-    <dgm:style>
-      <a:lnRef idx="2">
-        <a:scrgbClr r="0" g="0" b="0"/>
-      </a:lnRef>
-      <a:fillRef idx="0">
-        <a:scrgbClr r="0" g="0" b="0"/>
-      </a:fillRef>
-      <a:effectRef idx="0">
-        <a:scrgbClr r="0" g="0" b="0"/>
-      </a:effectRef>
-      <a:fontRef idx="minor"/>
-    </dgm:style>
-  </dgm:styleLbl>
-  <dgm:styleLbl name="fgAcc1">
-    <dgm:scene3d>
-      <a:camera prst="orthographicFront"/>
-      <a:lightRig rig="threePt" dir="t"/>
-    </dgm:scene3d>
-    <dgm:sp3d/>
-    <dgm:txPr/>
-    <dgm:style>
-      <a:lnRef idx="2">
-        <a:scrgbClr r="0" g="0" b="0"/>
-      </a:lnRef>
-      <a:fillRef idx="1">
-        <a:scrgbClr r="0" g="0" b="0"/>
-      </a:fillRef>
-      <a:effectRef idx="0">
-        <a:scrgbClr r="0" g="0" b="0"/>
-      </a:effectRef>
-      <a:fontRef idx="minor"/>
-    </dgm:style>
-  </dgm:styleLbl>
-  <dgm:styleLbl name="conFgAcc1">
-    <dgm:scene3d>
-      <a:camera prst="orthographicFront"/>
-      <a:lightRig rig="threePt" dir="t"/>
-    </dgm:scene3d>
-    <dgm:sp3d/>
-    <dgm:txPr/>
-    <dgm:style>
-      <a:lnRef idx="2">
-        <a:scrgbClr r="0" g="0" b="0"/>
-      </a:lnRef>
-      <a:fillRef idx="1">
-        <a:scrgbClr r="0" g="0" b="0"/>
-      </a:fillRef>
-      <a:effectRef idx="0">
-        <a:scrgbClr r="0" g="0" b="0"/>
-      </a:effectRef>
-      <a:fontRef idx="minor"/>
-    </dgm:style>
-  </dgm:styleLbl>
-  <dgm:styleLbl name="alignAcc1">
-    <dgm:scene3d>
-      <a:camera prst="orthographicFront"/>
-      <a:lightRig rig="threePt" dir="t"/>
-    </dgm:scene3d>
-    <dgm:sp3d/>
-    <dgm:txPr/>
-    <dgm:style>
-      <a:lnRef idx="2">
-        <a:scrgbClr r="0" g="0" b="0"/>
-      </a:lnRef>
-      <a:fillRef idx="1">
-        <a:scrgbClr r="0" g="0" b="0"/>
-      </a:fillRef>
-      <a:effectRef idx="0">
-        <a:scrgbClr r="0" g="0" b="0"/>
-      </a:effectRef>
-      <a:fontRef idx="minor"/>
-    </dgm:style>
-  </dgm:styleLbl>
-  <dgm:styleLbl name="trAlignAcc1">
-    <dgm:scene3d>
-      <a:camera prst="orthographicFront"/>
-      <a:lightRig rig="threePt" dir="t"/>
-    </dgm:scene3d>
-    <dgm:sp3d/>
-    <dgm:txPr/>
-    <dgm:style>
-      <a:lnRef idx="1">
-        <a:scrgbClr r="0" g="0" b="0"/>
-      </a:lnRef>
-      <a:fillRef idx="1">
-        <a:scrgbClr r="0" g="0" b="0"/>
-      </a:fillRef>
-      <a:effectRef idx="0">
-        <a:scrgbClr r="0" g="0" b="0"/>
-      </a:effectRef>
-      <a:fontRef idx="minor"/>
-    </dgm:style>
-  </dgm:styleLbl>
-  <dgm:styleLbl name="bgAcc1">
-    <dgm:scene3d>
-      <a:camera prst="orthographicFront"/>
-      <a:lightRig rig="threePt" dir="t"/>
-    </dgm:scene3d>
-    <dgm:sp3d/>
-    <dgm:txPr/>
-    <dgm:style>
-      <a:lnRef idx="2">
-        <a:scrgbClr r="0" g="0" b="0"/>
-      </a:lnRef>
-      <a:fillRef idx="1">
-        <a:scrgbClr r="0" g="0" b="0"/>
-      </a:fillRef>
-      <a:effectRef idx="0">
-        <a:scrgbClr r="0" g="0" b="0"/>
-      </a:effectRef>
-      <a:fontRef idx="minor"/>
-    </dgm:style>
-  </dgm:styleLbl>
-  <dgm:styleLbl name="solidFgAcc1">
-    <dgm:scene3d>
-      <a:camera prst="orthographicFront"/>
-      <a:lightRig rig="threePt" dir="t"/>
-    </dgm:scene3d>
-    <dgm:sp3d/>
-    <dgm:txPr/>
-    <dgm:style>
-      <a:lnRef idx="2">
-        <a:scrgbClr r="0" g="0" b="0"/>
-      </a:lnRef>
-      <a:fillRef idx="1">
-        <a:scrgbClr r="0" g="0" b="0"/>
-      </a:fillRef>
-      <a:effectRef idx="0">
-        <a:scrgbClr r="0" g="0" b="0"/>
-      </a:effectRef>
-      <a:fontRef idx="minor"/>
-    </dgm:style>
-  </dgm:styleLbl>
-  <dgm:styleLbl name="solidAlignAcc1">
-    <dgm:scene3d>
-      <a:camera prst="orthographicFront"/>
-      <a:lightRig rig="threePt" dir="t"/>
-    </dgm:scene3d>
-    <dgm:sp3d/>
-    <dgm:txPr/>
-    <dgm:style>
-      <a:lnRef idx="2">
-        <a:scrgbClr r="0" g="0" b="0"/>
-      </a:lnRef>
-      <a:fillRef idx="1">
-        <a:scrgbClr r="0" g="0" b="0"/>
-      </a:fillRef>
-      <a:effectRef idx="0">
-        <a:scrgbClr r="0" g="0" b="0"/>
-      </a:effectRef>
-      <a:fontRef idx="minor"/>
-    </dgm:style>
-  </dgm:styleLbl>
-  <dgm:styleLbl name="solidBgAcc1">
-    <dgm:scene3d>
-      <a:camera prst="orthographicFront"/>
-      <a:lightRig rig="threePt" dir="t"/>
-    </dgm:scene3d>
-    <dgm:sp3d/>
-    <dgm:txPr/>
-    <dgm:style>
-      <a:lnRef idx="2">
-        <a:scrgbClr r="0" g="0" b="0"/>
-      </a:lnRef>
-      <a:fillRef idx="1">
-        <a:scrgbClr r="0" g="0" b="0"/>
-      </a:fillRef>
-      <a:effectRef idx="0">
-        <a:scrgbClr r="0" g="0" b="0"/>
-      </a:effectRef>
-      <a:fontRef idx="minor"/>
-    </dgm:style>
-  </dgm:styleLbl>
-  <dgm:styleLbl name="fgAccFollowNode1">
-    <dgm:scene3d>
-      <a:camera prst="orthographicFront"/>
-      <a:lightRig rig="threePt" dir="t"/>
-    </dgm:scene3d>
-    <dgm:sp3d/>
-    <dgm:txPr/>
-    <dgm:style>
-      <a:lnRef idx="2">
-        <a:scrgbClr r="0" g="0" b="0"/>
-      </a:lnRef>
-      <a:fillRef idx="1">
-        <a:scrgbClr r="0" g="0" b="0"/>
-      </a:fillRef>
-      <a:effectRef idx="0">
-        <a:scrgbClr r="0" g="0" b="0"/>
-      </a:effectRef>
-      <a:fontRef idx="minor"/>
-    </dgm:style>
-  </dgm:styleLbl>
-  <dgm:styleLbl name="alignAccFollowNode1">
-    <dgm:scene3d>
-      <a:camera prst="orthographicFront"/>
-      <a:lightRig rig="threePt" dir="t"/>
-    </dgm:scene3d>
-    <dgm:sp3d/>
-    <dgm:txPr/>
-    <dgm:style>
-      <a:lnRef idx="2">
-        <a:scrgbClr r="0" g="0" b="0"/>
-      </a:lnRef>
-      <a:fillRef idx="1">
-        <a:scrgbClr r="0" g="0" b="0"/>
-      </a:fillRef>
-      <a:effectRef idx="0">
-        <a:scrgbClr r="0" g="0" b="0"/>
-      </a:effectRef>
-      <a:fontRef idx="minor"/>
-    </dgm:style>
-  </dgm:styleLbl>
-  <dgm:styleLbl name="bgAccFollowNode1">
-    <dgm:scene3d>
-      <a:camera prst="orthographicFront"/>
-      <a:lightRig rig="threePt" dir="t"/>
-    </dgm:scene3d>
-    <dgm:sp3d/>
-    <dgm:txPr/>
-    <dgm:style>
-      <a:lnRef idx="2">
-        <a:scrgbClr r="0" g="0" b="0"/>
-      </a:lnRef>
-      <a:fillRef idx="1">
-        <a:scrgbClr r="0" g="0" b="0"/>
-      </a:fillRef>
-      <a:effectRef idx="0">
-        <a:scrgbClr r="0" g="0" b="0"/>
-      </a:effectRef>
-      <a:fontRef idx="minor"/>
-    </dgm:style>
-  </dgm:styleLbl>
-  <dgm:styleLbl name="fgAcc0">
-    <dgm:scene3d>
-      <a:camera prst="orthographicFront"/>
-      <a:lightRig rig="threePt" dir="t"/>
-    </dgm:scene3d>
-    <dgm:sp3d/>
-    <dgm:txPr/>
-    <dgm:style>
-      <a:lnRef idx="2">
-        <a:scrgbClr r="0" g="0" b="0"/>
-      </a:lnRef>
-      <a:fillRef idx="1">
-        <a:scrgbClr r="0" g="0" b="0"/>
-      </a:fillRef>
-      <a:effectRef idx="0">
-        <a:scrgbClr r="0" g="0" b="0"/>
-      </a:effectRef>
-      <a:fontRef idx="minor"/>
-    </dgm:style>
-  </dgm:styleLbl>
-  <dgm:styleLbl name="fgAcc2">
-    <dgm:scene3d>
-      <a:camera prst="orthographicFront"/>
-      <a:lightRig rig="threePt" dir="t"/>
-    </dgm:scene3d>
-    <dgm:sp3d/>
-    <dgm:txPr/>
-    <dgm:style>
-      <a:lnRef idx="2">
-        <a:scrgbClr r="0" g="0" b="0"/>
-      </a:lnRef>
-      <a:fillRef idx="1">
-        <a:scrgbClr r="0" g="0" b="0"/>
-      </a:fillRef>
-      <a:effectRef idx="0">
-        <a:scrgbClr r="0" g="0" b="0"/>
-      </a:effectRef>
-      <a:fontRef idx="minor"/>
-    </dgm:style>
-  </dgm:styleLbl>
-  <dgm:styleLbl name="fgAcc3">
-    <dgm:scene3d>
-      <a:camera prst="orthographicFront"/>
-      <a:lightRig rig="threePt" dir="t"/>
-    </dgm:scene3d>
-    <dgm:sp3d/>
-    <dgm:txPr/>
-    <dgm:style>
-      <a:lnRef idx="2">
-        <a:scrgbClr r="0" g="0" b="0"/>
-      </a:lnRef>
-      <a:fillRef idx="1">
-        <a:scrgbClr r="0" g="0" b="0"/>
-      </a:fillRef>
-      <a:effectRef idx="0">
-        <a:scrgbClr r="0" g="0" b="0"/>
-      </a:effectRef>
-      <a:fontRef idx="minor"/>
-    </dgm:style>
-  </dgm:styleLbl>
-  <dgm:styleLbl name="fgAcc4">
-    <dgm:scene3d>
-      <a:camera prst="orthographicFront"/>
-      <a:lightRig rig="threePt" dir="t"/>
-    </dgm:scene3d>
-    <dgm:sp3d/>
-    <dgm:txPr/>
-    <dgm:style>
-      <a:lnRef idx="2">
-        <a:scrgbClr r="0" g="0" b="0"/>
-      </a:lnRef>
-      <a:fillRef idx="1">
-        <a:scrgbClr r="0" g="0" b="0"/>
-      </a:fillRef>
-      <a:effectRef idx="0">
-        <a:scrgbClr r="0" g="0" b="0"/>
-      </a:effectRef>
-      <a:fontRef idx="minor"/>
-    </dgm:style>
-  </dgm:styleLbl>
-  <dgm:styleLbl name="bgShp">
-    <dgm:scene3d>
-      <a:camera prst="orthographicFront"/>
-      <a:lightRig rig="threePt" dir="t"/>
-    </dgm:scene3d>
-    <dgm:sp3d/>
-    <dgm:txPr/>
-    <dgm:style>
-      <a:lnRef idx="0">
-        <a:scrgbClr r="0" g="0" b="0"/>
-      </a:lnRef>
-      <a:fillRef idx="1">
-        <a:scrgbClr r="0" g="0" b="0"/>
-      </a:fillRef>
-      <a:effectRef idx="0">
-        <a:scrgbClr r="0" g="0" b="0"/>
-      </a:effectRef>
-      <a:fontRef idx="minor"/>
-    </dgm:style>
-  </dgm:styleLbl>
-  <dgm:styleLbl name="dkBgShp">
-    <dgm:scene3d>
-      <a:camera prst="orthographicFront"/>
-      <a:lightRig rig="threePt" dir="t"/>
-    </dgm:scene3d>
-    <dgm:sp3d/>
-    <dgm:txPr/>
-    <dgm:style>
-      <a:lnRef idx="0">
-        <a:scrgbClr r="0" g="0" b="0"/>
-      </a:lnRef>
-      <a:fillRef idx="1">
-        <a:scrgbClr r="0" g="0" b="0"/>
-      </a:fillRef>
-      <a:effectRef idx="0">
-        <a:scrgbClr r="0" g="0" b="0"/>
-      </a:effectRef>
-      <a:fontRef idx="minor"/>
-    </dgm:style>
-  </dgm:styleLbl>
-  <dgm:styleLbl name="trBgShp">
-    <dgm:scene3d>
-      <a:camera prst="orthographicFront"/>
-      <a:lightRig rig="threePt" dir="t"/>
-    </dgm:scene3d>
-    <dgm:sp3d/>
-    <dgm:txPr/>
-    <dgm:style>
-      <a:lnRef idx="0">
-        <a:scrgbClr r="0" g="0" b="0"/>
-      </a:lnRef>
-      <a:fillRef idx="1">
-        <a:scrgbClr r="0" g="0" b="0"/>
-      </a:fillRef>
-      <a:effectRef idx="0">
-        <a:scrgbClr r="0" g="0" b="0"/>
-      </a:effectRef>
-      <a:fontRef idx="minor"/>
-    </dgm:style>
-  </dgm:styleLbl>
-  <dgm:styleLbl name="fgShp">
-    <dgm:scene3d>
-      <a:camera prst="orthographicFront"/>
-      <a:lightRig rig="threePt" dir="t"/>
-    </dgm:scene3d>
-    <dgm:sp3d/>
-    <dgm:txPr/>
-    <dgm:style>
-      <a:lnRef idx="2">
-        <a:scrgbClr r="0" g="0" b="0"/>
-      </a:lnRef>
-      <a:fillRef idx="1">
-        <a:scrgbClr r="0" g="0" b="0"/>
-      </a:fillRef>
-      <a:effectRef idx="0">
-        <a:scrgbClr r="0" g="0" b="0"/>
-      </a:effectRef>
-      <a:fontRef idx="minor"/>
-    </dgm:style>
-  </dgm:styleLbl>
-  <dgm:styleLbl name="revTx">
-    <dgm:scene3d>
-      <a:camera prst="orthographicFront"/>
-      <a:lightRig rig="threePt" dir="t"/>
-    </dgm:scene3d>
-    <dgm:sp3d/>
-    <dgm:txPr/>
-    <dgm:style>
-      <a:lnRef idx="0">
-        <a:scrgbClr r="0" g="0" b="0"/>
-      </a:lnRef>
-      <a:fillRef idx="0">
-        <a:scrgbClr r="0" g="0" b="0"/>
-      </a:fillRef>
-      <a:effectRef idx="0">
-        <a:scrgbClr r="0" g="0" b="0"/>
-      </a:effectRef>
-      <a:fontRef idx="minor"/>
-    </dgm:style>
-  </dgm:styleLbl>
-</dgm:styleDef>
-</file>
-
-<file path=ppt/drawings/drawing1.xml><?xml version="1.0" encoding="utf-8"?>
-<c:userShapes xmlns:c="http://schemas.openxmlformats.org/drawingml/2006/chart">
-  <cdr:relSizeAnchor xmlns:cdr="http://schemas.openxmlformats.org/drawingml/2006/chartDrawing">
-    <cdr:from>
-      <cdr:x>0.52726</cdr:x>
-      <cdr:y>0.50307</cdr:y>
-    </cdr:from>
-    <cdr:to>
-      <cdr:x>0.7091</cdr:x>
-      <cdr:y>0.59516</cdr:y>
-    </cdr:to>
-    <cdr:sp macro="" textlink="">
-      <cdr:nvSpPr>
-        <cdr:cNvPr id="2" name="Textfeld 1">
-          <a:extLst xmlns:a="http://schemas.openxmlformats.org/drawingml/2006/main">
-            <a:ext uri="{FF2B5EF4-FFF2-40B4-BE49-F238E27FC236}">
-              <a16:creationId xmlns:a16="http://schemas.microsoft.com/office/drawing/2014/main" id="{764D010E-707D-462E-B5A2-6C32A8586D3A}"/>
-            </a:ext>
-          </a:extLst>
-        </cdr:cNvPr>
-        <cdr:cNvSpPr txBox="1"/>
-      </cdr:nvSpPr>
-      <cdr:spPr>
-        <a:xfrm xmlns:a="http://schemas.openxmlformats.org/drawingml/2006/main">
-          <a:off x="3397930" y="2446828"/>
-          <a:ext cx="1171852" cy="447899"/>
-        </a:xfrm>
-        <a:prstGeom xmlns:a="http://schemas.openxmlformats.org/drawingml/2006/main" prst="rect">
-          <a:avLst/>
-        </a:prstGeom>
-      </cdr:spPr>
-      <cdr:txBody>
-        <a:bodyPr xmlns:a="http://schemas.openxmlformats.org/drawingml/2006/main" vertOverflow="clip" wrap="square" rtlCol="0"/>
-        <a:lstStyle xmlns:a="http://schemas.openxmlformats.org/drawingml/2006/main"/>
-        <a:p xmlns:a="http://schemas.openxmlformats.org/drawingml/2006/main">
-          <a:r>
-            <a:rPr lang="de-AT" sz="2000" b="1" dirty="0"/>
-            <a:t>= 105 h</a:t>
-          </a:r>
-        </a:p>
-      </cdr:txBody>
-    </cdr:sp>
-  </cdr:relSizeAnchor>
-  <cdr:relSizeAnchor xmlns:cdr="http://schemas.openxmlformats.org/drawingml/2006/chartDrawing">
-    <cdr:from>
-      <cdr:x>0.21282</cdr:x>
-      <cdr:y>0.69787</cdr:y>
-    </cdr:from>
-    <cdr:to>
-      <cdr:x>0.39466</cdr:x>
-      <cdr:y>0.78996</cdr:y>
-    </cdr:to>
-    <cdr:sp macro="" textlink="">
-      <cdr:nvSpPr>
-        <cdr:cNvPr id="3" name="Textfeld 1">
-          <a:extLst xmlns:a="http://schemas.openxmlformats.org/drawingml/2006/main">
-            <a:ext uri="{FF2B5EF4-FFF2-40B4-BE49-F238E27FC236}">
-              <a16:creationId xmlns:a16="http://schemas.microsoft.com/office/drawing/2014/main" id="{7C4B6A2A-2F87-4367-B1A9-51832C97B80E}"/>
-            </a:ext>
-          </a:extLst>
-        </cdr:cNvPr>
-        <cdr:cNvSpPr txBox="1"/>
-      </cdr:nvSpPr>
-      <cdr:spPr>
-        <a:xfrm xmlns:a="http://schemas.openxmlformats.org/drawingml/2006/main">
-          <a:off x="1371513" y="3394273"/>
-          <a:ext cx="1171852" cy="447899"/>
-        </a:xfrm>
-        <a:prstGeom xmlns:a="http://schemas.openxmlformats.org/drawingml/2006/main" prst="rect">
-          <a:avLst/>
-        </a:prstGeom>
-      </cdr:spPr>
-      <cdr:txBody>
-        <a:bodyPr xmlns:a="http://schemas.openxmlformats.org/drawingml/2006/main" wrap="square" rtlCol="0"/>
-        <a:lstStyle xmlns:a="http://schemas.openxmlformats.org/drawingml/2006/main">
-          <a:lvl1pPr marL="0" indent="0">
-            <a:defRPr sz="1100">
-              <a:latin typeface="+mn-lt"/>
-              <a:ea typeface="+mn-ea"/>
-              <a:cs typeface="+mn-cs"/>
-            </a:defRPr>
-          </a:lvl1pPr>
-          <a:lvl2pPr marL="457200" indent="0">
-            <a:defRPr sz="1100">
-              <a:latin typeface="+mn-lt"/>
-              <a:ea typeface="+mn-ea"/>
-              <a:cs typeface="+mn-cs"/>
-            </a:defRPr>
-          </a:lvl2pPr>
-          <a:lvl3pPr marL="914400" indent="0">
-            <a:defRPr sz="1100">
-              <a:latin typeface="+mn-lt"/>
-              <a:ea typeface="+mn-ea"/>
-              <a:cs typeface="+mn-cs"/>
-            </a:defRPr>
-          </a:lvl3pPr>
-          <a:lvl4pPr marL="1371600" indent="0">
-            <a:defRPr sz="1100">
-              <a:latin typeface="+mn-lt"/>
-              <a:ea typeface="+mn-ea"/>
-              <a:cs typeface="+mn-cs"/>
-            </a:defRPr>
-          </a:lvl4pPr>
-          <a:lvl5pPr marL="1828800" indent="0">
-            <a:defRPr sz="1100">
-              <a:latin typeface="+mn-lt"/>
-              <a:ea typeface="+mn-ea"/>
-              <a:cs typeface="+mn-cs"/>
-            </a:defRPr>
-          </a:lvl5pPr>
-          <a:lvl6pPr marL="2286000" indent="0">
-            <a:defRPr sz="1100">
-              <a:latin typeface="+mn-lt"/>
-              <a:ea typeface="+mn-ea"/>
-              <a:cs typeface="+mn-cs"/>
-            </a:defRPr>
-          </a:lvl6pPr>
-          <a:lvl7pPr marL="2743200" indent="0">
-            <a:defRPr sz="1100">
-              <a:latin typeface="+mn-lt"/>
-              <a:ea typeface="+mn-ea"/>
-              <a:cs typeface="+mn-cs"/>
-            </a:defRPr>
-          </a:lvl7pPr>
-          <a:lvl8pPr marL="3200400" indent="0">
-            <a:defRPr sz="1100">
-              <a:latin typeface="+mn-lt"/>
-              <a:ea typeface="+mn-ea"/>
-              <a:cs typeface="+mn-cs"/>
-            </a:defRPr>
-          </a:lvl8pPr>
-          <a:lvl9pPr marL="3657600" indent="0">
-            <a:defRPr sz="1100">
-              <a:latin typeface="+mn-lt"/>
-              <a:ea typeface="+mn-ea"/>
-              <a:cs typeface="+mn-cs"/>
-            </a:defRPr>
-          </a:lvl9pPr>
-        </a:lstStyle>
-        <a:p xmlns:a="http://schemas.openxmlformats.org/drawingml/2006/main">
-          <a:r>
-            <a:rPr lang="de-AT" sz="2000" b="1" dirty="0"/>
-            <a:t>= 98 h</a:t>
-          </a:r>
-        </a:p>
-      </cdr:txBody>
-    </cdr:sp>
-  </cdr:relSizeAnchor>
-</c:userShapes>
-</file>
-
 <file path=ppt/notesMasters/notesMaster1.xml><?xml version="1.0" encoding="utf-8"?>
 <p:notesMaster xmlns:a="http://schemas.openxmlformats.org/drawingml/2006/main" xmlns:r="http://schemas.openxmlformats.org/officeDocument/2006/relationships" xmlns:p="http://schemas.openxmlformats.org/presentationml/2006/main">
   <p:cSld>
@@ -8667,7 +5193,7 @@
           <a:p>
             <a:fld id="{63CA2310-8BCF-4A82-9E14-004A80B6FD7C}" type="datetimeFigureOut">
               <a:rPr lang="de-AT" smtClean="0"/>
-              <a:t>02.04.2019</a:t>
+              <a:t>07.05.2019</a:t>
             </a:fld>
             <a:endParaRPr lang="de-AT"/>
           </a:p>
@@ -9084,7 +5610,7 @@
           <a:p>
             <a:fld id="{04B7B1CB-EE3B-4A3E-A31C-A53455453B89}" type="datetime1">
               <a:rPr lang="de-AT" smtClean="0"/>
-              <a:t>02.04.2019</a:t>
+              <a:t>07.05.2019</a:t>
             </a:fld>
             <a:endParaRPr lang="de-AT"/>
           </a:p>
@@ -9299,7 +5825,7 @@
           <a:p>
             <a:fld id="{903E7589-FFE5-4C1C-A17A-661FFD6F84A5}" type="datetime1">
               <a:rPr lang="de-AT" smtClean="0"/>
-              <a:t>02.04.2019</a:t>
+              <a:t>07.05.2019</a:t>
             </a:fld>
             <a:endParaRPr lang="de-AT"/>
           </a:p>
@@ -9524,7 +6050,7 @@
           <a:p>
             <a:fld id="{67363B0C-4E91-4AEE-9453-15AD6684103F}" type="datetime1">
               <a:rPr lang="de-AT" smtClean="0"/>
-              <a:t>02.04.2019</a:t>
+              <a:t>07.05.2019</a:t>
             </a:fld>
             <a:endParaRPr lang="de-AT"/>
           </a:p>
@@ -9739,7 +6265,7 @@
           <a:p>
             <a:fld id="{FD6292B7-70A6-4C50-B923-B35761BCED52}" type="datetime1">
               <a:rPr lang="de-AT" smtClean="0"/>
-              <a:t>02.04.2019</a:t>
+              <a:t>07.05.2019</a:t>
             </a:fld>
             <a:endParaRPr lang="de-AT"/>
           </a:p>
@@ -10030,7 +6556,7 @@
           <a:p>
             <a:fld id="{375F7439-D609-4E1B-818A-B2C3580B9669}" type="datetime1">
               <a:rPr lang="de-AT" smtClean="0"/>
-              <a:t>02.04.2019</a:t>
+              <a:t>07.05.2019</a:t>
             </a:fld>
             <a:endParaRPr lang="de-AT"/>
           </a:p>
@@ -10313,7 +6839,7 @@
           <a:p>
             <a:fld id="{56C603BB-499A-400B-9575-F941A4FF7CB0}" type="datetime1">
               <a:rPr lang="de-AT" smtClean="0"/>
-              <a:t>02.04.2019</a:t>
+              <a:t>07.05.2019</a:t>
             </a:fld>
             <a:endParaRPr lang="de-AT"/>
           </a:p>
@@ -10743,7 +7269,7 @@
           <a:p>
             <a:fld id="{248E0D6C-5F53-4BF6-B217-0202DDFB8ECF}" type="datetime1">
               <a:rPr lang="de-AT" smtClean="0"/>
-              <a:t>02.04.2019</a:t>
+              <a:t>07.05.2019</a:t>
             </a:fld>
             <a:endParaRPr lang="de-AT"/>
           </a:p>
@@ -10900,7 +7426,7 @@
           <a:p>
             <a:fld id="{87B8DEF8-B6CD-4ABF-B782-D220D65E7EB0}" type="datetime1">
               <a:rPr lang="de-AT" smtClean="0"/>
-              <a:t>02.04.2019</a:t>
+              <a:t>07.05.2019</a:t>
             </a:fld>
             <a:endParaRPr lang="de-AT"/>
           </a:p>
@@ -11028,7 +7554,7 @@
           <a:p>
             <a:fld id="{02BFEA8B-0EEA-49BE-BC19-2474A17A97DD}" type="datetime1">
               <a:rPr lang="de-AT" smtClean="0"/>
-              <a:t>02.04.2019</a:t>
+              <a:t>07.05.2019</a:t>
             </a:fld>
             <a:endParaRPr lang="de-AT"/>
           </a:p>
@@ -11356,7 +7882,7 @@
           <a:p>
             <a:fld id="{9DE49396-A74B-4A7F-9FEA-5C0D177F4AF6}" type="datetime1">
               <a:rPr lang="de-AT" smtClean="0"/>
-              <a:t>02.04.2019</a:t>
+              <a:t>07.05.2019</a:t>
             </a:fld>
             <a:endParaRPr lang="de-AT"/>
           </a:p>
@@ -11660,7 +8186,7 @@
           <a:p>
             <a:fld id="{5C8883B4-AE7B-4968-9F85-1D972A8B114A}" type="datetime1">
               <a:rPr lang="de-AT" smtClean="0"/>
-              <a:t>02.04.2019</a:t>
+              <a:t>07.05.2019</a:t>
             </a:fld>
             <a:endParaRPr lang="de-AT"/>
           </a:p>
@@ -11921,7 +8447,7 @@
           <a:p>
             <a:fld id="{67614832-DF44-4D59-A3C8-8BBE1533FF73}" type="datetime1">
               <a:rPr lang="de-AT" smtClean="0"/>
-              <a:t>02.04.2019</a:t>
+              <a:t>07.05.2019</a:t>
             </a:fld>
             <a:endParaRPr lang="de-AT"/>
           </a:p>
@@ -12866,7 +9392,7 @@
               </a:lnSpc>
             </a:pPr>
             <a:r>
-              <a:rPr lang="de-DE" dirty="0"/>
+              <a:rPr lang="de-DE" b="1" dirty="0"/>
               <a:t>Frontend Prototyp erstellen					27.04.2019</a:t>
             </a:r>
           </a:p>
@@ -12877,7 +9403,7 @@
               </a:lnSpc>
             </a:pPr>
             <a:r>
-              <a:rPr lang="de-DE" dirty="0"/>
+              <a:rPr lang="de-DE" b="1" dirty="0"/>
               <a:t>Message Handler einrichten					27.04.2019</a:t>
             </a:r>
           </a:p>
@@ -12888,7 +9414,7 @@
               </a:lnSpc>
             </a:pPr>
             <a:r>
-              <a:rPr lang="de-DE" dirty="0"/>
+              <a:rPr lang="de-DE" b="1" dirty="0"/>
               <a:t>Datenbank aufsetzen &amp; DB Handler einrichten		08.05.2019</a:t>
             </a:r>
           </a:p>
@@ -13112,6 +9638,147 @@
         <p:spPr bwMode="auto">
           <a:xfrm>
             <a:off x="10985377" y="3081886"/>
+            <a:ext cx="502328" cy="502328"/>
+          </a:xfrm>
+          <a:prstGeom prst="rect">
+            <a:avLst/>
+          </a:prstGeom>
+          <a:noFill/>
+          <a:extLst>
+            <a:ext uri="{909E8E84-426E-40DD-AFC4-6F175D3DCCD1}">
+              <a14:hiddenFill xmlns:a14="http://schemas.microsoft.com/office/drawing/2010/main">
+                <a:solidFill>
+                  <a:srgbClr val="FFFFFF"/>
+                </a:solidFill>
+              </a14:hiddenFill>
+            </a:ext>
+          </a:extLst>
+        </p:spPr>
+      </p:pic>
+      <p:pic>
+        <p:nvPicPr>
+          <p:cNvPr id="11" name="Picture 4" descr="Bildergebnis fÃ¼r hakerl png">
+            <a:extLst>
+              <a:ext uri="{FF2B5EF4-FFF2-40B4-BE49-F238E27FC236}">
+                <a16:creationId xmlns:a16="http://schemas.microsoft.com/office/drawing/2014/main" id="{4384AB54-F882-47B3-8714-D8014CA093D8}"/>
+              </a:ext>
+            </a:extLst>
+          </p:cNvPr>
+          <p:cNvPicPr>
+            <a:picLocks noChangeAspect="1" noChangeArrowheads="1"/>
+          </p:cNvPicPr>
+          <p:nvPr/>
+        </p:nvPicPr>
+        <p:blipFill>
+          <a:blip r:embed="rId4">
+            <a:extLst>
+              <a:ext uri="{28A0092B-C50C-407E-A947-70E740481C1C}">
+                <a14:useLocalDpi xmlns:a14="http://schemas.microsoft.com/office/drawing/2010/main" val="0"/>
+              </a:ext>
+            </a:extLst>
+          </a:blip>
+          <a:srcRect/>
+          <a:stretch>
+            <a:fillRect/>
+          </a:stretch>
+        </p:blipFill>
+        <p:spPr bwMode="auto">
+          <a:xfrm>
+            <a:off x="10985377" y="3844496"/>
+            <a:ext cx="502328" cy="502328"/>
+          </a:xfrm>
+          <a:prstGeom prst="rect">
+            <a:avLst/>
+          </a:prstGeom>
+          <a:noFill/>
+          <a:extLst>
+            <a:ext uri="{909E8E84-426E-40DD-AFC4-6F175D3DCCD1}">
+              <a14:hiddenFill xmlns:a14="http://schemas.microsoft.com/office/drawing/2010/main">
+                <a:solidFill>
+                  <a:srgbClr val="FFFFFF"/>
+                </a:solidFill>
+              </a14:hiddenFill>
+            </a:ext>
+          </a:extLst>
+        </p:spPr>
+      </p:pic>
+      <p:pic>
+        <p:nvPicPr>
+          <p:cNvPr id="12" name="Picture 4" descr="Bildergebnis fÃ¼r hakerl png">
+            <a:extLst>
+              <a:ext uri="{FF2B5EF4-FFF2-40B4-BE49-F238E27FC236}">
+                <a16:creationId xmlns:a16="http://schemas.microsoft.com/office/drawing/2014/main" id="{F97505A3-7E71-4ED5-A875-7BD8C6A3C351}"/>
+              </a:ext>
+            </a:extLst>
+          </p:cNvPr>
+          <p:cNvPicPr>
+            <a:picLocks noChangeAspect="1" noChangeArrowheads="1"/>
+          </p:cNvPicPr>
+          <p:nvPr/>
+        </p:nvPicPr>
+        <p:blipFill>
+          <a:blip r:embed="rId4">
+            <a:extLst>
+              <a:ext uri="{28A0092B-C50C-407E-A947-70E740481C1C}">
+                <a14:useLocalDpi xmlns:a14="http://schemas.microsoft.com/office/drawing/2010/main" val="0"/>
+              </a:ext>
+            </a:extLst>
+          </a:blip>
+          <a:srcRect/>
+          <a:stretch>
+            <a:fillRect/>
+          </a:stretch>
+        </p:blipFill>
+        <p:spPr bwMode="auto">
+          <a:xfrm>
+            <a:off x="10985377" y="4607106"/>
+            <a:ext cx="502328" cy="502328"/>
+          </a:xfrm>
+          <a:prstGeom prst="rect">
+            <a:avLst/>
+          </a:prstGeom>
+          <a:noFill/>
+          <a:extLst>
+            <a:ext uri="{909E8E84-426E-40DD-AFC4-6F175D3DCCD1}">
+              <a14:hiddenFill xmlns:a14="http://schemas.microsoft.com/office/drawing/2010/main">
+                <a:solidFill>
+                  <a:srgbClr val="FFFFFF"/>
+                </a:solidFill>
+              </a14:hiddenFill>
+            </a:ext>
+          </a:extLst>
+        </p:spPr>
+      </p:pic>
+      <p:pic>
+        <p:nvPicPr>
+          <p:cNvPr id="13" name="Picture 4" descr="Bildergebnis fÃ¼r hakerl png">
+            <a:extLst>
+              <a:ext uri="{FF2B5EF4-FFF2-40B4-BE49-F238E27FC236}">
+                <a16:creationId xmlns:a16="http://schemas.microsoft.com/office/drawing/2014/main" id="{615DBB0F-72D8-4BE3-8A85-A3106464ACA0}"/>
+              </a:ext>
+            </a:extLst>
+          </p:cNvPr>
+          <p:cNvPicPr>
+            <a:picLocks noChangeAspect="1" noChangeArrowheads="1"/>
+          </p:cNvPicPr>
+          <p:nvPr/>
+        </p:nvPicPr>
+        <p:blipFill>
+          <a:blip r:embed="rId4">
+            <a:extLst>
+              <a:ext uri="{28A0092B-C50C-407E-A947-70E740481C1C}">
+                <a14:useLocalDpi xmlns:a14="http://schemas.microsoft.com/office/drawing/2010/main" val="0"/>
+              </a:ext>
+            </a:extLst>
+          </a:blip>
+          <a:srcRect/>
+          <a:stretch>
+            <a:fillRect/>
+          </a:stretch>
+        </p:blipFill>
+        <p:spPr bwMode="auto">
+          <a:xfrm>
+            <a:off x="10985377" y="5371831"/>
             <a:ext cx="502328" cy="502328"/>
           </a:xfrm>
           <a:prstGeom prst="rect">
@@ -13335,36 +10002,6 @@
           </a:prstGeom>
         </p:spPr>
       </p:pic>
-      <p:graphicFrame>
-        <p:nvGraphicFramePr>
-          <p:cNvPr id="8" name="Diagramm 7">
-            <a:extLst>
-              <a:ext uri="{FF2B5EF4-FFF2-40B4-BE49-F238E27FC236}">
-                <a16:creationId xmlns:a16="http://schemas.microsoft.com/office/drawing/2014/main" id="{A3C1C590-9655-4393-B2D6-67842F3E7005}"/>
-              </a:ext>
-            </a:extLst>
-          </p:cNvPr>
-          <p:cNvGraphicFramePr>
-            <a:graphicFrameLocks/>
-          </p:cNvGraphicFramePr>
-          <p:nvPr>
-            <p:extLst>
-              <p:ext uri="{D42A27DB-BD31-4B8C-83A1-F6EECF244321}">
-                <p14:modId xmlns:p14="http://schemas.microsoft.com/office/powerpoint/2010/main" val="157766081"/>
-              </p:ext>
-            </p:extLst>
-          </p:nvPr>
-        </p:nvGraphicFramePr>
-        <p:xfrm>
-          <a:off x="4343398" y="1387969"/>
-          <a:ext cx="6444527" cy="4863744"/>
-        </p:xfrm>
-        <a:graphic>
-          <a:graphicData uri="http://schemas.openxmlformats.org/drawingml/2006/chart">
-            <c:chart xmlns:c="http://schemas.openxmlformats.org/drawingml/2006/chart" xmlns:r="http://schemas.openxmlformats.org/officeDocument/2006/relationships" r:id="rId4"/>
-          </a:graphicData>
-        </a:graphic>
-      </p:graphicFrame>
       <p:sp>
         <p:nvSpPr>
           <p:cNvPr id="2" name="Textfeld 1">
@@ -13400,7 +10037,7 @@
           <a:p>
             <a:r>
               <a:rPr lang="de-AT" sz="2800" dirty="0"/>
-              <a:t>Eingeplante Stunden: 250</a:t>
+              <a:t>Eingeplante Stunden: 254</a:t>
             </a:r>
           </a:p>
         </p:txBody>
@@ -13420,7 +10057,7 @@
           <p:nvPr/>
         </p:nvPicPr>
         <p:blipFill>
-          <a:blip r:embed="rId5">
+          <a:blip r:embed="rId4">
             <a:extLst>
               <a:ext uri="{28A0092B-C50C-407E-A947-70E740481C1C}">
                 <a14:useLocalDpi xmlns:a14="http://schemas.microsoft.com/office/drawing/2010/main" val="0"/>
@@ -13868,198 +10505,36 @@
           </a:p>
         </p:txBody>
       </p:sp>
-      <p:sp>
-        <p:nvSpPr>
-          <p:cNvPr id="28" name="Textfeld 1">
-            <a:extLst>
-              <a:ext uri="{FF2B5EF4-FFF2-40B4-BE49-F238E27FC236}">
-                <a16:creationId xmlns:a16="http://schemas.microsoft.com/office/drawing/2014/main" id="{7C4B6A2A-2F87-4367-B1A9-51832C97B80E}"/>
-              </a:ext>
-            </a:extLst>
-          </p:cNvPr>
-          <p:cNvSpPr txBox="1"/>
-          <p:nvPr/>
-        </p:nvSpPr>
-        <p:spPr>
-          <a:xfrm>
-            <a:off x="6225155" y="2839806"/>
-            <a:ext cx="1171852" cy="447899"/>
-          </a:xfrm>
-          <a:prstGeom prst="rect">
-            <a:avLst/>
-          </a:prstGeom>
-        </p:spPr>
-        <p:txBody>
-          <a:bodyPr wrap="square" rtlCol="0"/>
-          <a:lstStyle>
-            <a:lvl1pPr marL="0" indent="0">
-              <a:defRPr sz="1100">
-                <a:latin typeface="+mn-lt"/>
-                <a:ea typeface="+mn-ea"/>
-                <a:cs typeface="+mn-cs"/>
-              </a:defRPr>
-            </a:lvl1pPr>
-            <a:lvl2pPr marL="457200" indent="0">
-              <a:defRPr sz="1100">
-                <a:latin typeface="+mn-lt"/>
-                <a:ea typeface="+mn-ea"/>
-                <a:cs typeface="+mn-cs"/>
-              </a:defRPr>
-            </a:lvl2pPr>
-            <a:lvl3pPr marL="914400" indent="0">
-              <a:defRPr sz="1100">
-                <a:latin typeface="+mn-lt"/>
-                <a:ea typeface="+mn-ea"/>
-                <a:cs typeface="+mn-cs"/>
-              </a:defRPr>
-            </a:lvl3pPr>
-            <a:lvl4pPr marL="1371600" indent="0">
-              <a:defRPr sz="1100">
-                <a:latin typeface="+mn-lt"/>
-                <a:ea typeface="+mn-ea"/>
-                <a:cs typeface="+mn-cs"/>
-              </a:defRPr>
-            </a:lvl4pPr>
-            <a:lvl5pPr marL="1828800" indent="0">
-              <a:defRPr sz="1100">
-                <a:latin typeface="+mn-lt"/>
-                <a:ea typeface="+mn-ea"/>
-                <a:cs typeface="+mn-cs"/>
-              </a:defRPr>
-            </a:lvl5pPr>
-            <a:lvl6pPr marL="2286000" indent="0">
-              <a:defRPr sz="1100">
-                <a:latin typeface="+mn-lt"/>
-                <a:ea typeface="+mn-ea"/>
-                <a:cs typeface="+mn-cs"/>
-              </a:defRPr>
-            </a:lvl6pPr>
-            <a:lvl7pPr marL="2743200" indent="0">
-              <a:defRPr sz="1100">
-                <a:latin typeface="+mn-lt"/>
-                <a:ea typeface="+mn-ea"/>
-                <a:cs typeface="+mn-cs"/>
-              </a:defRPr>
-            </a:lvl7pPr>
-            <a:lvl8pPr marL="3200400" indent="0">
-              <a:defRPr sz="1100">
-                <a:latin typeface="+mn-lt"/>
-                <a:ea typeface="+mn-ea"/>
-                <a:cs typeface="+mn-cs"/>
-              </a:defRPr>
-            </a:lvl8pPr>
-            <a:lvl9pPr marL="3657600" indent="0">
-              <a:defRPr sz="1100">
-                <a:latin typeface="+mn-lt"/>
-                <a:ea typeface="+mn-ea"/>
-                <a:cs typeface="+mn-cs"/>
-              </a:defRPr>
-            </a:lvl9pPr>
-          </a:lstStyle>
-          <a:p>
-            <a:r>
-              <a:rPr lang="de-AT" sz="2000" b="1" dirty="0"/>
-              <a:t>= 30 h</a:t>
-            </a:r>
-          </a:p>
-        </p:txBody>
-      </p:sp>
-      <p:sp>
-        <p:nvSpPr>
-          <p:cNvPr id="29" name="Textfeld 1">
-            <a:extLst>
-              <a:ext uri="{FF2B5EF4-FFF2-40B4-BE49-F238E27FC236}">
-                <a16:creationId xmlns:a16="http://schemas.microsoft.com/office/drawing/2014/main" id="{7C4B6A2A-2F87-4367-B1A9-51832C97B80E}"/>
-              </a:ext>
-            </a:extLst>
-          </p:cNvPr>
-          <p:cNvSpPr txBox="1"/>
-          <p:nvPr/>
-        </p:nvSpPr>
-        <p:spPr>
-          <a:xfrm>
-            <a:off x="7152442" y="5717495"/>
-            <a:ext cx="1171852" cy="447899"/>
-          </a:xfrm>
-          <a:prstGeom prst="rect">
-            <a:avLst/>
-          </a:prstGeom>
-        </p:spPr>
-        <p:txBody>
-          <a:bodyPr wrap="square" rtlCol="0"/>
-          <a:lstStyle>
-            <a:lvl1pPr marL="0" indent="0">
-              <a:defRPr sz="1100">
-                <a:latin typeface="+mn-lt"/>
-                <a:ea typeface="+mn-ea"/>
-                <a:cs typeface="+mn-cs"/>
-              </a:defRPr>
-            </a:lvl1pPr>
-            <a:lvl2pPr marL="457200" indent="0">
-              <a:defRPr sz="1100">
-                <a:latin typeface="+mn-lt"/>
-                <a:ea typeface="+mn-ea"/>
-                <a:cs typeface="+mn-cs"/>
-              </a:defRPr>
-            </a:lvl2pPr>
-            <a:lvl3pPr marL="914400" indent="0">
-              <a:defRPr sz="1100">
-                <a:latin typeface="+mn-lt"/>
-                <a:ea typeface="+mn-ea"/>
-                <a:cs typeface="+mn-cs"/>
-              </a:defRPr>
-            </a:lvl3pPr>
-            <a:lvl4pPr marL="1371600" indent="0">
-              <a:defRPr sz="1100">
-                <a:latin typeface="+mn-lt"/>
-                <a:ea typeface="+mn-ea"/>
-                <a:cs typeface="+mn-cs"/>
-              </a:defRPr>
-            </a:lvl4pPr>
-            <a:lvl5pPr marL="1828800" indent="0">
-              <a:defRPr sz="1100">
-                <a:latin typeface="+mn-lt"/>
-                <a:ea typeface="+mn-ea"/>
-                <a:cs typeface="+mn-cs"/>
-              </a:defRPr>
-            </a:lvl5pPr>
-            <a:lvl6pPr marL="2286000" indent="0">
-              <a:defRPr sz="1100">
-                <a:latin typeface="+mn-lt"/>
-                <a:ea typeface="+mn-ea"/>
-                <a:cs typeface="+mn-cs"/>
-              </a:defRPr>
-            </a:lvl6pPr>
-            <a:lvl7pPr marL="2743200" indent="0">
-              <a:defRPr sz="1100">
-                <a:latin typeface="+mn-lt"/>
-                <a:ea typeface="+mn-ea"/>
-                <a:cs typeface="+mn-cs"/>
-              </a:defRPr>
-            </a:lvl7pPr>
-            <a:lvl8pPr marL="3200400" indent="0">
-              <a:defRPr sz="1100">
-                <a:latin typeface="+mn-lt"/>
-                <a:ea typeface="+mn-ea"/>
-                <a:cs typeface="+mn-cs"/>
-              </a:defRPr>
-            </a:lvl8pPr>
-            <a:lvl9pPr marL="3657600" indent="0">
-              <a:defRPr sz="1100">
-                <a:latin typeface="+mn-lt"/>
-                <a:ea typeface="+mn-ea"/>
-                <a:cs typeface="+mn-cs"/>
-              </a:defRPr>
-            </a:lvl9pPr>
-          </a:lstStyle>
-          <a:p>
-            <a:r>
-              <a:rPr lang="de-AT" sz="2000" b="1" dirty="0"/>
-              <a:t>= 17 h</a:t>
-            </a:r>
-          </a:p>
-        </p:txBody>
-      </p:sp>
+      <p:graphicFrame>
+        <p:nvGraphicFramePr>
+          <p:cNvPr id="30" name="Diagramm 29">
+            <a:extLst>
+              <a:ext uri="{FF2B5EF4-FFF2-40B4-BE49-F238E27FC236}">
+                <a16:creationId xmlns:a16="http://schemas.microsoft.com/office/drawing/2014/main" id="{0CDD20A1-FF43-4AFC-8159-8D366125FED0}"/>
+              </a:ext>
+            </a:extLst>
+          </p:cNvPr>
+          <p:cNvGraphicFramePr>
+            <a:graphicFrameLocks/>
+          </p:cNvGraphicFramePr>
+          <p:nvPr>
+            <p:extLst>
+              <p:ext uri="{D42A27DB-BD31-4B8C-83A1-F6EECF244321}">
+                <p14:modId xmlns:p14="http://schemas.microsoft.com/office/powerpoint/2010/main" val="2998729344"/>
+              </p:ext>
+            </p:extLst>
+          </p:nvPr>
+        </p:nvGraphicFramePr>
+        <p:xfrm>
+          <a:off x="4880496" y="1514475"/>
+          <a:ext cx="6608948" cy="4463304"/>
+        </p:xfrm>
+        <a:graphic>
+          <a:graphicData uri="http://schemas.openxmlformats.org/drawingml/2006/chart">
+            <c:chart xmlns:c="http://schemas.openxmlformats.org/drawingml/2006/chart" xmlns:r="http://schemas.openxmlformats.org/officeDocument/2006/relationships" r:id="rId5"/>
+          </a:graphicData>
+        </a:graphic>
+      </p:graphicFrame>
     </p:spTree>
     <p:extLst>
       <p:ext uri="{BB962C8B-B14F-4D97-AF65-F5344CB8AC3E}">
@@ -14194,7 +10669,7 @@
           <p:nvPr/>
         </p:nvPicPr>
         <p:blipFill>
-          <a:blip r:embed="rId3">
+          <a:blip r:embed="rId2">
             <a:extLst>
               <a:ext uri="{28A0092B-C50C-407E-A947-70E740481C1C}">
                 <a14:useLocalDpi xmlns:a14="http://schemas.microsoft.com/office/drawing/2010/main" val="0"/>
@@ -14230,7 +10705,7 @@
           <p:nvPr/>
         </p:nvPicPr>
         <p:blipFill>
-          <a:blip r:embed="rId4">
+          <a:blip r:embed="rId3">
             <a:extLst>
               <a:ext uri="{28A0092B-C50C-407E-A947-70E740481C1C}">
                 <a14:useLocalDpi xmlns:a14="http://schemas.microsoft.com/office/drawing/2010/main" val="0"/>
@@ -14253,10 +10728,10 @@
       </p:pic>
       <p:graphicFrame>
         <p:nvGraphicFramePr>
-          <p:cNvPr id="13" name="Chart 1">
-            <a:extLst>
-              <a:ext uri="{FF2B5EF4-FFF2-40B4-BE49-F238E27FC236}">
-                <a16:creationId xmlns:a16="http://schemas.microsoft.com/office/drawing/2014/main" id="{243E74BC-8F3E-4593-A15D-5DCB6E0075DC}"/>
+          <p:cNvPr id="14" name="Diagramm 13">
+            <a:extLst>
+              <a:ext uri="{FF2B5EF4-FFF2-40B4-BE49-F238E27FC236}">
+                <a16:creationId xmlns:a16="http://schemas.microsoft.com/office/drawing/2014/main" id="{C52165DC-649D-4324-A72E-28352C30A9FA}"/>
               </a:ext>
             </a:extLst>
           </p:cNvPr>
@@ -14266,27 +10741,27 @@
           <p:nvPr>
             <p:extLst>
               <p:ext uri="{D42A27DB-BD31-4B8C-83A1-F6EECF244321}">
-                <p14:modId xmlns:p14="http://schemas.microsoft.com/office/powerpoint/2010/main" val="870130840"/>
+                <p14:modId xmlns:p14="http://schemas.microsoft.com/office/powerpoint/2010/main" val="3382895615"/>
               </p:ext>
             </p:extLst>
           </p:nvPr>
         </p:nvGraphicFramePr>
         <p:xfrm>
-          <a:off x="-938848" y="1452631"/>
-          <a:ext cx="7227888" cy="4638675"/>
+          <a:off x="200024" y="1702420"/>
+          <a:ext cx="5895976" cy="4303872"/>
         </p:xfrm>
         <a:graphic>
           <a:graphicData uri="http://schemas.openxmlformats.org/drawingml/2006/chart">
-            <c:chart xmlns:c="http://schemas.openxmlformats.org/drawingml/2006/chart" xmlns:r="http://schemas.openxmlformats.org/officeDocument/2006/relationships" r:id="rId5"/>
+            <c:chart xmlns:c="http://schemas.openxmlformats.org/drawingml/2006/chart" xmlns:r="http://schemas.openxmlformats.org/officeDocument/2006/relationships" r:id="rId4"/>
           </a:graphicData>
         </a:graphic>
       </p:graphicFrame>
       <p:pic>
         <p:nvPicPr>
-          <p:cNvPr id="15" name="Grafik 14">
-            <a:extLst>
-              <a:ext uri="{FF2B5EF4-FFF2-40B4-BE49-F238E27FC236}">
-                <a16:creationId xmlns:a16="http://schemas.microsoft.com/office/drawing/2014/main" id="{384EAB8A-5987-4500-B989-8BAE5D21B39F}"/>
+          <p:cNvPr id="4" name="Grafik 3">
+            <a:extLst>
+              <a:ext uri="{FF2B5EF4-FFF2-40B4-BE49-F238E27FC236}">
+                <a16:creationId xmlns:a16="http://schemas.microsoft.com/office/drawing/2014/main" id="{7F1F4E28-D892-41D8-AC42-B9BF9A422A5B}"/>
               </a:ext>
             </a:extLst>
           </p:cNvPr>
@@ -14296,15 +10771,51 @@
           <p:nvPr/>
         </p:nvPicPr>
         <p:blipFill>
-          <a:blip r:embed="rId6"/>
+          <a:blip r:embed="rId5"/>
           <a:stretch>
             <a:fillRect/>
           </a:stretch>
         </p:blipFill>
         <p:spPr>
           <a:xfrm>
-            <a:off x="5332538" y="2111810"/>
-            <a:ext cx="6290502" cy="3124959"/>
+            <a:off x="6706554" y="1620678"/>
+            <a:ext cx="4479365" cy="2233678"/>
+          </a:xfrm>
+          <a:prstGeom prst="rect">
+            <a:avLst/>
+          </a:prstGeom>
+        </p:spPr>
+      </p:pic>
+      <p:pic>
+        <p:nvPicPr>
+          <p:cNvPr id="6" name="Grafik 5">
+            <a:extLst>
+              <a:ext uri="{FF2B5EF4-FFF2-40B4-BE49-F238E27FC236}">
+                <a16:creationId xmlns:a16="http://schemas.microsoft.com/office/drawing/2014/main" id="{5D0478BD-639B-416E-8269-C5992CCA103C}"/>
+              </a:ext>
+            </a:extLst>
+          </p:cNvPr>
+          <p:cNvPicPr>
+            <a:picLocks noChangeAspect="1"/>
+          </p:cNvPicPr>
+          <p:nvPr/>
+        </p:nvPicPr>
+        <p:blipFill>
+          <a:blip r:embed="rId6">
+            <a:extLst>
+              <a:ext uri="{28A0092B-C50C-407E-A947-70E740481C1C}">
+                <a14:useLocalDpi xmlns:a14="http://schemas.microsoft.com/office/drawing/2010/main" val="0"/>
+              </a:ext>
+            </a:extLst>
+          </a:blip>
+          <a:stretch>
+            <a:fillRect/>
+          </a:stretch>
+        </p:blipFill>
+        <p:spPr>
+          <a:xfrm>
+            <a:off x="7179825" y="4003191"/>
+            <a:ext cx="3532821" cy="2204323"/>
           </a:xfrm>
           <a:prstGeom prst="rect">
             <a:avLst/>
@@ -14355,6 +10866,233 @@
       </p:grpSpPr>
       <p:sp>
         <p:nvSpPr>
+          <p:cNvPr id="2" name="Fußzeilenplatzhalter 1">
+            <a:extLst>
+              <a:ext uri="{FF2B5EF4-FFF2-40B4-BE49-F238E27FC236}">
+                <a16:creationId xmlns:a16="http://schemas.microsoft.com/office/drawing/2014/main" id="{8750D37B-4B77-45E4-904F-B4957E1D8CDC}"/>
+              </a:ext>
+            </a:extLst>
+          </p:cNvPr>
+          <p:cNvSpPr>
+            <a:spLocks noGrp="1"/>
+          </p:cNvSpPr>
+          <p:nvPr>
+            <p:ph type="ftr" sz="quarter" idx="11"/>
+          </p:nvPr>
+        </p:nvSpPr>
+        <p:spPr>
+          <a:xfrm>
+            <a:off x="4038600" y="6356350"/>
+            <a:ext cx="4114800" cy="365125"/>
+          </a:xfrm>
+        </p:spPr>
+        <p:txBody>
+          <a:bodyPr/>
+          <a:lstStyle/>
+          <a:p>
+            <a:r>
+              <a:rPr lang="de-AT"/>
+              <a:t>Telemetry Gateway Monitoring | IBM Client Innovation Center</a:t>
+            </a:r>
+          </a:p>
+        </p:txBody>
+      </p:sp>
+      <p:sp>
+        <p:nvSpPr>
+          <p:cNvPr id="10" name="Rechteck 9">
+            <a:extLst>
+              <a:ext uri="{FF2B5EF4-FFF2-40B4-BE49-F238E27FC236}">
+                <a16:creationId xmlns:a16="http://schemas.microsoft.com/office/drawing/2014/main" id="{7EAF863E-4578-4A24-BDD6-BC7A435A8660}"/>
+              </a:ext>
+            </a:extLst>
+          </p:cNvPr>
+          <p:cNvSpPr/>
+          <p:nvPr/>
+        </p:nvSpPr>
+        <p:spPr>
+          <a:xfrm>
+            <a:off x="2581946" y="261822"/>
+            <a:ext cx="7028107" cy="1107996"/>
+          </a:xfrm>
+          <a:prstGeom prst="rect">
+            <a:avLst/>
+          </a:prstGeom>
+        </p:spPr>
+        <p:txBody>
+          <a:bodyPr wrap="square">
+            <a:spAutoFit/>
+          </a:bodyPr>
+          <a:lstStyle/>
+          <a:p>
+            <a:pPr algn="ctr"/>
+            <a:r>
+              <a:rPr lang="de-DE" sz="6600" b="1" dirty="0">
+                <a:solidFill>
+                  <a:srgbClr val="72B8A4"/>
+                </a:solidFill>
+              </a:rPr>
+              <a:t>Zeitaufzeichnung</a:t>
+            </a:r>
+            <a:endParaRPr lang="de-AT" sz="4400" b="1" dirty="0">
+              <a:solidFill>
+                <a:srgbClr val="72B8A4"/>
+              </a:solidFill>
+            </a:endParaRPr>
+          </a:p>
+        </p:txBody>
+      </p:sp>
+      <p:pic>
+        <p:nvPicPr>
+          <p:cNvPr id="11" name="Grafik 10">
+            <a:extLst>
+              <a:ext uri="{FF2B5EF4-FFF2-40B4-BE49-F238E27FC236}">
+                <a16:creationId xmlns:a16="http://schemas.microsoft.com/office/drawing/2014/main" id="{C1CF5466-83C3-44FD-B53A-A494AADF08D4}"/>
+              </a:ext>
+            </a:extLst>
+          </p:cNvPr>
+          <p:cNvPicPr>
+            <a:picLocks noChangeAspect="1"/>
+          </p:cNvPicPr>
+          <p:nvPr/>
+        </p:nvPicPr>
+        <p:blipFill>
+          <a:blip r:embed="rId2">
+            <a:extLst>
+              <a:ext uri="{28A0092B-C50C-407E-A947-70E740481C1C}">
+                <a14:useLocalDpi xmlns:a14="http://schemas.microsoft.com/office/drawing/2010/main" val="0"/>
+              </a:ext>
+            </a:extLst>
+          </a:blip>
+          <a:stretch>
+            <a:fillRect/>
+          </a:stretch>
+        </p:blipFill>
+        <p:spPr>
+          <a:xfrm>
+            <a:off x="10743852" y="-39059"/>
+            <a:ext cx="1324151" cy="887389"/>
+          </a:xfrm>
+          <a:prstGeom prst="rect">
+            <a:avLst/>
+          </a:prstGeom>
+        </p:spPr>
+      </p:pic>
+      <p:pic>
+        <p:nvPicPr>
+          <p:cNvPr id="12" name="Grafik 11">
+            <a:extLst>
+              <a:ext uri="{FF2B5EF4-FFF2-40B4-BE49-F238E27FC236}">
+                <a16:creationId xmlns:a16="http://schemas.microsoft.com/office/drawing/2014/main" id="{DA2D76F4-C248-46B6-A790-8718461CC838}"/>
+              </a:ext>
+            </a:extLst>
+          </p:cNvPr>
+          <p:cNvPicPr>
+            <a:picLocks noChangeAspect="1"/>
+          </p:cNvPicPr>
+          <p:nvPr/>
+        </p:nvPicPr>
+        <p:blipFill>
+          <a:blip r:embed="rId3">
+            <a:extLst>
+              <a:ext uri="{28A0092B-C50C-407E-A947-70E740481C1C}">
+                <a14:useLocalDpi xmlns:a14="http://schemas.microsoft.com/office/drawing/2010/main" val="0"/>
+              </a:ext>
+            </a:extLst>
+          </a:blip>
+          <a:stretch>
+            <a:fillRect/>
+          </a:stretch>
+        </p:blipFill>
+        <p:spPr>
+          <a:xfrm>
+            <a:off x="10619857" y="866481"/>
+            <a:ext cx="1572143" cy="370917"/>
+          </a:xfrm>
+          <a:prstGeom prst="rect">
+            <a:avLst/>
+          </a:prstGeom>
+        </p:spPr>
+      </p:pic>
+      <p:pic>
+        <p:nvPicPr>
+          <p:cNvPr id="7" name="Grafik 6">
+            <a:extLst>
+              <a:ext uri="{FF2B5EF4-FFF2-40B4-BE49-F238E27FC236}">
+                <a16:creationId xmlns:a16="http://schemas.microsoft.com/office/drawing/2014/main" id="{B00E427C-AC2E-4842-94A6-E586C091A1D9}"/>
+              </a:ext>
+            </a:extLst>
+          </p:cNvPr>
+          <p:cNvPicPr>
+            <a:picLocks noChangeAspect="1"/>
+          </p:cNvPicPr>
+          <p:nvPr/>
+        </p:nvPicPr>
+        <p:blipFill>
+          <a:blip r:embed="rId4">
+            <a:extLst>
+              <a:ext uri="{28A0092B-C50C-407E-A947-70E740481C1C}">
+                <a14:useLocalDpi xmlns:a14="http://schemas.microsoft.com/office/drawing/2010/main" val="0"/>
+              </a:ext>
+            </a:extLst>
+          </a:blip>
+          <a:stretch>
+            <a:fillRect/>
+          </a:stretch>
+        </p:blipFill>
+        <p:spPr>
+          <a:xfrm>
+            <a:off x="907142" y="1369818"/>
+            <a:ext cx="10377714" cy="4896984"/>
+          </a:xfrm>
+          <a:prstGeom prst="rect">
+            <a:avLst/>
+          </a:prstGeom>
+        </p:spPr>
+      </p:pic>
+    </p:spTree>
+    <p:extLst>
+      <p:ext uri="{BB962C8B-B14F-4D97-AF65-F5344CB8AC3E}">
+        <p14:creationId xmlns:p14="http://schemas.microsoft.com/office/powerpoint/2010/main" val="857609886"/>
+      </p:ext>
+    </p:extLst>
+  </p:cSld>
+  <p:clrMapOvr>
+    <a:masterClrMapping/>
+  </p:clrMapOvr>
+  <mc:AlternateContent xmlns:mc="http://schemas.openxmlformats.org/markup-compatibility/2006" xmlns:p14="http://schemas.microsoft.com/office/powerpoint/2010/main">
+    <mc:Choice Requires="p14">
+      <p:transition spd="slow">
+        <p14:pan/>
+      </p:transition>
+    </mc:Choice>
+    <mc:Fallback xmlns="">
+      <p:transition spd="slow">
+        <p:fade/>
+      </p:transition>
+    </mc:Fallback>
+  </mc:AlternateContent>
+</p:sld>
+</file>
+
+<file path=ppt/slides/slide14.xml><?xml version="1.0" encoding="utf-8"?>
+<p:sld xmlns:a="http://schemas.openxmlformats.org/drawingml/2006/main" xmlns:r="http://schemas.openxmlformats.org/officeDocument/2006/relationships" xmlns:p="http://schemas.openxmlformats.org/presentationml/2006/main">
+  <p:cSld>
+    <p:spTree>
+      <p:nvGrpSpPr>
+        <p:cNvPr id="1" name=""/>
+        <p:cNvGrpSpPr/>
+        <p:nvPr/>
+      </p:nvGrpSpPr>
+      <p:grpSpPr>
+        <a:xfrm>
+          <a:off x="0" y="0"/>
+          <a:ext cx="0" cy="0"/>
+          <a:chOff x="0" y="0"/>
+          <a:chExt cx="0" cy="0"/>
+        </a:xfrm>
+      </p:grpSpPr>
+      <p:sp>
+        <p:nvSpPr>
           <p:cNvPr id="4" name="Rechteck 3">
             <a:extLst>
               <a:ext uri="{FF2B5EF4-FFF2-40B4-BE49-F238E27FC236}">
@@ -14544,40 +11282,12 @@
           </a:graphicData>
         </a:graphic>
       </p:graphicFrame>
-      <p:graphicFrame>
-        <p:nvGraphicFramePr>
-          <p:cNvPr id="5" name="Diagramm 4">
-            <a:extLst>
-              <a:ext uri="{FF2B5EF4-FFF2-40B4-BE49-F238E27FC236}">
-                <a16:creationId xmlns:a16="http://schemas.microsoft.com/office/drawing/2014/main" id="{C45442BE-E568-4034-BF09-6C604677070F}"/>
-              </a:ext>
-            </a:extLst>
-          </p:cNvPr>
-          <p:cNvGraphicFramePr/>
-          <p:nvPr>
-            <p:extLst>
-              <p:ext uri="{D42A27DB-BD31-4B8C-83A1-F6EECF244321}">
-                <p14:modId xmlns:p14="http://schemas.microsoft.com/office/powerpoint/2010/main" val="1046928628"/>
-              </p:ext>
-            </p:extLst>
-          </p:nvPr>
-        </p:nvGraphicFramePr>
-        <p:xfrm>
-          <a:off x="907773" y="1468271"/>
-          <a:ext cx="10376452" cy="1107996"/>
-        </p:xfrm>
-        <a:graphic>
-          <a:graphicData uri="http://schemas.openxmlformats.org/drawingml/2006/diagram">
-            <dgm:relIds xmlns:dgm="http://schemas.openxmlformats.org/drawingml/2006/diagram" xmlns:r="http://schemas.openxmlformats.org/officeDocument/2006/relationships" r:dm="rId5" r:lo="rId6" r:qs="rId7" r:cs="rId8"/>
-          </a:graphicData>
-        </a:graphic>
-      </p:graphicFrame>
       <p:sp>
         <p:nvSpPr>
-          <p:cNvPr id="2" name="Geschweifte Klammer links 1">
-            <a:extLst>
-              <a:ext uri="{FF2B5EF4-FFF2-40B4-BE49-F238E27FC236}">
-                <a16:creationId xmlns:a16="http://schemas.microsoft.com/office/drawing/2014/main" id="{A769774E-3E94-4BDF-B6B5-44141959D78B}"/>
+          <p:cNvPr id="11" name="Geschweifte Klammer links 10">
+            <a:extLst>
+              <a:ext uri="{FF2B5EF4-FFF2-40B4-BE49-F238E27FC236}">
+                <a16:creationId xmlns:a16="http://schemas.microsoft.com/office/drawing/2014/main" id="{EBA68778-0E15-4877-9113-03F971191C82}"/>
               </a:ext>
             </a:extLst>
           </p:cNvPr>
@@ -14586,8 +11296,8 @@
         </p:nvSpPr>
         <p:spPr>
           <a:xfrm>
-            <a:off x="2230773" y="1387969"/>
-            <a:ext cx="177147" cy="1284111"/>
+            <a:off x="1785277" y="1338204"/>
+            <a:ext cx="246722" cy="1181568"/>
           </a:xfrm>
           <a:prstGeom prst="leftBrace">
             <a:avLst/>
@@ -14618,10 +11328,10 @@
       </p:sp>
       <p:sp>
         <p:nvSpPr>
-          <p:cNvPr id="3" name="Textfeld 2">
-            <a:extLst>
-              <a:ext uri="{FF2B5EF4-FFF2-40B4-BE49-F238E27FC236}">
-                <a16:creationId xmlns:a16="http://schemas.microsoft.com/office/drawing/2014/main" id="{2103F9C4-E846-4235-8E79-148535612ADE}"/>
+          <p:cNvPr id="12" name="Textfeld 11">
+            <a:extLst>
+              <a:ext uri="{FF2B5EF4-FFF2-40B4-BE49-F238E27FC236}">
+                <a16:creationId xmlns:a16="http://schemas.microsoft.com/office/drawing/2014/main" id="{A95A835A-4B39-45D4-9194-444F0BA2BD92}"/>
               </a:ext>
             </a:extLst>
           </p:cNvPr>
@@ -14630,8 +11340,8 @@
         </p:nvSpPr>
         <p:spPr>
           <a:xfrm>
-            <a:off x="400220" y="1837603"/>
-            <a:ext cx="1906100" cy="369332"/>
+            <a:off x="125899" y="1632227"/>
+            <a:ext cx="1906100" cy="646331"/>
           </a:xfrm>
           <a:prstGeom prst="rect">
             <a:avLst/>
@@ -14644,19 +11354,27 @@
           </a:bodyPr>
           <a:lstStyle/>
           <a:p>
+            <a:pPr algn="ctr"/>
             <a:r>
               <a:rPr lang="de-AT" b="1" dirty="0"/>
-              <a:t>Vorprojektphase</a:t>
+              <a:t>Sprint 2</a:t>
+            </a:r>
+          </a:p>
+          <a:p>
+            <a:pPr algn="ctr"/>
+            <a:r>
+              <a:rPr lang="de-AT" b="1" dirty="0"/>
+              <a:t>03.04-20.04</a:t>
             </a:r>
           </a:p>
         </p:txBody>
       </p:sp>
       <p:graphicFrame>
         <p:nvGraphicFramePr>
-          <p:cNvPr id="6" name="Tabelle 5">
-            <a:extLst>
-              <a:ext uri="{FF2B5EF4-FFF2-40B4-BE49-F238E27FC236}">
-                <a16:creationId xmlns:a16="http://schemas.microsoft.com/office/drawing/2014/main" id="{302A5C70-B26E-4DFD-AED4-DB5CCC8EC14C}"/>
+          <p:cNvPr id="9" name="Tabelle 8">
+            <a:extLst>
+              <a:ext uri="{FF2B5EF4-FFF2-40B4-BE49-F238E27FC236}">
+                <a16:creationId xmlns:a16="http://schemas.microsoft.com/office/drawing/2014/main" id="{A97C3404-A621-4D81-B593-AF03768E6157}"/>
               </a:ext>
             </a:extLst>
           </p:cNvPr>
@@ -14666,33 +11384,33 @@
           <p:nvPr>
             <p:extLst>
               <p:ext uri="{D42A27DB-BD31-4B8C-83A1-F6EECF244321}">
-                <p14:modId xmlns:p14="http://schemas.microsoft.com/office/powerpoint/2010/main" val="3269676728"/>
+                <p14:modId xmlns:p14="http://schemas.microsoft.com/office/powerpoint/2010/main" val="3454079625"/>
               </p:ext>
             </p:extLst>
           </p:nvPr>
         </p:nvGraphicFramePr>
         <p:xfrm>
-          <a:off x="2031999" y="2874151"/>
-          <a:ext cx="8128000" cy="1483360"/>
+          <a:off x="2031999" y="1399133"/>
+          <a:ext cx="8128000" cy="1112520"/>
         </p:xfrm>
         <a:graphic>
           <a:graphicData uri="http://schemas.openxmlformats.org/drawingml/2006/table">
             <a:tbl>
               <a:tblPr firstRow="1" bandRow="1">
-                <a:tableStyleId>{10A1B5D5-9B99-4C35-A422-299274C87663}</a:tableStyleId>
+                <a:tableStyleId>{93296810-A885-4BE3-A3E7-6D5BEEA58F35}</a:tableStyleId>
               </a:tblPr>
               <a:tblGrid>
                 <a:gridCol w="4064000">
                   <a:extLst>
                     <a:ext uri="{9D8B030D-6E8A-4147-A177-3AD203B41FA5}">
-                      <a16:colId xmlns:a16="http://schemas.microsoft.com/office/drawing/2014/main" val="3561724899"/>
+                      <a16:colId xmlns:a16="http://schemas.microsoft.com/office/drawing/2014/main" val="2653246086"/>
                     </a:ext>
                   </a:extLst>
                 </a:gridCol>
                 <a:gridCol w="4064000">
                   <a:extLst>
                     <a:ext uri="{9D8B030D-6E8A-4147-A177-3AD203B41FA5}">
-                      <a16:colId xmlns:a16="http://schemas.microsoft.com/office/drawing/2014/main" val="2722707418"/>
+                      <a16:colId xmlns:a16="http://schemas.microsoft.com/office/drawing/2014/main" val="2268015057"/>
                     </a:ext>
                   </a:extLst>
                 </a:gridCol>
@@ -14728,7 +11446,7 @@
                 </a:tc>
                 <a:extLst>
                   <a:ext uri="{0D108BD9-81ED-4DB2-BD59-A6C34878D82A}">
-                    <a16:rowId xmlns:a16="http://schemas.microsoft.com/office/drawing/2014/main" val="3599915368"/>
+                    <a16:rowId xmlns:a16="http://schemas.microsoft.com/office/drawing/2014/main" val="2365679738"/>
                   </a:ext>
                 </a:extLst>
               </a:tr>
@@ -14753,17 +11471,14 @@
                     <a:lstStyle/>
                     <a:p>
                       <a:pPr algn="ctr"/>
-                      <a:r>
-                        <a:rPr lang="de-AT" dirty="0"/>
-                        <a:t>Setup</a:t>
-                      </a:r>
+                      <a:endParaRPr lang="de-AT" dirty="0"/>
                     </a:p>
                   </a:txBody>
                   <a:tcPr/>
                 </a:tc>
                 <a:extLst>
                   <a:ext uri="{0D108BD9-81ED-4DB2-BD59-A6C34878D82A}">
-                    <a16:rowId xmlns:a16="http://schemas.microsoft.com/office/drawing/2014/main" val="1181252766"/>
+                    <a16:rowId xmlns:a16="http://schemas.microsoft.com/office/drawing/2014/main" val="1801882380"/>
                   </a:ext>
                 </a:extLst>
               </a:tr>
@@ -14774,54 +11489,12 @@
                     <a:lstStyle/>
                     <a:p>
                       <a:pPr algn="ctr"/>
-                      <a:r>
-                        <a:rPr lang="de-AT" dirty="0" err="1"/>
-                        <a:t>Wireframes</a:t>
-                      </a:r>
-                      <a:r>
-                        <a:rPr lang="de-AT" dirty="0"/>
-                        <a:t> erstellt</a:t>
-                      </a:r>
+                      <a:endParaRPr lang="de-AT" dirty="0"/>
                     </a:p>
                   </a:txBody>
                   <a:tcPr/>
                 </a:tc>
                 <a:tc>
-                  <a:txBody>
-                    <a:bodyPr/>
-                    <a:lstStyle/>
-                    <a:p>
-                      <a:pPr algn="ctr"/>
-                      <a:r>
-                        <a:rPr lang="de-AT" dirty="0"/>
-                        <a:t>Gateway registriert</a:t>
-                      </a:r>
-                    </a:p>
-                  </a:txBody>
-                  <a:tcPr/>
-                </a:tc>
-                <a:extLst>
-                  <a:ext uri="{0D108BD9-81ED-4DB2-BD59-A6C34878D82A}">
-                    <a16:rowId xmlns:a16="http://schemas.microsoft.com/office/drawing/2014/main" val="2424194474"/>
-                  </a:ext>
-                </a:extLst>
-              </a:tr>
-              <a:tr h="370840">
-                <a:tc gridSpan="2">
-                  <a:txBody>
-                    <a:bodyPr/>
-                    <a:lstStyle/>
-                    <a:p>
-                      <a:pPr algn="ctr"/>
-                      <a:r>
-                        <a:rPr lang="de-AT" dirty="0"/>
-                        <a:t>IBM-Cloud eingerichtet</a:t>
-                      </a:r>
-                    </a:p>
-                  </a:txBody>
-                  <a:tcPr/>
-                </a:tc>
-                <a:tc hMerge="1">
                   <a:txBody>
                     <a:bodyPr/>
                     <a:lstStyle/>
@@ -14834,7 +11507,7 @@
                 </a:tc>
                 <a:extLst>
                   <a:ext uri="{0D108BD9-81ED-4DB2-BD59-A6C34878D82A}">
-                    <a16:rowId xmlns:a16="http://schemas.microsoft.com/office/drawing/2014/main" val="2376803202"/>
+                    <a16:rowId xmlns:a16="http://schemas.microsoft.com/office/drawing/2014/main" val="1813149627"/>
                   </a:ext>
                 </a:extLst>
               </a:tr>
@@ -14844,10 +11517,10 @@
       </p:graphicFrame>
       <p:sp>
         <p:nvSpPr>
-          <p:cNvPr id="11" name="Geschweifte Klammer links 10">
-            <a:extLst>
-              <a:ext uri="{FF2B5EF4-FFF2-40B4-BE49-F238E27FC236}">
-                <a16:creationId xmlns:a16="http://schemas.microsoft.com/office/drawing/2014/main" id="{EBA68778-0E15-4877-9113-03F971191C82}"/>
+          <p:cNvPr id="17" name="Geschweifte Klammer links 16">
+            <a:extLst>
+              <a:ext uri="{FF2B5EF4-FFF2-40B4-BE49-F238E27FC236}">
+                <a16:creationId xmlns:a16="http://schemas.microsoft.com/office/drawing/2014/main" id="{2136DDDC-AD1D-4A45-997C-D20D51D6E5C6}"/>
               </a:ext>
             </a:extLst>
           </p:cNvPr>
@@ -14856,8 +11529,8 @@
         </p:nvSpPr>
         <p:spPr>
           <a:xfrm>
-            <a:off x="1785277" y="2757428"/>
-            <a:ext cx="246722" cy="1692651"/>
+            <a:off x="1661916" y="3009844"/>
+            <a:ext cx="246722" cy="1854200"/>
           </a:xfrm>
           <a:prstGeom prst="leftBrace">
             <a:avLst/>
@@ -14888,10 +11561,10 @@
       </p:sp>
       <p:sp>
         <p:nvSpPr>
-          <p:cNvPr id="12" name="Textfeld 11">
-            <a:extLst>
-              <a:ext uri="{FF2B5EF4-FFF2-40B4-BE49-F238E27FC236}">
-                <a16:creationId xmlns:a16="http://schemas.microsoft.com/office/drawing/2014/main" id="{A95A835A-4B39-45D4-9194-444F0BA2BD92}"/>
+          <p:cNvPr id="18" name="Textfeld 17">
+            <a:extLst>
+              <a:ext uri="{FF2B5EF4-FFF2-40B4-BE49-F238E27FC236}">
+                <a16:creationId xmlns:a16="http://schemas.microsoft.com/office/drawing/2014/main" id="{68CC9191-CFA3-4A41-8061-91795BA1548A}"/>
               </a:ext>
             </a:extLst>
           </p:cNvPr>
@@ -14900,7 +11573,7 @@
         </p:nvSpPr>
         <p:spPr>
           <a:xfrm>
-            <a:off x="125899" y="3292665"/>
+            <a:off x="125899" y="3613778"/>
             <a:ext cx="1906100" cy="646331"/>
           </a:xfrm>
           <a:prstGeom prst="rect">
@@ -14917,108 +11590,269 @@
             <a:pPr algn="ctr"/>
             <a:r>
               <a:rPr lang="de-AT" b="1" dirty="0"/>
-              <a:t>Sprint 1</a:t>
+              <a:t>Sprint 3</a:t>
             </a:r>
           </a:p>
           <a:p>
             <a:pPr algn="ctr"/>
             <a:r>
               <a:rPr lang="de-AT" b="1" dirty="0"/>
-              <a:t>13.03-03.04</a:t>
+              <a:t>20.04-08.05</a:t>
             </a:r>
           </a:p>
         </p:txBody>
       </p:sp>
+      <p:graphicFrame>
+        <p:nvGraphicFramePr>
+          <p:cNvPr id="10" name="Tabelle 9">
+            <a:extLst>
+              <a:ext uri="{FF2B5EF4-FFF2-40B4-BE49-F238E27FC236}">
+                <a16:creationId xmlns:a16="http://schemas.microsoft.com/office/drawing/2014/main" id="{1AE5C02A-8479-4BF8-86B2-9F209F6AF77D}"/>
+              </a:ext>
+            </a:extLst>
+          </p:cNvPr>
+          <p:cNvGraphicFramePr>
+            <a:graphicFrameLocks noGrp="1"/>
+          </p:cNvGraphicFramePr>
+          <p:nvPr>
+            <p:extLst>
+              <p:ext uri="{D42A27DB-BD31-4B8C-83A1-F6EECF244321}">
+                <p14:modId xmlns:p14="http://schemas.microsoft.com/office/powerpoint/2010/main" val="1216047300"/>
+              </p:ext>
+            </p:extLst>
+          </p:nvPr>
+        </p:nvGraphicFramePr>
+        <p:xfrm>
+          <a:off x="2031999" y="3009844"/>
+          <a:ext cx="8128000" cy="1854200"/>
+        </p:xfrm>
+        <a:graphic>
+          <a:graphicData uri="http://schemas.openxmlformats.org/drawingml/2006/table">
+            <a:tbl>
+              <a:tblPr firstRow="1" bandRow="1">
+                <a:tableStyleId>{93296810-A885-4BE3-A3E7-6D5BEEA58F35}</a:tableStyleId>
+              </a:tblPr>
+              <a:tblGrid>
+                <a:gridCol w="4064000">
+                  <a:extLst>
+                    <a:ext uri="{9D8B030D-6E8A-4147-A177-3AD203B41FA5}">
+                      <a16:colId xmlns:a16="http://schemas.microsoft.com/office/drawing/2014/main" val="358201545"/>
+                    </a:ext>
+                  </a:extLst>
+                </a:gridCol>
+                <a:gridCol w="4064000">
+                  <a:extLst>
+                    <a:ext uri="{9D8B030D-6E8A-4147-A177-3AD203B41FA5}">
+                      <a16:colId xmlns:a16="http://schemas.microsoft.com/office/drawing/2014/main" val="2864860654"/>
+                    </a:ext>
+                  </a:extLst>
+                </a:gridCol>
+              </a:tblGrid>
+              <a:tr h="370840">
+                <a:tc>
+                  <a:txBody>
+                    <a:bodyPr/>
+                    <a:lstStyle/>
+                    <a:p>
+                      <a:pPr algn="ctr"/>
+                      <a:r>
+                        <a:rPr lang="de-AT" dirty="0"/>
+                        <a:t>Frontend</a:t>
+                      </a:r>
+                    </a:p>
+                  </a:txBody>
+                  <a:tcPr/>
+                </a:tc>
+                <a:tc>
+                  <a:txBody>
+                    <a:bodyPr/>
+                    <a:lstStyle/>
+                    <a:p>
+                      <a:pPr algn="ctr"/>
+                      <a:r>
+                        <a:rPr lang="de-AT" dirty="0"/>
+                        <a:t>Backend</a:t>
+                      </a:r>
+                    </a:p>
+                  </a:txBody>
+                  <a:tcPr/>
+                </a:tc>
+                <a:extLst>
+                  <a:ext uri="{0D108BD9-81ED-4DB2-BD59-A6C34878D82A}">
+                    <a16:rowId xmlns:a16="http://schemas.microsoft.com/office/drawing/2014/main" val="3785025595"/>
+                  </a:ext>
+                </a:extLst>
+              </a:tr>
+              <a:tr h="370840">
+                <a:tc>
+                  <a:txBody>
+                    <a:bodyPr/>
+                    <a:lstStyle/>
+                    <a:p>
+                      <a:pPr algn="ctr"/>
+                      <a:r>
+                        <a:rPr lang="de-AT" dirty="0"/>
+                        <a:t>API-Calls</a:t>
+                      </a:r>
+                    </a:p>
+                  </a:txBody>
+                  <a:tcPr/>
+                </a:tc>
+                <a:tc>
+                  <a:txBody>
+                    <a:bodyPr/>
+                    <a:lstStyle/>
+                    <a:p>
+                      <a:pPr algn="ctr"/>
+                      <a:endParaRPr lang="de-AT" dirty="0"/>
+                    </a:p>
+                  </a:txBody>
+                  <a:tcPr/>
+                </a:tc>
+                <a:extLst>
+                  <a:ext uri="{0D108BD9-81ED-4DB2-BD59-A6C34878D82A}">
+                    <a16:rowId xmlns:a16="http://schemas.microsoft.com/office/drawing/2014/main" val="714782295"/>
+                  </a:ext>
+                </a:extLst>
+              </a:tr>
+              <a:tr h="370840">
+                <a:tc>
+                  <a:txBody>
+                    <a:bodyPr/>
+                    <a:lstStyle/>
+                    <a:p>
+                      <a:pPr algn="ctr"/>
+                      <a:r>
+                        <a:rPr lang="de-AT" dirty="0"/>
+                        <a:t>Device Liste</a:t>
+                      </a:r>
+                    </a:p>
+                  </a:txBody>
+                  <a:tcPr/>
+                </a:tc>
+                <a:tc>
+                  <a:txBody>
+                    <a:bodyPr/>
+                    <a:lstStyle/>
+                    <a:p>
+                      <a:pPr algn="ctr"/>
+                      <a:endParaRPr lang="de-AT" dirty="0"/>
+                    </a:p>
+                  </a:txBody>
+                  <a:tcPr/>
+                </a:tc>
+                <a:extLst>
+                  <a:ext uri="{0D108BD9-81ED-4DB2-BD59-A6C34878D82A}">
+                    <a16:rowId xmlns:a16="http://schemas.microsoft.com/office/drawing/2014/main" val="4104332836"/>
+                  </a:ext>
+                </a:extLst>
+              </a:tr>
+              <a:tr h="370840">
+                <a:tc>
+                  <a:txBody>
+                    <a:bodyPr/>
+                    <a:lstStyle/>
+                    <a:p>
+                      <a:pPr algn="ctr"/>
+                      <a:r>
+                        <a:rPr lang="de-AT" dirty="0"/>
+                        <a:t>Device Details</a:t>
+                      </a:r>
+                    </a:p>
+                  </a:txBody>
+                  <a:tcPr/>
+                </a:tc>
+                <a:tc>
+                  <a:txBody>
+                    <a:bodyPr/>
+                    <a:lstStyle/>
+                    <a:p>
+                      <a:pPr algn="ctr"/>
+                      <a:endParaRPr lang="de-AT" dirty="0"/>
+                    </a:p>
+                  </a:txBody>
+                  <a:tcPr/>
+                </a:tc>
+                <a:extLst>
+                  <a:ext uri="{0D108BD9-81ED-4DB2-BD59-A6C34878D82A}">
+                    <a16:rowId xmlns:a16="http://schemas.microsoft.com/office/drawing/2014/main" val="640455326"/>
+                  </a:ext>
+                </a:extLst>
+              </a:tr>
+              <a:tr h="370840">
+                <a:tc>
+                  <a:txBody>
+                    <a:bodyPr/>
+                    <a:lstStyle/>
+                    <a:p>
+                      <a:pPr algn="ctr"/>
+                      <a:r>
+                        <a:rPr lang="de-AT" dirty="0" err="1"/>
+                        <a:t>Navbar</a:t>
+                      </a:r>
+                      <a:endParaRPr lang="de-AT" dirty="0"/>
+                    </a:p>
+                  </a:txBody>
+                  <a:tcPr/>
+                </a:tc>
+                <a:tc>
+                  <a:txBody>
+                    <a:bodyPr/>
+                    <a:lstStyle/>
+                    <a:p>
+                      <a:pPr algn="ctr"/>
+                      <a:endParaRPr lang="de-AT" dirty="0"/>
+                    </a:p>
+                  </a:txBody>
+                  <a:tcPr/>
+                </a:tc>
+                <a:extLst>
+                  <a:ext uri="{0D108BD9-81ED-4DB2-BD59-A6C34878D82A}">
+                    <a16:rowId xmlns:a16="http://schemas.microsoft.com/office/drawing/2014/main" val="4151965628"/>
+                  </a:ext>
+                </a:extLst>
+              </a:tr>
+            </a:tbl>
+          </a:graphicData>
+        </a:graphic>
+      </p:graphicFrame>
       <p:sp>
         <p:nvSpPr>
-          <p:cNvPr id="16" name="Textfeld 15">
-            <a:extLst>
-              <a:ext uri="{FF2B5EF4-FFF2-40B4-BE49-F238E27FC236}">
-                <a16:creationId xmlns:a16="http://schemas.microsoft.com/office/drawing/2014/main" id="{07A4D95D-50A1-43F5-86A7-2E654606A3F7}"/>
-              </a:ext>
-            </a:extLst>
-          </p:cNvPr>
-          <p:cNvSpPr txBox="1"/>
+          <p:cNvPr id="13" name="Rechteck 12">
+            <a:extLst>
+              <a:ext uri="{FF2B5EF4-FFF2-40B4-BE49-F238E27FC236}">
+                <a16:creationId xmlns:a16="http://schemas.microsoft.com/office/drawing/2014/main" id="{E42371E3-66AA-4834-8365-EF51E922760B}"/>
+              </a:ext>
+            </a:extLst>
+          </p:cNvPr>
+          <p:cNvSpPr/>
           <p:nvPr/>
         </p:nvSpPr>
         <p:spPr>
           <a:xfrm>
-            <a:off x="5657572" y="4852469"/>
-            <a:ext cx="2911942" cy="954107"/>
+            <a:off x="2993241" y="5419656"/>
+            <a:ext cx="6205517" cy="461665"/>
           </a:xfrm>
           <a:prstGeom prst="rect">
             <a:avLst/>
           </a:prstGeom>
-          <a:noFill/>
         </p:spPr>
         <p:txBody>
-          <a:bodyPr wrap="square" rtlCol="0">
+          <a:bodyPr wrap="square">
             <a:spAutoFit/>
           </a:bodyPr>
           <a:lstStyle/>
           <a:p>
-            <a:pPr algn="ctr"/>
-            <a:r>
-              <a:rPr lang="de-AT" sz="2800" b="1" dirty="0"/>
-              <a:t>Sprint 2</a:t>
-            </a:r>
-          </a:p>
-          <a:p>
-            <a:pPr algn="ctr"/>
-            <a:r>
-              <a:rPr lang="de-AT" sz="2800" b="1" dirty="0"/>
-              <a:t>03.04-08.05</a:t>
-            </a:r>
+            <a:r>
+              <a:rPr lang="en-GB" sz="2400" dirty="0">
+                <a:hlinkClick r:id="rId5"/>
+              </a:rPr>
+              <a:t>https://tgm-frontend-app.eu-de.mybluemix.net/</a:t>
+            </a:r>
+            <a:endParaRPr lang="de-AT" sz="2400" dirty="0"/>
           </a:p>
         </p:txBody>
       </p:sp>
-      <p:pic>
-        <p:nvPicPr>
-          <p:cNvPr id="4099" name="Picture 3" descr="Bildergebnis fÃ¼r loading">
-            <a:extLst>
-              <a:ext uri="{FF2B5EF4-FFF2-40B4-BE49-F238E27FC236}">
-                <a16:creationId xmlns:a16="http://schemas.microsoft.com/office/drawing/2014/main" id="{56881D68-E3F7-49B7-943B-92F9DE5E9DD4}"/>
-              </a:ext>
-            </a:extLst>
-          </p:cNvPr>
-          <p:cNvPicPr>
-            <a:picLocks noChangeAspect="1" noChangeArrowheads="1"/>
-          </p:cNvPicPr>
-          <p:nvPr/>
-        </p:nvPicPr>
-        <p:blipFill>
-          <a:blip r:embed="rId10">
-            <a:extLst>
-              <a:ext uri="{28A0092B-C50C-407E-A947-70E740481C1C}">
-                <a14:useLocalDpi xmlns:a14="http://schemas.microsoft.com/office/drawing/2010/main" val="0"/>
-              </a:ext>
-            </a:extLst>
-          </a:blip>
-          <a:srcRect/>
-          <a:stretch>
-            <a:fillRect/>
-          </a:stretch>
-        </p:blipFill>
-        <p:spPr bwMode="auto">
-          <a:xfrm>
-            <a:off x="3684269" y="4650163"/>
-            <a:ext cx="2411730" cy="1358721"/>
-          </a:xfrm>
-          <a:prstGeom prst="rect">
-            <a:avLst/>
-          </a:prstGeom>
-          <a:noFill/>
-          <a:extLst>
-            <a:ext uri="{909E8E84-426E-40DD-AFC4-6F175D3DCCD1}">
-              <a14:hiddenFill xmlns:a14="http://schemas.microsoft.com/office/drawing/2010/main">
-                <a:solidFill>
-                  <a:srgbClr val="FFFFFF"/>
-                </a:solidFill>
-              </a14:hiddenFill>
-            </a:ext>
-          </a:extLst>
-        </p:spPr>
-      </p:pic>
     </p:spTree>
     <p:extLst>
       <p:ext uri="{BB962C8B-B14F-4D97-AF65-F5344CB8AC3E}">
@@ -15044,7 +11878,7 @@
 </p:sld>
 </file>
 
-<file path=ppt/slides/slide14.xml><?xml version="1.0" encoding="utf-8"?>
+<file path=ppt/slides/slide15.xml><?xml version="1.0" encoding="utf-8"?>
 <p:sld xmlns:a="http://schemas.openxmlformats.org/drawingml/2006/main" xmlns:r="http://schemas.openxmlformats.org/officeDocument/2006/relationships" xmlns:p="http://schemas.openxmlformats.org/presentationml/2006/main">
   <p:cSld>
     <p:spTree>
@@ -17480,7 +14314,7 @@
         </p:nvSpPr>
         <p:spPr>
           <a:xfrm>
-            <a:off x="838200" y="2171699"/>
+            <a:off x="838199" y="1051939"/>
             <a:ext cx="10515600" cy="4310063"/>
           </a:xfrm>
         </p:spPr>
@@ -17526,13 +14360,6 @@
               </a:rPr>
               <a:t>Grundlegende Implementierung von Prototypen</a:t>
             </a:r>
-            <a:endParaRPr lang="de-AT" sz="3600" dirty="0">
-              <a:solidFill>
-                <a:schemeClr val="bg2">
-                  <a:lumMod val="25000"/>
-                </a:schemeClr>
-              </a:solidFill>
-            </a:endParaRPr>
           </a:p>
         </p:txBody>
       </p:sp>
@@ -17700,6 +14527,76 @@
           </a:prstGeom>
         </p:spPr>
       </p:pic>
+      <p:pic>
+        <p:nvPicPr>
+          <p:cNvPr id="5" name="Grafik 4">
+            <a:extLst>
+              <a:ext uri="{FF2B5EF4-FFF2-40B4-BE49-F238E27FC236}">
+                <a16:creationId xmlns:a16="http://schemas.microsoft.com/office/drawing/2014/main" id="{0FE51F70-C01D-4E80-9357-E679C8B376CF}"/>
+              </a:ext>
+            </a:extLst>
+          </p:cNvPr>
+          <p:cNvPicPr>
+            <a:picLocks noChangeAspect="1"/>
+          </p:cNvPicPr>
+          <p:nvPr/>
+        </p:nvPicPr>
+        <p:blipFill>
+          <a:blip r:embed="rId4">
+            <a:extLst>
+              <a:ext uri="{28A0092B-C50C-407E-A947-70E740481C1C}">
+                <a14:useLocalDpi xmlns:a14="http://schemas.microsoft.com/office/drawing/2010/main" val="0"/>
+              </a:ext>
+            </a:extLst>
+          </a:blip>
+          <a:stretch>
+            <a:fillRect/>
+          </a:stretch>
+        </p:blipFill>
+        <p:spPr>
+          <a:xfrm>
+            <a:off x="5183015" y="4206312"/>
+            <a:ext cx="1825968" cy="1652864"/>
+          </a:xfrm>
+          <a:prstGeom prst="rect">
+            <a:avLst/>
+          </a:prstGeom>
+        </p:spPr>
+      </p:pic>
+      <p:sp>
+        <p:nvSpPr>
+          <p:cNvPr id="6" name="Rechteck 5">
+            <a:extLst>
+              <a:ext uri="{FF2B5EF4-FFF2-40B4-BE49-F238E27FC236}">
+                <a16:creationId xmlns:a16="http://schemas.microsoft.com/office/drawing/2014/main" id="{4985EFDF-F285-4F28-BF80-F0B3F3FA74FD}"/>
+              </a:ext>
+            </a:extLst>
+          </p:cNvPr>
+          <p:cNvSpPr/>
+          <p:nvPr/>
+        </p:nvSpPr>
+        <p:spPr>
+          <a:xfrm>
+            <a:off x="4952096" y="5907707"/>
+            <a:ext cx="2287806" cy="200055"/>
+          </a:xfrm>
+          <a:prstGeom prst="rect">
+            <a:avLst/>
+          </a:prstGeom>
+        </p:spPr>
+        <p:txBody>
+          <a:bodyPr wrap="none">
+            <a:spAutoFit/>
+          </a:bodyPr>
+          <a:lstStyle/>
+          <a:p>
+            <a:r>
+              <a:rPr lang="de-AT" sz="700" dirty="0"/>
+              <a:t>https://cognigen-cellular.com/images/finish-clipart-1.png</a:t>
+            </a:r>
+          </a:p>
+        </p:txBody>
+      </p:sp>
     </p:spTree>
     <p:extLst>
       <p:ext uri="{BB962C8B-B14F-4D97-AF65-F5344CB8AC3E}">
@@ -17760,13 +14657,13 @@
         </p:nvSpPr>
         <p:spPr>
           <a:xfrm>
-            <a:off x="838200" y="1787525"/>
+            <a:off x="838200" y="1597145"/>
             <a:ext cx="10515600" cy="4351338"/>
           </a:xfrm>
         </p:spPr>
         <p:txBody>
           <a:bodyPr>
-            <a:normAutofit/>
+            <a:normAutofit fontScale="92500" lnSpcReduction="10000"/>
           </a:bodyPr>
           <a:lstStyle/>
           <a:p>
@@ -17819,6 +14716,30 @@
               </a:rPr>
               <a:t>Weniger Zeitdruck</a:t>
             </a:r>
+          </a:p>
+          <a:p>
+            <a:pPr>
+              <a:lnSpc>
+                <a:spcPct val="200000"/>
+              </a:lnSpc>
+            </a:pPr>
+            <a:r>
+              <a:rPr lang="de-DE" sz="3600" dirty="0">
+                <a:solidFill>
+                  <a:schemeClr val="bg2">
+                    <a:lumMod val="25000"/>
+                  </a:schemeClr>
+                </a:solidFill>
+              </a:rPr>
+              <a:t>Auftraggeber hat eine firmeninterne Applikation</a:t>
+            </a:r>
+            <a:endParaRPr lang="de-AT" sz="3600" dirty="0">
+              <a:solidFill>
+                <a:schemeClr val="bg2">
+                  <a:lumMod val="25000"/>
+                </a:schemeClr>
+              </a:solidFill>
+            </a:endParaRPr>
           </a:p>
         </p:txBody>
       </p:sp>
@@ -17893,7 +14814,7 @@
         </p:blipFill>
         <p:spPr>
           <a:xfrm>
-            <a:off x="8062913" y="3259792"/>
+            <a:off x="8190871" y="2558328"/>
             <a:ext cx="3290887" cy="2471301"/>
           </a:xfrm>
           <a:prstGeom prst="rect">
@@ -18000,7 +14921,7 @@
         </p:nvSpPr>
         <p:spPr>
           <a:xfrm>
-            <a:off x="9408454" y="5631065"/>
+            <a:off x="9836314" y="4933480"/>
             <a:ext cx="2073304" cy="200055"/>
           </a:xfrm>
           <a:prstGeom prst="rect">
@@ -18126,13 +15047,13 @@
             <p:ph idx="1"/>
             <p:extLst>
               <p:ext uri="{D42A27DB-BD31-4B8C-83A1-F6EECF244321}">
-                <p14:modId xmlns:p14="http://schemas.microsoft.com/office/powerpoint/2010/main" val="1835715100"/>
+                <p14:modId xmlns:p14="http://schemas.microsoft.com/office/powerpoint/2010/main" val="2579603730"/>
               </p:ext>
             </p:extLst>
           </p:nvPr>
         </p:nvGraphicFramePr>
         <p:xfrm>
-          <a:off x="1785936" y="1917205"/>
+          <a:off x="1785936" y="1833380"/>
           <a:ext cx="8620124" cy="3566993"/>
         </p:xfrm>
         <a:graphic>
@@ -18305,6 +15226,76 @@
           </a:prstGeom>
         </p:spPr>
       </p:pic>
+      <p:pic>
+        <p:nvPicPr>
+          <p:cNvPr id="8" name="Grafik 7" descr="Ein Bild, das Text enthält.&#10;&#10;Automatisch generierte Beschreibung">
+            <a:extLst>
+              <a:ext uri="{FF2B5EF4-FFF2-40B4-BE49-F238E27FC236}">
+                <a16:creationId xmlns:a16="http://schemas.microsoft.com/office/drawing/2014/main" id="{46AF56D6-6655-4F73-B21D-C92A0A7988BD}"/>
+              </a:ext>
+            </a:extLst>
+          </p:cNvPr>
+          <p:cNvPicPr>
+            <a:picLocks noChangeAspect="1"/>
+          </p:cNvPicPr>
+          <p:nvPr/>
+        </p:nvPicPr>
+        <p:blipFill>
+          <a:blip r:embed="rId9">
+            <a:extLst>
+              <a:ext uri="{28A0092B-C50C-407E-A947-70E740481C1C}">
+                <a14:useLocalDpi xmlns:a14="http://schemas.microsoft.com/office/drawing/2010/main" val="0"/>
+              </a:ext>
+            </a:extLst>
+          </a:blip>
+          <a:stretch>
+            <a:fillRect/>
+          </a:stretch>
+        </p:blipFill>
+        <p:spPr>
+          <a:xfrm>
+            <a:off x="236433" y="2628912"/>
+            <a:ext cx="1282141" cy="1600176"/>
+          </a:xfrm>
+          <a:prstGeom prst="rect">
+            <a:avLst/>
+          </a:prstGeom>
+        </p:spPr>
+      </p:pic>
+      <p:sp>
+        <p:nvSpPr>
+          <p:cNvPr id="9" name="Rechteck 8">
+            <a:extLst>
+              <a:ext uri="{FF2B5EF4-FFF2-40B4-BE49-F238E27FC236}">
+                <a16:creationId xmlns:a16="http://schemas.microsoft.com/office/drawing/2014/main" id="{1596E0B4-29D3-41D1-80E0-CE14C6F9DE70}"/>
+              </a:ext>
+            </a:extLst>
+          </p:cNvPr>
+          <p:cNvSpPr/>
+          <p:nvPr/>
+        </p:nvSpPr>
+        <p:spPr>
+          <a:xfrm>
+            <a:off x="95251" y="4229088"/>
+            <a:ext cx="1423323" cy="215444"/>
+          </a:xfrm>
+          <a:prstGeom prst="rect">
+            <a:avLst/>
+          </a:prstGeom>
+        </p:spPr>
+        <p:txBody>
+          <a:bodyPr wrap="square">
+            <a:spAutoFit/>
+          </a:bodyPr>
+          <a:lstStyle/>
+          <a:p>
+            <a:r>
+              <a:rPr lang="de-AT" sz="400" dirty="0"/>
+              <a:t>https://1001freedownloads.s3.amazonaws.com/vector/thumb/123401/sheikh_tuhin_To-Do_List.png</a:t>
+            </a:r>
+          </a:p>
+        </p:txBody>
+      </p:sp>
     </p:spTree>
     <p:extLst>
       <p:ext uri="{BB962C8B-B14F-4D97-AF65-F5344CB8AC3E}">

--- a/Telemetry Gateway Monitoring.pptx
+++ b/Telemetry Gateway Monitoring.pptx
@@ -263,42 +263,112 @@
           </c:dPt>
           <c:dLbls>
             <c:dLbl>
-              <c:idx val="2"/>
-              <c:spPr>
-                <a:noFill/>
-                <a:ln>
-                  <a:noFill/>
-                </a:ln>
-                <a:effectLst/>
-              </c:spPr>
-              <c:txPr>
-                <a:bodyPr rot="0" spcFirstLastPara="1" vertOverflow="ellipsis" vert="horz" wrap="square" lIns="38100" tIns="19050" rIns="38100" bIns="19050" anchor="ctr" anchorCtr="1">
-                  <a:spAutoFit/>
-                </a:bodyPr>
-                <a:lstStyle/>
-                <a:p>
-                  <a:pPr>
-                    <a:defRPr sz="1600" b="1" i="0" u="none" strike="noStrike" kern="1200" baseline="0">
-                      <a:solidFill>
-                        <a:schemeClr val="bg1"/>
-                      </a:solidFill>
-                      <a:latin typeface="+mn-lt"/>
-                      <a:ea typeface="+mn-ea"/>
-                      <a:cs typeface="+mn-cs"/>
-                    </a:defRPr>
-                  </a:pPr>
-                  <a:endParaRPr lang="en-US"/>
-                </a:p>
-              </c:txPr>
+              <c:idx val="0"/>
+              <c:layout>
+                <c:manualLayout>
+                  <c:x val="1.4245837612884131E-3"/>
+                  <c:y val="1.4227128602488201E-3"/>
+                </c:manualLayout>
+              </c:layout>
+              <c:dLblPos val="bestFit"/>
               <c:showLegendKey val="0"/>
-              <c:showVal val="1"/>
+              <c:showVal val="0"/>
               <c:showCatName val="0"/>
               <c:showSerName val="0"/>
               <c:showPercent val="1"/>
               <c:showBubbleSize val="0"/>
               <c:extLst>
+                <c:ext xmlns:c15="http://schemas.microsoft.com/office/drawing/2012/chart" uri="{CE6537A1-D6FC-4f65-9D91-7224C49458BB}"/>
+                <c:ext xmlns:c16="http://schemas.microsoft.com/office/drawing/2014/chart" uri="{C3380CC4-5D6E-409C-BE32-E72D297353CC}">
+                  <c16:uniqueId val="{00000001-FF26-4B0F-9662-7902C2BF97F2}"/>
+                </c:ext>
+              </c:extLst>
+            </c:dLbl>
+            <c:dLbl>
+              <c:idx val="1"/>
+              <c:layout>
+                <c:manualLayout>
+                  <c:x val="-6.2133035393832796E-2"/>
+                  <c:y val="-0.19552309231009135"/>
+                </c:manualLayout>
+              </c:layout>
+              <c:dLblPos val="bestFit"/>
+              <c:showLegendKey val="0"/>
+              <c:showVal val="0"/>
+              <c:showCatName val="0"/>
+              <c:showSerName val="0"/>
+              <c:showPercent val="1"/>
+              <c:showBubbleSize val="0"/>
+              <c:extLst>
+                <c:ext xmlns:c15="http://schemas.microsoft.com/office/drawing/2012/chart" uri="{CE6537A1-D6FC-4f65-9D91-7224C49458BB}"/>
+                <c:ext xmlns:c16="http://schemas.microsoft.com/office/drawing/2014/chart" uri="{C3380CC4-5D6E-409C-BE32-E72D297353CC}">
+                  <c16:uniqueId val="{00000003-FF26-4B0F-9662-7902C2BF97F2}"/>
+                </c:ext>
+              </c:extLst>
+            </c:dLbl>
+            <c:dLbl>
+              <c:idx val="2"/>
+              <c:layout>
+                <c:manualLayout>
+                  <c:x val="-1.8492807024658085E-2"/>
+                  <c:y val="-2.8774647660119051E-3"/>
+                </c:manualLayout>
+              </c:layout>
+              <c:dLblPos val="bestFit"/>
+              <c:showLegendKey val="0"/>
+              <c:showVal val="0"/>
+              <c:showCatName val="0"/>
+              <c:showSerName val="0"/>
+              <c:showPercent val="1"/>
+              <c:showBubbleSize val="0"/>
+              <c:extLst>
+                <c:ext xmlns:c15="http://schemas.microsoft.com/office/drawing/2012/chart" uri="{CE6537A1-D6FC-4f65-9D91-7224C49458BB}"/>
                 <c:ext xmlns:c16="http://schemas.microsoft.com/office/drawing/2014/chart" uri="{C3380CC4-5D6E-409C-BE32-E72D297353CC}">
                   <c16:uniqueId val="{00000005-FF26-4B0F-9662-7902C2BF97F2}"/>
+                </c:ext>
+              </c:extLst>
+            </c:dLbl>
+            <c:dLbl>
+              <c:idx val="3"/>
+              <c:layout>
+                <c:manualLayout>
+                  <c:x val="3.2235084918204836E-3"/>
+                  <c:y val="-0.18613229123537181"/>
+                </c:manualLayout>
+              </c:layout>
+              <c:dLblPos val="bestFit"/>
+              <c:showLegendKey val="0"/>
+              <c:showVal val="0"/>
+              <c:showCatName val="0"/>
+              <c:showSerName val="0"/>
+              <c:showPercent val="1"/>
+              <c:showBubbleSize val="0"/>
+              <c:extLst>
+                <c:ext xmlns:c15="http://schemas.microsoft.com/office/drawing/2012/chart" uri="{CE6537A1-D6FC-4f65-9D91-7224C49458BB}"/>
+                <c:ext xmlns:c16="http://schemas.microsoft.com/office/drawing/2014/chart" uri="{C3380CC4-5D6E-409C-BE32-E72D297353CC}">
+                  <c16:uniqueId val="{00000007-FF26-4B0F-9662-7902C2BF97F2}"/>
+                </c:ext>
+              </c:extLst>
+            </c:dLbl>
+            <c:dLbl>
+              <c:idx val="4"/>
+              <c:layout>
+                <c:manualLayout>
+                  <c:x val="1.8417681603789288E-2"/>
+                  <c:y val="9.2476335916173314E-3"/>
+                </c:manualLayout>
+              </c:layout>
+              <c:dLblPos val="bestFit"/>
+              <c:showLegendKey val="0"/>
+              <c:showVal val="0"/>
+              <c:showCatName val="0"/>
+              <c:showSerName val="0"/>
+              <c:showPercent val="1"/>
+              <c:showBubbleSize val="0"/>
+              <c:extLst>
+                <c:ext xmlns:c15="http://schemas.microsoft.com/office/drawing/2012/chart" uri="{CE6537A1-D6FC-4f65-9D91-7224C49458BB}"/>
+                <c:ext xmlns:c16="http://schemas.microsoft.com/office/drawing/2014/chart" uri="{C3380CC4-5D6E-409C-BE32-E72D297353CC}">
+                  <c16:uniqueId val="{00000009-FF26-4B0F-9662-7902C2BF97F2}"/>
                 </c:ext>
               </c:extLst>
             </c:dLbl>
@@ -316,42 +386,26 @@
               <a:lstStyle/>
               <a:p>
                 <a:pPr>
-                  <a:defRPr sz="1600" b="1" i="0" u="none" strike="noStrike" kern="1200" baseline="0">
+                  <a:defRPr sz="2800" b="0" i="0" u="none" strike="noStrike" kern="1200" baseline="0">
                     <a:solidFill>
-                      <a:schemeClr val="tx1">
-                        <a:lumMod val="75000"/>
-                        <a:lumOff val="25000"/>
-                      </a:schemeClr>
+                      <a:schemeClr val="tx1"/>
                     </a:solidFill>
                     <a:latin typeface="+mn-lt"/>
                     <a:ea typeface="+mn-ea"/>
                     <a:cs typeface="+mn-cs"/>
                   </a:defRPr>
                 </a:pPr>
-                <a:endParaRPr lang="en-US"/>
+                <a:endParaRPr lang="de-DE"/>
               </a:p>
             </c:txPr>
+            <c:dLblPos val="bestFit"/>
             <c:showLegendKey val="0"/>
-            <c:showVal val="1"/>
+            <c:showVal val="0"/>
             <c:showCatName val="0"/>
             <c:showSerName val="0"/>
             <c:showPercent val="1"/>
             <c:showBubbleSize val="0"/>
-            <c:showLeaderLines val="1"/>
-            <c:leaderLines>
-              <c:spPr>
-                <a:ln w="9525" cap="flat" cmpd="sng" algn="ctr">
-                  <a:solidFill>
-                    <a:schemeClr val="tx1">
-                      <a:lumMod val="35000"/>
-                      <a:lumOff val="65000"/>
-                    </a:schemeClr>
-                  </a:solidFill>
-                  <a:round/>
-                </a:ln>
-                <a:effectLst/>
-              </c:spPr>
-            </c:leaderLines>
+            <c:showLeaderLines val="0"/>
             <c:extLst>
               <c:ext xmlns:c15="http://schemas.microsoft.com/office/drawing/2012/chart" uri="{CE6537A1-D6FC-4f65-9D91-7224C49458BB}"/>
             </c:extLst>
@@ -416,7 +470,7 @@
           <c:showSerName val="0"/>
           <c:showPercent val="0"/>
           <c:showBubbleSize val="0"/>
-          <c:showLeaderLines val="1"/>
+          <c:showLeaderLines val="0"/>
         </c:dLbls>
         <c:firstSliceAng val="0"/>
       </c:pieChart>
@@ -430,6 +484,16 @@
     </c:plotArea>
     <c:legend>
       <c:legendPos val="r"/>
+      <c:layout>
+        <c:manualLayout>
+          <c:xMode val="edge"/>
+          <c:yMode val="edge"/>
+          <c:x val="0.64354115057343464"/>
+          <c:y val="0.25433557741081492"/>
+          <c:w val="0.34108575222561899"/>
+          <c:h val="0.57100076535230415"/>
+        </c:manualLayout>
+      </c:layout>
       <c:overlay val="0"/>
       <c:spPr>
         <a:noFill/>
@@ -443,7 +507,7 @@
         <a:lstStyle/>
         <a:p>
           <a:pPr>
-            <a:defRPr sz="1600" b="0" i="0" u="none" strike="noStrike" kern="1200" baseline="0">
+            <a:defRPr sz="1800" b="0" i="0" u="none" strike="noStrike" kern="1200" baseline="0">
               <a:solidFill>
                 <a:schemeClr val="tx1">
                   <a:lumMod val="65000"/>
@@ -455,7 +519,7 @@
               <a:cs typeface="+mn-cs"/>
             </a:defRPr>
           </a:pPr>
-          <a:endParaRPr lang="en-US"/>
+          <a:endParaRPr lang="de-DE"/>
         </a:p>
       </c:txPr>
     </c:legend>
@@ -484,12 +548,13 @@
       <a:pPr>
         <a:defRPr/>
       </a:pPr>
-      <a:endParaRPr lang="en-US"/>
+      <a:endParaRPr lang="de-DE"/>
     </a:p>
   </c:txPr>
   <c:externalData r:id="rId3">
     <c:autoUpdate val="0"/>
   </c:externalData>
+  <c:userShapes r:id="rId4"/>
 </c:chartSpace>
 </file>
 
@@ -563,7 +628,7 @@
               <a:cs typeface="+mn-cs"/>
             </a:defRPr>
           </a:pPr>
-          <a:endParaRPr lang="en-US"/>
+          <a:endParaRPr lang="de-DE"/>
         </a:p>
       </c:txPr>
     </c:title>
@@ -670,7 +735,7 @@
               <a:lstStyle/>
               <a:p>
                 <a:pPr>
-                  <a:defRPr sz="1400" b="1" i="0" u="none" strike="noStrike" kern="1200" baseline="0">
+                  <a:defRPr sz="2000" b="1" i="0" u="none" strike="noStrike" kern="1200" baseline="0">
                     <a:solidFill>
                       <a:schemeClr val="tx1">
                         <a:lumMod val="75000"/>
@@ -682,7 +747,7 @@
                     <a:cs typeface="+mn-cs"/>
                   </a:defRPr>
                 </a:pPr>
-                <a:endParaRPr lang="en-US"/>
+                <a:endParaRPr lang="de-DE"/>
               </a:p>
             </c:txPr>
             <c:showLegendKey val="0"/>
@@ -803,7 +868,7 @@
               <a:cs typeface="+mn-cs"/>
             </a:defRPr>
           </a:pPr>
-          <a:endParaRPr lang="en-US"/>
+          <a:endParaRPr lang="de-DE"/>
         </a:p>
       </c:txPr>
     </c:legend>
@@ -832,130 +897,7 @@
       <a:pPr>
         <a:defRPr/>
       </a:pPr>
-      <a:endParaRPr lang="en-US"/>
-    </a:p>
-  </c:txPr>
-  <c:externalData r:id="rId3">
-    <c:autoUpdate val="0"/>
-  </c:externalData>
-</c:chartSpace>
-</file>
-
-<file path=ppt/charts/chart3.xml><?xml version="1.0" encoding="utf-8"?>
-<c:chartSpace xmlns:c="http://schemas.openxmlformats.org/drawingml/2006/chart" xmlns:a="http://schemas.openxmlformats.org/drawingml/2006/main" xmlns:r="http://schemas.openxmlformats.org/officeDocument/2006/relationships" xmlns:c16r2="http://schemas.microsoft.com/office/drawing/2015/06/chart">
-  <c:date1904 val="0"/>
-  <c:lang val="de-DE"/>
-  <c:roundedCorners val="0"/>
-  <mc:AlternateContent xmlns:mc="http://schemas.openxmlformats.org/markup-compatibility/2006">
-    <mc:Choice xmlns:c14="http://schemas.microsoft.com/office/drawing/2007/8/2/chart" Requires="c14">
-      <c14:style val="102"/>
-    </mc:Choice>
-    <mc:Fallback>
-      <c:style val="2"/>
-    </mc:Fallback>
-  </mc:AlternateContent>
-  <c:chart>
-    <c:autoTitleDeleted val="1"/>
-    <c:plotArea>
-      <c:layout>
-        <c:manualLayout>
-          <c:layoutTarget val="inner"/>
-          <c:xMode val="edge"/>
-          <c:yMode val="edge"/>
-          <c:x val="0.14373855521126691"/>
-          <c:y val="0.1764650853334386"/>
-          <c:w val="0.55881106557548754"/>
-          <c:h val="0.74043226781672722"/>
-        </c:manualLayout>
-      </c:layout>
-      <c:pieChart>
-        <c:varyColors val="1"/>
-        <c:dLbls>
-          <c:showLegendKey val="0"/>
-          <c:showVal val="0"/>
-          <c:showCatName val="0"/>
-          <c:showSerName val="0"/>
-          <c:showPercent val="1"/>
-          <c:showBubbleSize val="0"/>
-          <c:showLeaderLines val="0"/>
-        </c:dLbls>
-        <c:firstSliceAng val="0"/>
-      </c:pieChart>
-      <c:spPr>
-        <a:noFill/>
-        <a:ln>
-          <a:noFill/>
-        </a:ln>
-        <a:effectLst/>
-      </c:spPr>
-    </c:plotArea>
-    <c:legend>
-      <c:legendPos val="t"/>
-      <c:layout>
-        <c:manualLayout>
-          <c:xMode val="edge"/>
-          <c:yMode val="edge"/>
-          <c:x val="0.73033878203939562"/>
-          <c:y val="0.14722222222222223"/>
-          <c:w val="0.26966121796060438"/>
-          <c:h val="0.76043110236220468"/>
-        </c:manualLayout>
-      </c:layout>
-      <c:overlay val="0"/>
-      <c:spPr>
-        <a:noFill/>
-        <a:ln>
-          <a:noFill/>
-        </a:ln>
-        <a:effectLst/>
-      </c:spPr>
-      <c:txPr>
-        <a:bodyPr rot="0" spcFirstLastPara="1" vertOverflow="ellipsis" vert="horz" wrap="square" anchor="ctr" anchorCtr="1"/>
-        <a:lstStyle/>
-        <a:p>
-          <a:pPr>
-            <a:defRPr sz="1800" b="0" i="0" u="none" strike="noStrike" kern="1200" baseline="0">
-              <a:solidFill>
-                <a:schemeClr val="tx1">
-                  <a:lumMod val="65000"/>
-                  <a:lumOff val="35000"/>
-                </a:schemeClr>
-              </a:solidFill>
-              <a:latin typeface="+mn-lt"/>
-              <a:ea typeface="+mn-ea"/>
-              <a:cs typeface="+mn-cs"/>
-            </a:defRPr>
-          </a:pPr>
-          <a:endParaRPr lang="en-US"/>
-        </a:p>
-      </c:txPr>
-    </c:legend>
-    <c:plotVisOnly val="1"/>
-    <c:dispBlanksAs val="gap"/>
-    <c:extLst>
-      <c:ext xmlns:c16r3="http://schemas.microsoft.com/office/drawing/2017/03/chart" uri="{56B9EC1D-385E-4148-901F-78D8002777C0}">
-        <c16r3:dataDisplayOptions16>
-          <c16r3:dispNaAsBlank val="1"/>
-        </c16r3:dataDisplayOptions16>
-      </c:ext>
-    </c:extLst>
-    <c:showDLblsOverMax val="0"/>
-  </c:chart>
-  <c:spPr>
-    <a:noFill/>
-    <a:ln>
-      <a:noFill/>
-    </a:ln>
-    <a:effectLst/>
-  </c:spPr>
-  <c:txPr>
-    <a:bodyPr/>
-    <a:lstStyle/>
-    <a:p>
-      <a:pPr>
-        <a:defRPr/>
-      </a:pPr>
-      <a:endParaRPr lang="en-US"/>
+      <a:endParaRPr lang="de-DE"/>
     </a:p>
   </c:txPr>
   <c:externalData r:id="rId3">
@@ -1005,46 +947,6 @@
 </file>
 
 <file path=ppt/charts/colors2.xml><?xml version="1.0" encoding="utf-8"?>
-<cs:colorStyle xmlns:cs="http://schemas.microsoft.com/office/drawing/2012/chartStyle" xmlns:a="http://schemas.openxmlformats.org/drawingml/2006/main" meth="cycle" id="10">
-  <a:schemeClr val="accent1"/>
-  <a:schemeClr val="accent2"/>
-  <a:schemeClr val="accent3"/>
-  <a:schemeClr val="accent4"/>
-  <a:schemeClr val="accent5"/>
-  <a:schemeClr val="accent6"/>
-  <cs:variation/>
-  <cs:variation>
-    <a:lumMod val="60000"/>
-  </cs:variation>
-  <cs:variation>
-    <a:lumMod val="80000"/>
-    <a:lumOff val="20000"/>
-  </cs:variation>
-  <cs:variation>
-    <a:lumMod val="80000"/>
-  </cs:variation>
-  <cs:variation>
-    <a:lumMod val="60000"/>
-    <a:lumOff val="40000"/>
-  </cs:variation>
-  <cs:variation>
-    <a:lumMod val="50000"/>
-  </cs:variation>
-  <cs:variation>
-    <a:lumMod val="70000"/>
-    <a:lumOff val="30000"/>
-  </cs:variation>
-  <cs:variation>
-    <a:lumMod val="70000"/>
-  </cs:variation>
-  <cs:variation>
-    <a:lumMod val="50000"/>
-    <a:lumOff val="50000"/>
-  </cs:variation>
-</cs:colorStyle>
-</file>
-
-<file path=ppt/charts/colors3.xml><?xml version="1.0" encoding="utf-8"?>
 <cs:colorStyle xmlns:cs="http://schemas.microsoft.com/office/drawing/2012/chartStyle" xmlns:a="http://schemas.openxmlformats.org/drawingml/2006/main" meth="cycle" id="10">
   <a:schemeClr val="accent1"/>
   <a:schemeClr val="accent2"/>
@@ -1604,525 +1506,6 @@
 </file>
 
 <file path=ppt/charts/style2.xml><?xml version="1.0" encoding="utf-8"?>
-<cs:chartStyle xmlns:cs="http://schemas.microsoft.com/office/drawing/2012/chartStyle" xmlns:a="http://schemas.openxmlformats.org/drawingml/2006/main" id="251">
-  <cs:axisTitle>
-    <cs:lnRef idx="0"/>
-    <cs:fillRef idx="0"/>
-    <cs:effectRef idx="0"/>
-    <cs:fontRef idx="minor">
-      <a:schemeClr val="tx1">
-        <a:lumMod val="65000"/>
-        <a:lumOff val="35000"/>
-      </a:schemeClr>
-    </cs:fontRef>
-    <cs:defRPr sz="1000" kern="1200"/>
-  </cs:axisTitle>
-  <cs:categoryAxis>
-    <cs:lnRef idx="0"/>
-    <cs:fillRef idx="0"/>
-    <cs:effectRef idx="0"/>
-    <cs:fontRef idx="minor">
-      <a:schemeClr val="tx1">
-        <a:lumMod val="65000"/>
-        <a:lumOff val="35000"/>
-      </a:schemeClr>
-    </cs:fontRef>
-    <cs:spPr>
-      <a:ln w="9525" cap="flat" cmpd="sng" algn="ctr">
-        <a:solidFill>
-          <a:schemeClr val="tx1">
-            <a:lumMod val="15000"/>
-            <a:lumOff val="85000"/>
-          </a:schemeClr>
-        </a:solidFill>
-        <a:round/>
-      </a:ln>
-    </cs:spPr>
-    <cs:defRPr sz="900" kern="1200"/>
-  </cs:categoryAxis>
-  <cs:chartArea mods="allowNoFillOverride allowNoLineOverride">
-    <cs:lnRef idx="0"/>
-    <cs:fillRef idx="0"/>
-    <cs:effectRef idx="0"/>
-    <cs:fontRef idx="minor">
-      <a:schemeClr val="tx1"/>
-    </cs:fontRef>
-    <cs:spPr>
-      <a:solidFill>
-        <a:schemeClr val="bg1"/>
-      </a:solidFill>
-      <a:ln w="9525" cap="flat" cmpd="sng" algn="ctr">
-        <a:solidFill>
-          <a:schemeClr val="tx1">
-            <a:lumMod val="15000"/>
-            <a:lumOff val="85000"/>
-          </a:schemeClr>
-        </a:solidFill>
-        <a:round/>
-      </a:ln>
-    </cs:spPr>
-    <cs:defRPr sz="900" kern="1200"/>
-  </cs:chartArea>
-  <cs:dataLabel>
-    <cs:lnRef idx="0"/>
-    <cs:fillRef idx="0"/>
-    <cs:effectRef idx="0"/>
-    <cs:fontRef idx="minor">
-      <a:schemeClr val="tx1">
-        <a:lumMod val="75000"/>
-        <a:lumOff val="25000"/>
-      </a:schemeClr>
-    </cs:fontRef>
-    <cs:defRPr sz="900" kern="1200"/>
-  </cs:dataLabel>
-  <cs:dataLabelCallout>
-    <cs:lnRef idx="0"/>
-    <cs:fillRef idx="0"/>
-    <cs:effectRef idx="0"/>
-    <cs:fontRef idx="minor">
-      <a:schemeClr val="dk1">
-        <a:lumMod val="65000"/>
-        <a:lumOff val="35000"/>
-      </a:schemeClr>
-    </cs:fontRef>
-    <cs:spPr>
-      <a:solidFill>
-        <a:schemeClr val="lt1"/>
-      </a:solidFill>
-      <a:ln>
-        <a:solidFill>
-          <a:schemeClr val="dk1">
-            <a:lumMod val="25000"/>
-            <a:lumOff val="75000"/>
-          </a:schemeClr>
-        </a:solidFill>
-      </a:ln>
-    </cs:spPr>
-    <cs:defRPr sz="900" kern="1200"/>
-    <cs:bodyPr rot="0" spcFirstLastPara="1" vertOverflow="clip" horzOverflow="clip" vert="horz" wrap="square" lIns="36576" tIns="18288" rIns="36576" bIns="18288" anchor="ctr" anchorCtr="1">
-      <a:spAutoFit/>
-    </cs:bodyPr>
-  </cs:dataLabelCallout>
-  <cs:dataPoint>
-    <cs:lnRef idx="0"/>
-    <cs:fillRef idx="1">
-      <cs:styleClr val="auto"/>
-    </cs:fillRef>
-    <cs:effectRef idx="0"/>
-    <cs:fontRef idx="minor">
-      <a:schemeClr val="tx1"/>
-    </cs:fontRef>
-    <cs:spPr>
-      <a:ln w="19050">
-        <a:solidFill>
-          <a:schemeClr val="lt1"/>
-        </a:solidFill>
-      </a:ln>
-    </cs:spPr>
-  </cs:dataPoint>
-  <cs:dataPoint3D>
-    <cs:lnRef idx="0"/>
-    <cs:fillRef idx="1">
-      <cs:styleClr val="auto"/>
-    </cs:fillRef>
-    <cs:effectRef idx="0"/>
-    <cs:fontRef idx="minor">
-      <a:schemeClr val="tx1"/>
-    </cs:fontRef>
-    <cs:spPr>
-      <a:ln w="25400">
-        <a:solidFill>
-          <a:schemeClr val="lt1"/>
-        </a:solidFill>
-      </a:ln>
-    </cs:spPr>
-  </cs:dataPoint3D>
-  <cs:dataPointLine>
-    <cs:lnRef idx="0">
-      <cs:styleClr val="auto"/>
-    </cs:lnRef>
-    <cs:fillRef idx="0"/>
-    <cs:effectRef idx="0"/>
-    <cs:fontRef idx="minor">
-      <a:schemeClr val="tx1"/>
-    </cs:fontRef>
-    <cs:spPr>
-      <a:ln w="28575" cap="rnd">
-        <a:solidFill>
-          <a:schemeClr val="phClr"/>
-        </a:solidFill>
-        <a:round/>
-      </a:ln>
-    </cs:spPr>
-  </cs:dataPointLine>
-  <cs:dataPointMarker>
-    <cs:lnRef idx="0">
-      <cs:styleClr val="auto"/>
-    </cs:lnRef>
-    <cs:fillRef idx="1">
-      <cs:styleClr val="auto"/>
-    </cs:fillRef>
-    <cs:effectRef idx="0"/>
-    <cs:fontRef idx="minor">
-      <a:schemeClr val="tx1"/>
-    </cs:fontRef>
-    <cs:spPr>
-      <a:ln w="9525">
-        <a:solidFill>
-          <a:schemeClr val="phClr"/>
-        </a:solidFill>
-      </a:ln>
-    </cs:spPr>
-  </cs:dataPointMarker>
-  <cs:dataPointMarkerLayout symbol="circle" size="5"/>
-  <cs:dataPointWireframe>
-    <cs:lnRef idx="0">
-      <cs:styleClr val="auto"/>
-    </cs:lnRef>
-    <cs:fillRef idx="0"/>
-    <cs:effectRef idx="0"/>
-    <cs:fontRef idx="minor">
-      <a:schemeClr val="tx1"/>
-    </cs:fontRef>
-    <cs:spPr>
-      <a:ln w="9525" cap="rnd">
-        <a:solidFill>
-          <a:schemeClr val="phClr"/>
-        </a:solidFill>
-        <a:round/>
-      </a:ln>
-    </cs:spPr>
-  </cs:dataPointWireframe>
-  <cs:dataTable>
-    <cs:lnRef idx="0"/>
-    <cs:fillRef idx="0"/>
-    <cs:effectRef idx="0"/>
-    <cs:fontRef idx="minor">
-      <a:schemeClr val="tx1">
-        <a:lumMod val="65000"/>
-        <a:lumOff val="35000"/>
-      </a:schemeClr>
-    </cs:fontRef>
-    <cs:spPr>
-      <a:noFill/>
-      <a:ln w="9525" cap="flat" cmpd="sng" algn="ctr">
-        <a:solidFill>
-          <a:schemeClr val="tx1">
-            <a:lumMod val="15000"/>
-            <a:lumOff val="85000"/>
-          </a:schemeClr>
-        </a:solidFill>
-        <a:round/>
-      </a:ln>
-    </cs:spPr>
-    <cs:defRPr sz="900" kern="1200"/>
-  </cs:dataTable>
-  <cs:downBar>
-    <cs:lnRef idx="0"/>
-    <cs:fillRef idx="0"/>
-    <cs:effectRef idx="0"/>
-    <cs:fontRef idx="minor">
-      <a:schemeClr val="tx1"/>
-    </cs:fontRef>
-    <cs:spPr>
-      <a:solidFill>
-        <a:schemeClr val="dk1">
-          <a:lumMod val="75000"/>
-          <a:lumOff val="25000"/>
-        </a:schemeClr>
-      </a:solidFill>
-      <a:ln w="9525" cap="flat" cmpd="sng" algn="ctr">
-        <a:solidFill>
-          <a:schemeClr val="tx1">
-            <a:lumMod val="65000"/>
-            <a:lumOff val="35000"/>
-          </a:schemeClr>
-        </a:solidFill>
-        <a:round/>
-      </a:ln>
-    </cs:spPr>
-  </cs:downBar>
-  <cs:dropLine>
-    <cs:lnRef idx="0"/>
-    <cs:fillRef idx="0"/>
-    <cs:effectRef idx="0"/>
-    <cs:fontRef idx="minor">
-      <a:schemeClr val="tx1"/>
-    </cs:fontRef>
-    <cs:spPr>
-      <a:ln w="9525" cap="flat" cmpd="sng" algn="ctr">
-        <a:solidFill>
-          <a:schemeClr val="tx1">
-            <a:lumMod val="35000"/>
-            <a:lumOff val="65000"/>
-          </a:schemeClr>
-        </a:solidFill>
-        <a:round/>
-      </a:ln>
-    </cs:spPr>
-  </cs:dropLine>
-  <cs:errorBar>
-    <cs:lnRef idx="0"/>
-    <cs:fillRef idx="0"/>
-    <cs:effectRef idx="0"/>
-    <cs:fontRef idx="minor">
-      <a:schemeClr val="tx1"/>
-    </cs:fontRef>
-    <cs:spPr>
-      <a:ln w="9525" cap="flat" cmpd="sng" algn="ctr">
-        <a:solidFill>
-          <a:schemeClr val="tx1">
-            <a:lumMod val="65000"/>
-            <a:lumOff val="35000"/>
-          </a:schemeClr>
-        </a:solidFill>
-        <a:round/>
-      </a:ln>
-    </cs:spPr>
-  </cs:errorBar>
-  <cs:floor>
-    <cs:lnRef idx="0"/>
-    <cs:fillRef idx="0"/>
-    <cs:effectRef idx="0"/>
-    <cs:fontRef idx="minor">
-      <a:schemeClr val="tx1"/>
-    </cs:fontRef>
-    <cs:spPr>
-      <a:noFill/>
-      <a:ln>
-        <a:noFill/>
-      </a:ln>
-    </cs:spPr>
-  </cs:floor>
-  <cs:gridlineMajor>
-    <cs:lnRef idx="0"/>
-    <cs:fillRef idx="0"/>
-    <cs:effectRef idx="0"/>
-    <cs:fontRef idx="minor">
-      <a:schemeClr val="tx1"/>
-    </cs:fontRef>
-    <cs:spPr>
-      <a:ln w="9525" cap="flat" cmpd="sng" algn="ctr">
-        <a:solidFill>
-          <a:schemeClr val="tx1">
-            <a:lumMod val="15000"/>
-            <a:lumOff val="85000"/>
-          </a:schemeClr>
-        </a:solidFill>
-        <a:round/>
-      </a:ln>
-    </cs:spPr>
-  </cs:gridlineMajor>
-  <cs:gridlineMinor>
-    <cs:lnRef idx="0"/>
-    <cs:fillRef idx="0"/>
-    <cs:effectRef idx="0"/>
-    <cs:fontRef idx="minor">
-      <a:schemeClr val="tx1"/>
-    </cs:fontRef>
-    <cs:spPr>
-      <a:ln w="9525" cap="flat" cmpd="sng" algn="ctr">
-        <a:solidFill>
-          <a:schemeClr val="tx1">
-            <a:lumMod val="5000"/>
-            <a:lumOff val="95000"/>
-          </a:schemeClr>
-        </a:solidFill>
-        <a:round/>
-      </a:ln>
-    </cs:spPr>
-  </cs:gridlineMinor>
-  <cs:hiLoLine>
-    <cs:lnRef idx="0"/>
-    <cs:fillRef idx="0"/>
-    <cs:effectRef idx="0"/>
-    <cs:fontRef idx="minor">
-      <a:schemeClr val="tx1"/>
-    </cs:fontRef>
-    <cs:spPr>
-      <a:ln w="9525" cap="flat" cmpd="sng" algn="ctr">
-        <a:solidFill>
-          <a:schemeClr val="tx1">
-            <a:lumMod val="50000"/>
-            <a:lumOff val="50000"/>
-          </a:schemeClr>
-        </a:solidFill>
-        <a:round/>
-      </a:ln>
-    </cs:spPr>
-  </cs:hiLoLine>
-  <cs:leaderLine>
-    <cs:lnRef idx="0"/>
-    <cs:fillRef idx="0"/>
-    <cs:effectRef idx="0"/>
-    <cs:fontRef idx="minor">
-      <a:schemeClr val="tx1"/>
-    </cs:fontRef>
-    <cs:spPr>
-      <a:ln w="9525" cap="flat" cmpd="sng" algn="ctr">
-        <a:solidFill>
-          <a:schemeClr val="tx1">
-            <a:lumMod val="35000"/>
-            <a:lumOff val="65000"/>
-          </a:schemeClr>
-        </a:solidFill>
-        <a:round/>
-      </a:ln>
-    </cs:spPr>
-  </cs:leaderLine>
-  <cs:legend>
-    <cs:lnRef idx="0"/>
-    <cs:fillRef idx="0"/>
-    <cs:effectRef idx="0"/>
-    <cs:fontRef idx="minor">
-      <a:schemeClr val="tx1">
-        <a:lumMod val="65000"/>
-        <a:lumOff val="35000"/>
-      </a:schemeClr>
-    </cs:fontRef>
-    <cs:defRPr sz="900" kern="1200"/>
-  </cs:legend>
-  <cs:plotArea mods="allowNoFillOverride allowNoLineOverride">
-    <cs:lnRef idx="0"/>
-    <cs:fillRef idx="0"/>
-    <cs:effectRef idx="0"/>
-    <cs:fontRef idx="minor">
-      <a:schemeClr val="tx1"/>
-    </cs:fontRef>
-  </cs:plotArea>
-  <cs:plotArea3D mods="allowNoFillOverride allowNoLineOverride">
-    <cs:lnRef idx="0"/>
-    <cs:fillRef idx="0"/>
-    <cs:effectRef idx="0"/>
-    <cs:fontRef idx="minor">
-      <a:schemeClr val="tx1"/>
-    </cs:fontRef>
-  </cs:plotArea3D>
-  <cs:seriesAxis>
-    <cs:lnRef idx="0"/>
-    <cs:fillRef idx="0"/>
-    <cs:effectRef idx="0"/>
-    <cs:fontRef idx="minor">
-      <a:schemeClr val="tx1">
-        <a:lumMod val="65000"/>
-        <a:lumOff val="35000"/>
-      </a:schemeClr>
-    </cs:fontRef>
-    <cs:defRPr sz="900" kern="1200"/>
-  </cs:seriesAxis>
-  <cs:seriesLine>
-    <cs:lnRef idx="0"/>
-    <cs:fillRef idx="0"/>
-    <cs:effectRef idx="0"/>
-    <cs:fontRef idx="minor">
-      <a:schemeClr val="tx1"/>
-    </cs:fontRef>
-    <cs:spPr>
-      <a:ln w="9525" cap="flat" cmpd="sng" algn="ctr">
-        <a:solidFill>
-          <a:schemeClr val="tx1">
-            <a:lumMod val="35000"/>
-            <a:lumOff val="65000"/>
-          </a:schemeClr>
-        </a:solidFill>
-        <a:round/>
-      </a:ln>
-    </cs:spPr>
-  </cs:seriesLine>
-  <cs:title>
-    <cs:lnRef idx="0"/>
-    <cs:fillRef idx="0"/>
-    <cs:effectRef idx="0"/>
-    <cs:fontRef idx="minor">
-      <a:schemeClr val="tx1">
-        <a:lumMod val="65000"/>
-        <a:lumOff val="35000"/>
-      </a:schemeClr>
-    </cs:fontRef>
-    <cs:defRPr sz="1400" b="0" kern="1200" spc="0" baseline="0"/>
-  </cs:title>
-  <cs:trendline>
-    <cs:lnRef idx="0">
-      <cs:styleClr val="auto"/>
-    </cs:lnRef>
-    <cs:fillRef idx="0"/>
-    <cs:effectRef idx="0"/>
-    <cs:fontRef idx="minor">
-      <a:schemeClr val="tx1"/>
-    </cs:fontRef>
-    <cs:spPr>
-      <a:ln w="19050" cap="rnd">
-        <a:solidFill>
-          <a:schemeClr val="phClr"/>
-        </a:solidFill>
-        <a:prstDash val="sysDot"/>
-      </a:ln>
-    </cs:spPr>
-  </cs:trendline>
-  <cs:trendlineLabel>
-    <cs:lnRef idx="0"/>
-    <cs:fillRef idx="0"/>
-    <cs:effectRef idx="0"/>
-    <cs:fontRef idx="minor">
-      <a:schemeClr val="tx1">
-        <a:lumMod val="65000"/>
-        <a:lumOff val="35000"/>
-      </a:schemeClr>
-    </cs:fontRef>
-    <cs:defRPr sz="900" kern="1200"/>
-  </cs:trendlineLabel>
-  <cs:upBar>
-    <cs:lnRef idx="0"/>
-    <cs:fillRef idx="0"/>
-    <cs:effectRef idx="0"/>
-    <cs:fontRef idx="minor">
-      <a:schemeClr val="tx1"/>
-    </cs:fontRef>
-    <cs:spPr>
-      <a:solidFill>
-        <a:schemeClr val="lt1"/>
-      </a:solidFill>
-      <a:ln w="9525" cap="flat" cmpd="sng" algn="ctr">
-        <a:solidFill>
-          <a:schemeClr val="tx1">
-            <a:lumMod val="65000"/>
-            <a:lumOff val="35000"/>
-          </a:schemeClr>
-        </a:solidFill>
-        <a:round/>
-      </a:ln>
-    </cs:spPr>
-  </cs:upBar>
-  <cs:valueAxis>
-    <cs:lnRef idx="0"/>
-    <cs:fillRef idx="0"/>
-    <cs:effectRef idx="0"/>
-    <cs:fontRef idx="minor">
-      <a:schemeClr val="tx1">
-        <a:lumMod val="65000"/>
-        <a:lumOff val="35000"/>
-      </a:schemeClr>
-    </cs:fontRef>
-    <cs:defRPr sz="900" kern="1200"/>
-  </cs:valueAxis>
-  <cs:wall>
-    <cs:lnRef idx="0"/>
-    <cs:fillRef idx="0"/>
-    <cs:effectRef idx="0"/>
-    <cs:fontRef idx="minor">
-      <a:schemeClr val="tx1"/>
-    </cs:fontRef>
-    <cs:spPr>
-      <a:noFill/>
-      <a:ln>
-        <a:noFill/>
-      </a:ln>
-    </cs:spPr>
-  </cs:wall>
-</cs:chartStyle>
-</file>
-
-<file path=ppt/charts/style3.xml><?xml version="1.0" encoding="utf-8"?>
 <cs:chartStyle xmlns:cs="http://schemas.microsoft.com/office/drawing/2012/chartStyle" xmlns:a="http://schemas.openxmlformats.org/drawingml/2006/main" id="251">
   <cs:axisTitle>
     <cs:lnRef idx="0"/>
@@ -5111,6 +4494,59 @@
 </dgm:styleDef>
 </file>
 
+<file path=ppt/drawings/drawing1.xml><?xml version="1.0" encoding="utf-8"?>
+<c:userShapes xmlns:c="http://schemas.openxmlformats.org/drawingml/2006/chart">
+  <cdr:relSizeAnchor xmlns:cdr="http://schemas.openxmlformats.org/drawingml/2006/chartDrawing">
+    <cdr:from>
+      <cdr:x>0.25047</cdr:x>
+      <cdr:y>0.09379</cdr:y>
+    </cdr:from>
+    <cdr:to>
+      <cdr:x>0.29661</cdr:x>
+      <cdr:y>0.22891</cdr:y>
+    </cdr:to>
+    <cdr:cxnSp macro="">
+      <cdr:nvCxnSpPr>
+        <cdr:cNvPr id="2" name="Gerader Verbinder 1">
+          <a:extLst xmlns:a="http://schemas.openxmlformats.org/drawingml/2006/main">
+            <a:ext uri="{FF2B5EF4-FFF2-40B4-BE49-F238E27FC236}">
+              <a16:creationId xmlns:a16="http://schemas.microsoft.com/office/drawing/2014/main" id="{337F8D01-C137-44DB-87AC-55A186571B5A}"/>
+            </a:ext>
+          </a:extLst>
+        </cdr:cNvPr>
+        <cdr:cNvCxnSpPr>
+          <a:cxnSpLocks xmlns:a="http://schemas.openxmlformats.org/drawingml/2006/main"/>
+        </cdr:cNvCxnSpPr>
+      </cdr:nvCxnSpPr>
+      <cdr:spPr>
+        <a:xfrm xmlns:a="http://schemas.openxmlformats.org/drawingml/2006/main">
+          <a:off x="1655313" y="418593"/>
+          <a:ext cx="304938" cy="603098"/>
+        </a:xfrm>
+        <a:prstGeom xmlns:a="http://schemas.openxmlformats.org/drawingml/2006/main" prst="line">
+          <a:avLst/>
+        </a:prstGeom>
+        <a:ln xmlns:a="http://schemas.openxmlformats.org/drawingml/2006/main" w="28575"/>
+      </cdr:spPr>
+      <cdr:style>
+        <a:lnRef xmlns:a="http://schemas.openxmlformats.org/drawingml/2006/main" idx="1">
+          <a:schemeClr val="dk1"/>
+        </a:lnRef>
+        <a:fillRef xmlns:a="http://schemas.openxmlformats.org/drawingml/2006/main" idx="0">
+          <a:schemeClr val="dk1"/>
+        </a:fillRef>
+        <a:effectRef xmlns:a="http://schemas.openxmlformats.org/drawingml/2006/main" idx="0">
+          <a:schemeClr val="dk1"/>
+        </a:effectRef>
+        <a:fontRef xmlns:a="http://schemas.openxmlformats.org/drawingml/2006/main" idx="minor">
+          <a:schemeClr val="tx1"/>
+        </a:fontRef>
+      </cdr:style>
+    </cdr:cxnSp>
+  </cdr:relSizeAnchor>
+</c:userShapes>
+</file>
+
 <file path=ppt/notesMasters/notesMaster1.xml><?xml version="1.0" encoding="utf-8"?>
 <p:notesMaster xmlns:a="http://schemas.openxmlformats.org/drawingml/2006/main" xmlns:r="http://schemas.openxmlformats.org/officeDocument/2006/relationships" xmlns:p="http://schemas.openxmlformats.org/presentationml/2006/main">
   <p:cSld>
@@ -5193,7 +4629,7 @@
           <a:p>
             <a:fld id="{63CA2310-8BCF-4A82-9E14-004A80B6FD7C}" type="datetimeFigureOut">
               <a:rPr lang="de-AT" smtClean="0"/>
-              <a:t>07.05.2019</a:t>
+              <a:t>08.05.2019</a:t>
             </a:fld>
             <a:endParaRPr lang="de-AT"/>
           </a:p>
@@ -5610,7 +5046,7 @@
           <a:p>
             <a:fld id="{04B7B1CB-EE3B-4A3E-A31C-A53455453B89}" type="datetime1">
               <a:rPr lang="de-AT" smtClean="0"/>
-              <a:t>07.05.2019</a:t>
+              <a:t>08.05.2019</a:t>
             </a:fld>
             <a:endParaRPr lang="de-AT"/>
           </a:p>
@@ -5825,7 +5261,7 @@
           <a:p>
             <a:fld id="{903E7589-FFE5-4C1C-A17A-661FFD6F84A5}" type="datetime1">
               <a:rPr lang="de-AT" smtClean="0"/>
-              <a:t>07.05.2019</a:t>
+              <a:t>08.05.2019</a:t>
             </a:fld>
             <a:endParaRPr lang="de-AT"/>
           </a:p>
@@ -6050,7 +5486,7 @@
           <a:p>
             <a:fld id="{67363B0C-4E91-4AEE-9453-15AD6684103F}" type="datetime1">
               <a:rPr lang="de-AT" smtClean="0"/>
-              <a:t>07.05.2019</a:t>
+              <a:t>08.05.2019</a:t>
             </a:fld>
             <a:endParaRPr lang="de-AT"/>
           </a:p>
@@ -6265,7 +5701,7 @@
           <a:p>
             <a:fld id="{FD6292B7-70A6-4C50-B923-B35761BCED52}" type="datetime1">
               <a:rPr lang="de-AT" smtClean="0"/>
-              <a:t>07.05.2019</a:t>
+              <a:t>08.05.2019</a:t>
             </a:fld>
             <a:endParaRPr lang="de-AT"/>
           </a:p>
@@ -6556,7 +5992,7 @@
           <a:p>
             <a:fld id="{375F7439-D609-4E1B-818A-B2C3580B9669}" type="datetime1">
               <a:rPr lang="de-AT" smtClean="0"/>
-              <a:t>07.05.2019</a:t>
+              <a:t>08.05.2019</a:t>
             </a:fld>
             <a:endParaRPr lang="de-AT"/>
           </a:p>
@@ -6839,7 +6275,7 @@
           <a:p>
             <a:fld id="{56C603BB-499A-400B-9575-F941A4FF7CB0}" type="datetime1">
               <a:rPr lang="de-AT" smtClean="0"/>
-              <a:t>07.05.2019</a:t>
+              <a:t>08.05.2019</a:t>
             </a:fld>
             <a:endParaRPr lang="de-AT"/>
           </a:p>
@@ -7269,7 +6705,7 @@
           <a:p>
             <a:fld id="{248E0D6C-5F53-4BF6-B217-0202DDFB8ECF}" type="datetime1">
               <a:rPr lang="de-AT" smtClean="0"/>
-              <a:t>07.05.2019</a:t>
+              <a:t>08.05.2019</a:t>
             </a:fld>
             <a:endParaRPr lang="de-AT"/>
           </a:p>
@@ -7426,7 +6862,7 @@
           <a:p>
             <a:fld id="{87B8DEF8-B6CD-4ABF-B782-D220D65E7EB0}" type="datetime1">
               <a:rPr lang="de-AT" smtClean="0"/>
-              <a:t>07.05.2019</a:t>
+              <a:t>08.05.2019</a:t>
             </a:fld>
             <a:endParaRPr lang="de-AT"/>
           </a:p>
@@ -7554,7 +6990,7 @@
           <a:p>
             <a:fld id="{02BFEA8B-0EEA-49BE-BC19-2474A17A97DD}" type="datetime1">
               <a:rPr lang="de-AT" smtClean="0"/>
-              <a:t>07.05.2019</a:t>
+              <a:t>08.05.2019</a:t>
             </a:fld>
             <a:endParaRPr lang="de-AT"/>
           </a:p>
@@ -7882,7 +7318,7 @@
           <a:p>
             <a:fld id="{9DE49396-A74B-4A7F-9FEA-5C0D177F4AF6}" type="datetime1">
               <a:rPr lang="de-AT" smtClean="0"/>
-              <a:t>07.05.2019</a:t>
+              <a:t>08.05.2019</a:t>
             </a:fld>
             <a:endParaRPr lang="de-AT"/>
           </a:p>
@@ -8186,7 +7622,7 @@
           <a:p>
             <a:fld id="{5C8883B4-AE7B-4968-9F85-1D972A8B114A}" type="datetime1">
               <a:rPr lang="de-AT" smtClean="0"/>
-              <a:t>07.05.2019</a:t>
+              <a:t>08.05.2019</a:t>
             </a:fld>
             <a:endParaRPr lang="de-AT"/>
           </a:p>
@@ -8447,7 +7883,7 @@
           <a:p>
             <a:fld id="{67614832-DF44-4D59-A3C8-8BBE1533FF73}" type="datetime1">
               <a:rPr lang="de-AT" smtClean="0"/>
-              <a:t>07.05.2019</a:t>
+              <a:t>08.05.2019</a:t>
             </a:fld>
             <a:endParaRPr lang="de-AT"/>
           </a:p>
@@ -10520,14 +9956,14 @@
           <p:nvPr>
             <p:extLst>
               <p:ext uri="{D42A27DB-BD31-4B8C-83A1-F6EECF244321}">
-                <p14:modId xmlns:p14="http://schemas.microsoft.com/office/powerpoint/2010/main" val="2998729344"/>
+                <p14:modId xmlns:p14="http://schemas.microsoft.com/office/powerpoint/2010/main" val="2420595659"/>
               </p:ext>
             </p:extLst>
           </p:nvPr>
         </p:nvGraphicFramePr>
         <p:xfrm>
-          <a:off x="4880496" y="1514475"/>
-          <a:ext cx="6608948" cy="4463304"/>
+          <a:off x="4880495" y="1514475"/>
+          <a:ext cx="7187485" cy="4463304"/>
         </p:xfrm>
         <a:graphic>
           <a:graphicData uri="http://schemas.openxmlformats.org/drawingml/2006/chart">
@@ -10535,6 +9971,162 @@
           </a:graphicData>
         </a:graphic>
       </p:graphicFrame>
+      <p:cxnSp>
+        <p:nvCxnSpPr>
+          <p:cNvPr id="8" name="Gerader Verbinder 7">
+            <a:extLst>
+              <a:ext uri="{FF2B5EF4-FFF2-40B4-BE49-F238E27FC236}">
+                <a16:creationId xmlns:a16="http://schemas.microsoft.com/office/drawing/2014/main" id="{337F8D01-C137-44DB-87AC-55A186571B5A}"/>
+              </a:ext>
+            </a:extLst>
+          </p:cNvPr>
+          <p:cNvCxnSpPr>
+            <a:cxnSpLocks/>
+          </p:cNvCxnSpPr>
+          <p:nvPr/>
+        </p:nvCxnSpPr>
+        <p:spPr>
+          <a:xfrm>
+            <a:off x="5400136" y="2812211"/>
+            <a:ext cx="547686" cy="475494"/>
+          </a:xfrm>
+          <a:prstGeom prst="line">
+            <a:avLst/>
+          </a:prstGeom>
+          <a:ln w="28575"/>
+        </p:spPr>
+        <p:style>
+          <a:lnRef idx="1">
+            <a:schemeClr val="dk1"/>
+          </a:lnRef>
+          <a:fillRef idx="0">
+            <a:schemeClr val="dk1"/>
+          </a:fillRef>
+          <a:effectRef idx="0">
+            <a:schemeClr val="dk1"/>
+          </a:effectRef>
+          <a:fontRef idx="minor">
+            <a:schemeClr val="tx1"/>
+          </a:fontRef>
+        </p:style>
+      </p:cxnSp>
+      <p:cxnSp>
+        <p:nvCxnSpPr>
+          <p:cNvPr id="24" name="Gerader Verbinder 23">
+            <a:extLst>
+              <a:ext uri="{FF2B5EF4-FFF2-40B4-BE49-F238E27FC236}">
+                <a16:creationId xmlns:a16="http://schemas.microsoft.com/office/drawing/2014/main" id="{DE437236-F74E-4D84-8870-874116897864}"/>
+              </a:ext>
+            </a:extLst>
+          </p:cNvPr>
+          <p:cNvCxnSpPr>
+            <a:cxnSpLocks/>
+          </p:cNvCxnSpPr>
+          <p:nvPr/>
+        </p:nvCxnSpPr>
+        <p:spPr>
+          <a:xfrm flipH="1">
+            <a:off x="7297947" y="1919836"/>
+            <a:ext cx="144391" cy="581824"/>
+          </a:xfrm>
+          <a:prstGeom prst="line">
+            <a:avLst/>
+          </a:prstGeom>
+          <a:ln w="28575"/>
+        </p:spPr>
+        <p:style>
+          <a:lnRef idx="1">
+            <a:schemeClr val="dk1"/>
+          </a:lnRef>
+          <a:fillRef idx="0">
+            <a:schemeClr val="dk1"/>
+          </a:fillRef>
+          <a:effectRef idx="0">
+            <a:schemeClr val="dk1"/>
+          </a:effectRef>
+          <a:fontRef idx="minor">
+            <a:schemeClr val="tx1"/>
+          </a:fontRef>
+        </p:style>
+      </p:cxnSp>
+      <p:cxnSp>
+        <p:nvCxnSpPr>
+          <p:cNvPr id="26" name="Gerader Verbinder 25">
+            <a:extLst>
+              <a:ext uri="{FF2B5EF4-FFF2-40B4-BE49-F238E27FC236}">
+                <a16:creationId xmlns:a16="http://schemas.microsoft.com/office/drawing/2014/main" id="{88A39BC6-0D35-46B5-9F69-494877B90DD2}"/>
+              </a:ext>
+            </a:extLst>
+          </p:cNvPr>
+          <p:cNvCxnSpPr>
+            <a:cxnSpLocks/>
+          </p:cNvCxnSpPr>
+          <p:nvPr/>
+        </p:nvCxnSpPr>
+        <p:spPr>
+          <a:xfrm flipH="1">
+            <a:off x="8153401" y="2501660"/>
+            <a:ext cx="438508" cy="681487"/>
+          </a:xfrm>
+          <a:prstGeom prst="line">
+            <a:avLst/>
+          </a:prstGeom>
+          <a:ln w="28575"/>
+        </p:spPr>
+        <p:style>
+          <a:lnRef idx="1">
+            <a:schemeClr val="dk1"/>
+          </a:lnRef>
+          <a:fillRef idx="0">
+            <a:schemeClr val="dk1"/>
+          </a:fillRef>
+          <a:effectRef idx="0">
+            <a:schemeClr val="dk1"/>
+          </a:effectRef>
+          <a:fontRef idx="minor">
+            <a:schemeClr val="tx1"/>
+          </a:fontRef>
+        </p:style>
+      </p:cxnSp>
+      <p:cxnSp>
+        <p:nvCxnSpPr>
+          <p:cNvPr id="28" name="Gerader Verbinder 27">
+            <a:extLst>
+              <a:ext uri="{FF2B5EF4-FFF2-40B4-BE49-F238E27FC236}">
+                <a16:creationId xmlns:a16="http://schemas.microsoft.com/office/drawing/2014/main" id="{7DD5280A-62C6-4D70-B2F2-9B90DEDFA0F3}"/>
+              </a:ext>
+            </a:extLst>
+          </p:cNvPr>
+          <p:cNvCxnSpPr>
+            <a:cxnSpLocks/>
+          </p:cNvCxnSpPr>
+          <p:nvPr/>
+        </p:nvCxnSpPr>
+        <p:spPr>
+          <a:xfrm>
+            <a:off x="7055147" y="4813540"/>
+            <a:ext cx="94150" cy="744118"/>
+          </a:xfrm>
+          <a:prstGeom prst="line">
+            <a:avLst/>
+          </a:prstGeom>
+          <a:ln w="28575"/>
+        </p:spPr>
+        <p:style>
+          <a:lnRef idx="1">
+            <a:schemeClr val="dk1"/>
+          </a:lnRef>
+          <a:fillRef idx="0">
+            <a:schemeClr val="dk1"/>
+          </a:fillRef>
+          <a:effectRef idx="0">
+            <a:schemeClr val="dk1"/>
+          </a:effectRef>
+          <a:fontRef idx="minor">
+            <a:schemeClr val="tx1"/>
+          </a:fontRef>
+        </p:style>
+      </p:cxnSp>
     </p:spTree>
     <p:extLst>
       <p:ext uri="{BB962C8B-B14F-4D97-AF65-F5344CB8AC3E}">
@@ -10741,7 +10333,7 @@
           <p:nvPr>
             <p:extLst>
               <p:ext uri="{D42A27DB-BD31-4B8C-83A1-F6EECF244321}">
-                <p14:modId xmlns:p14="http://schemas.microsoft.com/office/powerpoint/2010/main" val="3382895615"/>
+                <p14:modId xmlns:p14="http://schemas.microsoft.com/office/powerpoint/2010/main" val="82909335"/>
               </p:ext>
             </p:extLst>
           </p:nvPr>
@@ -11256,32 +10848,6 @@
           </a:prstGeom>
         </p:spPr>
       </p:pic>
-      <p:graphicFrame>
-        <p:nvGraphicFramePr>
-          <p:cNvPr id="8" name="Diagramm 7">
-            <a:extLst>
-              <a:ext uri="{FF2B5EF4-FFF2-40B4-BE49-F238E27FC236}">
-                <a16:creationId xmlns:a16="http://schemas.microsoft.com/office/drawing/2014/main" id="{A3C1C590-9655-4393-B2D6-67842F3E7005}"/>
-              </a:ext>
-            </a:extLst>
-          </p:cNvPr>
-          <p:cNvGraphicFramePr>
-            <a:graphicFrameLocks/>
-          </p:cNvGraphicFramePr>
-          <p:nvPr>
-            <p:extLst/>
-          </p:nvPr>
-        </p:nvGraphicFramePr>
-        <p:xfrm>
-          <a:off x="5347251" y="1387969"/>
-          <a:ext cx="6444527" cy="4863744"/>
-        </p:xfrm>
-        <a:graphic>
-          <a:graphicData uri="http://schemas.openxmlformats.org/drawingml/2006/chart">
-            <c:chart xmlns:c="http://schemas.openxmlformats.org/drawingml/2006/chart" xmlns:r="http://schemas.openxmlformats.org/officeDocument/2006/relationships" r:id="rId4"/>
-          </a:graphicData>
-        </a:graphic>
-      </p:graphicFrame>
       <p:sp>
         <p:nvSpPr>
           <p:cNvPr id="11" name="Geschweifte Klammer links 10">
@@ -11384,7 +10950,7 @@
           <p:nvPr>
             <p:extLst>
               <p:ext uri="{D42A27DB-BD31-4B8C-83A1-F6EECF244321}">
-                <p14:modId xmlns:p14="http://schemas.microsoft.com/office/powerpoint/2010/main" val="3454079625"/>
+                <p14:modId xmlns:p14="http://schemas.microsoft.com/office/powerpoint/2010/main" val="3263748258"/>
               </p:ext>
             </p:extLst>
           </p:nvPr>
@@ -11397,7 +10963,7 @@
           <a:graphicData uri="http://schemas.openxmlformats.org/drawingml/2006/table">
             <a:tbl>
               <a:tblPr firstRow="1" bandRow="1">
-                <a:tableStyleId>{93296810-A885-4BE3-A3E7-6D5BEEA58F35}</a:tableStyleId>
+                <a:tableStyleId>{F5AB1C69-6EDB-4FF4-983F-18BD219EF322}</a:tableStyleId>
               </a:tblPr>
               <a:tblGrid>
                 <a:gridCol w="4064000">
@@ -11471,7 +11037,14 @@
                     <a:lstStyle/>
                     <a:p>
                       <a:pPr algn="ctr"/>
-                      <a:endParaRPr lang="de-AT" dirty="0"/>
+                      <a:r>
+                        <a:rPr lang="de-AT" dirty="0" err="1"/>
+                        <a:t>NodRed</a:t>
+                      </a:r>
+                      <a:r>
+                        <a:rPr lang="de-AT" dirty="0"/>
+                        <a:t>-App</a:t>
+                      </a:r>
                     </a:p>
                   </a:txBody>
                   <a:tcPr/>
@@ -11500,7 +11073,10 @@
                     <a:lstStyle/>
                     <a:p>
                       <a:pPr algn="ctr"/>
-                      <a:endParaRPr lang="de-AT" dirty="0"/>
+                      <a:r>
+                        <a:rPr lang="de-AT" dirty="0"/>
+                        <a:t>Message Handler</a:t>
+                      </a:r>
                     </a:p>
                   </a:txBody>
                   <a:tcPr/>
@@ -11617,7 +11193,7 @@
           <p:nvPr>
             <p:extLst>
               <p:ext uri="{D42A27DB-BD31-4B8C-83A1-F6EECF244321}">
-                <p14:modId xmlns:p14="http://schemas.microsoft.com/office/powerpoint/2010/main" val="1216047300"/>
+                <p14:modId xmlns:p14="http://schemas.microsoft.com/office/powerpoint/2010/main" val="539473045"/>
               </p:ext>
             </p:extLst>
           </p:nvPr>
@@ -11630,7 +11206,7 @@
           <a:graphicData uri="http://schemas.openxmlformats.org/drawingml/2006/table">
             <a:tbl>
               <a:tblPr firstRow="1" bandRow="1">
-                <a:tableStyleId>{93296810-A885-4BE3-A3E7-6D5BEEA58F35}</a:tableStyleId>
+                <a:tableStyleId>{F5AB1C69-6EDB-4FF4-983F-18BD219EF322}</a:tableStyleId>
               </a:tblPr>
               <a:tblGrid>
                 <a:gridCol w="4064000">
@@ -11704,6 +11280,14 @@
                     <a:lstStyle/>
                     <a:p>
                       <a:pPr algn="ctr"/>
+                      <a:r>
+                        <a:rPr lang="de-AT" dirty="0"/>
+                        <a:t>DB </a:t>
+                      </a:r>
+                      <a:r>
+                        <a:rPr lang="de-AT" dirty="0" err="1"/>
+                        <a:t>Cloudant</a:t>
+                      </a:r>
                       <a:endParaRPr lang="de-AT" dirty="0"/>
                     </a:p>
                   </a:txBody>
@@ -11736,7 +11320,10 @@
                     <a:lstStyle/>
                     <a:p>
                       <a:pPr algn="ctr"/>
-                      <a:endParaRPr lang="de-AT" dirty="0"/>
+                      <a:r>
+                        <a:rPr lang="de-AT" dirty="0"/>
+                        <a:t>REST-API</a:t>
+                      </a:r>
                     </a:p>
                   </a:txBody>
                   <a:tcPr/>
@@ -11768,7 +11355,10 @@
                     <a:lstStyle/>
                     <a:p>
                       <a:pPr algn="ctr"/>
-                      <a:endParaRPr lang="de-AT" dirty="0"/>
+                      <a:r>
+                        <a:rPr lang="de-AT" dirty="0"/>
+                        <a:t>DB Warehouse</a:t>
+                      </a:r>
                     </a:p>
                   </a:txBody>
                   <a:tcPr/>
@@ -11845,7 +11435,7 @@
           <a:p>
             <a:r>
               <a:rPr lang="en-GB" sz="2400" dirty="0">
-                <a:hlinkClick r:id="rId5"/>
+                <a:hlinkClick r:id="rId4"/>
               </a:rPr>
               <a:t>https://tgm-frontend-app.eu-de.mybluemix.net/</a:t>
             </a:r>

--- a/Telemetry Gateway Monitoring.pptx
+++ b/Telemetry Gateway Monitoring.pptx
@@ -263,42 +263,112 @@
           </c:dPt>
           <c:dLbls>
             <c:dLbl>
-              <c:idx val="2"/>
-              <c:spPr>
-                <a:noFill/>
-                <a:ln>
-                  <a:noFill/>
-                </a:ln>
-                <a:effectLst/>
-              </c:spPr>
-              <c:txPr>
-                <a:bodyPr rot="0" spcFirstLastPara="1" vertOverflow="ellipsis" vert="horz" wrap="square" lIns="38100" tIns="19050" rIns="38100" bIns="19050" anchor="ctr" anchorCtr="1">
-                  <a:spAutoFit/>
-                </a:bodyPr>
-                <a:lstStyle/>
-                <a:p>
-                  <a:pPr>
-                    <a:defRPr sz="1600" b="1" i="0" u="none" strike="noStrike" kern="1200" baseline="0">
-                      <a:solidFill>
-                        <a:schemeClr val="bg1"/>
-                      </a:solidFill>
-                      <a:latin typeface="+mn-lt"/>
-                      <a:ea typeface="+mn-ea"/>
-                      <a:cs typeface="+mn-cs"/>
-                    </a:defRPr>
-                  </a:pPr>
-                  <a:endParaRPr lang="en-US"/>
-                </a:p>
-              </c:txPr>
+              <c:idx val="0"/>
+              <c:layout>
+                <c:manualLayout>
+                  <c:x val="1.4245837612884131E-3"/>
+                  <c:y val="1.4227128602488201E-3"/>
+                </c:manualLayout>
+              </c:layout>
+              <c:dLblPos val="bestFit"/>
               <c:showLegendKey val="0"/>
-              <c:showVal val="1"/>
+              <c:showVal val="0"/>
               <c:showCatName val="0"/>
               <c:showSerName val="0"/>
               <c:showPercent val="1"/>
               <c:showBubbleSize val="0"/>
               <c:extLst>
+                <c:ext xmlns:c15="http://schemas.microsoft.com/office/drawing/2012/chart" uri="{CE6537A1-D6FC-4f65-9D91-7224C49458BB}"/>
+                <c:ext xmlns:c16="http://schemas.microsoft.com/office/drawing/2014/chart" uri="{C3380CC4-5D6E-409C-BE32-E72D297353CC}">
+                  <c16:uniqueId val="{00000001-FF26-4B0F-9662-7902C2BF97F2}"/>
+                </c:ext>
+              </c:extLst>
+            </c:dLbl>
+            <c:dLbl>
+              <c:idx val="1"/>
+              <c:layout>
+                <c:manualLayout>
+                  <c:x val="-6.2133035393832796E-2"/>
+                  <c:y val="-0.19552309231009135"/>
+                </c:manualLayout>
+              </c:layout>
+              <c:dLblPos val="bestFit"/>
+              <c:showLegendKey val="0"/>
+              <c:showVal val="0"/>
+              <c:showCatName val="0"/>
+              <c:showSerName val="0"/>
+              <c:showPercent val="1"/>
+              <c:showBubbleSize val="0"/>
+              <c:extLst>
+                <c:ext xmlns:c15="http://schemas.microsoft.com/office/drawing/2012/chart" uri="{CE6537A1-D6FC-4f65-9D91-7224C49458BB}"/>
+                <c:ext xmlns:c16="http://schemas.microsoft.com/office/drawing/2014/chart" uri="{C3380CC4-5D6E-409C-BE32-E72D297353CC}">
+                  <c16:uniqueId val="{00000003-FF26-4B0F-9662-7902C2BF97F2}"/>
+                </c:ext>
+              </c:extLst>
+            </c:dLbl>
+            <c:dLbl>
+              <c:idx val="2"/>
+              <c:layout>
+                <c:manualLayout>
+                  <c:x val="-1.8492807024658085E-2"/>
+                  <c:y val="-2.8774647660119051E-3"/>
+                </c:manualLayout>
+              </c:layout>
+              <c:dLblPos val="bestFit"/>
+              <c:showLegendKey val="0"/>
+              <c:showVal val="0"/>
+              <c:showCatName val="0"/>
+              <c:showSerName val="0"/>
+              <c:showPercent val="1"/>
+              <c:showBubbleSize val="0"/>
+              <c:extLst>
+                <c:ext xmlns:c15="http://schemas.microsoft.com/office/drawing/2012/chart" uri="{CE6537A1-D6FC-4f65-9D91-7224C49458BB}"/>
                 <c:ext xmlns:c16="http://schemas.microsoft.com/office/drawing/2014/chart" uri="{C3380CC4-5D6E-409C-BE32-E72D297353CC}">
                   <c16:uniqueId val="{00000005-FF26-4B0F-9662-7902C2BF97F2}"/>
+                </c:ext>
+              </c:extLst>
+            </c:dLbl>
+            <c:dLbl>
+              <c:idx val="3"/>
+              <c:layout>
+                <c:manualLayout>
+                  <c:x val="3.2235084918204836E-3"/>
+                  <c:y val="-0.18613229123537181"/>
+                </c:manualLayout>
+              </c:layout>
+              <c:dLblPos val="bestFit"/>
+              <c:showLegendKey val="0"/>
+              <c:showVal val="0"/>
+              <c:showCatName val="0"/>
+              <c:showSerName val="0"/>
+              <c:showPercent val="1"/>
+              <c:showBubbleSize val="0"/>
+              <c:extLst>
+                <c:ext xmlns:c15="http://schemas.microsoft.com/office/drawing/2012/chart" uri="{CE6537A1-D6FC-4f65-9D91-7224C49458BB}"/>
+                <c:ext xmlns:c16="http://schemas.microsoft.com/office/drawing/2014/chart" uri="{C3380CC4-5D6E-409C-BE32-E72D297353CC}">
+                  <c16:uniqueId val="{00000007-FF26-4B0F-9662-7902C2BF97F2}"/>
+                </c:ext>
+              </c:extLst>
+            </c:dLbl>
+            <c:dLbl>
+              <c:idx val="4"/>
+              <c:layout>
+                <c:manualLayout>
+                  <c:x val="1.8417681603789288E-2"/>
+                  <c:y val="9.2476335916173314E-3"/>
+                </c:manualLayout>
+              </c:layout>
+              <c:dLblPos val="bestFit"/>
+              <c:showLegendKey val="0"/>
+              <c:showVal val="0"/>
+              <c:showCatName val="0"/>
+              <c:showSerName val="0"/>
+              <c:showPercent val="1"/>
+              <c:showBubbleSize val="0"/>
+              <c:extLst>
+                <c:ext xmlns:c15="http://schemas.microsoft.com/office/drawing/2012/chart" uri="{CE6537A1-D6FC-4f65-9D91-7224C49458BB}"/>
+                <c:ext xmlns:c16="http://schemas.microsoft.com/office/drawing/2014/chart" uri="{C3380CC4-5D6E-409C-BE32-E72D297353CC}">
+                  <c16:uniqueId val="{00000009-FF26-4B0F-9662-7902C2BF97F2}"/>
                 </c:ext>
               </c:extLst>
             </c:dLbl>
@@ -316,12 +386,9 @@
               <a:lstStyle/>
               <a:p>
                 <a:pPr>
-                  <a:defRPr sz="1600" b="1" i="0" u="none" strike="noStrike" kern="1200" baseline="0">
+                  <a:defRPr sz="2800" b="0" i="0" u="none" strike="noStrike" kern="1200" baseline="0">
                     <a:solidFill>
-                      <a:schemeClr val="tx1">
-                        <a:lumMod val="75000"/>
-                        <a:lumOff val="25000"/>
-                      </a:schemeClr>
+                      <a:schemeClr val="tx1"/>
                     </a:solidFill>
                     <a:latin typeface="+mn-lt"/>
                     <a:ea typeface="+mn-ea"/>
@@ -331,27 +398,14 @@
                 <a:endParaRPr lang="en-US"/>
               </a:p>
             </c:txPr>
+            <c:dLblPos val="bestFit"/>
             <c:showLegendKey val="0"/>
-            <c:showVal val="1"/>
+            <c:showVal val="0"/>
             <c:showCatName val="0"/>
             <c:showSerName val="0"/>
             <c:showPercent val="1"/>
             <c:showBubbleSize val="0"/>
-            <c:showLeaderLines val="1"/>
-            <c:leaderLines>
-              <c:spPr>
-                <a:ln w="9525" cap="flat" cmpd="sng" algn="ctr">
-                  <a:solidFill>
-                    <a:schemeClr val="tx1">
-                      <a:lumMod val="35000"/>
-                      <a:lumOff val="65000"/>
-                    </a:schemeClr>
-                  </a:solidFill>
-                  <a:round/>
-                </a:ln>
-                <a:effectLst/>
-              </c:spPr>
-            </c:leaderLines>
+            <c:showLeaderLines val="0"/>
             <c:extLst>
               <c:ext xmlns:c15="http://schemas.microsoft.com/office/drawing/2012/chart" uri="{CE6537A1-D6FC-4f65-9D91-7224C49458BB}"/>
             </c:extLst>
@@ -416,7 +470,7 @@
           <c:showSerName val="0"/>
           <c:showPercent val="0"/>
           <c:showBubbleSize val="0"/>
-          <c:showLeaderLines val="1"/>
+          <c:showLeaderLines val="0"/>
         </c:dLbls>
         <c:firstSliceAng val="0"/>
       </c:pieChart>
@@ -430,6 +484,16 @@
     </c:plotArea>
     <c:legend>
       <c:legendPos val="r"/>
+      <c:layout>
+        <c:manualLayout>
+          <c:xMode val="edge"/>
+          <c:yMode val="edge"/>
+          <c:x val="0.64354115057343464"/>
+          <c:y val="0.25433557741081492"/>
+          <c:w val="0.34108575222561899"/>
+          <c:h val="0.57100076535230415"/>
+        </c:manualLayout>
+      </c:layout>
       <c:overlay val="0"/>
       <c:spPr>
         <a:noFill/>
@@ -443,7 +507,7 @@
         <a:lstStyle/>
         <a:p>
           <a:pPr>
-            <a:defRPr sz="1600" b="0" i="0" u="none" strike="noStrike" kern="1200" baseline="0">
+            <a:defRPr sz="1800" b="0" i="0" u="none" strike="noStrike" kern="1200" baseline="0">
               <a:solidFill>
                 <a:schemeClr val="tx1">
                   <a:lumMod val="65000"/>
@@ -490,6 +554,7 @@
   <c:externalData r:id="rId3">
     <c:autoUpdate val="0"/>
   </c:externalData>
+  <c:userShapes r:id="rId4"/>
 </c:chartSpace>
 </file>
 
@@ -670,7 +735,7 @@
               <a:lstStyle/>
               <a:p>
                 <a:pPr>
-                  <a:defRPr sz="1400" b="1" i="0" u="none" strike="noStrike" kern="1200" baseline="0">
+                  <a:defRPr sz="2000" b="1" i="0" u="none" strike="noStrike" kern="1200" baseline="0">
                     <a:solidFill>
                       <a:schemeClr val="tx1">
                         <a:lumMod val="75000"/>
@@ -841,129 +906,6 @@
 </c:chartSpace>
 </file>
 
-<file path=ppt/charts/chart3.xml><?xml version="1.0" encoding="utf-8"?>
-<c:chartSpace xmlns:c="http://schemas.openxmlformats.org/drawingml/2006/chart" xmlns:a="http://schemas.openxmlformats.org/drawingml/2006/main" xmlns:r="http://schemas.openxmlformats.org/officeDocument/2006/relationships" xmlns:c16r2="http://schemas.microsoft.com/office/drawing/2015/06/chart">
-  <c:date1904 val="0"/>
-  <c:lang val="de-DE"/>
-  <c:roundedCorners val="0"/>
-  <mc:AlternateContent xmlns:mc="http://schemas.openxmlformats.org/markup-compatibility/2006">
-    <mc:Choice xmlns:c14="http://schemas.microsoft.com/office/drawing/2007/8/2/chart" Requires="c14">
-      <c14:style val="102"/>
-    </mc:Choice>
-    <mc:Fallback>
-      <c:style val="2"/>
-    </mc:Fallback>
-  </mc:AlternateContent>
-  <c:chart>
-    <c:autoTitleDeleted val="1"/>
-    <c:plotArea>
-      <c:layout>
-        <c:manualLayout>
-          <c:layoutTarget val="inner"/>
-          <c:xMode val="edge"/>
-          <c:yMode val="edge"/>
-          <c:x val="0.14373855521126691"/>
-          <c:y val="0.1764650853334386"/>
-          <c:w val="0.55881106557548754"/>
-          <c:h val="0.74043226781672722"/>
-        </c:manualLayout>
-      </c:layout>
-      <c:pieChart>
-        <c:varyColors val="1"/>
-        <c:dLbls>
-          <c:showLegendKey val="0"/>
-          <c:showVal val="0"/>
-          <c:showCatName val="0"/>
-          <c:showSerName val="0"/>
-          <c:showPercent val="1"/>
-          <c:showBubbleSize val="0"/>
-          <c:showLeaderLines val="0"/>
-        </c:dLbls>
-        <c:firstSliceAng val="0"/>
-      </c:pieChart>
-      <c:spPr>
-        <a:noFill/>
-        <a:ln>
-          <a:noFill/>
-        </a:ln>
-        <a:effectLst/>
-      </c:spPr>
-    </c:plotArea>
-    <c:legend>
-      <c:legendPos val="t"/>
-      <c:layout>
-        <c:manualLayout>
-          <c:xMode val="edge"/>
-          <c:yMode val="edge"/>
-          <c:x val="0.73033878203939562"/>
-          <c:y val="0.14722222222222223"/>
-          <c:w val="0.26966121796060438"/>
-          <c:h val="0.76043110236220468"/>
-        </c:manualLayout>
-      </c:layout>
-      <c:overlay val="0"/>
-      <c:spPr>
-        <a:noFill/>
-        <a:ln>
-          <a:noFill/>
-        </a:ln>
-        <a:effectLst/>
-      </c:spPr>
-      <c:txPr>
-        <a:bodyPr rot="0" spcFirstLastPara="1" vertOverflow="ellipsis" vert="horz" wrap="square" anchor="ctr" anchorCtr="1"/>
-        <a:lstStyle/>
-        <a:p>
-          <a:pPr>
-            <a:defRPr sz="1800" b="0" i="0" u="none" strike="noStrike" kern="1200" baseline="0">
-              <a:solidFill>
-                <a:schemeClr val="tx1">
-                  <a:lumMod val="65000"/>
-                  <a:lumOff val="35000"/>
-                </a:schemeClr>
-              </a:solidFill>
-              <a:latin typeface="+mn-lt"/>
-              <a:ea typeface="+mn-ea"/>
-              <a:cs typeface="+mn-cs"/>
-            </a:defRPr>
-          </a:pPr>
-          <a:endParaRPr lang="en-US"/>
-        </a:p>
-      </c:txPr>
-    </c:legend>
-    <c:plotVisOnly val="1"/>
-    <c:dispBlanksAs val="gap"/>
-    <c:extLst>
-      <c:ext xmlns:c16r3="http://schemas.microsoft.com/office/drawing/2017/03/chart" uri="{56B9EC1D-385E-4148-901F-78D8002777C0}">
-        <c16r3:dataDisplayOptions16>
-          <c16r3:dispNaAsBlank val="1"/>
-        </c16r3:dataDisplayOptions16>
-      </c:ext>
-    </c:extLst>
-    <c:showDLblsOverMax val="0"/>
-  </c:chart>
-  <c:spPr>
-    <a:noFill/>
-    <a:ln>
-      <a:noFill/>
-    </a:ln>
-    <a:effectLst/>
-  </c:spPr>
-  <c:txPr>
-    <a:bodyPr/>
-    <a:lstStyle/>
-    <a:p>
-      <a:pPr>
-        <a:defRPr/>
-      </a:pPr>
-      <a:endParaRPr lang="en-US"/>
-    </a:p>
-  </c:txPr>
-  <c:externalData r:id="rId3">
-    <c:autoUpdate val="0"/>
-  </c:externalData>
-</c:chartSpace>
-</file>
-
 <file path=ppt/charts/colors1.xml><?xml version="1.0" encoding="utf-8"?>
 <cs:colorStyle xmlns:cs="http://schemas.microsoft.com/office/drawing/2012/chartStyle" xmlns:a="http://schemas.openxmlformats.org/drawingml/2006/main" meth="cycle" id="10">
   <a:schemeClr val="accent1"/>
@@ -1005,46 +947,6 @@
 </file>
 
 <file path=ppt/charts/colors2.xml><?xml version="1.0" encoding="utf-8"?>
-<cs:colorStyle xmlns:cs="http://schemas.microsoft.com/office/drawing/2012/chartStyle" xmlns:a="http://schemas.openxmlformats.org/drawingml/2006/main" meth="cycle" id="10">
-  <a:schemeClr val="accent1"/>
-  <a:schemeClr val="accent2"/>
-  <a:schemeClr val="accent3"/>
-  <a:schemeClr val="accent4"/>
-  <a:schemeClr val="accent5"/>
-  <a:schemeClr val="accent6"/>
-  <cs:variation/>
-  <cs:variation>
-    <a:lumMod val="60000"/>
-  </cs:variation>
-  <cs:variation>
-    <a:lumMod val="80000"/>
-    <a:lumOff val="20000"/>
-  </cs:variation>
-  <cs:variation>
-    <a:lumMod val="80000"/>
-  </cs:variation>
-  <cs:variation>
-    <a:lumMod val="60000"/>
-    <a:lumOff val="40000"/>
-  </cs:variation>
-  <cs:variation>
-    <a:lumMod val="50000"/>
-  </cs:variation>
-  <cs:variation>
-    <a:lumMod val="70000"/>
-    <a:lumOff val="30000"/>
-  </cs:variation>
-  <cs:variation>
-    <a:lumMod val="70000"/>
-  </cs:variation>
-  <cs:variation>
-    <a:lumMod val="50000"/>
-    <a:lumOff val="50000"/>
-  </cs:variation>
-</cs:colorStyle>
-</file>
-
-<file path=ppt/charts/colors3.xml><?xml version="1.0" encoding="utf-8"?>
 <cs:colorStyle xmlns:cs="http://schemas.microsoft.com/office/drawing/2012/chartStyle" xmlns:a="http://schemas.openxmlformats.org/drawingml/2006/main" meth="cycle" id="10">
   <a:schemeClr val="accent1"/>
   <a:schemeClr val="accent2"/>
@@ -1604,525 +1506,6 @@
 </file>
 
 <file path=ppt/charts/style2.xml><?xml version="1.0" encoding="utf-8"?>
-<cs:chartStyle xmlns:cs="http://schemas.microsoft.com/office/drawing/2012/chartStyle" xmlns:a="http://schemas.openxmlformats.org/drawingml/2006/main" id="251">
-  <cs:axisTitle>
-    <cs:lnRef idx="0"/>
-    <cs:fillRef idx="0"/>
-    <cs:effectRef idx="0"/>
-    <cs:fontRef idx="minor">
-      <a:schemeClr val="tx1">
-        <a:lumMod val="65000"/>
-        <a:lumOff val="35000"/>
-      </a:schemeClr>
-    </cs:fontRef>
-    <cs:defRPr sz="1000" kern="1200"/>
-  </cs:axisTitle>
-  <cs:categoryAxis>
-    <cs:lnRef idx="0"/>
-    <cs:fillRef idx="0"/>
-    <cs:effectRef idx="0"/>
-    <cs:fontRef idx="minor">
-      <a:schemeClr val="tx1">
-        <a:lumMod val="65000"/>
-        <a:lumOff val="35000"/>
-      </a:schemeClr>
-    </cs:fontRef>
-    <cs:spPr>
-      <a:ln w="9525" cap="flat" cmpd="sng" algn="ctr">
-        <a:solidFill>
-          <a:schemeClr val="tx1">
-            <a:lumMod val="15000"/>
-            <a:lumOff val="85000"/>
-          </a:schemeClr>
-        </a:solidFill>
-        <a:round/>
-      </a:ln>
-    </cs:spPr>
-    <cs:defRPr sz="900" kern="1200"/>
-  </cs:categoryAxis>
-  <cs:chartArea mods="allowNoFillOverride allowNoLineOverride">
-    <cs:lnRef idx="0"/>
-    <cs:fillRef idx="0"/>
-    <cs:effectRef idx="0"/>
-    <cs:fontRef idx="minor">
-      <a:schemeClr val="tx1"/>
-    </cs:fontRef>
-    <cs:spPr>
-      <a:solidFill>
-        <a:schemeClr val="bg1"/>
-      </a:solidFill>
-      <a:ln w="9525" cap="flat" cmpd="sng" algn="ctr">
-        <a:solidFill>
-          <a:schemeClr val="tx1">
-            <a:lumMod val="15000"/>
-            <a:lumOff val="85000"/>
-          </a:schemeClr>
-        </a:solidFill>
-        <a:round/>
-      </a:ln>
-    </cs:spPr>
-    <cs:defRPr sz="900" kern="1200"/>
-  </cs:chartArea>
-  <cs:dataLabel>
-    <cs:lnRef idx="0"/>
-    <cs:fillRef idx="0"/>
-    <cs:effectRef idx="0"/>
-    <cs:fontRef idx="minor">
-      <a:schemeClr val="tx1">
-        <a:lumMod val="75000"/>
-        <a:lumOff val="25000"/>
-      </a:schemeClr>
-    </cs:fontRef>
-    <cs:defRPr sz="900" kern="1200"/>
-  </cs:dataLabel>
-  <cs:dataLabelCallout>
-    <cs:lnRef idx="0"/>
-    <cs:fillRef idx="0"/>
-    <cs:effectRef idx="0"/>
-    <cs:fontRef idx="minor">
-      <a:schemeClr val="dk1">
-        <a:lumMod val="65000"/>
-        <a:lumOff val="35000"/>
-      </a:schemeClr>
-    </cs:fontRef>
-    <cs:spPr>
-      <a:solidFill>
-        <a:schemeClr val="lt1"/>
-      </a:solidFill>
-      <a:ln>
-        <a:solidFill>
-          <a:schemeClr val="dk1">
-            <a:lumMod val="25000"/>
-            <a:lumOff val="75000"/>
-          </a:schemeClr>
-        </a:solidFill>
-      </a:ln>
-    </cs:spPr>
-    <cs:defRPr sz="900" kern="1200"/>
-    <cs:bodyPr rot="0" spcFirstLastPara="1" vertOverflow="clip" horzOverflow="clip" vert="horz" wrap="square" lIns="36576" tIns="18288" rIns="36576" bIns="18288" anchor="ctr" anchorCtr="1">
-      <a:spAutoFit/>
-    </cs:bodyPr>
-  </cs:dataLabelCallout>
-  <cs:dataPoint>
-    <cs:lnRef idx="0"/>
-    <cs:fillRef idx="1">
-      <cs:styleClr val="auto"/>
-    </cs:fillRef>
-    <cs:effectRef idx="0"/>
-    <cs:fontRef idx="minor">
-      <a:schemeClr val="tx1"/>
-    </cs:fontRef>
-    <cs:spPr>
-      <a:ln w="19050">
-        <a:solidFill>
-          <a:schemeClr val="lt1"/>
-        </a:solidFill>
-      </a:ln>
-    </cs:spPr>
-  </cs:dataPoint>
-  <cs:dataPoint3D>
-    <cs:lnRef idx="0"/>
-    <cs:fillRef idx="1">
-      <cs:styleClr val="auto"/>
-    </cs:fillRef>
-    <cs:effectRef idx="0"/>
-    <cs:fontRef idx="minor">
-      <a:schemeClr val="tx1"/>
-    </cs:fontRef>
-    <cs:spPr>
-      <a:ln w="25400">
-        <a:solidFill>
-          <a:schemeClr val="lt1"/>
-        </a:solidFill>
-      </a:ln>
-    </cs:spPr>
-  </cs:dataPoint3D>
-  <cs:dataPointLine>
-    <cs:lnRef idx="0">
-      <cs:styleClr val="auto"/>
-    </cs:lnRef>
-    <cs:fillRef idx="0"/>
-    <cs:effectRef idx="0"/>
-    <cs:fontRef idx="minor">
-      <a:schemeClr val="tx1"/>
-    </cs:fontRef>
-    <cs:spPr>
-      <a:ln w="28575" cap="rnd">
-        <a:solidFill>
-          <a:schemeClr val="phClr"/>
-        </a:solidFill>
-        <a:round/>
-      </a:ln>
-    </cs:spPr>
-  </cs:dataPointLine>
-  <cs:dataPointMarker>
-    <cs:lnRef idx="0">
-      <cs:styleClr val="auto"/>
-    </cs:lnRef>
-    <cs:fillRef idx="1">
-      <cs:styleClr val="auto"/>
-    </cs:fillRef>
-    <cs:effectRef idx="0"/>
-    <cs:fontRef idx="minor">
-      <a:schemeClr val="tx1"/>
-    </cs:fontRef>
-    <cs:spPr>
-      <a:ln w="9525">
-        <a:solidFill>
-          <a:schemeClr val="phClr"/>
-        </a:solidFill>
-      </a:ln>
-    </cs:spPr>
-  </cs:dataPointMarker>
-  <cs:dataPointMarkerLayout symbol="circle" size="5"/>
-  <cs:dataPointWireframe>
-    <cs:lnRef idx="0">
-      <cs:styleClr val="auto"/>
-    </cs:lnRef>
-    <cs:fillRef idx="0"/>
-    <cs:effectRef idx="0"/>
-    <cs:fontRef idx="minor">
-      <a:schemeClr val="tx1"/>
-    </cs:fontRef>
-    <cs:spPr>
-      <a:ln w="9525" cap="rnd">
-        <a:solidFill>
-          <a:schemeClr val="phClr"/>
-        </a:solidFill>
-        <a:round/>
-      </a:ln>
-    </cs:spPr>
-  </cs:dataPointWireframe>
-  <cs:dataTable>
-    <cs:lnRef idx="0"/>
-    <cs:fillRef idx="0"/>
-    <cs:effectRef idx="0"/>
-    <cs:fontRef idx="minor">
-      <a:schemeClr val="tx1">
-        <a:lumMod val="65000"/>
-        <a:lumOff val="35000"/>
-      </a:schemeClr>
-    </cs:fontRef>
-    <cs:spPr>
-      <a:noFill/>
-      <a:ln w="9525" cap="flat" cmpd="sng" algn="ctr">
-        <a:solidFill>
-          <a:schemeClr val="tx1">
-            <a:lumMod val="15000"/>
-            <a:lumOff val="85000"/>
-          </a:schemeClr>
-        </a:solidFill>
-        <a:round/>
-      </a:ln>
-    </cs:spPr>
-    <cs:defRPr sz="900" kern="1200"/>
-  </cs:dataTable>
-  <cs:downBar>
-    <cs:lnRef idx="0"/>
-    <cs:fillRef idx="0"/>
-    <cs:effectRef idx="0"/>
-    <cs:fontRef idx="minor">
-      <a:schemeClr val="tx1"/>
-    </cs:fontRef>
-    <cs:spPr>
-      <a:solidFill>
-        <a:schemeClr val="dk1">
-          <a:lumMod val="75000"/>
-          <a:lumOff val="25000"/>
-        </a:schemeClr>
-      </a:solidFill>
-      <a:ln w="9525" cap="flat" cmpd="sng" algn="ctr">
-        <a:solidFill>
-          <a:schemeClr val="tx1">
-            <a:lumMod val="65000"/>
-            <a:lumOff val="35000"/>
-          </a:schemeClr>
-        </a:solidFill>
-        <a:round/>
-      </a:ln>
-    </cs:spPr>
-  </cs:downBar>
-  <cs:dropLine>
-    <cs:lnRef idx="0"/>
-    <cs:fillRef idx="0"/>
-    <cs:effectRef idx="0"/>
-    <cs:fontRef idx="minor">
-      <a:schemeClr val="tx1"/>
-    </cs:fontRef>
-    <cs:spPr>
-      <a:ln w="9525" cap="flat" cmpd="sng" algn="ctr">
-        <a:solidFill>
-          <a:schemeClr val="tx1">
-            <a:lumMod val="35000"/>
-            <a:lumOff val="65000"/>
-          </a:schemeClr>
-        </a:solidFill>
-        <a:round/>
-      </a:ln>
-    </cs:spPr>
-  </cs:dropLine>
-  <cs:errorBar>
-    <cs:lnRef idx="0"/>
-    <cs:fillRef idx="0"/>
-    <cs:effectRef idx="0"/>
-    <cs:fontRef idx="minor">
-      <a:schemeClr val="tx1"/>
-    </cs:fontRef>
-    <cs:spPr>
-      <a:ln w="9525" cap="flat" cmpd="sng" algn="ctr">
-        <a:solidFill>
-          <a:schemeClr val="tx1">
-            <a:lumMod val="65000"/>
-            <a:lumOff val="35000"/>
-          </a:schemeClr>
-        </a:solidFill>
-        <a:round/>
-      </a:ln>
-    </cs:spPr>
-  </cs:errorBar>
-  <cs:floor>
-    <cs:lnRef idx="0"/>
-    <cs:fillRef idx="0"/>
-    <cs:effectRef idx="0"/>
-    <cs:fontRef idx="minor">
-      <a:schemeClr val="tx1"/>
-    </cs:fontRef>
-    <cs:spPr>
-      <a:noFill/>
-      <a:ln>
-        <a:noFill/>
-      </a:ln>
-    </cs:spPr>
-  </cs:floor>
-  <cs:gridlineMajor>
-    <cs:lnRef idx="0"/>
-    <cs:fillRef idx="0"/>
-    <cs:effectRef idx="0"/>
-    <cs:fontRef idx="minor">
-      <a:schemeClr val="tx1"/>
-    </cs:fontRef>
-    <cs:spPr>
-      <a:ln w="9525" cap="flat" cmpd="sng" algn="ctr">
-        <a:solidFill>
-          <a:schemeClr val="tx1">
-            <a:lumMod val="15000"/>
-            <a:lumOff val="85000"/>
-          </a:schemeClr>
-        </a:solidFill>
-        <a:round/>
-      </a:ln>
-    </cs:spPr>
-  </cs:gridlineMajor>
-  <cs:gridlineMinor>
-    <cs:lnRef idx="0"/>
-    <cs:fillRef idx="0"/>
-    <cs:effectRef idx="0"/>
-    <cs:fontRef idx="minor">
-      <a:schemeClr val="tx1"/>
-    </cs:fontRef>
-    <cs:spPr>
-      <a:ln w="9525" cap="flat" cmpd="sng" algn="ctr">
-        <a:solidFill>
-          <a:schemeClr val="tx1">
-            <a:lumMod val="5000"/>
-            <a:lumOff val="95000"/>
-          </a:schemeClr>
-        </a:solidFill>
-        <a:round/>
-      </a:ln>
-    </cs:spPr>
-  </cs:gridlineMinor>
-  <cs:hiLoLine>
-    <cs:lnRef idx="0"/>
-    <cs:fillRef idx="0"/>
-    <cs:effectRef idx="0"/>
-    <cs:fontRef idx="minor">
-      <a:schemeClr val="tx1"/>
-    </cs:fontRef>
-    <cs:spPr>
-      <a:ln w="9525" cap="flat" cmpd="sng" algn="ctr">
-        <a:solidFill>
-          <a:schemeClr val="tx1">
-            <a:lumMod val="50000"/>
-            <a:lumOff val="50000"/>
-          </a:schemeClr>
-        </a:solidFill>
-        <a:round/>
-      </a:ln>
-    </cs:spPr>
-  </cs:hiLoLine>
-  <cs:leaderLine>
-    <cs:lnRef idx="0"/>
-    <cs:fillRef idx="0"/>
-    <cs:effectRef idx="0"/>
-    <cs:fontRef idx="minor">
-      <a:schemeClr val="tx1"/>
-    </cs:fontRef>
-    <cs:spPr>
-      <a:ln w="9525" cap="flat" cmpd="sng" algn="ctr">
-        <a:solidFill>
-          <a:schemeClr val="tx1">
-            <a:lumMod val="35000"/>
-            <a:lumOff val="65000"/>
-          </a:schemeClr>
-        </a:solidFill>
-        <a:round/>
-      </a:ln>
-    </cs:spPr>
-  </cs:leaderLine>
-  <cs:legend>
-    <cs:lnRef idx="0"/>
-    <cs:fillRef idx="0"/>
-    <cs:effectRef idx="0"/>
-    <cs:fontRef idx="minor">
-      <a:schemeClr val="tx1">
-        <a:lumMod val="65000"/>
-        <a:lumOff val="35000"/>
-      </a:schemeClr>
-    </cs:fontRef>
-    <cs:defRPr sz="900" kern="1200"/>
-  </cs:legend>
-  <cs:plotArea mods="allowNoFillOverride allowNoLineOverride">
-    <cs:lnRef idx="0"/>
-    <cs:fillRef idx="0"/>
-    <cs:effectRef idx="0"/>
-    <cs:fontRef idx="minor">
-      <a:schemeClr val="tx1"/>
-    </cs:fontRef>
-  </cs:plotArea>
-  <cs:plotArea3D mods="allowNoFillOverride allowNoLineOverride">
-    <cs:lnRef idx="0"/>
-    <cs:fillRef idx="0"/>
-    <cs:effectRef idx="0"/>
-    <cs:fontRef idx="minor">
-      <a:schemeClr val="tx1"/>
-    </cs:fontRef>
-  </cs:plotArea3D>
-  <cs:seriesAxis>
-    <cs:lnRef idx="0"/>
-    <cs:fillRef idx="0"/>
-    <cs:effectRef idx="0"/>
-    <cs:fontRef idx="minor">
-      <a:schemeClr val="tx1">
-        <a:lumMod val="65000"/>
-        <a:lumOff val="35000"/>
-      </a:schemeClr>
-    </cs:fontRef>
-    <cs:defRPr sz="900" kern="1200"/>
-  </cs:seriesAxis>
-  <cs:seriesLine>
-    <cs:lnRef idx="0"/>
-    <cs:fillRef idx="0"/>
-    <cs:effectRef idx="0"/>
-    <cs:fontRef idx="minor">
-      <a:schemeClr val="tx1"/>
-    </cs:fontRef>
-    <cs:spPr>
-      <a:ln w="9525" cap="flat" cmpd="sng" algn="ctr">
-        <a:solidFill>
-          <a:schemeClr val="tx1">
-            <a:lumMod val="35000"/>
-            <a:lumOff val="65000"/>
-          </a:schemeClr>
-        </a:solidFill>
-        <a:round/>
-      </a:ln>
-    </cs:spPr>
-  </cs:seriesLine>
-  <cs:title>
-    <cs:lnRef idx="0"/>
-    <cs:fillRef idx="0"/>
-    <cs:effectRef idx="0"/>
-    <cs:fontRef idx="minor">
-      <a:schemeClr val="tx1">
-        <a:lumMod val="65000"/>
-        <a:lumOff val="35000"/>
-      </a:schemeClr>
-    </cs:fontRef>
-    <cs:defRPr sz="1400" b="0" kern="1200" spc="0" baseline="0"/>
-  </cs:title>
-  <cs:trendline>
-    <cs:lnRef idx="0">
-      <cs:styleClr val="auto"/>
-    </cs:lnRef>
-    <cs:fillRef idx="0"/>
-    <cs:effectRef idx="0"/>
-    <cs:fontRef idx="minor">
-      <a:schemeClr val="tx1"/>
-    </cs:fontRef>
-    <cs:spPr>
-      <a:ln w="19050" cap="rnd">
-        <a:solidFill>
-          <a:schemeClr val="phClr"/>
-        </a:solidFill>
-        <a:prstDash val="sysDot"/>
-      </a:ln>
-    </cs:spPr>
-  </cs:trendline>
-  <cs:trendlineLabel>
-    <cs:lnRef idx="0"/>
-    <cs:fillRef idx="0"/>
-    <cs:effectRef idx="0"/>
-    <cs:fontRef idx="minor">
-      <a:schemeClr val="tx1">
-        <a:lumMod val="65000"/>
-        <a:lumOff val="35000"/>
-      </a:schemeClr>
-    </cs:fontRef>
-    <cs:defRPr sz="900" kern="1200"/>
-  </cs:trendlineLabel>
-  <cs:upBar>
-    <cs:lnRef idx="0"/>
-    <cs:fillRef idx="0"/>
-    <cs:effectRef idx="0"/>
-    <cs:fontRef idx="minor">
-      <a:schemeClr val="tx1"/>
-    </cs:fontRef>
-    <cs:spPr>
-      <a:solidFill>
-        <a:schemeClr val="lt1"/>
-      </a:solidFill>
-      <a:ln w="9525" cap="flat" cmpd="sng" algn="ctr">
-        <a:solidFill>
-          <a:schemeClr val="tx1">
-            <a:lumMod val="65000"/>
-            <a:lumOff val="35000"/>
-          </a:schemeClr>
-        </a:solidFill>
-        <a:round/>
-      </a:ln>
-    </cs:spPr>
-  </cs:upBar>
-  <cs:valueAxis>
-    <cs:lnRef idx="0"/>
-    <cs:fillRef idx="0"/>
-    <cs:effectRef idx="0"/>
-    <cs:fontRef idx="minor">
-      <a:schemeClr val="tx1">
-        <a:lumMod val="65000"/>
-        <a:lumOff val="35000"/>
-      </a:schemeClr>
-    </cs:fontRef>
-    <cs:defRPr sz="900" kern="1200"/>
-  </cs:valueAxis>
-  <cs:wall>
-    <cs:lnRef idx="0"/>
-    <cs:fillRef idx="0"/>
-    <cs:effectRef idx="0"/>
-    <cs:fontRef idx="minor">
-      <a:schemeClr val="tx1"/>
-    </cs:fontRef>
-    <cs:spPr>
-      <a:noFill/>
-      <a:ln>
-        <a:noFill/>
-      </a:ln>
-    </cs:spPr>
-  </cs:wall>
-</cs:chartStyle>
-</file>
-
-<file path=ppt/charts/style3.xml><?xml version="1.0" encoding="utf-8"?>
 <cs:chartStyle xmlns:cs="http://schemas.microsoft.com/office/drawing/2012/chartStyle" xmlns:a="http://schemas.openxmlformats.org/drawingml/2006/main" id="251">
   <cs:axisTitle>
     <cs:lnRef idx="0"/>
@@ -5111,6 +4494,59 @@
 </dgm:styleDef>
 </file>
 
+<file path=ppt/drawings/drawing1.xml><?xml version="1.0" encoding="utf-8"?>
+<c:userShapes xmlns:c="http://schemas.openxmlformats.org/drawingml/2006/chart">
+  <cdr:relSizeAnchor xmlns:cdr="http://schemas.openxmlformats.org/drawingml/2006/chartDrawing">
+    <cdr:from>
+      <cdr:x>0.25047</cdr:x>
+      <cdr:y>0.09379</cdr:y>
+    </cdr:from>
+    <cdr:to>
+      <cdr:x>0.29661</cdr:x>
+      <cdr:y>0.22891</cdr:y>
+    </cdr:to>
+    <cdr:cxnSp macro="">
+      <cdr:nvCxnSpPr>
+        <cdr:cNvPr id="2" name="Gerader Verbinder 1">
+          <a:extLst xmlns:a="http://schemas.openxmlformats.org/drawingml/2006/main">
+            <a:ext uri="{FF2B5EF4-FFF2-40B4-BE49-F238E27FC236}">
+              <a16:creationId xmlns:a16="http://schemas.microsoft.com/office/drawing/2014/main" id="{337F8D01-C137-44DB-87AC-55A186571B5A}"/>
+            </a:ext>
+          </a:extLst>
+        </cdr:cNvPr>
+        <cdr:cNvCxnSpPr>
+          <a:cxnSpLocks xmlns:a="http://schemas.openxmlformats.org/drawingml/2006/main"/>
+        </cdr:cNvCxnSpPr>
+      </cdr:nvCxnSpPr>
+      <cdr:spPr>
+        <a:xfrm xmlns:a="http://schemas.openxmlformats.org/drawingml/2006/main">
+          <a:off x="1655313" y="418593"/>
+          <a:ext cx="304938" cy="603098"/>
+        </a:xfrm>
+        <a:prstGeom xmlns:a="http://schemas.openxmlformats.org/drawingml/2006/main" prst="line">
+          <a:avLst/>
+        </a:prstGeom>
+        <a:ln xmlns:a="http://schemas.openxmlformats.org/drawingml/2006/main" w="28575"/>
+      </cdr:spPr>
+      <cdr:style>
+        <a:lnRef xmlns:a="http://schemas.openxmlformats.org/drawingml/2006/main" idx="1">
+          <a:schemeClr val="dk1"/>
+        </a:lnRef>
+        <a:fillRef xmlns:a="http://schemas.openxmlformats.org/drawingml/2006/main" idx="0">
+          <a:schemeClr val="dk1"/>
+        </a:fillRef>
+        <a:effectRef xmlns:a="http://schemas.openxmlformats.org/drawingml/2006/main" idx="0">
+          <a:schemeClr val="dk1"/>
+        </a:effectRef>
+        <a:fontRef xmlns:a="http://schemas.openxmlformats.org/drawingml/2006/main" idx="minor">
+          <a:schemeClr val="tx1"/>
+        </a:fontRef>
+      </cdr:style>
+    </cdr:cxnSp>
+  </cdr:relSizeAnchor>
+</c:userShapes>
+</file>
+
 <file path=ppt/notesMasters/notesMaster1.xml><?xml version="1.0" encoding="utf-8"?>
 <p:notesMaster xmlns:a="http://schemas.openxmlformats.org/drawingml/2006/main" xmlns:r="http://schemas.openxmlformats.org/officeDocument/2006/relationships" xmlns:p="http://schemas.openxmlformats.org/presentationml/2006/main">
   <p:cSld>
@@ -5193,7 +4629,7 @@
           <a:p>
             <a:fld id="{63CA2310-8BCF-4A82-9E14-004A80B6FD7C}" type="datetimeFigureOut">
               <a:rPr lang="de-AT" smtClean="0"/>
-              <a:t>07.05.2019</a:t>
+              <a:t>08.05.2019</a:t>
             </a:fld>
             <a:endParaRPr lang="de-AT"/>
           </a:p>
@@ -5610,7 +5046,7 @@
           <a:p>
             <a:fld id="{04B7B1CB-EE3B-4A3E-A31C-A53455453B89}" type="datetime1">
               <a:rPr lang="de-AT" smtClean="0"/>
-              <a:t>07.05.2019</a:t>
+              <a:t>08.05.2019</a:t>
             </a:fld>
             <a:endParaRPr lang="de-AT"/>
           </a:p>
@@ -5825,7 +5261,7 @@
           <a:p>
             <a:fld id="{903E7589-FFE5-4C1C-A17A-661FFD6F84A5}" type="datetime1">
               <a:rPr lang="de-AT" smtClean="0"/>
-              <a:t>07.05.2019</a:t>
+              <a:t>08.05.2019</a:t>
             </a:fld>
             <a:endParaRPr lang="de-AT"/>
           </a:p>
@@ -6050,7 +5486,7 @@
           <a:p>
             <a:fld id="{67363B0C-4E91-4AEE-9453-15AD6684103F}" type="datetime1">
               <a:rPr lang="de-AT" smtClean="0"/>
-              <a:t>07.05.2019</a:t>
+              <a:t>08.05.2019</a:t>
             </a:fld>
             <a:endParaRPr lang="de-AT"/>
           </a:p>
@@ -6265,7 +5701,7 @@
           <a:p>
             <a:fld id="{FD6292B7-70A6-4C50-B923-B35761BCED52}" type="datetime1">
               <a:rPr lang="de-AT" smtClean="0"/>
-              <a:t>07.05.2019</a:t>
+              <a:t>08.05.2019</a:t>
             </a:fld>
             <a:endParaRPr lang="de-AT"/>
           </a:p>
@@ -6556,7 +5992,7 @@
           <a:p>
             <a:fld id="{375F7439-D609-4E1B-818A-B2C3580B9669}" type="datetime1">
               <a:rPr lang="de-AT" smtClean="0"/>
-              <a:t>07.05.2019</a:t>
+              <a:t>08.05.2019</a:t>
             </a:fld>
             <a:endParaRPr lang="de-AT"/>
           </a:p>
@@ -6839,7 +6275,7 @@
           <a:p>
             <a:fld id="{56C603BB-499A-400B-9575-F941A4FF7CB0}" type="datetime1">
               <a:rPr lang="de-AT" smtClean="0"/>
-              <a:t>07.05.2019</a:t>
+              <a:t>08.05.2019</a:t>
             </a:fld>
             <a:endParaRPr lang="de-AT"/>
           </a:p>
@@ -7269,7 +6705,7 @@
           <a:p>
             <a:fld id="{248E0D6C-5F53-4BF6-B217-0202DDFB8ECF}" type="datetime1">
               <a:rPr lang="de-AT" smtClean="0"/>
-              <a:t>07.05.2019</a:t>
+              <a:t>08.05.2019</a:t>
             </a:fld>
             <a:endParaRPr lang="de-AT"/>
           </a:p>
@@ -7426,7 +6862,7 @@
           <a:p>
             <a:fld id="{87B8DEF8-B6CD-4ABF-B782-D220D65E7EB0}" type="datetime1">
               <a:rPr lang="de-AT" smtClean="0"/>
-              <a:t>07.05.2019</a:t>
+              <a:t>08.05.2019</a:t>
             </a:fld>
             <a:endParaRPr lang="de-AT"/>
           </a:p>
@@ -7554,7 +6990,7 @@
           <a:p>
             <a:fld id="{02BFEA8B-0EEA-49BE-BC19-2474A17A97DD}" type="datetime1">
               <a:rPr lang="de-AT" smtClean="0"/>
-              <a:t>07.05.2019</a:t>
+              <a:t>08.05.2019</a:t>
             </a:fld>
             <a:endParaRPr lang="de-AT"/>
           </a:p>
@@ -7882,7 +7318,7 @@
           <a:p>
             <a:fld id="{9DE49396-A74B-4A7F-9FEA-5C0D177F4AF6}" type="datetime1">
               <a:rPr lang="de-AT" smtClean="0"/>
-              <a:t>07.05.2019</a:t>
+              <a:t>08.05.2019</a:t>
             </a:fld>
             <a:endParaRPr lang="de-AT"/>
           </a:p>
@@ -8186,7 +7622,7 @@
           <a:p>
             <a:fld id="{5C8883B4-AE7B-4968-9F85-1D972A8B114A}" type="datetime1">
               <a:rPr lang="de-AT" smtClean="0"/>
-              <a:t>07.05.2019</a:t>
+              <a:t>08.05.2019</a:t>
             </a:fld>
             <a:endParaRPr lang="de-AT"/>
           </a:p>
@@ -8447,7 +7883,7 @@
           <a:p>
             <a:fld id="{67614832-DF44-4D59-A3C8-8BBE1533FF73}" type="datetime1">
               <a:rPr lang="de-AT" smtClean="0"/>
-              <a:t>07.05.2019</a:t>
+              <a:t>08.05.2019</a:t>
             </a:fld>
             <a:endParaRPr lang="de-AT"/>
           </a:p>
@@ -10520,14 +9956,14 @@
           <p:nvPr>
             <p:extLst>
               <p:ext uri="{D42A27DB-BD31-4B8C-83A1-F6EECF244321}">
-                <p14:modId xmlns:p14="http://schemas.microsoft.com/office/powerpoint/2010/main" val="2998729344"/>
+                <p14:modId xmlns:p14="http://schemas.microsoft.com/office/powerpoint/2010/main" val="2420595659"/>
               </p:ext>
             </p:extLst>
           </p:nvPr>
         </p:nvGraphicFramePr>
         <p:xfrm>
-          <a:off x="4880496" y="1514475"/>
-          <a:ext cx="6608948" cy="4463304"/>
+          <a:off x="4880495" y="1514475"/>
+          <a:ext cx="7187485" cy="4463304"/>
         </p:xfrm>
         <a:graphic>
           <a:graphicData uri="http://schemas.openxmlformats.org/drawingml/2006/chart">
@@ -10535,6 +9971,162 @@
           </a:graphicData>
         </a:graphic>
       </p:graphicFrame>
+      <p:cxnSp>
+        <p:nvCxnSpPr>
+          <p:cNvPr id="8" name="Gerader Verbinder 7">
+            <a:extLst>
+              <a:ext uri="{FF2B5EF4-FFF2-40B4-BE49-F238E27FC236}">
+                <a16:creationId xmlns:a16="http://schemas.microsoft.com/office/drawing/2014/main" id="{337F8D01-C137-44DB-87AC-55A186571B5A}"/>
+              </a:ext>
+            </a:extLst>
+          </p:cNvPr>
+          <p:cNvCxnSpPr>
+            <a:cxnSpLocks/>
+          </p:cNvCxnSpPr>
+          <p:nvPr/>
+        </p:nvCxnSpPr>
+        <p:spPr>
+          <a:xfrm>
+            <a:off x="5400136" y="2812211"/>
+            <a:ext cx="547686" cy="475494"/>
+          </a:xfrm>
+          <a:prstGeom prst="line">
+            <a:avLst/>
+          </a:prstGeom>
+          <a:ln w="28575"/>
+        </p:spPr>
+        <p:style>
+          <a:lnRef idx="1">
+            <a:schemeClr val="dk1"/>
+          </a:lnRef>
+          <a:fillRef idx="0">
+            <a:schemeClr val="dk1"/>
+          </a:fillRef>
+          <a:effectRef idx="0">
+            <a:schemeClr val="dk1"/>
+          </a:effectRef>
+          <a:fontRef idx="minor">
+            <a:schemeClr val="tx1"/>
+          </a:fontRef>
+        </p:style>
+      </p:cxnSp>
+      <p:cxnSp>
+        <p:nvCxnSpPr>
+          <p:cNvPr id="24" name="Gerader Verbinder 23">
+            <a:extLst>
+              <a:ext uri="{FF2B5EF4-FFF2-40B4-BE49-F238E27FC236}">
+                <a16:creationId xmlns:a16="http://schemas.microsoft.com/office/drawing/2014/main" id="{DE437236-F74E-4D84-8870-874116897864}"/>
+              </a:ext>
+            </a:extLst>
+          </p:cNvPr>
+          <p:cNvCxnSpPr>
+            <a:cxnSpLocks/>
+          </p:cNvCxnSpPr>
+          <p:nvPr/>
+        </p:nvCxnSpPr>
+        <p:spPr>
+          <a:xfrm flipH="1">
+            <a:off x="7297947" y="1919836"/>
+            <a:ext cx="144391" cy="581824"/>
+          </a:xfrm>
+          <a:prstGeom prst="line">
+            <a:avLst/>
+          </a:prstGeom>
+          <a:ln w="28575"/>
+        </p:spPr>
+        <p:style>
+          <a:lnRef idx="1">
+            <a:schemeClr val="dk1"/>
+          </a:lnRef>
+          <a:fillRef idx="0">
+            <a:schemeClr val="dk1"/>
+          </a:fillRef>
+          <a:effectRef idx="0">
+            <a:schemeClr val="dk1"/>
+          </a:effectRef>
+          <a:fontRef idx="minor">
+            <a:schemeClr val="tx1"/>
+          </a:fontRef>
+        </p:style>
+      </p:cxnSp>
+      <p:cxnSp>
+        <p:nvCxnSpPr>
+          <p:cNvPr id="26" name="Gerader Verbinder 25">
+            <a:extLst>
+              <a:ext uri="{FF2B5EF4-FFF2-40B4-BE49-F238E27FC236}">
+                <a16:creationId xmlns:a16="http://schemas.microsoft.com/office/drawing/2014/main" id="{88A39BC6-0D35-46B5-9F69-494877B90DD2}"/>
+              </a:ext>
+            </a:extLst>
+          </p:cNvPr>
+          <p:cNvCxnSpPr>
+            <a:cxnSpLocks/>
+          </p:cNvCxnSpPr>
+          <p:nvPr/>
+        </p:nvCxnSpPr>
+        <p:spPr>
+          <a:xfrm flipH="1">
+            <a:off x="8153401" y="2501660"/>
+            <a:ext cx="438508" cy="681487"/>
+          </a:xfrm>
+          <a:prstGeom prst="line">
+            <a:avLst/>
+          </a:prstGeom>
+          <a:ln w="28575"/>
+        </p:spPr>
+        <p:style>
+          <a:lnRef idx="1">
+            <a:schemeClr val="dk1"/>
+          </a:lnRef>
+          <a:fillRef idx="0">
+            <a:schemeClr val="dk1"/>
+          </a:fillRef>
+          <a:effectRef idx="0">
+            <a:schemeClr val="dk1"/>
+          </a:effectRef>
+          <a:fontRef idx="minor">
+            <a:schemeClr val="tx1"/>
+          </a:fontRef>
+        </p:style>
+      </p:cxnSp>
+      <p:cxnSp>
+        <p:nvCxnSpPr>
+          <p:cNvPr id="28" name="Gerader Verbinder 27">
+            <a:extLst>
+              <a:ext uri="{FF2B5EF4-FFF2-40B4-BE49-F238E27FC236}">
+                <a16:creationId xmlns:a16="http://schemas.microsoft.com/office/drawing/2014/main" id="{7DD5280A-62C6-4D70-B2F2-9B90DEDFA0F3}"/>
+              </a:ext>
+            </a:extLst>
+          </p:cNvPr>
+          <p:cNvCxnSpPr>
+            <a:cxnSpLocks/>
+          </p:cNvCxnSpPr>
+          <p:nvPr/>
+        </p:nvCxnSpPr>
+        <p:spPr>
+          <a:xfrm>
+            <a:off x="7055147" y="4813540"/>
+            <a:ext cx="94150" cy="744118"/>
+          </a:xfrm>
+          <a:prstGeom prst="line">
+            <a:avLst/>
+          </a:prstGeom>
+          <a:ln w="28575"/>
+        </p:spPr>
+        <p:style>
+          <a:lnRef idx="1">
+            <a:schemeClr val="dk1"/>
+          </a:lnRef>
+          <a:fillRef idx="0">
+            <a:schemeClr val="dk1"/>
+          </a:fillRef>
+          <a:effectRef idx="0">
+            <a:schemeClr val="dk1"/>
+          </a:effectRef>
+          <a:fontRef idx="minor">
+            <a:schemeClr val="tx1"/>
+          </a:fontRef>
+        </p:style>
+      </p:cxnSp>
     </p:spTree>
     <p:extLst>
       <p:ext uri="{BB962C8B-B14F-4D97-AF65-F5344CB8AC3E}">
@@ -10741,7 +10333,7 @@
           <p:nvPr>
             <p:extLst>
               <p:ext uri="{D42A27DB-BD31-4B8C-83A1-F6EECF244321}">
-                <p14:modId xmlns:p14="http://schemas.microsoft.com/office/powerpoint/2010/main" val="3382895615"/>
+                <p14:modId xmlns:p14="http://schemas.microsoft.com/office/powerpoint/2010/main" val="82909335"/>
               </p:ext>
             </p:extLst>
           </p:nvPr>
@@ -11256,32 +10848,6 @@
           </a:prstGeom>
         </p:spPr>
       </p:pic>
-      <p:graphicFrame>
-        <p:nvGraphicFramePr>
-          <p:cNvPr id="8" name="Diagramm 7">
-            <a:extLst>
-              <a:ext uri="{FF2B5EF4-FFF2-40B4-BE49-F238E27FC236}">
-                <a16:creationId xmlns:a16="http://schemas.microsoft.com/office/drawing/2014/main" id="{A3C1C590-9655-4393-B2D6-67842F3E7005}"/>
-              </a:ext>
-            </a:extLst>
-          </p:cNvPr>
-          <p:cNvGraphicFramePr>
-            <a:graphicFrameLocks/>
-          </p:cNvGraphicFramePr>
-          <p:nvPr>
-            <p:extLst/>
-          </p:nvPr>
-        </p:nvGraphicFramePr>
-        <p:xfrm>
-          <a:off x="5347251" y="1387969"/>
-          <a:ext cx="6444527" cy="4863744"/>
-        </p:xfrm>
-        <a:graphic>
-          <a:graphicData uri="http://schemas.openxmlformats.org/drawingml/2006/chart">
-            <c:chart xmlns:c="http://schemas.openxmlformats.org/drawingml/2006/chart" xmlns:r="http://schemas.openxmlformats.org/officeDocument/2006/relationships" r:id="rId4"/>
-          </a:graphicData>
-        </a:graphic>
-      </p:graphicFrame>
       <p:sp>
         <p:nvSpPr>
           <p:cNvPr id="11" name="Geschweifte Klammer links 10">
@@ -11384,7 +10950,7 @@
           <p:nvPr>
             <p:extLst>
               <p:ext uri="{D42A27DB-BD31-4B8C-83A1-F6EECF244321}">
-                <p14:modId xmlns:p14="http://schemas.microsoft.com/office/powerpoint/2010/main" val="3454079625"/>
+                <p14:modId xmlns:p14="http://schemas.microsoft.com/office/powerpoint/2010/main" val="3263748258"/>
               </p:ext>
             </p:extLst>
           </p:nvPr>
@@ -11397,7 +10963,7 @@
           <a:graphicData uri="http://schemas.openxmlformats.org/drawingml/2006/table">
             <a:tbl>
               <a:tblPr firstRow="1" bandRow="1">
-                <a:tableStyleId>{93296810-A885-4BE3-A3E7-6D5BEEA58F35}</a:tableStyleId>
+                <a:tableStyleId>{F5AB1C69-6EDB-4FF4-983F-18BD219EF322}</a:tableStyleId>
               </a:tblPr>
               <a:tblGrid>
                 <a:gridCol w="4064000">
@@ -11471,7 +11037,14 @@
                     <a:lstStyle/>
                     <a:p>
                       <a:pPr algn="ctr"/>
-                      <a:endParaRPr lang="de-AT" dirty="0"/>
+                      <a:r>
+                        <a:rPr lang="de-AT" dirty="0" err="1"/>
+                        <a:t>NodRed</a:t>
+                      </a:r>
+                      <a:r>
+                        <a:rPr lang="de-AT" dirty="0"/>
+                        <a:t>-App</a:t>
+                      </a:r>
                     </a:p>
                   </a:txBody>
                   <a:tcPr/>
@@ -11500,7 +11073,10 @@
                     <a:lstStyle/>
                     <a:p>
                       <a:pPr algn="ctr"/>
-                      <a:endParaRPr lang="de-AT" dirty="0"/>
+                      <a:r>
+                        <a:rPr lang="de-AT" dirty="0"/>
+                        <a:t>Message Handler</a:t>
+                      </a:r>
                     </a:p>
                   </a:txBody>
                   <a:tcPr/>
@@ -11617,7 +11193,7 @@
           <p:nvPr>
             <p:extLst>
               <p:ext uri="{D42A27DB-BD31-4B8C-83A1-F6EECF244321}">
-                <p14:modId xmlns:p14="http://schemas.microsoft.com/office/powerpoint/2010/main" val="1216047300"/>
+                <p14:modId xmlns:p14="http://schemas.microsoft.com/office/powerpoint/2010/main" val="539473045"/>
               </p:ext>
             </p:extLst>
           </p:nvPr>
@@ -11630,7 +11206,7 @@
           <a:graphicData uri="http://schemas.openxmlformats.org/drawingml/2006/table">
             <a:tbl>
               <a:tblPr firstRow="1" bandRow="1">
-                <a:tableStyleId>{93296810-A885-4BE3-A3E7-6D5BEEA58F35}</a:tableStyleId>
+                <a:tableStyleId>{F5AB1C69-6EDB-4FF4-983F-18BD219EF322}</a:tableStyleId>
               </a:tblPr>
               <a:tblGrid>
                 <a:gridCol w="4064000">
@@ -11704,6 +11280,14 @@
                     <a:lstStyle/>
                     <a:p>
                       <a:pPr algn="ctr"/>
+                      <a:r>
+                        <a:rPr lang="de-AT" dirty="0"/>
+                        <a:t>DB </a:t>
+                      </a:r>
+                      <a:r>
+                        <a:rPr lang="de-AT" dirty="0" err="1"/>
+                        <a:t>Cloudant</a:t>
+                      </a:r>
                       <a:endParaRPr lang="de-AT" dirty="0"/>
                     </a:p>
                   </a:txBody>
@@ -11736,7 +11320,10 @@
                     <a:lstStyle/>
                     <a:p>
                       <a:pPr algn="ctr"/>
-                      <a:endParaRPr lang="de-AT" dirty="0"/>
+                      <a:r>
+                        <a:rPr lang="de-AT" dirty="0"/>
+                        <a:t>REST-API</a:t>
+                      </a:r>
                     </a:p>
                   </a:txBody>
                   <a:tcPr/>
@@ -11768,7 +11355,10 @@
                     <a:lstStyle/>
                     <a:p>
                       <a:pPr algn="ctr"/>
-                      <a:endParaRPr lang="de-AT" dirty="0"/>
+                      <a:r>
+                        <a:rPr lang="de-AT" dirty="0"/>
+                        <a:t>DB Warehouse</a:t>
+                      </a:r>
                     </a:p>
                   </a:txBody>
                   <a:tcPr/>
@@ -11845,7 +11435,7 @@
           <a:p>
             <a:r>
               <a:rPr lang="en-GB" sz="2400" dirty="0">
-                <a:hlinkClick r:id="rId5"/>
+                <a:hlinkClick r:id="rId4"/>
               </a:rPr>
               <a:t>https://tgm-frontend-app.eu-de.mybluemix.net/</a:t>
             </a:r>
